--- a/Planung/Praesentationen/Zwischenpräsentation Diplomarbeit - Kopie.pptx
+++ b/Planung/Praesentationen/Zwischenpräsentation Diplomarbeit - Kopie.pptx
@@ -132,6 +132,11 @@
             <a:srgbClr val="A4A3A4"/>
           </p15:clr>
         </p15:guide>
+        <p15:guide id="3" orient="horz" pos="2183" userDrawn="1">
+          <p15:clr>
+            <a:srgbClr val="A4A3A4"/>
+          </p15:clr>
+        </p15:guide>
       </p15:sldGuideLst>
     </p:ext>
   </p:extLst>
@@ -3878,6 +3883,1504 @@
 </file>
 
 <file path=ppt/diagrams/colors6.xml><?xml version="1.0" encoding="utf-8"?>
+<dgm:colorsDef xmlns:dgm="http://schemas.openxmlformats.org/drawingml/2006/diagram" xmlns:a="http://schemas.openxmlformats.org/drawingml/2006/main" uniqueId="urn:microsoft.com/office/officeart/2005/8/colors/accent0_3">
+  <dgm:title val=""/>
+  <dgm:desc val=""/>
+  <dgm:catLst>
+    <dgm:cat type="mainScheme" pri="10300"/>
+  </dgm:catLst>
+  <dgm:styleLbl name="node0">
+    <dgm:fillClrLst meth="repeat">
+      <a:schemeClr val="dk2"/>
+    </dgm:fillClrLst>
+    <dgm:linClrLst meth="repeat">
+      <a:schemeClr val="lt2"/>
+    </dgm:linClrLst>
+    <dgm:effectClrLst/>
+    <dgm:txLinClrLst/>
+    <dgm:txFillClrLst/>
+    <dgm:txEffectClrLst/>
+  </dgm:styleLbl>
+  <dgm:styleLbl name="alignNode1">
+    <dgm:fillClrLst meth="repeat">
+      <a:schemeClr val="dk2"/>
+    </dgm:fillClrLst>
+    <dgm:linClrLst meth="repeat">
+      <a:schemeClr val="dk2"/>
+    </dgm:linClrLst>
+    <dgm:effectClrLst/>
+    <dgm:txLinClrLst/>
+    <dgm:txFillClrLst/>
+    <dgm:txEffectClrLst/>
+  </dgm:styleLbl>
+  <dgm:styleLbl name="node1">
+    <dgm:fillClrLst meth="repeat">
+      <a:schemeClr val="dk2"/>
+    </dgm:fillClrLst>
+    <dgm:linClrLst meth="repeat">
+      <a:schemeClr val="lt2"/>
+    </dgm:linClrLst>
+    <dgm:effectClrLst/>
+    <dgm:txLinClrLst/>
+    <dgm:txFillClrLst/>
+    <dgm:txEffectClrLst/>
+  </dgm:styleLbl>
+  <dgm:styleLbl name="lnNode1">
+    <dgm:fillClrLst meth="repeat">
+      <a:schemeClr val="dk2"/>
+    </dgm:fillClrLst>
+    <dgm:linClrLst meth="repeat">
+      <a:schemeClr val="lt2"/>
+    </dgm:linClrLst>
+    <dgm:effectClrLst/>
+    <dgm:txLinClrLst/>
+    <dgm:txFillClrLst/>
+    <dgm:txEffectClrLst/>
+  </dgm:styleLbl>
+  <dgm:styleLbl name="vennNode1">
+    <dgm:fillClrLst meth="repeat">
+      <a:schemeClr val="dk2">
+        <a:alpha val="50000"/>
+      </a:schemeClr>
+    </dgm:fillClrLst>
+    <dgm:linClrLst meth="repeat">
+      <a:schemeClr val="lt2"/>
+    </dgm:linClrLst>
+    <dgm:effectClrLst/>
+    <dgm:txLinClrLst/>
+    <dgm:txFillClrLst/>
+    <dgm:txEffectClrLst/>
+  </dgm:styleLbl>
+  <dgm:styleLbl name="node2">
+    <dgm:fillClrLst meth="repeat">
+      <a:schemeClr val="dk2"/>
+    </dgm:fillClrLst>
+    <dgm:linClrLst meth="repeat">
+      <a:schemeClr val="lt2"/>
+    </dgm:linClrLst>
+    <dgm:effectClrLst/>
+    <dgm:txLinClrLst/>
+    <dgm:txFillClrLst/>
+    <dgm:txEffectClrLst/>
+  </dgm:styleLbl>
+  <dgm:styleLbl name="node3">
+    <dgm:fillClrLst meth="repeat">
+      <a:schemeClr val="dk2"/>
+    </dgm:fillClrLst>
+    <dgm:linClrLst meth="repeat">
+      <a:schemeClr val="lt2"/>
+    </dgm:linClrLst>
+    <dgm:effectClrLst/>
+    <dgm:txLinClrLst/>
+    <dgm:txFillClrLst/>
+    <dgm:txEffectClrLst/>
+  </dgm:styleLbl>
+  <dgm:styleLbl name="node4">
+    <dgm:fillClrLst meth="repeat">
+      <a:schemeClr val="dk2"/>
+    </dgm:fillClrLst>
+    <dgm:linClrLst meth="repeat">
+      <a:schemeClr val="lt2"/>
+    </dgm:linClrLst>
+    <dgm:effectClrLst/>
+    <dgm:txLinClrLst/>
+    <dgm:txFillClrLst/>
+    <dgm:txEffectClrLst/>
+  </dgm:styleLbl>
+  <dgm:styleLbl name="fgImgPlace1">
+    <dgm:fillClrLst meth="repeat">
+      <a:schemeClr val="dk2">
+        <a:tint val="50000"/>
+      </a:schemeClr>
+    </dgm:fillClrLst>
+    <dgm:linClrLst meth="repeat">
+      <a:schemeClr val="lt2"/>
+    </dgm:linClrLst>
+    <dgm:effectClrLst/>
+    <dgm:txLinClrLst/>
+    <dgm:txFillClrLst meth="repeat">
+      <a:schemeClr val="lt2"/>
+    </dgm:txFillClrLst>
+    <dgm:txEffectClrLst/>
+  </dgm:styleLbl>
+  <dgm:styleLbl name="alignImgPlace1">
+    <dgm:fillClrLst meth="repeat">
+      <a:schemeClr val="dk2">
+        <a:tint val="50000"/>
+      </a:schemeClr>
+    </dgm:fillClrLst>
+    <dgm:linClrLst meth="repeat">
+      <a:schemeClr val="dk2">
+        <a:shade val="80000"/>
+      </a:schemeClr>
+    </dgm:linClrLst>
+    <dgm:effectClrLst/>
+    <dgm:txLinClrLst/>
+    <dgm:txFillClrLst meth="repeat">
+      <a:schemeClr val="lt2"/>
+    </dgm:txFillClrLst>
+    <dgm:txEffectClrLst/>
+  </dgm:styleLbl>
+  <dgm:styleLbl name="bgImgPlace1">
+    <dgm:fillClrLst meth="repeat">
+      <a:schemeClr val="dk2">
+        <a:tint val="50000"/>
+      </a:schemeClr>
+    </dgm:fillClrLst>
+    <dgm:linClrLst meth="repeat">
+      <a:schemeClr val="dk2">
+        <a:shade val="80000"/>
+      </a:schemeClr>
+    </dgm:linClrLst>
+    <dgm:effectClrLst/>
+    <dgm:txLinClrLst/>
+    <dgm:txFillClrLst meth="repeat">
+      <a:schemeClr val="lt2"/>
+    </dgm:txFillClrLst>
+    <dgm:txEffectClrLst/>
+  </dgm:styleLbl>
+  <dgm:styleLbl name="sibTrans2D1">
+    <dgm:fillClrLst meth="repeat">
+      <a:schemeClr val="dk2">
+        <a:tint val="60000"/>
+      </a:schemeClr>
+    </dgm:fillClrLst>
+    <dgm:linClrLst meth="repeat">
+      <a:schemeClr val="dk2">
+        <a:tint val="60000"/>
+      </a:schemeClr>
+    </dgm:linClrLst>
+    <dgm:effectClrLst/>
+    <dgm:txLinClrLst/>
+    <dgm:txFillClrLst/>
+    <dgm:txEffectClrLst/>
+  </dgm:styleLbl>
+  <dgm:styleLbl name="fgSibTrans2D1">
+    <dgm:fillClrLst meth="repeat">
+      <a:schemeClr val="dk2">
+        <a:tint val="60000"/>
+      </a:schemeClr>
+    </dgm:fillClrLst>
+    <dgm:linClrLst meth="repeat">
+      <a:schemeClr val="dk2">
+        <a:tint val="60000"/>
+      </a:schemeClr>
+    </dgm:linClrLst>
+    <dgm:effectClrLst/>
+    <dgm:txLinClrLst/>
+    <dgm:txFillClrLst/>
+    <dgm:txEffectClrLst/>
+  </dgm:styleLbl>
+  <dgm:styleLbl name="bgSibTrans2D1">
+    <dgm:fillClrLst meth="repeat">
+      <a:schemeClr val="dk2">
+        <a:tint val="60000"/>
+      </a:schemeClr>
+    </dgm:fillClrLst>
+    <dgm:linClrLst meth="repeat">
+      <a:schemeClr val="dk2">
+        <a:tint val="60000"/>
+      </a:schemeClr>
+    </dgm:linClrLst>
+    <dgm:effectClrLst/>
+    <dgm:txLinClrLst/>
+    <dgm:txFillClrLst/>
+    <dgm:txEffectClrLst/>
+  </dgm:styleLbl>
+  <dgm:styleLbl name="sibTrans1D1">
+    <dgm:fillClrLst meth="repeat">
+      <a:schemeClr val="dk2"/>
+    </dgm:fillClrLst>
+    <dgm:linClrLst meth="repeat">
+      <a:schemeClr val="dk2"/>
+    </dgm:linClrLst>
+    <dgm:effectClrLst/>
+    <dgm:txLinClrLst/>
+    <dgm:txFillClrLst meth="repeat">
+      <a:schemeClr val="lt2"/>
+    </dgm:txFillClrLst>
+    <dgm:txEffectClrLst/>
+  </dgm:styleLbl>
+  <dgm:styleLbl name="callout">
+    <dgm:fillClrLst meth="repeat">
+      <a:schemeClr val="dk2"/>
+    </dgm:fillClrLst>
+    <dgm:linClrLst meth="repeat">
+      <a:schemeClr val="dk2">
+        <a:tint val="50000"/>
+      </a:schemeClr>
+    </dgm:linClrLst>
+    <dgm:effectClrLst/>
+    <dgm:txLinClrLst/>
+    <dgm:txFillClrLst meth="repeat">
+      <a:schemeClr val="lt2"/>
+    </dgm:txFillClrLst>
+    <dgm:txEffectClrLst/>
+  </dgm:styleLbl>
+  <dgm:styleLbl name="asst0">
+    <dgm:fillClrLst meth="repeat">
+      <a:schemeClr val="dk2"/>
+    </dgm:fillClrLst>
+    <dgm:linClrLst meth="repeat">
+      <a:schemeClr val="lt2"/>
+    </dgm:linClrLst>
+    <dgm:effectClrLst/>
+    <dgm:txLinClrLst/>
+    <dgm:txFillClrLst/>
+    <dgm:txEffectClrLst/>
+  </dgm:styleLbl>
+  <dgm:styleLbl name="asst1">
+    <dgm:fillClrLst meth="repeat">
+      <a:schemeClr val="dk2"/>
+    </dgm:fillClrLst>
+    <dgm:linClrLst meth="repeat">
+      <a:schemeClr val="lt2"/>
+    </dgm:linClrLst>
+    <dgm:effectClrLst/>
+    <dgm:txLinClrLst/>
+    <dgm:txFillClrLst/>
+    <dgm:txEffectClrLst/>
+  </dgm:styleLbl>
+  <dgm:styleLbl name="asst2">
+    <dgm:fillClrLst meth="repeat">
+      <a:schemeClr val="dk2"/>
+    </dgm:fillClrLst>
+    <dgm:linClrLst meth="repeat">
+      <a:schemeClr val="lt2"/>
+    </dgm:linClrLst>
+    <dgm:effectClrLst/>
+    <dgm:txLinClrLst/>
+    <dgm:txFillClrLst/>
+    <dgm:txEffectClrLst/>
+  </dgm:styleLbl>
+  <dgm:styleLbl name="asst3">
+    <dgm:fillClrLst meth="repeat">
+      <a:schemeClr val="dk2"/>
+    </dgm:fillClrLst>
+    <dgm:linClrLst meth="repeat">
+      <a:schemeClr val="lt2"/>
+    </dgm:linClrLst>
+    <dgm:effectClrLst/>
+    <dgm:txLinClrLst/>
+    <dgm:txFillClrLst/>
+    <dgm:txEffectClrLst/>
+  </dgm:styleLbl>
+  <dgm:styleLbl name="asst4">
+    <dgm:fillClrLst meth="repeat">
+      <a:schemeClr val="dk2"/>
+    </dgm:fillClrLst>
+    <dgm:linClrLst meth="repeat">
+      <a:schemeClr val="lt2"/>
+    </dgm:linClrLst>
+    <dgm:effectClrLst/>
+    <dgm:txLinClrLst/>
+    <dgm:txFillClrLst/>
+    <dgm:txEffectClrLst/>
+  </dgm:styleLbl>
+  <dgm:styleLbl name="parChTrans2D1">
+    <dgm:fillClrLst meth="repeat">
+      <a:schemeClr val="dk2">
+        <a:tint val="60000"/>
+      </a:schemeClr>
+    </dgm:fillClrLst>
+    <dgm:linClrLst meth="repeat">
+      <a:schemeClr val="dk2">
+        <a:tint val="60000"/>
+      </a:schemeClr>
+    </dgm:linClrLst>
+    <dgm:effectClrLst/>
+    <dgm:txLinClrLst/>
+    <dgm:txFillClrLst meth="repeat">
+      <a:schemeClr val="lt2"/>
+    </dgm:txFillClrLst>
+    <dgm:txEffectClrLst/>
+  </dgm:styleLbl>
+  <dgm:styleLbl name="parChTrans2D2">
+    <dgm:fillClrLst meth="repeat">
+      <a:schemeClr val="dk2"/>
+    </dgm:fillClrLst>
+    <dgm:linClrLst meth="repeat">
+      <a:schemeClr val="dk2"/>
+    </dgm:linClrLst>
+    <dgm:effectClrLst/>
+    <dgm:txLinClrLst/>
+    <dgm:txFillClrLst meth="repeat">
+      <a:schemeClr val="lt2"/>
+    </dgm:txFillClrLst>
+    <dgm:txEffectClrLst/>
+  </dgm:styleLbl>
+  <dgm:styleLbl name="parChTrans2D3">
+    <dgm:fillClrLst meth="repeat">
+      <a:schemeClr val="dk2"/>
+    </dgm:fillClrLst>
+    <dgm:linClrLst meth="repeat">
+      <a:schemeClr val="dk2"/>
+    </dgm:linClrLst>
+    <dgm:effectClrLst/>
+    <dgm:txLinClrLst/>
+    <dgm:txFillClrLst meth="repeat">
+      <a:schemeClr val="lt2"/>
+    </dgm:txFillClrLst>
+    <dgm:txEffectClrLst/>
+  </dgm:styleLbl>
+  <dgm:styleLbl name="parChTrans2D4">
+    <dgm:fillClrLst meth="repeat">
+      <a:schemeClr val="dk2"/>
+    </dgm:fillClrLst>
+    <dgm:linClrLst meth="repeat">
+      <a:schemeClr val="dk2"/>
+    </dgm:linClrLst>
+    <dgm:effectClrLst/>
+    <dgm:txLinClrLst/>
+    <dgm:txFillClrLst meth="repeat">
+      <a:schemeClr val="lt2"/>
+    </dgm:txFillClrLst>
+    <dgm:txEffectClrLst/>
+  </dgm:styleLbl>
+  <dgm:styleLbl name="parChTrans1D1">
+    <dgm:fillClrLst meth="repeat">
+      <a:schemeClr val="dk2"/>
+    </dgm:fillClrLst>
+    <dgm:linClrLst meth="repeat">
+      <a:schemeClr val="dk2">
+        <a:shade val="60000"/>
+      </a:schemeClr>
+    </dgm:linClrLst>
+    <dgm:effectClrLst/>
+    <dgm:txLinClrLst/>
+    <dgm:txFillClrLst meth="repeat">
+      <a:schemeClr val="tx1"/>
+    </dgm:txFillClrLst>
+    <dgm:txEffectClrLst/>
+  </dgm:styleLbl>
+  <dgm:styleLbl name="parChTrans1D2">
+    <dgm:fillClrLst meth="repeat">
+      <a:schemeClr val="dk2"/>
+    </dgm:fillClrLst>
+    <dgm:linClrLst meth="repeat">
+      <a:schemeClr val="dk2">
+        <a:shade val="60000"/>
+      </a:schemeClr>
+    </dgm:linClrLst>
+    <dgm:effectClrLst/>
+    <dgm:txLinClrLst/>
+    <dgm:txFillClrLst meth="repeat">
+      <a:schemeClr val="tx1"/>
+    </dgm:txFillClrLst>
+    <dgm:txEffectClrLst/>
+  </dgm:styleLbl>
+  <dgm:styleLbl name="parChTrans1D3">
+    <dgm:fillClrLst meth="repeat">
+      <a:schemeClr val="dk2"/>
+    </dgm:fillClrLst>
+    <dgm:linClrLst meth="repeat">
+      <a:schemeClr val="dk2">
+        <a:shade val="80000"/>
+      </a:schemeClr>
+    </dgm:linClrLst>
+    <dgm:effectClrLst/>
+    <dgm:txLinClrLst/>
+    <dgm:txFillClrLst meth="repeat">
+      <a:schemeClr val="tx1"/>
+    </dgm:txFillClrLst>
+    <dgm:txEffectClrLst/>
+  </dgm:styleLbl>
+  <dgm:styleLbl name="parChTrans1D4">
+    <dgm:fillClrLst meth="repeat">
+      <a:schemeClr val="dk2"/>
+    </dgm:fillClrLst>
+    <dgm:linClrLst meth="repeat">
+      <a:schemeClr val="dk2">
+        <a:shade val="80000"/>
+      </a:schemeClr>
+    </dgm:linClrLst>
+    <dgm:effectClrLst/>
+    <dgm:txLinClrLst/>
+    <dgm:txFillClrLst meth="repeat">
+      <a:schemeClr val="tx1"/>
+    </dgm:txFillClrLst>
+    <dgm:txEffectClrLst/>
+  </dgm:styleLbl>
+  <dgm:styleLbl name="fgAcc1">
+    <dgm:fillClrLst meth="repeat">
+      <a:schemeClr val="lt2">
+        <a:alpha val="90000"/>
+      </a:schemeClr>
+    </dgm:fillClrLst>
+    <dgm:linClrLst meth="repeat">
+      <a:schemeClr val="dk2"/>
+    </dgm:linClrLst>
+    <dgm:effectClrLst/>
+    <dgm:txLinClrLst/>
+    <dgm:txFillClrLst meth="repeat">
+      <a:schemeClr val="dk1"/>
+    </dgm:txFillClrLst>
+    <dgm:txEffectClrLst/>
+  </dgm:styleLbl>
+  <dgm:styleLbl name="conFgAcc1">
+    <dgm:fillClrLst meth="repeat">
+      <a:schemeClr val="lt2">
+        <a:alpha val="90000"/>
+      </a:schemeClr>
+    </dgm:fillClrLst>
+    <dgm:linClrLst meth="repeat">
+      <a:schemeClr val="dk2"/>
+    </dgm:linClrLst>
+    <dgm:effectClrLst/>
+    <dgm:txLinClrLst/>
+    <dgm:txFillClrLst meth="repeat">
+      <a:schemeClr val="dk1"/>
+    </dgm:txFillClrLst>
+    <dgm:txEffectClrLst/>
+  </dgm:styleLbl>
+  <dgm:styleLbl name="alignAcc1">
+    <dgm:fillClrLst meth="repeat">
+      <a:schemeClr val="lt2">
+        <a:alpha val="90000"/>
+      </a:schemeClr>
+    </dgm:fillClrLst>
+    <dgm:linClrLst meth="repeat">
+      <a:schemeClr val="dk2"/>
+    </dgm:linClrLst>
+    <dgm:effectClrLst/>
+    <dgm:txLinClrLst/>
+    <dgm:txFillClrLst meth="repeat">
+      <a:schemeClr val="dk1"/>
+    </dgm:txFillClrLst>
+    <dgm:txEffectClrLst/>
+  </dgm:styleLbl>
+  <dgm:styleLbl name="trAlignAcc1">
+    <dgm:fillClrLst meth="repeat">
+      <a:schemeClr val="lt2">
+        <a:alpha val="40000"/>
+      </a:schemeClr>
+    </dgm:fillClrLst>
+    <dgm:linClrLst meth="repeat">
+      <a:schemeClr val="dk2"/>
+    </dgm:linClrLst>
+    <dgm:effectClrLst/>
+    <dgm:txLinClrLst/>
+    <dgm:txFillClrLst meth="repeat">
+      <a:schemeClr val="dk1"/>
+    </dgm:txFillClrLst>
+    <dgm:txEffectClrLst/>
+  </dgm:styleLbl>
+  <dgm:styleLbl name="bgAcc1">
+    <dgm:fillClrLst meth="repeat">
+      <a:schemeClr val="lt2">
+        <a:alpha val="90000"/>
+      </a:schemeClr>
+    </dgm:fillClrLst>
+    <dgm:linClrLst meth="repeat">
+      <a:schemeClr val="dk2"/>
+    </dgm:linClrLst>
+    <dgm:effectClrLst/>
+    <dgm:txLinClrLst/>
+    <dgm:txFillClrLst meth="repeat">
+      <a:schemeClr val="dk1"/>
+    </dgm:txFillClrLst>
+    <dgm:txEffectClrLst/>
+  </dgm:styleLbl>
+  <dgm:styleLbl name="solidFgAcc1">
+    <dgm:fillClrLst meth="repeat">
+      <a:schemeClr val="lt2"/>
+    </dgm:fillClrLst>
+    <dgm:linClrLst meth="repeat">
+      <a:schemeClr val="dk2"/>
+    </dgm:linClrLst>
+    <dgm:effectClrLst/>
+    <dgm:txLinClrLst/>
+    <dgm:txFillClrLst meth="repeat">
+      <a:schemeClr val="dk1"/>
+    </dgm:txFillClrLst>
+    <dgm:txEffectClrLst/>
+  </dgm:styleLbl>
+  <dgm:styleLbl name="solidAlignAcc1">
+    <dgm:fillClrLst meth="repeat">
+      <a:schemeClr val="lt2"/>
+    </dgm:fillClrLst>
+    <dgm:linClrLst meth="repeat">
+      <a:schemeClr val="dk2"/>
+    </dgm:linClrLst>
+    <dgm:effectClrLst/>
+    <dgm:txLinClrLst/>
+    <dgm:txFillClrLst meth="repeat">
+      <a:schemeClr val="dk1"/>
+    </dgm:txFillClrLst>
+    <dgm:txEffectClrLst/>
+  </dgm:styleLbl>
+  <dgm:styleLbl name="solidBgAcc1">
+    <dgm:fillClrLst meth="repeat">
+      <a:schemeClr val="lt2"/>
+    </dgm:fillClrLst>
+    <dgm:linClrLst meth="repeat">
+      <a:schemeClr val="dk2"/>
+    </dgm:linClrLst>
+    <dgm:effectClrLst/>
+    <dgm:txLinClrLst/>
+    <dgm:txFillClrLst meth="repeat">
+      <a:schemeClr val="dk1"/>
+    </dgm:txFillClrLst>
+    <dgm:txEffectClrLst/>
+  </dgm:styleLbl>
+  <dgm:styleLbl name="fgAccFollowNode1">
+    <dgm:fillClrLst meth="repeat">
+      <a:schemeClr val="dk2">
+        <a:alpha val="90000"/>
+        <a:tint val="40000"/>
+      </a:schemeClr>
+    </dgm:fillClrLst>
+    <dgm:linClrLst meth="repeat">
+      <a:schemeClr val="dk2">
+        <a:alpha val="90000"/>
+        <a:tint val="40000"/>
+      </a:schemeClr>
+    </dgm:linClrLst>
+    <dgm:effectClrLst/>
+    <dgm:txLinClrLst/>
+    <dgm:txFillClrLst meth="repeat">
+      <a:schemeClr val="dk1"/>
+    </dgm:txFillClrLst>
+    <dgm:txEffectClrLst/>
+  </dgm:styleLbl>
+  <dgm:styleLbl name="alignAccFollowNode1">
+    <dgm:fillClrLst meth="repeat">
+      <a:schemeClr val="dk2">
+        <a:alpha val="90000"/>
+        <a:tint val="40000"/>
+      </a:schemeClr>
+    </dgm:fillClrLst>
+    <dgm:linClrLst meth="repeat">
+      <a:schemeClr val="dk2">
+        <a:alpha val="90000"/>
+        <a:tint val="40000"/>
+      </a:schemeClr>
+    </dgm:linClrLst>
+    <dgm:effectClrLst/>
+    <dgm:txLinClrLst/>
+    <dgm:txFillClrLst meth="repeat">
+      <a:schemeClr val="dk1"/>
+    </dgm:txFillClrLst>
+    <dgm:txEffectClrLst/>
+  </dgm:styleLbl>
+  <dgm:styleLbl name="bgAccFollowNode1">
+    <dgm:fillClrLst meth="repeat">
+      <a:schemeClr val="dk2">
+        <a:alpha val="90000"/>
+        <a:tint val="40000"/>
+      </a:schemeClr>
+    </dgm:fillClrLst>
+    <dgm:linClrLst meth="repeat">
+      <a:schemeClr val="dk2">
+        <a:alpha val="90000"/>
+        <a:tint val="40000"/>
+      </a:schemeClr>
+    </dgm:linClrLst>
+    <dgm:effectClrLst/>
+    <dgm:txLinClrLst/>
+    <dgm:txFillClrLst meth="repeat">
+      <a:schemeClr val="dk1"/>
+    </dgm:txFillClrLst>
+    <dgm:txEffectClrLst/>
+  </dgm:styleLbl>
+  <dgm:styleLbl name="fgAcc0">
+    <dgm:fillClrLst meth="repeat">
+      <a:schemeClr val="lt2">
+        <a:alpha val="90000"/>
+      </a:schemeClr>
+    </dgm:fillClrLst>
+    <dgm:linClrLst meth="repeat">
+      <a:schemeClr val="dk2"/>
+    </dgm:linClrLst>
+    <dgm:effectClrLst/>
+    <dgm:txLinClrLst/>
+    <dgm:txFillClrLst meth="repeat">
+      <a:schemeClr val="dk1"/>
+    </dgm:txFillClrLst>
+    <dgm:txEffectClrLst/>
+  </dgm:styleLbl>
+  <dgm:styleLbl name="fgAcc2">
+    <dgm:fillClrLst meth="repeat">
+      <a:schemeClr val="lt2">
+        <a:alpha val="90000"/>
+      </a:schemeClr>
+    </dgm:fillClrLst>
+    <dgm:linClrLst meth="repeat">
+      <a:schemeClr val="dk2"/>
+    </dgm:linClrLst>
+    <dgm:effectClrLst/>
+    <dgm:txLinClrLst/>
+    <dgm:txFillClrLst meth="repeat">
+      <a:schemeClr val="dk1"/>
+    </dgm:txFillClrLst>
+    <dgm:txEffectClrLst/>
+  </dgm:styleLbl>
+  <dgm:styleLbl name="fgAcc3">
+    <dgm:fillClrLst meth="repeat">
+      <a:schemeClr val="lt2">
+        <a:alpha val="90000"/>
+      </a:schemeClr>
+    </dgm:fillClrLst>
+    <dgm:linClrLst meth="repeat">
+      <a:schemeClr val="dk2"/>
+    </dgm:linClrLst>
+    <dgm:effectClrLst/>
+    <dgm:txLinClrLst/>
+    <dgm:txFillClrLst meth="repeat">
+      <a:schemeClr val="dk1"/>
+    </dgm:txFillClrLst>
+    <dgm:txEffectClrLst/>
+  </dgm:styleLbl>
+  <dgm:styleLbl name="fgAcc4">
+    <dgm:fillClrLst meth="repeat">
+      <a:schemeClr val="lt2">
+        <a:alpha val="90000"/>
+      </a:schemeClr>
+    </dgm:fillClrLst>
+    <dgm:linClrLst meth="repeat">
+      <a:schemeClr val="dk2"/>
+    </dgm:linClrLst>
+    <dgm:effectClrLst/>
+    <dgm:txLinClrLst/>
+    <dgm:txFillClrLst meth="repeat">
+      <a:schemeClr val="dk1"/>
+    </dgm:txFillClrLst>
+    <dgm:txEffectClrLst/>
+  </dgm:styleLbl>
+  <dgm:styleLbl name="bgShp">
+    <dgm:fillClrLst meth="repeat">
+      <a:schemeClr val="dk2">
+        <a:tint val="40000"/>
+      </a:schemeClr>
+    </dgm:fillClrLst>
+    <dgm:linClrLst meth="repeat">
+      <a:schemeClr val="dk2"/>
+    </dgm:linClrLst>
+    <dgm:effectClrLst/>
+    <dgm:txLinClrLst/>
+    <dgm:txFillClrLst meth="repeat">
+      <a:schemeClr val="dk1"/>
+    </dgm:txFillClrLst>
+    <dgm:txEffectClrLst/>
+  </dgm:styleLbl>
+  <dgm:styleLbl name="dkBgShp">
+    <dgm:fillClrLst meth="repeat">
+      <a:schemeClr val="dk2">
+        <a:shade val="80000"/>
+      </a:schemeClr>
+    </dgm:fillClrLst>
+    <dgm:linClrLst meth="repeat">
+      <a:schemeClr val="dk2"/>
+    </dgm:linClrLst>
+    <dgm:effectClrLst/>
+    <dgm:txLinClrLst/>
+    <dgm:txFillClrLst meth="repeat">
+      <a:schemeClr val="lt1"/>
+    </dgm:txFillClrLst>
+    <dgm:txEffectClrLst/>
+  </dgm:styleLbl>
+  <dgm:styleLbl name="trBgShp">
+    <dgm:fillClrLst meth="repeat">
+      <a:schemeClr val="dk2">
+        <a:tint val="50000"/>
+        <a:alpha val="40000"/>
+      </a:schemeClr>
+    </dgm:fillClrLst>
+    <dgm:linClrLst meth="repeat">
+      <a:schemeClr val="dk2"/>
+    </dgm:linClrLst>
+    <dgm:effectClrLst/>
+    <dgm:txLinClrLst/>
+    <dgm:txFillClrLst meth="repeat">
+      <a:schemeClr val="lt1"/>
+    </dgm:txFillClrLst>
+    <dgm:txEffectClrLst/>
+  </dgm:styleLbl>
+  <dgm:styleLbl name="fgShp">
+    <dgm:fillClrLst meth="repeat">
+      <a:schemeClr val="dk2">
+        <a:tint val="60000"/>
+      </a:schemeClr>
+    </dgm:fillClrLst>
+    <dgm:linClrLst meth="repeat">
+      <a:schemeClr val="lt2"/>
+    </dgm:linClrLst>
+    <dgm:effectClrLst/>
+    <dgm:txLinClrLst/>
+    <dgm:txFillClrLst meth="repeat">
+      <a:schemeClr val="dk1"/>
+    </dgm:txFillClrLst>
+    <dgm:txEffectClrLst/>
+  </dgm:styleLbl>
+  <dgm:styleLbl name="revTx">
+    <dgm:fillClrLst meth="repeat">
+      <a:schemeClr val="lt2">
+        <a:alpha val="0"/>
+      </a:schemeClr>
+    </dgm:fillClrLst>
+    <dgm:linClrLst meth="repeat">
+      <a:schemeClr val="dk1">
+        <a:alpha val="0"/>
+      </a:schemeClr>
+    </dgm:linClrLst>
+    <dgm:effectClrLst/>
+    <dgm:txLinClrLst/>
+    <dgm:txFillClrLst meth="repeat">
+      <a:schemeClr val="tx1"/>
+    </dgm:txFillClrLst>
+    <dgm:txEffectClrLst/>
+  </dgm:styleLbl>
+</dgm:colorsDef>
+</file>
+
+<file path=ppt/diagrams/colors7.xml><?xml version="1.0" encoding="utf-8"?>
+<dgm:colorsDef xmlns:dgm="http://schemas.openxmlformats.org/drawingml/2006/diagram" xmlns:a="http://schemas.openxmlformats.org/drawingml/2006/main" uniqueId="urn:microsoft.com/office/officeart/2005/8/colors/accent1_2">
+  <dgm:title val=""/>
+  <dgm:desc val=""/>
+  <dgm:catLst>
+    <dgm:cat type="accent1" pri="11200"/>
+  </dgm:catLst>
+  <dgm:styleLbl name="node0">
+    <dgm:fillClrLst meth="repeat">
+      <a:schemeClr val="accent1"/>
+    </dgm:fillClrLst>
+    <dgm:linClrLst meth="repeat">
+      <a:schemeClr val="lt1"/>
+    </dgm:linClrLst>
+    <dgm:effectClrLst/>
+    <dgm:txLinClrLst/>
+    <dgm:txFillClrLst/>
+    <dgm:txEffectClrLst/>
+  </dgm:styleLbl>
+  <dgm:styleLbl name="alignNode1">
+    <dgm:fillClrLst meth="repeat">
+      <a:schemeClr val="accent1"/>
+    </dgm:fillClrLst>
+    <dgm:linClrLst meth="repeat">
+      <a:schemeClr val="accent1"/>
+    </dgm:linClrLst>
+    <dgm:effectClrLst/>
+    <dgm:txLinClrLst/>
+    <dgm:txFillClrLst/>
+    <dgm:txEffectClrLst/>
+  </dgm:styleLbl>
+  <dgm:styleLbl name="node1">
+    <dgm:fillClrLst meth="repeat">
+      <a:schemeClr val="accent1"/>
+    </dgm:fillClrLst>
+    <dgm:linClrLst meth="repeat">
+      <a:schemeClr val="lt1"/>
+    </dgm:linClrLst>
+    <dgm:effectClrLst/>
+    <dgm:txLinClrLst/>
+    <dgm:txFillClrLst/>
+    <dgm:txEffectClrLst/>
+  </dgm:styleLbl>
+  <dgm:styleLbl name="lnNode1">
+    <dgm:fillClrLst meth="repeat">
+      <a:schemeClr val="accent1"/>
+    </dgm:fillClrLst>
+    <dgm:linClrLst meth="repeat">
+      <a:schemeClr val="lt1"/>
+    </dgm:linClrLst>
+    <dgm:effectClrLst/>
+    <dgm:txLinClrLst/>
+    <dgm:txFillClrLst/>
+    <dgm:txEffectClrLst/>
+  </dgm:styleLbl>
+  <dgm:styleLbl name="vennNode1">
+    <dgm:fillClrLst meth="repeat">
+      <a:schemeClr val="accent1">
+        <a:alpha val="50000"/>
+      </a:schemeClr>
+    </dgm:fillClrLst>
+    <dgm:linClrLst meth="repeat">
+      <a:schemeClr val="lt1"/>
+    </dgm:linClrLst>
+    <dgm:effectClrLst/>
+    <dgm:txLinClrLst/>
+    <dgm:txFillClrLst/>
+    <dgm:txEffectClrLst/>
+  </dgm:styleLbl>
+  <dgm:styleLbl name="node2">
+    <dgm:fillClrLst meth="repeat">
+      <a:schemeClr val="accent1"/>
+    </dgm:fillClrLst>
+    <dgm:linClrLst meth="repeat">
+      <a:schemeClr val="lt1"/>
+    </dgm:linClrLst>
+    <dgm:effectClrLst/>
+    <dgm:txLinClrLst/>
+    <dgm:txFillClrLst/>
+    <dgm:txEffectClrLst/>
+  </dgm:styleLbl>
+  <dgm:styleLbl name="node3">
+    <dgm:fillClrLst meth="repeat">
+      <a:schemeClr val="accent1"/>
+    </dgm:fillClrLst>
+    <dgm:linClrLst meth="repeat">
+      <a:schemeClr val="lt1"/>
+    </dgm:linClrLst>
+    <dgm:effectClrLst/>
+    <dgm:txLinClrLst/>
+    <dgm:txFillClrLst/>
+    <dgm:txEffectClrLst/>
+  </dgm:styleLbl>
+  <dgm:styleLbl name="node4">
+    <dgm:fillClrLst meth="repeat">
+      <a:schemeClr val="accent1"/>
+    </dgm:fillClrLst>
+    <dgm:linClrLst meth="repeat">
+      <a:schemeClr val="lt1"/>
+    </dgm:linClrLst>
+    <dgm:effectClrLst/>
+    <dgm:txLinClrLst/>
+    <dgm:txFillClrLst/>
+    <dgm:txEffectClrLst/>
+  </dgm:styleLbl>
+  <dgm:styleLbl name="fgImgPlace1">
+    <dgm:fillClrLst meth="repeat">
+      <a:schemeClr val="accent1">
+        <a:tint val="50000"/>
+      </a:schemeClr>
+    </dgm:fillClrLst>
+    <dgm:linClrLst meth="repeat">
+      <a:schemeClr val="lt1"/>
+    </dgm:linClrLst>
+    <dgm:effectClrLst/>
+    <dgm:txLinClrLst/>
+    <dgm:txFillClrLst meth="repeat">
+      <a:schemeClr val="lt1"/>
+    </dgm:txFillClrLst>
+    <dgm:txEffectClrLst/>
+  </dgm:styleLbl>
+  <dgm:styleLbl name="alignImgPlace1">
+    <dgm:fillClrLst meth="repeat">
+      <a:schemeClr val="accent1">
+        <a:tint val="50000"/>
+      </a:schemeClr>
+    </dgm:fillClrLst>
+    <dgm:linClrLst meth="repeat">
+      <a:schemeClr val="lt1"/>
+    </dgm:linClrLst>
+    <dgm:effectClrLst/>
+    <dgm:txLinClrLst/>
+    <dgm:txFillClrLst meth="repeat">
+      <a:schemeClr val="lt1"/>
+    </dgm:txFillClrLst>
+    <dgm:txEffectClrLst/>
+  </dgm:styleLbl>
+  <dgm:styleLbl name="bgImgPlace1">
+    <dgm:fillClrLst meth="repeat">
+      <a:schemeClr val="accent1">
+        <a:tint val="50000"/>
+      </a:schemeClr>
+    </dgm:fillClrLst>
+    <dgm:linClrLst meth="repeat">
+      <a:schemeClr val="lt1"/>
+    </dgm:linClrLst>
+    <dgm:effectClrLst/>
+    <dgm:txLinClrLst/>
+    <dgm:txFillClrLst meth="repeat">
+      <a:schemeClr val="lt1"/>
+    </dgm:txFillClrLst>
+    <dgm:txEffectClrLst/>
+  </dgm:styleLbl>
+  <dgm:styleLbl name="sibTrans2D1">
+    <dgm:fillClrLst meth="repeat">
+      <a:schemeClr val="accent1">
+        <a:tint val="60000"/>
+      </a:schemeClr>
+    </dgm:fillClrLst>
+    <dgm:linClrLst meth="repeat">
+      <a:schemeClr val="accent1">
+        <a:tint val="60000"/>
+      </a:schemeClr>
+    </dgm:linClrLst>
+    <dgm:effectClrLst/>
+    <dgm:txLinClrLst/>
+    <dgm:txFillClrLst/>
+    <dgm:txEffectClrLst/>
+  </dgm:styleLbl>
+  <dgm:styleLbl name="fgSibTrans2D1">
+    <dgm:fillClrLst meth="repeat">
+      <a:schemeClr val="accent1">
+        <a:tint val="60000"/>
+      </a:schemeClr>
+    </dgm:fillClrLst>
+    <dgm:linClrLst meth="repeat">
+      <a:schemeClr val="accent1">
+        <a:tint val="60000"/>
+      </a:schemeClr>
+    </dgm:linClrLst>
+    <dgm:effectClrLst/>
+    <dgm:txLinClrLst/>
+    <dgm:txFillClrLst/>
+    <dgm:txEffectClrLst/>
+  </dgm:styleLbl>
+  <dgm:styleLbl name="bgSibTrans2D1">
+    <dgm:fillClrLst meth="repeat">
+      <a:schemeClr val="accent1">
+        <a:tint val="60000"/>
+      </a:schemeClr>
+    </dgm:fillClrLst>
+    <dgm:linClrLst meth="repeat">
+      <a:schemeClr val="accent1">
+        <a:tint val="60000"/>
+      </a:schemeClr>
+    </dgm:linClrLst>
+    <dgm:effectClrLst/>
+    <dgm:txLinClrLst/>
+    <dgm:txFillClrLst/>
+    <dgm:txEffectClrLst/>
+  </dgm:styleLbl>
+  <dgm:styleLbl name="sibTrans1D1">
+    <dgm:fillClrLst meth="repeat">
+      <a:schemeClr val="accent1"/>
+    </dgm:fillClrLst>
+    <dgm:linClrLst meth="repeat">
+      <a:schemeClr val="accent1"/>
+    </dgm:linClrLst>
+    <dgm:effectClrLst/>
+    <dgm:txLinClrLst/>
+    <dgm:txFillClrLst meth="repeat">
+      <a:schemeClr val="tx1"/>
+    </dgm:txFillClrLst>
+    <dgm:txEffectClrLst/>
+  </dgm:styleLbl>
+  <dgm:styleLbl name="callout">
+    <dgm:fillClrLst meth="repeat">
+      <a:schemeClr val="accent1"/>
+    </dgm:fillClrLst>
+    <dgm:linClrLst meth="repeat">
+      <a:schemeClr val="accent1">
+        <a:tint val="50000"/>
+      </a:schemeClr>
+    </dgm:linClrLst>
+    <dgm:effectClrLst/>
+    <dgm:txLinClrLst/>
+    <dgm:txFillClrLst meth="repeat">
+      <a:schemeClr val="tx1"/>
+    </dgm:txFillClrLst>
+    <dgm:txEffectClrLst/>
+  </dgm:styleLbl>
+  <dgm:styleLbl name="asst0">
+    <dgm:fillClrLst meth="repeat">
+      <a:schemeClr val="accent1"/>
+    </dgm:fillClrLst>
+    <dgm:linClrLst meth="repeat">
+      <a:schemeClr val="lt1"/>
+    </dgm:linClrLst>
+    <dgm:effectClrLst/>
+    <dgm:txLinClrLst/>
+    <dgm:txFillClrLst/>
+    <dgm:txEffectClrLst/>
+  </dgm:styleLbl>
+  <dgm:styleLbl name="asst1">
+    <dgm:fillClrLst meth="repeat">
+      <a:schemeClr val="accent1"/>
+    </dgm:fillClrLst>
+    <dgm:linClrLst meth="repeat">
+      <a:schemeClr val="lt1"/>
+    </dgm:linClrLst>
+    <dgm:effectClrLst/>
+    <dgm:txLinClrLst/>
+    <dgm:txFillClrLst/>
+    <dgm:txEffectClrLst/>
+  </dgm:styleLbl>
+  <dgm:styleLbl name="asst2">
+    <dgm:fillClrLst meth="repeat">
+      <a:schemeClr val="accent1"/>
+    </dgm:fillClrLst>
+    <dgm:linClrLst meth="repeat">
+      <a:schemeClr val="lt1"/>
+    </dgm:linClrLst>
+    <dgm:effectClrLst/>
+    <dgm:txLinClrLst/>
+    <dgm:txFillClrLst/>
+    <dgm:txEffectClrLst/>
+  </dgm:styleLbl>
+  <dgm:styleLbl name="asst3">
+    <dgm:fillClrLst meth="repeat">
+      <a:schemeClr val="accent1"/>
+    </dgm:fillClrLst>
+    <dgm:linClrLst meth="repeat">
+      <a:schemeClr val="lt1"/>
+    </dgm:linClrLst>
+    <dgm:effectClrLst/>
+    <dgm:txLinClrLst/>
+    <dgm:txFillClrLst/>
+    <dgm:txEffectClrLst/>
+  </dgm:styleLbl>
+  <dgm:styleLbl name="asst4">
+    <dgm:fillClrLst meth="repeat">
+      <a:schemeClr val="accent1"/>
+    </dgm:fillClrLst>
+    <dgm:linClrLst meth="repeat">
+      <a:schemeClr val="lt1"/>
+    </dgm:linClrLst>
+    <dgm:effectClrLst/>
+    <dgm:txLinClrLst/>
+    <dgm:txFillClrLst/>
+    <dgm:txEffectClrLst/>
+  </dgm:styleLbl>
+  <dgm:styleLbl name="parChTrans2D1">
+    <dgm:fillClrLst meth="repeat">
+      <a:schemeClr val="accent1">
+        <a:tint val="60000"/>
+      </a:schemeClr>
+    </dgm:fillClrLst>
+    <dgm:linClrLst meth="repeat">
+      <a:schemeClr val="accent1">
+        <a:tint val="60000"/>
+      </a:schemeClr>
+    </dgm:linClrLst>
+    <dgm:effectClrLst/>
+    <dgm:txLinClrLst/>
+    <dgm:txFillClrLst meth="repeat">
+      <a:schemeClr val="lt1"/>
+    </dgm:txFillClrLst>
+    <dgm:txEffectClrLst/>
+  </dgm:styleLbl>
+  <dgm:styleLbl name="parChTrans2D2">
+    <dgm:fillClrLst meth="repeat">
+      <a:schemeClr val="accent1"/>
+    </dgm:fillClrLst>
+    <dgm:linClrLst meth="repeat">
+      <a:schemeClr val="accent1"/>
+    </dgm:linClrLst>
+    <dgm:effectClrLst/>
+    <dgm:txLinClrLst/>
+    <dgm:txFillClrLst meth="repeat">
+      <a:schemeClr val="lt1"/>
+    </dgm:txFillClrLst>
+    <dgm:txEffectClrLst/>
+  </dgm:styleLbl>
+  <dgm:styleLbl name="parChTrans2D3">
+    <dgm:fillClrLst meth="repeat">
+      <a:schemeClr val="accent1"/>
+    </dgm:fillClrLst>
+    <dgm:linClrLst meth="repeat">
+      <a:schemeClr val="accent1"/>
+    </dgm:linClrLst>
+    <dgm:effectClrLst/>
+    <dgm:txLinClrLst/>
+    <dgm:txFillClrLst meth="repeat">
+      <a:schemeClr val="lt1"/>
+    </dgm:txFillClrLst>
+    <dgm:txEffectClrLst/>
+  </dgm:styleLbl>
+  <dgm:styleLbl name="parChTrans2D4">
+    <dgm:fillClrLst meth="repeat">
+      <a:schemeClr val="accent1"/>
+    </dgm:fillClrLst>
+    <dgm:linClrLst meth="repeat">
+      <a:schemeClr val="accent1"/>
+    </dgm:linClrLst>
+    <dgm:effectClrLst/>
+    <dgm:txLinClrLst/>
+    <dgm:txFillClrLst meth="repeat">
+      <a:schemeClr val="lt1"/>
+    </dgm:txFillClrLst>
+    <dgm:txEffectClrLst/>
+  </dgm:styleLbl>
+  <dgm:styleLbl name="parChTrans1D1">
+    <dgm:fillClrLst meth="repeat">
+      <a:schemeClr val="accent1"/>
+    </dgm:fillClrLst>
+    <dgm:linClrLst meth="repeat">
+      <a:schemeClr val="accent1">
+        <a:shade val="60000"/>
+      </a:schemeClr>
+    </dgm:linClrLst>
+    <dgm:effectClrLst/>
+    <dgm:txLinClrLst/>
+    <dgm:txFillClrLst meth="repeat">
+      <a:schemeClr val="tx1"/>
+    </dgm:txFillClrLst>
+    <dgm:txEffectClrLst/>
+  </dgm:styleLbl>
+  <dgm:styleLbl name="parChTrans1D2">
+    <dgm:fillClrLst meth="repeat">
+      <a:schemeClr val="accent1"/>
+    </dgm:fillClrLst>
+    <dgm:linClrLst meth="repeat">
+      <a:schemeClr val="accent1">
+        <a:shade val="60000"/>
+      </a:schemeClr>
+    </dgm:linClrLst>
+    <dgm:effectClrLst/>
+    <dgm:txLinClrLst/>
+    <dgm:txFillClrLst meth="repeat">
+      <a:schemeClr val="tx1"/>
+    </dgm:txFillClrLst>
+    <dgm:txEffectClrLst/>
+  </dgm:styleLbl>
+  <dgm:styleLbl name="parChTrans1D3">
+    <dgm:fillClrLst meth="repeat">
+      <a:schemeClr val="accent1"/>
+    </dgm:fillClrLst>
+    <dgm:linClrLst meth="repeat">
+      <a:schemeClr val="accent1">
+        <a:shade val="80000"/>
+      </a:schemeClr>
+    </dgm:linClrLst>
+    <dgm:effectClrLst/>
+    <dgm:txLinClrLst/>
+    <dgm:txFillClrLst meth="repeat">
+      <a:schemeClr val="tx1"/>
+    </dgm:txFillClrLst>
+    <dgm:txEffectClrLst/>
+  </dgm:styleLbl>
+  <dgm:styleLbl name="parChTrans1D4">
+    <dgm:fillClrLst meth="repeat">
+      <a:schemeClr val="accent1"/>
+    </dgm:fillClrLst>
+    <dgm:linClrLst meth="repeat">
+      <a:schemeClr val="accent1">
+        <a:shade val="80000"/>
+      </a:schemeClr>
+    </dgm:linClrLst>
+    <dgm:effectClrLst/>
+    <dgm:txLinClrLst/>
+    <dgm:txFillClrLst meth="repeat">
+      <a:schemeClr val="tx1"/>
+    </dgm:txFillClrLst>
+    <dgm:txEffectClrLst/>
+  </dgm:styleLbl>
+  <dgm:styleLbl name="fgAcc1">
+    <dgm:fillClrLst meth="repeat">
+      <a:schemeClr val="lt1">
+        <a:alpha val="90000"/>
+      </a:schemeClr>
+    </dgm:fillClrLst>
+    <dgm:linClrLst meth="repeat">
+      <a:schemeClr val="accent1"/>
+    </dgm:linClrLst>
+    <dgm:effectClrLst/>
+    <dgm:txLinClrLst/>
+    <dgm:txFillClrLst meth="repeat">
+      <a:schemeClr val="dk1"/>
+    </dgm:txFillClrLst>
+    <dgm:txEffectClrLst/>
+  </dgm:styleLbl>
+  <dgm:styleLbl name="conFgAcc1">
+    <dgm:fillClrLst meth="repeat">
+      <a:schemeClr val="lt1">
+        <a:alpha val="90000"/>
+      </a:schemeClr>
+    </dgm:fillClrLst>
+    <dgm:linClrLst meth="repeat">
+      <a:schemeClr val="accent1"/>
+    </dgm:linClrLst>
+    <dgm:effectClrLst/>
+    <dgm:txLinClrLst/>
+    <dgm:txFillClrLst meth="repeat">
+      <a:schemeClr val="dk1"/>
+    </dgm:txFillClrLst>
+    <dgm:txEffectClrLst/>
+  </dgm:styleLbl>
+  <dgm:styleLbl name="alignAcc1">
+    <dgm:fillClrLst meth="repeat">
+      <a:schemeClr val="lt1">
+        <a:alpha val="90000"/>
+      </a:schemeClr>
+    </dgm:fillClrLst>
+    <dgm:linClrLst meth="repeat">
+      <a:schemeClr val="accent1"/>
+    </dgm:linClrLst>
+    <dgm:effectClrLst/>
+    <dgm:txLinClrLst/>
+    <dgm:txFillClrLst meth="repeat">
+      <a:schemeClr val="dk1"/>
+    </dgm:txFillClrLst>
+    <dgm:txEffectClrLst/>
+  </dgm:styleLbl>
+  <dgm:styleLbl name="trAlignAcc1">
+    <dgm:fillClrLst meth="repeat">
+      <a:schemeClr val="lt1">
+        <a:alpha val="40000"/>
+      </a:schemeClr>
+    </dgm:fillClrLst>
+    <dgm:linClrLst meth="repeat">
+      <a:schemeClr val="accent1"/>
+    </dgm:linClrLst>
+    <dgm:effectClrLst/>
+    <dgm:txLinClrLst/>
+    <dgm:txFillClrLst meth="repeat">
+      <a:schemeClr val="dk1"/>
+    </dgm:txFillClrLst>
+    <dgm:txEffectClrLst/>
+  </dgm:styleLbl>
+  <dgm:styleLbl name="bgAcc1">
+    <dgm:fillClrLst meth="repeat">
+      <a:schemeClr val="lt1">
+        <a:alpha val="90000"/>
+      </a:schemeClr>
+    </dgm:fillClrLst>
+    <dgm:linClrLst meth="repeat">
+      <a:schemeClr val="accent1"/>
+    </dgm:linClrLst>
+    <dgm:effectClrLst/>
+    <dgm:txLinClrLst/>
+    <dgm:txFillClrLst meth="repeat">
+      <a:schemeClr val="dk1"/>
+    </dgm:txFillClrLst>
+    <dgm:txEffectClrLst/>
+  </dgm:styleLbl>
+  <dgm:styleLbl name="solidFgAcc1">
+    <dgm:fillClrLst meth="repeat">
+      <a:schemeClr val="lt1"/>
+    </dgm:fillClrLst>
+    <dgm:linClrLst meth="repeat">
+      <a:schemeClr val="accent1"/>
+    </dgm:linClrLst>
+    <dgm:effectClrLst/>
+    <dgm:txLinClrLst/>
+    <dgm:txFillClrLst meth="repeat">
+      <a:schemeClr val="dk1"/>
+    </dgm:txFillClrLst>
+    <dgm:txEffectClrLst/>
+  </dgm:styleLbl>
+  <dgm:styleLbl name="solidAlignAcc1">
+    <dgm:fillClrLst meth="repeat">
+      <a:schemeClr val="lt1"/>
+    </dgm:fillClrLst>
+    <dgm:linClrLst meth="repeat">
+      <a:schemeClr val="accent1"/>
+    </dgm:linClrLst>
+    <dgm:effectClrLst/>
+    <dgm:txLinClrLst/>
+    <dgm:txFillClrLst meth="repeat">
+      <a:schemeClr val="dk1"/>
+    </dgm:txFillClrLst>
+    <dgm:txEffectClrLst/>
+  </dgm:styleLbl>
+  <dgm:styleLbl name="solidBgAcc1">
+    <dgm:fillClrLst meth="repeat">
+      <a:schemeClr val="lt1"/>
+    </dgm:fillClrLst>
+    <dgm:linClrLst meth="repeat">
+      <a:schemeClr val="accent1"/>
+    </dgm:linClrLst>
+    <dgm:effectClrLst/>
+    <dgm:txLinClrLst/>
+    <dgm:txFillClrLst meth="repeat">
+      <a:schemeClr val="dk1"/>
+    </dgm:txFillClrLst>
+    <dgm:txEffectClrLst/>
+  </dgm:styleLbl>
+  <dgm:styleLbl name="fgAccFollowNode1">
+    <dgm:fillClrLst meth="repeat">
+      <a:schemeClr val="accent1">
+        <a:alpha val="90000"/>
+        <a:tint val="40000"/>
+      </a:schemeClr>
+    </dgm:fillClrLst>
+    <dgm:linClrLst meth="repeat">
+      <a:schemeClr val="accent1">
+        <a:alpha val="90000"/>
+        <a:tint val="40000"/>
+      </a:schemeClr>
+    </dgm:linClrLst>
+    <dgm:effectClrLst/>
+    <dgm:txLinClrLst/>
+    <dgm:txFillClrLst meth="repeat">
+      <a:schemeClr val="dk1"/>
+    </dgm:txFillClrLst>
+    <dgm:txEffectClrLst/>
+  </dgm:styleLbl>
+  <dgm:styleLbl name="alignAccFollowNode1">
+    <dgm:fillClrLst meth="repeat">
+      <a:schemeClr val="accent1">
+        <a:alpha val="90000"/>
+        <a:tint val="40000"/>
+      </a:schemeClr>
+    </dgm:fillClrLst>
+    <dgm:linClrLst meth="repeat">
+      <a:schemeClr val="accent1">
+        <a:alpha val="90000"/>
+        <a:tint val="40000"/>
+      </a:schemeClr>
+    </dgm:linClrLst>
+    <dgm:effectClrLst/>
+    <dgm:txLinClrLst/>
+    <dgm:txFillClrLst meth="repeat">
+      <a:schemeClr val="dk1"/>
+    </dgm:txFillClrLst>
+    <dgm:txEffectClrLst/>
+  </dgm:styleLbl>
+  <dgm:styleLbl name="bgAccFollowNode1">
+    <dgm:fillClrLst meth="repeat">
+      <a:schemeClr val="accent1">
+        <a:alpha val="90000"/>
+        <a:tint val="40000"/>
+      </a:schemeClr>
+    </dgm:fillClrLst>
+    <dgm:linClrLst meth="repeat">
+      <a:schemeClr val="accent1">
+        <a:alpha val="90000"/>
+        <a:tint val="40000"/>
+      </a:schemeClr>
+    </dgm:linClrLst>
+    <dgm:effectClrLst/>
+    <dgm:txLinClrLst/>
+    <dgm:txFillClrLst meth="repeat">
+      <a:schemeClr val="dk1"/>
+    </dgm:txFillClrLst>
+    <dgm:txEffectClrLst/>
+  </dgm:styleLbl>
+  <dgm:styleLbl name="fgAcc0">
+    <dgm:fillClrLst meth="repeat">
+      <a:schemeClr val="lt1">
+        <a:alpha val="90000"/>
+      </a:schemeClr>
+    </dgm:fillClrLst>
+    <dgm:linClrLst meth="repeat">
+      <a:schemeClr val="accent1"/>
+    </dgm:linClrLst>
+    <dgm:effectClrLst/>
+    <dgm:txLinClrLst/>
+    <dgm:txFillClrLst meth="repeat">
+      <a:schemeClr val="dk1"/>
+    </dgm:txFillClrLst>
+    <dgm:txEffectClrLst/>
+  </dgm:styleLbl>
+  <dgm:styleLbl name="fgAcc2">
+    <dgm:fillClrLst meth="repeat">
+      <a:schemeClr val="lt1">
+        <a:alpha val="90000"/>
+      </a:schemeClr>
+    </dgm:fillClrLst>
+    <dgm:linClrLst meth="repeat">
+      <a:schemeClr val="accent1"/>
+    </dgm:linClrLst>
+    <dgm:effectClrLst/>
+    <dgm:txLinClrLst/>
+    <dgm:txFillClrLst meth="repeat">
+      <a:schemeClr val="dk1"/>
+    </dgm:txFillClrLst>
+    <dgm:txEffectClrLst/>
+  </dgm:styleLbl>
+  <dgm:styleLbl name="fgAcc3">
+    <dgm:fillClrLst meth="repeat">
+      <a:schemeClr val="lt1">
+        <a:alpha val="90000"/>
+      </a:schemeClr>
+    </dgm:fillClrLst>
+    <dgm:linClrLst meth="repeat">
+      <a:schemeClr val="accent1"/>
+    </dgm:linClrLst>
+    <dgm:effectClrLst/>
+    <dgm:txLinClrLst/>
+    <dgm:txFillClrLst meth="repeat">
+      <a:schemeClr val="dk1"/>
+    </dgm:txFillClrLst>
+    <dgm:txEffectClrLst/>
+  </dgm:styleLbl>
+  <dgm:styleLbl name="fgAcc4">
+    <dgm:fillClrLst meth="repeat">
+      <a:schemeClr val="lt1">
+        <a:alpha val="90000"/>
+      </a:schemeClr>
+    </dgm:fillClrLst>
+    <dgm:linClrLst meth="repeat">
+      <a:schemeClr val="accent1"/>
+    </dgm:linClrLst>
+    <dgm:effectClrLst/>
+    <dgm:txLinClrLst/>
+    <dgm:txFillClrLst meth="repeat">
+      <a:schemeClr val="dk1"/>
+    </dgm:txFillClrLst>
+    <dgm:txEffectClrLst/>
+  </dgm:styleLbl>
+  <dgm:styleLbl name="bgShp">
+    <dgm:fillClrLst meth="repeat">
+      <a:schemeClr val="accent1">
+        <a:tint val="40000"/>
+      </a:schemeClr>
+    </dgm:fillClrLst>
+    <dgm:linClrLst meth="repeat">
+      <a:schemeClr val="accent1"/>
+    </dgm:linClrLst>
+    <dgm:effectClrLst/>
+    <dgm:txLinClrLst/>
+    <dgm:txFillClrLst meth="repeat">
+      <a:schemeClr val="dk1"/>
+    </dgm:txFillClrLst>
+    <dgm:txEffectClrLst/>
+  </dgm:styleLbl>
+  <dgm:styleLbl name="dkBgShp">
+    <dgm:fillClrLst meth="repeat">
+      <a:schemeClr val="accent1">
+        <a:shade val="80000"/>
+      </a:schemeClr>
+    </dgm:fillClrLst>
+    <dgm:linClrLst meth="repeat">
+      <a:schemeClr val="accent1"/>
+    </dgm:linClrLst>
+    <dgm:effectClrLst/>
+    <dgm:txLinClrLst/>
+    <dgm:txFillClrLst meth="repeat">
+      <a:schemeClr val="lt1"/>
+    </dgm:txFillClrLst>
+    <dgm:txEffectClrLst/>
+  </dgm:styleLbl>
+  <dgm:styleLbl name="trBgShp">
+    <dgm:fillClrLst meth="repeat">
+      <a:schemeClr val="accent1">
+        <a:tint val="50000"/>
+        <a:alpha val="40000"/>
+      </a:schemeClr>
+    </dgm:fillClrLst>
+    <dgm:linClrLst meth="repeat">
+      <a:schemeClr val="accent1"/>
+    </dgm:linClrLst>
+    <dgm:effectClrLst/>
+    <dgm:txLinClrLst/>
+    <dgm:txFillClrLst meth="repeat">
+      <a:schemeClr val="lt1"/>
+    </dgm:txFillClrLst>
+    <dgm:txEffectClrLst/>
+  </dgm:styleLbl>
+  <dgm:styleLbl name="fgShp">
+    <dgm:fillClrLst meth="repeat">
+      <a:schemeClr val="accent1">
+        <a:tint val="60000"/>
+      </a:schemeClr>
+    </dgm:fillClrLst>
+    <dgm:linClrLst meth="repeat">
+      <a:schemeClr val="lt1"/>
+    </dgm:linClrLst>
+    <dgm:effectClrLst/>
+    <dgm:txLinClrLst/>
+    <dgm:txFillClrLst meth="repeat">
+      <a:schemeClr val="dk1"/>
+    </dgm:txFillClrLst>
+    <dgm:txEffectClrLst/>
+  </dgm:styleLbl>
+  <dgm:styleLbl name="revTx">
+    <dgm:fillClrLst meth="repeat">
+      <a:schemeClr val="lt1">
+        <a:alpha val="0"/>
+      </a:schemeClr>
+    </dgm:fillClrLst>
+    <dgm:linClrLst meth="repeat">
+      <a:schemeClr val="dk1">
+        <a:alpha val="0"/>
+      </a:schemeClr>
+    </dgm:linClrLst>
+    <dgm:effectClrLst/>
+    <dgm:txLinClrLst/>
+    <dgm:txFillClrLst meth="repeat">
+      <a:schemeClr val="tx1"/>
+    </dgm:txFillClrLst>
+    <dgm:txEffectClrLst/>
+  </dgm:styleLbl>
+</dgm:colorsDef>
+</file>
+
+<file path=ppt/diagrams/colors8.xml><?xml version="1.0" encoding="utf-8"?>
 <dgm:colorsDef xmlns:dgm="http://schemas.openxmlformats.org/drawingml/2006/diagram" xmlns:a="http://schemas.openxmlformats.org/drawingml/2006/main" uniqueId="urn:microsoft.com/office/officeart/2005/8/colors/accent1_2">
   <dgm:title val=""/>
   <dgm:desc val=""/>
@@ -4640,7 +6143,13 @@
     </dgm:pt>
     <dgm:pt modelId="{E9485638-C360-4219-9569-6AA1A29B8EF2}">
       <dgm:prSet phldrT="[Text]"/>
-      <dgm:spPr/>
+      <dgm:spPr>
+        <a:solidFill>
+          <a:schemeClr val="bg1">
+            <a:lumMod val="85000"/>
+          </a:schemeClr>
+        </a:solidFill>
+      </dgm:spPr>
       <dgm:t>
         <a:bodyPr/>
         <a:lstStyle/>
@@ -4712,7 +6221,13 @@
     </dgm:pt>
     <dgm:pt modelId="{E7F31B8D-C9E2-450F-B51B-596586F01CF1}">
       <dgm:prSet phldrT="[Text]"/>
-      <dgm:spPr/>
+      <dgm:spPr>
+        <a:solidFill>
+          <a:schemeClr val="bg1">
+            <a:lumMod val="85000"/>
+          </a:schemeClr>
+        </a:solidFill>
+      </dgm:spPr>
       <dgm:t>
         <a:bodyPr/>
         <a:lstStyle/>
@@ -4854,19 +6369,400 @@
 <file path=ppt/diagrams/data2.xml><?xml version="1.0" encoding="utf-8"?>
 <dgm:dataModel xmlns:dgm="http://schemas.openxmlformats.org/drawingml/2006/diagram" xmlns:a="http://schemas.openxmlformats.org/drawingml/2006/main">
   <dgm:ptLst>
+    <dgm:pt modelId="{584B1946-F02B-47E2-A9FA-891703337097}" type="doc">
+      <dgm:prSet loTypeId="urn:microsoft.com/office/officeart/2005/8/layout/default" loCatId="list" qsTypeId="urn:microsoft.com/office/officeart/2005/8/quickstyle/simple1" qsCatId="simple" csTypeId="urn:microsoft.com/office/officeart/2005/8/colors/accent1_2" csCatId="accent1" phldr="1"/>
+      <dgm:spPr/>
+      <dgm:t>
+        <a:bodyPr/>
+        <a:lstStyle/>
+        <a:p>
+          <a:endParaRPr lang="de-AT"/>
+        </a:p>
+      </dgm:t>
+    </dgm:pt>
+    <dgm:pt modelId="{B22DD83D-3F75-49A2-A31C-D13EC6917CE5}" type="pres">
+      <dgm:prSet presAssocID="{584B1946-F02B-47E2-A9FA-891703337097}" presName="diagram" presStyleCnt="0">
+        <dgm:presLayoutVars>
+          <dgm:dir/>
+          <dgm:resizeHandles val="exact"/>
+        </dgm:presLayoutVars>
+      </dgm:prSet>
+      <dgm:spPr/>
+    </dgm:pt>
+  </dgm:ptLst>
+  <dgm:cxnLst>
+    <dgm:cxn modelId="{E5FE089E-65B9-4224-BAFA-27941474CAF9}" type="presOf" srcId="{584B1946-F02B-47E2-A9FA-891703337097}" destId="{B22DD83D-3F75-49A2-A31C-D13EC6917CE5}" srcOrd="0" destOrd="0" presId="urn:microsoft.com/office/officeart/2005/8/layout/default"/>
+  </dgm:cxnLst>
+  <dgm:bg/>
+  <dgm:whole/>
+  <dgm:extLst>
+    <a:ext uri="http://schemas.microsoft.com/office/drawing/2008/diagram">
+      <dsp:dataModelExt xmlns:dsp="http://schemas.microsoft.com/office/drawing/2008/diagram" relId="rId7" minVer="http://schemas.openxmlformats.org/drawingml/2006/diagram"/>
+    </a:ext>
+  </dgm:extLst>
+</dgm:dataModel>
+</file>
+
+<file path=ppt/diagrams/data3.xml><?xml version="1.0" encoding="utf-8"?>
+<dgm:dataModel xmlns:dgm="http://schemas.openxmlformats.org/drawingml/2006/diagram" xmlns:a="http://schemas.openxmlformats.org/drawingml/2006/main">
+  <dgm:ptLst>
+    <dgm:pt modelId="{BFED7A1B-FF50-4770-92D7-909E29B74D0C}" type="doc">
+      <dgm:prSet loTypeId="urn:microsoft.com/office/officeart/2005/8/layout/default" loCatId="list" qsTypeId="urn:microsoft.com/office/officeart/2005/8/quickstyle/simple1" qsCatId="simple" csTypeId="urn:microsoft.com/office/officeart/2005/8/colors/accent1_2" csCatId="accent1" phldr="1"/>
+      <dgm:spPr/>
+      <dgm:t>
+        <a:bodyPr/>
+        <a:lstStyle/>
+        <a:p>
+          <a:endParaRPr lang="de-AT"/>
+        </a:p>
+      </dgm:t>
+    </dgm:pt>
+    <dgm:pt modelId="{BC20A2D5-C1B9-462A-B618-476984153ECE}">
+      <dgm:prSet phldrT="[Text]"/>
+      <dgm:spPr>
+        <a:solidFill>
+          <a:schemeClr val="bg1">
+            <a:lumMod val="85000"/>
+          </a:schemeClr>
+        </a:solidFill>
+      </dgm:spPr>
+      <dgm:t>
+        <a:bodyPr/>
+        <a:lstStyle/>
+        <a:p>
+          <a:r>
+            <a:rPr lang="de-DE" dirty="0" err="1"/>
+            <a:t>Autom</a:t>
+          </a:r>
+          <a:r>
+            <a:rPr lang="de-DE" dirty="0"/>
+            <a:t>. Datenerfassung</a:t>
+          </a:r>
+          <a:endParaRPr lang="de-AT" dirty="0"/>
+        </a:p>
+      </dgm:t>
+    </dgm:pt>
+    <dgm:pt modelId="{0586011D-CF44-482B-BBFE-A8CED1A5CAD7}" type="parTrans" cxnId="{7725F9BD-FCB7-40AB-8DD8-B82ECC0DD488}">
+      <dgm:prSet/>
+      <dgm:spPr/>
+      <dgm:t>
+        <a:bodyPr/>
+        <a:lstStyle/>
+        <a:p>
+          <a:endParaRPr lang="de-AT"/>
+        </a:p>
+      </dgm:t>
+    </dgm:pt>
+    <dgm:pt modelId="{9FD44AE0-7BE5-45FD-9E50-096F8F86930F}" type="sibTrans" cxnId="{7725F9BD-FCB7-40AB-8DD8-B82ECC0DD488}">
+      <dgm:prSet/>
+      <dgm:spPr/>
+      <dgm:t>
+        <a:bodyPr/>
+        <a:lstStyle/>
+        <a:p>
+          <a:endParaRPr lang="de-AT"/>
+        </a:p>
+      </dgm:t>
+    </dgm:pt>
+    <dgm:pt modelId="{87D9BC2B-5535-47A4-BBEB-9DBF4731D974}">
+      <dgm:prSet phldrT="[Text]"/>
+      <dgm:spPr>
+        <a:solidFill>
+          <a:schemeClr val="bg1">
+            <a:lumMod val="85000"/>
+          </a:schemeClr>
+        </a:solidFill>
+      </dgm:spPr>
+      <dgm:t>
+        <a:bodyPr/>
+        <a:lstStyle/>
+        <a:p>
+          <a:r>
+            <a:rPr lang="de-DE" dirty="0"/>
+            <a:t>Überwachung von Verbrauchwerten</a:t>
+          </a:r>
+          <a:endParaRPr lang="de-AT" dirty="0"/>
+        </a:p>
+      </dgm:t>
+    </dgm:pt>
+    <dgm:pt modelId="{FCD11FC1-A112-4A6C-9221-9EE2E19E13AA}" type="parTrans" cxnId="{672AC4A5-F57E-474C-97D0-CEF87E020102}">
+      <dgm:prSet/>
+      <dgm:spPr/>
+      <dgm:t>
+        <a:bodyPr/>
+        <a:lstStyle/>
+        <a:p>
+          <a:endParaRPr lang="de-AT"/>
+        </a:p>
+      </dgm:t>
+    </dgm:pt>
+    <dgm:pt modelId="{8161BF07-9801-4BB0-AC27-34637C027498}" type="sibTrans" cxnId="{672AC4A5-F57E-474C-97D0-CEF87E020102}">
+      <dgm:prSet/>
+      <dgm:spPr/>
+      <dgm:t>
+        <a:bodyPr/>
+        <a:lstStyle/>
+        <a:p>
+          <a:endParaRPr lang="de-AT"/>
+        </a:p>
+      </dgm:t>
+    </dgm:pt>
+    <dgm:pt modelId="{5768E561-BEAD-48E6-B903-748A8C9E1641}">
+      <dgm:prSet phldrT="[Text]"/>
+      <dgm:spPr>
+        <a:solidFill>
+          <a:schemeClr val="bg1">
+            <a:lumMod val="85000"/>
+          </a:schemeClr>
+        </a:solidFill>
+      </dgm:spPr>
+      <dgm:t>
+        <a:bodyPr/>
+        <a:lstStyle/>
+        <a:p>
+          <a:r>
+            <a:rPr lang="de-DE" dirty="0"/>
+            <a:t>Statistiken und Reports</a:t>
+          </a:r>
+          <a:endParaRPr lang="de-AT" dirty="0"/>
+        </a:p>
+      </dgm:t>
+    </dgm:pt>
+    <dgm:pt modelId="{0A63EF57-B330-4A38-ABB3-66B85ADB2A4E}" type="parTrans" cxnId="{13F1A372-E35A-488B-88BC-ED63CC22E794}">
+      <dgm:prSet/>
+      <dgm:spPr/>
+      <dgm:t>
+        <a:bodyPr/>
+        <a:lstStyle/>
+        <a:p>
+          <a:endParaRPr lang="de-AT"/>
+        </a:p>
+      </dgm:t>
+    </dgm:pt>
+    <dgm:pt modelId="{A5170160-C4A4-4565-8082-E5FD69AA840F}" type="sibTrans" cxnId="{13F1A372-E35A-488B-88BC-ED63CC22E794}">
+      <dgm:prSet/>
+      <dgm:spPr/>
+      <dgm:t>
+        <a:bodyPr/>
+        <a:lstStyle/>
+        <a:p>
+          <a:endParaRPr lang="de-AT"/>
+        </a:p>
+      </dgm:t>
+    </dgm:pt>
+    <dgm:pt modelId="{09086984-FD32-4FDB-AC89-437AF6F0323C}">
+      <dgm:prSet phldrT="[Text]"/>
+      <dgm:spPr>
+        <a:solidFill>
+          <a:schemeClr val="bg1">
+            <a:lumMod val="85000"/>
+          </a:schemeClr>
+        </a:solidFill>
+      </dgm:spPr>
+      <dgm:t>
+        <a:bodyPr/>
+        <a:lstStyle/>
+        <a:p>
+          <a:r>
+            <a:rPr lang="de-DE" dirty="0"/>
+            <a:t>Administrations</a:t>
+          </a:r>
+          <a:br>
+            <a:rPr lang="de-DE" dirty="0"/>
+          </a:br>
+          <a:r>
+            <a:rPr lang="de-DE" dirty="0" err="1"/>
+            <a:t>system</a:t>
+          </a:r>
+          <a:endParaRPr lang="de-AT" dirty="0"/>
+        </a:p>
+      </dgm:t>
+    </dgm:pt>
+    <dgm:pt modelId="{00B67EEC-20C5-49D5-93E8-9C3D07D83DCD}" type="parTrans" cxnId="{FC4D2B75-0AC7-4C30-BA3A-DDE53B87FAD6}">
+      <dgm:prSet/>
+      <dgm:spPr/>
+      <dgm:t>
+        <a:bodyPr/>
+        <a:lstStyle/>
+        <a:p>
+          <a:endParaRPr lang="de-AT"/>
+        </a:p>
+      </dgm:t>
+    </dgm:pt>
+    <dgm:pt modelId="{429B0A5D-7986-4D8F-BC1B-5DF8ABA5C858}" type="sibTrans" cxnId="{FC4D2B75-0AC7-4C30-BA3A-DDE53B87FAD6}">
+      <dgm:prSet/>
+      <dgm:spPr/>
+      <dgm:t>
+        <a:bodyPr/>
+        <a:lstStyle/>
+        <a:p>
+          <a:endParaRPr lang="de-AT"/>
+        </a:p>
+      </dgm:t>
+    </dgm:pt>
+    <dgm:pt modelId="{44EF9DF0-B8F7-4AD6-9445-5D6DACAD015B}">
+      <dgm:prSet phldrT="[Text]"/>
+      <dgm:spPr>
+        <a:solidFill>
+          <a:schemeClr val="bg1">
+            <a:lumMod val="85000"/>
+          </a:schemeClr>
+        </a:solidFill>
+      </dgm:spPr>
+      <dgm:t>
+        <a:bodyPr/>
+        <a:lstStyle/>
+        <a:p>
+          <a:r>
+            <a:rPr lang="de-DE" dirty="0"/>
+            <a:t>Web- und Android App</a:t>
+          </a:r>
+          <a:endParaRPr lang="de-AT" dirty="0"/>
+        </a:p>
+      </dgm:t>
+    </dgm:pt>
+    <dgm:pt modelId="{7398717F-9008-4EB4-8C19-6FDBF6C98735}" type="parTrans" cxnId="{10975D7F-F871-4681-AC01-EE4F49767BD2}">
+      <dgm:prSet/>
+      <dgm:spPr/>
+      <dgm:t>
+        <a:bodyPr/>
+        <a:lstStyle/>
+        <a:p>
+          <a:endParaRPr lang="de-AT"/>
+        </a:p>
+      </dgm:t>
+    </dgm:pt>
+    <dgm:pt modelId="{B090398D-D3C5-40E7-94AD-E0D088409FDD}" type="sibTrans" cxnId="{10975D7F-F871-4681-AC01-EE4F49767BD2}">
+      <dgm:prSet/>
+      <dgm:spPr/>
+      <dgm:t>
+        <a:bodyPr/>
+        <a:lstStyle/>
+        <a:p>
+          <a:endParaRPr lang="de-AT"/>
+        </a:p>
+      </dgm:t>
+    </dgm:pt>
+    <dgm:pt modelId="{70A16BF8-7897-4C9B-A07F-0D7B80004C31}" type="pres">
+      <dgm:prSet presAssocID="{BFED7A1B-FF50-4770-92D7-909E29B74D0C}" presName="diagram" presStyleCnt="0">
+        <dgm:presLayoutVars>
+          <dgm:dir/>
+          <dgm:resizeHandles val="exact"/>
+        </dgm:presLayoutVars>
+      </dgm:prSet>
+      <dgm:spPr/>
+    </dgm:pt>
+    <dgm:pt modelId="{F0EDE134-B55C-49DC-A90D-704FF6E45B60}" type="pres">
+      <dgm:prSet presAssocID="{BC20A2D5-C1B9-462A-B618-476984153ECE}" presName="node" presStyleLbl="node1" presStyleIdx="0" presStyleCnt="5">
+        <dgm:presLayoutVars>
+          <dgm:bulletEnabled val="1"/>
+        </dgm:presLayoutVars>
+      </dgm:prSet>
+      <dgm:spPr/>
+    </dgm:pt>
+    <dgm:pt modelId="{07C7C28C-D671-45AE-9C41-6E3475EF271B}" type="pres">
+      <dgm:prSet presAssocID="{9FD44AE0-7BE5-45FD-9E50-096F8F86930F}" presName="sibTrans" presStyleCnt="0"/>
+      <dgm:spPr/>
+    </dgm:pt>
+    <dgm:pt modelId="{790630D3-5198-43E7-974D-D6817756BF3D}" type="pres">
+      <dgm:prSet presAssocID="{87D9BC2B-5535-47A4-BBEB-9DBF4731D974}" presName="node" presStyleLbl="node1" presStyleIdx="1" presStyleCnt="5">
+        <dgm:presLayoutVars>
+          <dgm:bulletEnabled val="1"/>
+        </dgm:presLayoutVars>
+      </dgm:prSet>
+      <dgm:spPr/>
+    </dgm:pt>
+    <dgm:pt modelId="{F3F14C35-9EBF-4C1F-B71B-2F34E19611FE}" type="pres">
+      <dgm:prSet presAssocID="{8161BF07-9801-4BB0-AC27-34637C027498}" presName="sibTrans" presStyleCnt="0"/>
+      <dgm:spPr/>
+    </dgm:pt>
+    <dgm:pt modelId="{8167C2E6-5778-400E-B938-832E740ED2AB}" type="pres">
+      <dgm:prSet presAssocID="{5768E561-BEAD-48E6-B903-748A8C9E1641}" presName="node" presStyleLbl="node1" presStyleIdx="2" presStyleCnt="5">
+        <dgm:presLayoutVars>
+          <dgm:bulletEnabled val="1"/>
+        </dgm:presLayoutVars>
+      </dgm:prSet>
+      <dgm:spPr/>
+    </dgm:pt>
+    <dgm:pt modelId="{46865931-203B-4DF2-AF2F-E8A22F46FB1A}" type="pres">
+      <dgm:prSet presAssocID="{A5170160-C4A4-4565-8082-E5FD69AA840F}" presName="sibTrans" presStyleCnt="0"/>
+      <dgm:spPr/>
+    </dgm:pt>
+    <dgm:pt modelId="{218DB792-42E8-4F13-A81F-37F6BF7171E6}" type="pres">
+      <dgm:prSet presAssocID="{09086984-FD32-4FDB-AC89-437AF6F0323C}" presName="node" presStyleLbl="node1" presStyleIdx="3" presStyleCnt="5">
+        <dgm:presLayoutVars>
+          <dgm:bulletEnabled val="1"/>
+        </dgm:presLayoutVars>
+      </dgm:prSet>
+      <dgm:spPr/>
+    </dgm:pt>
+    <dgm:pt modelId="{D004B9A6-3855-46D7-A654-6436C0822DBA}" type="pres">
+      <dgm:prSet presAssocID="{429B0A5D-7986-4D8F-BC1B-5DF8ABA5C858}" presName="sibTrans" presStyleCnt="0"/>
+      <dgm:spPr/>
+    </dgm:pt>
+    <dgm:pt modelId="{CDC8D5DE-5431-43C6-AC52-5D76C0F8E2D7}" type="pres">
+      <dgm:prSet presAssocID="{44EF9DF0-B8F7-4AD6-9445-5D6DACAD015B}" presName="node" presStyleLbl="node1" presStyleIdx="4" presStyleCnt="5">
+        <dgm:presLayoutVars>
+          <dgm:bulletEnabled val="1"/>
+        </dgm:presLayoutVars>
+      </dgm:prSet>
+      <dgm:spPr/>
+    </dgm:pt>
+  </dgm:ptLst>
+  <dgm:cxnLst>
+    <dgm:cxn modelId="{C2200406-F978-4C97-B9DD-F4E27B2DA743}" type="presOf" srcId="{87D9BC2B-5535-47A4-BBEB-9DBF4731D974}" destId="{790630D3-5198-43E7-974D-D6817756BF3D}" srcOrd="0" destOrd="0" presId="urn:microsoft.com/office/officeart/2005/8/layout/default"/>
+    <dgm:cxn modelId="{B18D6E19-C799-4CDB-9E06-D9B1CE208408}" type="presOf" srcId="{44EF9DF0-B8F7-4AD6-9445-5D6DACAD015B}" destId="{CDC8D5DE-5431-43C6-AC52-5D76C0F8E2D7}" srcOrd="0" destOrd="0" presId="urn:microsoft.com/office/officeart/2005/8/layout/default"/>
+    <dgm:cxn modelId="{13F1A372-E35A-488B-88BC-ED63CC22E794}" srcId="{BFED7A1B-FF50-4770-92D7-909E29B74D0C}" destId="{5768E561-BEAD-48E6-B903-748A8C9E1641}" srcOrd="2" destOrd="0" parTransId="{0A63EF57-B330-4A38-ABB3-66B85ADB2A4E}" sibTransId="{A5170160-C4A4-4565-8082-E5FD69AA840F}"/>
+    <dgm:cxn modelId="{FC4D2B75-0AC7-4C30-BA3A-DDE53B87FAD6}" srcId="{BFED7A1B-FF50-4770-92D7-909E29B74D0C}" destId="{09086984-FD32-4FDB-AC89-437AF6F0323C}" srcOrd="3" destOrd="0" parTransId="{00B67EEC-20C5-49D5-93E8-9C3D07D83DCD}" sibTransId="{429B0A5D-7986-4D8F-BC1B-5DF8ABA5C858}"/>
+    <dgm:cxn modelId="{10975D7F-F871-4681-AC01-EE4F49767BD2}" srcId="{BFED7A1B-FF50-4770-92D7-909E29B74D0C}" destId="{44EF9DF0-B8F7-4AD6-9445-5D6DACAD015B}" srcOrd="4" destOrd="0" parTransId="{7398717F-9008-4EB4-8C19-6FDBF6C98735}" sibTransId="{B090398D-D3C5-40E7-94AD-E0D088409FDD}"/>
+    <dgm:cxn modelId="{E08B5994-4776-483B-9884-C2F066B2DECB}" type="presOf" srcId="{09086984-FD32-4FDB-AC89-437AF6F0323C}" destId="{218DB792-42E8-4F13-A81F-37F6BF7171E6}" srcOrd="0" destOrd="0" presId="urn:microsoft.com/office/officeart/2005/8/layout/default"/>
+    <dgm:cxn modelId="{46150695-FCBB-42C0-B671-5FDA3A4780AC}" type="presOf" srcId="{BC20A2D5-C1B9-462A-B618-476984153ECE}" destId="{F0EDE134-B55C-49DC-A90D-704FF6E45B60}" srcOrd="0" destOrd="0" presId="urn:microsoft.com/office/officeart/2005/8/layout/default"/>
+    <dgm:cxn modelId="{672AC4A5-F57E-474C-97D0-CEF87E020102}" srcId="{BFED7A1B-FF50-4770-92D7-909E29B74D0C}" destId="{87D9BC2B-5535-47A4-BBEB-9DBF4731D974}" srcOrd="1" destOrd="0" parTransId="{FCD11FC1-A112-4A6C-9221-9EE2E19E13AA}" sibTransId="{8161BF07-9801-4BB0-AC27-34637C027498}"/>
+    <dgm:cxn modelId="{7725F9BD-FCB7-40AB-8DD8-B82ECC0DD488}" srcId="{BFED7A1B-FF50-4770-92D7-909E29B74D0C}" destId="{BC20A2D5-C1B9-462A-B618-476984153ECE}" srcOrd="0" destOrd="0" parTransId="{0586011D-CF44-482B-BBFE-A8CED1A5CAD7}" sibTransId="{9FD44AE0-7BE5-45FD-9E50-096F8F86930F}"/>
+    <dgm:cxn modelId="{8F0CB5C4-4405-4404-8D29-6427E3B0508B}" type="presOf" srcId="{5768E561-BEAD-48E6-B903-748A8C9E1641}" destId="{8167C2E6-5778-400E-B938-832E740ED2AB}" srcOrd="0" destOrd="0" presId="urn:microsoft.com/office/officeart/2005/8/layout/default"/>
+    <dgm:cxn modelId="{BEE705D4-61BB-4145-9827-798774F590E0}" type="presOf" srcId="{BFED7A1B-FF50-4770-92D7-909E29B74D0C}" destId="{70A16BF8-7897-4C9B-A07F-0D7B80004C31}" srcOrd="0" destOrd="0" presId="urn:microsoft.com/office/officeart/2005/8/layout/default"/>
+    <dgm:cxn modelId="{250A8338-0B15-48D8-B46B-E23161B7F89C}" type="presParOf" srcId="{70A16BF8-7897-4C9B-A07F-0D7B80004C31}" destId="{F0EDE134-B55C-49DC-A90D-704FF6E45B60}" srcOrd="0" destOrd="0" presId="urn:microsoft.com/office/officeart/2005/8/layout/default"/>
+    <dgm:cxn modelId="{FEAFA8FC-C353-4005-BC2E-781AD09C8163}" type="presParOf" srcId="{70A16BF8-7897-4C9B-A07F-0D7B80004C31}" destId="{07C7C28C-D671-45AE-9C41-6E3475EF271B}" srcOrd="1" destOrd="0" presId="urn:microsoft.com/office/officeart/2005/8/layout/default"/>
+    <dgm:cxn modelId="{DC72679D-1E58-44FB-8248-A20E49937AF6}" type="presParOf" srcId="{70A16BF8-7897-4C9B-A07F-0D7B80004C31}" destId="{790630D3-5198-43E7-974D-D6817756BF3D}" srcOrd="2" destOrd="0" presId="urn:microsoft.com/office/officeart/2005/8/layout/default"/>
+    <dgm:cxn modelId="{993765EC-4BAC-44A8-B553-52583E80CF1A}" type="presParOf" srcId="{70A16BF8-7897-4C9B-A07F-0D7B80004C31}" destId="{F3F14C35-9EBF-4C1F-B71B-2F34E19611FE}" srcOrd="3" destOrd="0" presId="urn:microsoft.com/office/officeart/2005/8/layout/default"/>
+    <dgm:cxn modelId="{225DF4EF-5166-47F4-AB9A-479A70AE5476}" type="presParOf" srcId="{70A16BF8-7897-4C9B-A07F-0D7B80004C31}" destId="{8167C2E6-5778-400E-B938-832E740ED2AB}" srcOrd="4" destOrd="0" presId="urn:microsoft.com/office/officeart/2005/8/layout/default"/>
+    <dgm:cxn modelId="{06FD1C5D-B540-46CF-8D57-C3D53753BB63}" type="presParOf" srcId="{70A16BF8-7897-4C9B-A07F-0D7B80004C31}" destId="{46865931-203B-4DF2-AF2F-E8A22F46FB1A}" srcOrd="5" destOrd="0" presId="urn:microsoft.com/office/officeart/2005/8/layout/default"/>
+    <dgm:cxn modelId="{4C6DFA20-AB21-4569-B57A-3EFE5E0E2F4F}" type="presParOf" srcId="{70A16BF8-7897-4C9B-A07F-0D7B80004C31}" destId="{218DB792-42E8-4F13-A81F-37F6BF7171E6}" srcOrd="6" destOrd="0" presId="urn:microsoft.com/office/officeart/2005/8/layout/default"/>
+    <dgm:cxn modelId="{9ED595AC-CD78-4DC4-836F-E14749127349}" type="presParOf" srcId="{70A16BF8-7897-4C9B-A07F-0D7B80004C31}" destId="{D004B9A6-3855-46D7-A654-6436C0822DBA}" srcOrd="7" destOrd="0" presId="urn:microsoft.com/office/officeart/2005/8/layout/default"/>
+    <dgm:cxn modelId="{B3A7689F-9307-426A-BE69-75960E249CDC}" type="presParOf" srcId="{70A16BF8-7897-4C9B-A07F-0D7B80004C31}" destId="{CDC8D5DE-5431-43C6-AC52-5D76C0F8E2D7}" srcOrd="8" destOrd="0" presId="urn:microsoft.com/office/officeart/2005/8/layout/default"/>
+  </dgm:cxnLst>
+  <dgm:bg/>
+  <dgm:whole/>
+  <dgm:extLst>
+    <a:ext uri="http://schemas.microsoft.com/office/drawing/2008/diagram">
+      <dsp:dataModelExt xmlns:dsp="http://schemas.microsoft.com/office/drawing/2008/diagram" relId="rId12" minVer="http://schemas.openxmlformats.org/drawingml/2006/diagram"/>
+    </a:ext>
+  </dgm:extLst>
+</dgm:dataModel>
+</file>
+
+<file path=ppt/diagrams/data4.xml><?xml version="1.0" encoding="utf-8"?>
+<dgm:dataModel xmlns:dgm="http://schemas.openxmlformats.org/drawingml/2006/diagram" xmlns:a="http://schemas.openxmlformats.org/drawingml/2006/main">
+  <dgm:ptLst>
     <dgm:pt modelId="{D25FCDB3-F461-4D20-8F75-8CA3C78A91B1}" type="doc">
       <dgm:prSet loTypeId="urn:microsoft.com/office/officeart/2005/8/layout/vList3" loCatId="list" qsTypeId="urn:microsoft.com/office/officeart/2005/8/quickstyle/simple1" qsCatId="simple" csTypeId="urn:microsoft.com/office/officeart/2005/8/colors/accent1_2" csCatId="accent1" phldr="1"/>
       <dgm:spPr/>
     </dgm:pt>
     <dgm:pt modelId="{DA28EF61-4E37-4E44-AC08-E6A6D0458B31}">
       <dgm:prSet phldrT="[Text]"/>
-      <dgm:spPr/>
+      <dgm:spPr>
+        <a:solidFill>
+          <a:schemeClr val="bg1">
+            <a:lumMod val="85000"/>
+          </a:schemeClr>
+        </a:solidFill>
+      </dgm:spPr>
       <dgm:t>
         <a:bodyPr/>
         <a:lstStyle/>
         <a:p>
           <a:r>
-            <a:rPr lang="de-AT" dirty="0"/>
+            <a:rPr lang="de-AT" b="0" dirty="0"/>
             <a:t>Daten sammeln und senden an Datenbank</a:t>
           </a:r>
         </a:p>
@@ -4896,7 +6792,13 @@
     </dgm:pt>
     <dgm:pt modelId="{F6562436-ADAB-4653-83AB-86C1EEA19709}">
       <dgm:prSet phldrT="[Text]"/>
-      <dgm:spPr/>
+      <dgm:spPr>
+        <a:solidFill>
+          <a:schemeClr val="bg1">
+            <a:lumMod val="85000"/>
+          </a:schemeClr>
+        </a:solidFill>
+      </dgm:spPr>
       <dgm:t>
         <a:bodyPr/>
         <a:lstStyle/>
@@ -4932,7 +6834,13 @@
     </dgm:pt>
     <dgm:pt modelId="{852CE9A8-02D3-4990-A677-9F81215D3602}">
       <dgm:prSet phldrT="[Text]"/>
-      <dgm:spPr/>
+      <dgm:spPr>
+        <a:solidFill>
+          <a:schemeClr val="bg1">
+            <a:lumMod val="85000"/>
+          </a:schemeClr>
+        </a:solidFill>
+      </dgm:spPr>
       <dgm:t>
         <a:bodyPr/>
         <a:lstStyle/>
@@ -5104,7 +7012,7 @@
 </dgm:dataModel>
 </file>
 
-<file path=ppt/diagrams/data3.xml><?xml version="1.0" encoding="utf-8"?>
+<file path=ppt/diagrams/data5.xml><?xml version="1.0" encoding="utf-8"?>
 <dgm:dataModel xmlns:dgm="http://schemas.openxmlformats.org/drawingml/2006/diagram" xmlns:a="http://schemas.openxmlformats.org/drawingml/2006/main">
   <dgm:ptLst>
     <dgm:pt modelId="{29745764-3B8D-4581-A9F1-992ADB64254B}" type="doc">
@@ -5113,7 +7021,13 @@
     </dgm:pt>
     <dgm:pt modelId="{F81F9158-EC91-47FF-B5C9-DC2195E242E8}">
       <dgm:prSet phldrT="[Text]"/>
-      <dgm:spPr/>
+      <dgm:spPr>
+        <a:solidFill>
+          <a:schemeClr val="bg1">
+            <a:lumMod val="85000"/>
+          </a:schemeClr>
+        </a:solidFill>
+      </dgm:spPr>
       <dgm:t>
         <a:bodyPr/>
         <a:lstStyle/>
@@ -5149,7 +7063,13 @@
     </dgm:pt>
     <dgm:pt modelId="{99D2BAAF-1861-41D2-BD58-B3FBD005841F}">
       <dgm:prSet phldrT="[Text]"/>
-      <dgm:spPr/>
+      <dgm:spPr>
+        <a:solidFill>
+          <a:schemeClr val="bg1">
+            <a:lumMod val="85000"/>
+          </a:schemeClr>
+        </a:solidFill>
+      </dgm:spPr>
       <dgm:t>
         <a:bodyPr/>
         <a:lstStyle/>
@@ -5185,7 +7105,13 @@
     </dgm:pt>
     <dgm:pt modelId="{E2271DB0-E92A-473A-93CF-14B24CDD14FC}">
       <dgm:prSet phldrT="[Text]"/>
-      <dgm:spPr/>
+      <dgm:spPr>
+        <a:solidFill>
+          <a:schemeClr val="bg1">
+            <a:lumMod val="85000"/>
+          </a:schemeClr>
+        </a:solidFill>
+      </dgm:spPr>
       <dgm:t>
         <a:bodyPr/>
         <a:lstStyle/>
@@ -5357,22 +7283,32 @@
 </dgm:dataModel>
 </file>
 
-<file path=ppt/diagrams/data4.xml><?xml version="1.0" encoding="utf-8"?>
+<file path=ppt/diagrams/data6.xml><?xml version="1.0" encoding="utf-8"?>
 <dgm:dataModel xmlns:dgm="http://schemas.openxmlformats.org/drawingml/2006/diagram" xmlns:a="http://schemas.openxmlformats.org/drawingml/2006/main">
   <dgm:ptLst>
     <dgm:pt modelId="{1A437473-57D3-4BD7-B7B9-6650CD6B459D}" type="doc">
-      <dgm:prSet loTypeId="urn:microsoft.com/office/officeart/2005/8/layout/vList3" loCatId="list" qsTypeId="urn:microsoft.com/office/officeart/2005/8/quickstyle/simple1" qsCatId="simple" csTypeId="urn:microsoft.com/office/officeart/2005/8/colors/accent1_2" csCatId="accent1" phldr="1"/>
+      <dgm:prSet loTypeId="urn:microsoft.com/office/officeart/2005/8/layout/vList3" loCatId="list" qsTypeId="urn:microsoft.com/office/officeart/2005/8/quickstyle/simple1" qsCatId="simple" csTypeId="urn:microsoft.com/office/officeart/2005/8/colors/accent0_3" csCatId="mainScheme" phldr="1"/>
       <dgm:spPr/>
     </dgm:pt>
     <dgm:pt modelId="{0CA982EE-D33E-44E0-8E03-B38B39F24957}">
       <dgm:prSet phldrT="[Text]"/>
-      <dgm:spPr/>
+      <dgm:spPr>
+        <a:solidFill>
+          <a:schemeClr val="bg1">
+            <a:lumMod val="85000"/>
+          </a:schemeClr>
+        </a:solidFill>
+      </dgm:spPr>
       <dgm:t>
         <a:bodyPr/>
         <a:lstStyle/>
         <a:p>
           <a:r>
-            <a:rPr lang="de-AT" dirty="0"/>
+            <a:rPr lang="de-AT" dirty="0">
+              <a:solidFill>
+                <a:schemeClr val="bg1"/>
+              </a:solidFill>
+            </a:rPr>
             <a:t>Datenbankaufbau und Administration</a:t>
           </a:r>
         </a:p>
@@ -5402,7 +7338,13 @@
     </dgm:pt>
     <dgm:pt modelId="{C2E2F098-F4C1-4F27-89A4-85A101F07A6A}">
       <dgm:prSet phldrT="[Text]"/>
-      <dgm:spPr/>
+      <dgm:spPr>
+        <a:solidFill>
+          <a:schemeClr val="bg1">
+            <a:lumMod val="85000"/>
+          </a:schemeClr>
+        </a:solidFill>
+      </dgm:spPr>
       <dgm:t>
         <a:bodyPr/>
         <a:lstStyle/>
@@ -5438,7 +7380,13 @@
     </dgm:pt>
     <dgm:pt modelId="{FC44ABE3-B06C-4187-A368-D561DCE33870}">
       <dgm:prSet phldrT="[Text]"/>
-      <dgm:spPr/>
+      <dgm:spPr>
+        <a:solidFill>
+          <a:schemeClr val="bg1">
+            <a:lumMod val="85000"/>
+          </a:schemeClr>
+        </a:solidFill>
+      </dgm:spPr>
       <dgm:t>
         <a:bodyPr/>
         <a:lstStyle/>
@@ -5615,7 +7563,7 @@
 </dgm:dataModel>
 </file>
 
-<file path=ppt/diagrams/data5.xml><?xml version="1.0" encoding="utf-8"?>
+<file path=ppt/diagrams/data7.xml><?xml version="1.0" encoding="utf-8"?>
 <dgm:dataModel xmlns:dgm="http://schemas.openxmlformats.org/drawingml/2006/diagram" xmlns:a="http://schemas.openxmlformats.org/drawingml/2006/main">
   <dgm:ptLst>
     <dgm:pt modelId="{7F6E29D0-D753-4DB0-BDDE-9B5D050D8ED1}" type="doc">
@@ -5624,7 +7572,13 @@
     </dgm:pt>
     <dgm:pt modelId="{94333E79-72CE-47F5-A79D-C5799A5B2383}">
       <dgm:prSet phldrT="[Text]"/>
-      <dgm:spPr/>
+      <dgm:spPr>
+        <a:solidFill>
+          <a:schemeClr val="bg1">
+            <a:lumMod val="85000"/>
+          </a:schemeClr>
+        </a:solidFill>
+      </dgm:spPr>
       <dgm:t>
         <a:bodyPr/>
         <a:lstStyle/>
@@ -5665,7 +7619,13 @@
     </dgm:pt>
     <dgm:pt modelId="{02D62595-DFB5-4B1C-92C1-84EC4868271A}">
       <dgm:prSet phldrT="[Text]"/>
-      <dgm:spPr/>
+      <dgm:spPr>
+        <a:solidFill>
+          <a:schemeClr val="bg1">
+            <a:lumMod val="85000"/>
+          </a:schemeClr>
+        </a:solidFill>
+      </dgm:spPr>
       <dgm:t>
         <a:bodyPr/>
         <a:lstStyle/>
@@ -5701,7 +7661,13 @@
     </dgm:pt>
     <dgm:pt modelId="{C80066C9-8C68-4C43-980E-B18CA744473B}">
       <dgm:prSet phldrT="[Text]"/>
-      <dgm:spPr/>
+      <dgm:spPr>
+        <a:solidFill>
+          <a:schemeClr val="bg1">
+            <a:lumMod val="85000"/>
+          </a:schemeClr>
+        </a:solidFill>
+      </dgm:spPr>
       <dgm:t>
         <a:bodyPr/>
         <a:lstStyle/>
@@ -5871,7 +7837,9 @@
     <dgm:cxn modelId="{DA1E8C93-EEBC-4E22-8B39-3AF850DAFBDE}" type="presParOf" srcId="{AFD4274F-8EC0-4799-9323-8BB7EF1A0084}" destId="{FA73BCD7-587C-4A67-B60E-1A95FC2ED771}" srcOrd="0" destOrd="0" presId="urn:microsoft.com/office/officeart/2005/8/layout/vList3"/>
     <dgm:cxn modelId="{6871EF07-1FBF-4C26-BFC2-60B3CC4609FA}" type="presParOf" srcId="{AFD4274F-8EC0-4799-9323-8BB7EF1A0084}" destId="{0ABD48D9-D34B-44F7-8F42-6B5FE22536AA}" srcOrd="1" destOrd="0" presId="urn:microsoft.com/office/officeart/2005/8/layout/vList3"/>
   </dgm:cxnLst>
-  <dgm:bg/>
+  <dgm:bg>
+    <a:noFill/>
+  </dgm:bg>
   <dgm:whole/>
   <dgm:extLst>
     <a:ext uri="http://schemas.microsoft.com/office/drawing/2008/diagram">
@@ -5881,7 +7849,7 @@
 </dgm:dataModel>
 </file>
 
-<file path=ppt/diagrams/data6.xml><?xml version="1.0" encoding="utf-8"?>
+<file path=ppt/diagrams/data8.xml><?xml version="1.0" encoding="utf-8"?>
 <dgm:dataModel xmlns:dgm="http://schemas.openxmlformats.org/drawingml/2006/diagram" xmlns:a="http://schemas.openxmlformats.org/drawingml/2006/main">
   <dgm:ptLst>
     <dgm:pt modelId="{77C88005-57ED-46BB-851F-E7B70AF0F948}" type="doc">
@@ -5890,7 +7858,13 @@
     </dgm:pt>
     <dgm:pt modelId="{51086372-B383-46DB-A073-F6973D56964D}">
       <dgm:prSet phldrT="[Text]"/>
-      <dgm:spPr/>
+      <dgm:spPr>
+        <a:solidFill>
+          <a:schemeClr val="bg1">
+            <a:lumMod val="85000"/>
+          </a:schemeClr>
+        </a:solidFill>
+      </dgm:spPr>
       <dgm:t>
         <a:bodyPr/>
         <a:lstStyle/>
@@ -5926,7 +7900,13 @@
     </dgm:pt>
     <dgm:pt modelId="{CF307BCB-CDEA-4917-ACFE-3C9F6AC72DF3}">
       <dgm:prSet phldrT="[Text]"/>
-      <dgm:spPr/>
+      <dgm:spPr>
+        <a:solidFill>
+          <a:schemeClr val="bg1">
+            <a:lumMod val="85000"/>
+          </a:schemeClr>
+        </a:solidFill>
+      </dgm:spPr>
       <dgm:t>
         <a:bodyPr/>
         <a:lstStyle/>
@@ -5962,7 +7942,13 @@
     </dgm:pt>
     <dgm:pt modelId="{5C1FB28A-95A0-4CC1-8584-BEEBB592A75F}">
       <dgm:prSet phldrT="[Text]" custT="1"/>
-      <dgm:spPr/>
+      <dgm:spPr>
+        <a:solidFill>
+          <a:schemeClr val="bg1">
+            <a:lumMod val="85000"/>
+          </a:schemeClr>
+        </a:solidFill>
+      </dgm:spPr>
       <dgm:t>
         <a:bodyPr/>
         <a:lstStyle/>
@@ -6156,11 +8142,8 @@
           <a:avLst/>
         </a:prstGeom>
         <a:solidFill>
-          <a:schemeClr val="accent1">
-            <a:hueOff val="0"/>
-            <a:satOff val="0"/>
-            <a:lumOff val="0"/>
-            <a:alphaOff val="0"/>
+          <a:schemeClr val="bg1">
+            <a:lumMod val="85000"/>
           </a:schemeClr>
         </a:solidFill>
         <a:ln w="10795" cap="flat" cmpd="sng" algn="ctr">
@@ -6293,11 +8276,8 @@
           <a:avLst/>
         </a:prstGeom>
         <a:solidFill>
-          <a:schemeClr val="accent1">
-            <a:hueOff val="0"/>
-            <a:satOff val="0"/>
-            <a:lumOff val="0"/>
-            <a:alphaOff val="0"/>
+          <a:schemeClr val="bg1">
+            <a:lumMod val="85000"/>
           </a:schemeClr>
         </a:solidFill>
         <a:ln w="10795" cap="flat" cmpd="sng" algn="ctr">
@@ -6428,6 +8408,416 @@
       <dsp:cNvGrpSpPr/>
     </dsp:nvGrpSpPr>
     <dsp:grpSpPr/>
+  </dsp:spTree>
+</dsp:drawing>
+</file>
+
+<file path=ppt/diagrams/drawing3.xml><?xml version="1.0" encoding="utf-8"?>
+<dsp:drawing xmlns:dgm="http://schemas.openxmlformats.org/drawingml/2006/diagram" xmlns:dsp="http://schemas.microsoft.com/office/drawing/2008/diagram" xmlns:a="http://schemas.openxmlformats.org/drawingml/2006/main">
+  <dsp:spTree>
+    <dsp:nvGrpSpPr>
+      <dsp:cNvPr id="0" name=""/>
+      <dsp:cNvGrpSpPr/>
+    </dsp:nvGrpSpPr>
+    <dsp:grpSpPr/>
+    <dsp:sp modelId="{F0EDE134-B55C-49DC-A90D-704FF6E45B60}">
+      <dsp:nvSpPr>
+        <dsp:cNvPr id="0" name=""/>
+        <dsp:cNvSpPr/>
+      </dsp:nvSpPr>
+      <dsp:spPr>
+        <a:xfrm>
+          <a:off x="1221978" y="2645"/>
+          <a:ext cx="2706687" cy="1624012"/>
+        </a:xfrm>
+        <a:prstGeom prst="rect">
+          <a:avLst/>
+        </a:prstGeom>
+        <a:solidFill>
+          <a:schemeClr val="bg1">
+            <a:lumMod val="85000"/>
+          </a:schemeClr>
+        </a:solidFill>
+        <a:ln w="10795" cap="flat" cmpd="sng" algn="ctr">
+          <a:solidFill>
+            <a:schemeClr val="lt1">
+              <a:hueOff val="0"/>
+              <a:satOff val="0"/>
+              <a:lumOff val="0"/>
+              <a:alphaOff val="0"/>
+            </a:schemeClr>
+          </a:solidFill>
+          <a:prstDash val="solid"/>
+        </a:ln>
+        <a:effectLst/>
+      </dsp:spPr>
+      <dsp:style>
+        <a:lnRef idx="2">
+          <a:scrgbClr r="0" g="0" b="0"/>
+        </a:lnRef>
+        <a:fillRef idx="1">
+          <a:scrgbClr r="0" g="0" b="0"/>
+        </a:fillRef>
+        <a:effectRef idx="0">
+          <a:scrgbClr r="0" g="0" b="0"/>
+        </a:effectRef>
+        <a:fontRef idx="minor">
+          <a:schemeClr val="lt1"/>
+        </a:fontRef>
+      </dsp:style>
+      <dsp:txBody>
+        <a:bodyPr spcFirstLastPara="0" vert="horz" wrap="square" lIns="102870" tIns="102870" rIns="102870" bIns="102870" numCol="1" spcCol="1270" anchor="ctr" anchorCtr="0">
+          <a:noAutofit/>
+        </a:bodyPr>
+        <a:lstStyle/>
+        <a:p>
+          <a:pPr marL="0" lvl="0" indent="0" algn="ctr" defTabSz="1200150">
+            <a:lnSpc>
+              <a:spcPct val="90000"/>
+            </a:lnSpc>
+            <a:spcBef>
+              <a:spcPct val="0"/>
+            </a:spcBef>
+            <a:spcAft>
+              <a:spcPct val="35000"/>
+            </a:spcAft>
+            <a:buNone/>
+          </a:pPr>
+          <a:r>
+            <a:rPr lang="de-DE" sz="2700" kern="1200" dirty="0" err="1"/>
+            <a:t>Autom</a:t>
+          </a:r>
+          <a:r>
+            <a:rPr lang="de-DE" sz="2700" kern="1200" dirty="0"/>
+            <a:t>. Datenerfassung</a:t>
+          </a:r>
+          <a:endParaRPr lang="de-AT" sz="2700" kern="1200" dirty="0"/>
+        </a:p>
+      </dsp:txBody>
+      <dsp:txXfrm>
+        <a:off x="1221978" y="2645"/>
+        <a:ext cx="2706687" cy="1624012"/>
+      </dsp:txXfrm>
+    </dsp:sp>
+    <dsp:sp modelId="{790630D3-5198-43E7-974D-D6817756BF3D}">
+      <dsp:nvSpPr>
+        <dsp:cNvPr id="0" name=""/>
+        <dsp:cNvSpPr/>
+      </dsp:nvSpPr>
+      <dsp:spPr>
+        <a:xfrm>
+          <a:off x="4199334" y="2645"/>
+          <a:ext cx="2706687" cy="1624012"/>
+        </a:xfrm>
+        <a:prstGeom prst="rect">
+          <a:avLst/>
+        </a:prstGeom>
+        <a:solidFill>
+          <a:schemeClr val="bg1">
+            <a:lumMod val="85000"/>
+          </a:schemeClr>
+        </a:solidFill>
+        <a:ln w="10795" cap="flat" cmpd="sng" algn="ctr">
+          <a:solidFill>
+            <a:schemeClr val="lt1">
+              <a:hueOff val="0"/>
+              <a:satOff val="0"/>
+              <a:lumOff val="0"/>
+              <a:alphaOff val="0"/>
+            </a:schemeClr>
+          </a:solidFill>
+          <a:prstDash val="solid"/>
+        </a:ln>
+        <a:effectLst/>
+      </dsp:spPr>
+      <dsp:style>
+        <a:lnRef idx="2">
+          <a:scrgbClr r="0" g="0" b="0"/>
+        </a:lnRef>
+        <a:fillRef idx="1">
+          <a:scrgbClr r="0" g="0" b="0"/>
+        </a:fillRef>
+        <a:effectRef idx="0">
+          <a:scrgbClr r="0" g="0" b="0"/>
+        </a:effectRef>
+        <a:fontRef idx="minor">
+          <a:schemeClr val="lt1"/>
+        </a:fontRef>
+      </dsp:style>
+      <dsp:txBody>
+        <a:bodyPr spcFirstLastPara="0" vert="horz" wrap="square" lIns="102870" tIns="102870" rIns="102870" bIns="102870" numCol="1" spcCol="1270" anchor="ctr" anchorCtr="0">
+          <a:noAutofit/>
+        </a:bodyPr>
+        <a:lstStyle/>
+        <a:p>
+          <a:pPr marL="0" lvl="0" indent="0" algn="ctr" defTabSz="1200150">
+            <a:lnSpc>
+              <a:spcPct val="90000"/>
+            </a:lnSpc>
+            <a:spcBef>
+              <a:spcPct val="0"/>
+            </a:spcBef>
+            <a:spcAft>
+              <a:spcPct val="35000"/>
+            </a:spcAft>
+            <a:buNone/>
+          </a:pPr>
+          <a:r>
+            <a:rPr lang="de-DE" sz="2700" kern="1200" dirty="0"/>
+            <a:t>Überwachung von Verbrauchwerten</a:t>
+          </a:r>
+          <a:endParaRPr lang="de-AT" sz="2700" kern="1200" dirty="0"/>
+        </a:p>
+      </dsp:txBody>
+      <dsp:txXfrm>
+        <a:off x="4199334" y="2645"/>
+        <a:ext cx="2706687" cy="1624012"/>
+      </dsp:txXfrm>
+    </dsp:sp>
+    <dsp:sp modelId="{8167C2E6-5778-400E-B938-832E740ED2AB}">
+      <dsp:nvSpPr>
+        <dsp:cNvPr id="0" name=""/>
+        <dsp:cNvSpPr/>
+      </dsp:nvSpPr>
+      <dsp:spPr>
+        <a:xfrm>
+          <a:off x="1221978" y="1897327"/>
+          <a:ext cx="2706687" cy="1624012"/>
+        </a:xfrm>
+        <a:prstGeom prst="rect">
+          <a:avLst/>
+        </a:prstGeom>
+        <a:solidFill>
+          <a:schemeClr val="bg1">
+            <a:lumMod val="85000"/>
+          </a:schemeClr>
+        </a:solidFill>
+        <a:ln w="10795" cap="flat" cmpd="sng" algn="ctr">
+          <a:solidFill>
+            <a:schemeClr val="lt1">
+              <a:hueOff val="0"/>
+              <a:satOff val="0"/>
+              <a:lumOff val="0"/>
+              <a:alphaOff val="0"/>
+            </a:schemeClr>
+          </a:solidFill>
+          <a:prstDash val="solid"/>
+        </a:ln>
+        <a:effectLst/>
+      </dsp:spPr>
+      <dsp:style>
+        <a:lnRef idx="2">
+          <a:scrgbClr r="0" g="0" b="0"/>
+        </a:lnRef>
+        <a:fillRef idx="1">
+          <a:scrgbClr r="0" g="0" b="0"/>
+        </a:fillRef>
+        <a:effectRef idx="0">
+          <a:scrgbClr r="0" g="0" b="0"/>
+        </a:effectRef>
+        <a:fontRef idx="minor">
+          <a:schemeClr val="lt1"/>
+        </a:fontRef>
+      </dsp:style>
+      <dsp:txBody>
+        <a:bodyPr spcFirstLastPara="0" vert="horz" wrap="square" lIns="102870" tIns="102870" rIns="102870" bIns="102870" numCol="1" spcCol="1270" anchor="ctr" anchorCtr="0">
+          <a:noAutofit/>
+        </a:bodyPr>
+        <a:lstStyle/>
+        <a:p>
+          <a:pPr marL="0" lvl="0" indent="0" algn="ctr" defTabSz="1200150">
+            <a:lnSpc>
+              <a:spcPct val="90000"/>
+            </a:lnSpc>
+            <a:spcBef>
+              <a:spcPct val="0"/>
+            </a:spcBef>
+            <a:spcAft>
+              <a:spcPct val="35000"/>
+            </a:spcAft>
+            <a:buNone/>
+          </a:pPr>
+          <a:r>
+            <a:rPr lang="de-DE" sz="2700" kern="1200" dirty="0"/>
+            <a:t>Statistiken und Reports</a:t>
+          </a:r>
+          <a:endParaRPr lang="de-AT" sz="2700" kern="1200" dirty="0"/>
+        </a:p>
+      </dsp:txBody>
+      <dsp:txXfrm>
+        <a:off x="1221978" y="1897327"/>
+        <a:ext cx="2706687" cy="1624012"/>
+      </dsp:txXfrm>
+    </dsp:sp>
+    <dsp:sp modelId="{218DB792-42E8-4F13-A81F-37F6BF7171E6}">
+      <dsp:nvSpPr>
+        <dsp:cNvPr id="0" name=""/>
+        <dsp:cNvSpPr/>
+      </dsp:nvSpPr>
+      <dsp:spPr>
+        <a:xfrm>
+          <a:off x="4199334" y="1897327"/>
+          <a:ext cx="2706687" cy="1624012"/>
+        </a:xfrm>
+        <a:prstGeom prst="rect">
+          <a:avLst/>
+        </a:prstGeom>
+        <a:solidFill>
+          <a:schemeClr val="bg1">
+            <a:lumMod val="85000"/>
+          </a:schemeClr>
+        </a:solidFill>
+        <a:ln w="10795" cap="flat" cmpd="sng" algn="ctr">
+          <a:solidFill>
+            <a:schemeClr val="lt1">
+              <a:hueOff val="0"/>
+              <a:satOff val="0"/>
+              <a:lumOff val="0"/>
+              <a:alphaOff val="0"/>
+            </a:schemeClr>
+          </a:solidFill>
+          <a:prstDash val="solid"/>
+        </a:ln>
+        <a:effectLst/>
+      </dsp:spPr>
+      <dsp:style>
+        <a:lnRef idx="2">
+          <a:scrgbClr r="0" g="0" b="0"/>
+        </a:lnRef>
+        <a:fillRef idx="1">
+          <a:scrgbClr r="0" g="0" b="0"/>
+        </a:fillRef>
+        <a:effectRef idx="0">
+          <a:scrgbClr r="0" g="0" b="0"/>
+        </a:effectRef>
+        <a:fontRef idx="minor">
+          <a:schemeClr val="lt1"/>
+        </a:fontRef>
+      </dsp:style>
+      <dsp:txBody>
+        <a:bodyPr spcFirstLastPara="0" vert="horz" wrap="square" lIns="102870" tIns="102870" rIns="102870" bIns="102870" numCol="1" spcCol="1270" anchor="ctr" anchorCtr="0">
+          <a:noAutofit/>
+        </a:bodyPr>
+        <a:lstStyle/>
+        <a:p>
+          <a:pPr marL="0" lvl="0" indent="0" algn="ctr" defTabSz="1200150">
+            <a:lnSpc>
+              <a:spcPct val="90000"/>
+            </a:lnSpc>
+            <a:spcBef>
+              <a:spcPct val="0"/>
+            </a:spcBef>
+            <a:spcAft>
+              <a:spcPct val="35000"/>
+            </a:spcAft>
+            <a:buNone/>
+          </a:pPr>
+          <a:r>
+            <a:rPr lang="de-DE" sz="2700" kern="1200" dirty="0"/>
+            <a:t>Administrations</a:t>
+          </a:r>
+          <a:br>
+            <a:rPr lang="de-DE" sz="2700" kern="1200" dirty="0"/>
+          </a:br>
+          <a:r>
+            <a:rPr lang="de-DE" sz="2700" kern="1200" dirty="0" err="1"/>
+            <a:t>system</a:t>
+          </a:r>
+          <a:endParaRPr lang="de-AT" sz="2700" kern="1200" dirty="0"/>
+        </a:p>
+      </dsp:txBody>
+      <dsp:txXfrm>
+        <a:off x="4199334" y="1897327"/>
+        <a:ext cx="2706687" cy="1624012"/>
+      </dsp:txXfrm>
+    </dsp:sp>
+    <dsp:sp modelId="{CDC8D5DE-5431-43C6-AC52-5D76C0F8E2D7}">
+      <dsp:nvSpPr>
+        <dsp:cNvPr id="0" name=""/>
+        <dsp:cNvSpPr/>
+      </dsp:nvSpPr>
+      <dsp:spPr>
+        <a:xfrm>
+          <a:off x="2710656" y="3792008"/>
+          <a:ext cx="2706687" cy="1624012"/>
+        </a:xfrm>
+        <a:prstGeom prst="rect">
+          <a:avLst/>
+        </a:prstGeom>
+        <a:solidFill>
+          <a:schemeClr val="bg1">
+            <a:lumMod val="85000"/>
+          </a:schemeClr>
+        </a:solidFill>
+        <a:ln w="10795" cap="flat" cmpd="sng" algn="ctr">
+          <a:solidFill>
+            <a:schemeClr val="lt1">
+              <a:hueOff val="0"/>
+              <a:satOff val="0"/>
+              <a:lumOff val="0"/>
+              <a:alphaOff val="0"/>
+            </a:schemeClr>
+          </a:solidFill>
+          <a:prstDash val="solid"/>
+        </a:ln>
+        <a:effectLst/>
+      </dsp:spPr>
+      <dsp:style>
+        <a:lnRef idx="2">
+          <a:scrgbClr r="0" g="0" b="0"/>
+        </a:lnRef>
+        <a:fillRef idx="1">
+          <a:scrgbClr r="0" g="0" b="0"/>
+        </a:fillRef>
+        <a:effectRef idx="0">
+          <a:scrgbClr r="0" g="0" b="0"/>
+        </a:effectRef>
+        <a:fontRef idx="minor">
+          <a:schemeClr val="lt1"/>
+        </a:fontRef>
+      </dsp:style>
+      <dsp:txBody>
+        <a:bodyPr spcFirstLastPara="0" vert="horz" wrap="square" lIns="102870" tIns="102870" rIns="102870" bIns="102870" numCol="1" spcCol="1270" anchor="ctr" anchorCtr="0">
+          <a:noAutofit/>
+        </a:bodyPr>
+        <a:lstStyle/>
+        <a:p>
+          <a:pPr marL="0" lvl="0" indent="0" algn="ctr" defTabSz="1200150">
+            <a:lnSpc>
+              <a:spcPct val="90000"/>
+            </a:lnSpc>
+            <a:spcBef>
+              <a:spcPct val="0"/>
+            </a:spcBef>
+            <a:spcAft>
+              <a:spcPct val="35000"/>
+            </a:spcAft>
+            <a:buNone/>
+          </a:pPr>
+          <a:r>
+            <a:rPr lang="de-DE" sz="2700" kern="1200" dirty="0"/>
+            <a:t>Web- und Android App</a:t>
+          </a:r>
+          <a:endParaRPr lang="de-AT" sz="2700" kern="1200" dirty="0"/>
+        </a:p>
+      </dsp:txBody>
+      <dsp:txXfrm>
+        <a:off x="2710656" y="3792008"/>
+        <a:ext cx="2706687" cy="1624012"/>
+      </dsp:txXfrm>
+    </dsp:sp>
+  </dsp:spTree>
+</dsp:drawing>
+</file>
+
+<file path=ppt/diagrams/drawing4.xml><?xml version="1.0" encoding="utf-8"?>
+<dsp:drawing xmlns:dgm="http://schemas.openxmlformats.org/drawingml/2006/diagram" xmlns:dsp="http://schemas.microsoft.com/office/drawing/2008/diagram" xmlns:a="http://schemas.openxmlformats.org/drawingml/2006/main">
+  <dsp:spTree>
+    <dsp:nvGrpSpPr>
+      <dsp:cNvPr id="0" name=""/>
+      <dsp:cNvGrpSpPr/>
+    </dsp:nvGrpSpPr>
+    <dsp:grpSpPr/>
     <dsp:sp modelId="{59268456-5FB7-46DC-BAFA-430D08563B26}">
       <dsp:nvSpPr>
         <dsp:cNvPr id="0" name=""/>
@@ -6442,11 +8832,8 @@
           <a:avLst/>
         </a:prstGeom>
         <a:solidFill>
-          <a:schemeClr val="accent1">
-            <a:hueOff val="0"/>
-            <a:satOff val="0"/>
-            <a:lumOff val="0"/>
-            <a:alphaOff val="0"/>
+          <a:schemeClr val="bg1">
+            <a:lumMod val="85000"/>
           </a:schemeClr>
         </a:solidFill>
         <a:ln w="10795" cap="flat" cmpd="sng" algn="ctr">
@@ -6495,7 +8882,7 @@
             <a:buNone/>
           </a:pPr>
           <a:r>
-            <a:rPr lang="de-AT" sz="2800" kern="1200" dirty="0"/>
+            <a:rPr lang="de-AT" sz="2800" b="0" kern="1200" dirty="0"/>
             <a:t>Daten sammeln und senden an Datenbank</a:t>
           </a:r>
         </a:p>
@@ -6571,11 +8958,8 @@
           <a:avLst/>
         </a:prstGeom>
         <a:solidFill>
-          <a:schemeClr val="accent1">
-            <a:hueOff val="0"/>
-            <a:satOff val="0"/>
-            <a:lumOff val="0"/>
-            <a:alphaOff val="0"/>
+          <a:schemeClr val="bg1">
+            <a:lumMod val="85000"/>
           </a:schemeClr>
         </a:solidFill>
         <a:ln w="10795" cap="flat" cmpd="sng" algn="ctr">
@@ -6700,11 +9084,8 @@
           <a:avLst/>
         </a:prstGeom>
         <a:solidFill>
-          <a:schemeClr val="accent1">
-            <a:hueOff val="0"/>
-            <a:satOff val="0"/>
-            <a:lumOff val="0"/>
-            <a:alphaOff val="0"/>
+          <a:schemeClr val="bg1">
+            <a:lumMod val="85000"/>
           </a:schemeClr>
         </a:solidFill>
         <a:ln w="10795" cap="flat" cmpd="sng" algn="ctr">
@@ -6819,7 +9200,7 @@
 </dsp:drawing>
 </file>
 
-<file path=ppt/diagrams/drawing3.xml><?xml version="1.0" encoding="utf-8"?>
+<file path=ppt/diagrams/drawing5.xml><?xml version="1.0" encoding="utf-8"?>
 <dsp:drawing xmlns:dgm="http://schemas.openxmlformats.org/drawingml/2006/diagram" xmlns:dsp="http://schemas.microsoft.com/office/drawing/2008/diagram" xmlns:a="http://schemas.openxmlformats.org/drawingml/2006/main">
   <dsp:spTree>
     <dsp:nvGrpSpPr>
@@ -6841,11 +9222,8 @@
           <a:avLst/>
         </a:prstGeom>
         <a:solidFill>
-          <a:schemeClr val="accent1">
-            <a:hueOff val="0"/>
-            <a:satOff val="0"/>
-            <a:lumOff val="0"/>
-            <a:alphaOff val="0"/>
+          <a:schemeClr val="bg1">
+            <a:lumMod val="85000"/>
           </a:schemeClr>
         </a:solidFill>
         <a:ln w="10795" cap="flat" cmpd="sng" algn="ctr">
@@ -6970,11 +9348,8 @@
           <a:avLst/>
         </a:prstGeom>
         <a:solidFill>
-          <a:schemeClr val="accent1">
-            <a:hueOff val="0"/>
-            <a:satOff val="0"/>
-            <a:lumOff val="0"/>
-            <a:alphaOff val="0"/>
+          <a:schemeClr val="bg1">
+            <a:lumMod val="85000"/>
           </a:schemeClr>
         </a:solidFill>
         <a:ln w="10795" cap="flat" cmpd="sng" algn="ctr">
@@ -7099,11 +9474,8 @@
           <a:avLst/>
         </a:prstGeom>
         <a:solidFill>
-          <a:schemeClr val="accent1">
-            <a:hueOff val="0"/>
-            <a:satOff val="0"/>
-            <a:lumOff val="0"/>
-            <a:alphaOff val="0"/>
+          <a:schemeClr val="bg1">
+            <a:lumMod val="85000"/>
           </a:schemeClr>
         </a:solidFill>
         <a:ln w="10795" cap="flat" cmpd="sng" algn="ctr">
@@ -7218,7 +9590,7 @@
 </dsp:drawing>
 </file>
 
-<file path=ppt/diagrams/drawing4.xml><?xml version="1.0" encoding="utf-8"?>
+<file path=ppt/diagrams/drawing6.xml><?xml version="1.0" encoding="utf-8"?>
 <dsp:drawing xmlns:dgm="http://schemas.openxmlformats.org/drawingml/2006/diagram" xmlns:dsp="http://schemas.microsoft.com/office/drawing/2008/diagram" xmlns:a="http://schemas.openxmlformats.org/drawingml/2006/main">
   <dsp:spTree>
     <dsp:nvGrpSpPr>
@@ -7240,16 +9612,13 @@
           <a:avLst/>
         </a:prstGeom>
         <a:solidFill>
-          <a:schemeClr val="accent1">
-            <a:hueOff val="0"/>
-            <a:satOff val="0"/>
-            <a:lumOff val="0"/>
-            <a:alphaOff val="0"/>
+          <a:schemeClr val="bg1">
+            <a:lumMod val="85000"/>
           </a:schemeClr>
         </a:solidFill>
         <a:ln w="10795" cap="flat" cmpd="sng" algn="ctr">
           <a:solidFill>
-            <a:schemeClr val="lt1">
+            <a:schemeClr val="lt2">
               <a:hueOff val="0"/>
               <a:satOff val="0"/>
               <a:lumOff val="0"/>
@@ -7293,7 +9662,11 @@
             <a:buNone/>
           </a:pPr>
           <a:r>
-            <a:rPr lang="de-AT" sz="2800" kern="1200" dirty="0"/>
+            <a:rPr lang="de-AT" sz="2800" kern="1200" dirty="0">
+              <a:solidFill>
+                <a:schemeClr val="bg1"/>
+              </a:solidFill>
+            </a:rPr>
             <a:t>Datenbankaufbau und Administration</a:t>
           </a:r>
         </a:p>
@@ -7331,7 +9704,7 @@
         </a:blipFill>
         <a:ln w="10795" cap="flat" cmpd="sng" algn="ctr">
           <a:solidFill>
-            <a:schemeClr val="lt1">
+            <a:schemeClr val="lt2">
               <a:hueOff val="0"/>
               <a:satOff val="0"/>
               <a:lumOff val="0"/>
@@ -7369,16 +9742,13 @@
           <a:avLst/>
         </a:prstGeom>
         <a:solidFill>
-          <a:schemeClr val="accent1">
-            <a:hueOff val="0"/>
-            <a:satOff val="0"/>
-            <a:lumOff val="0"/>
-            <a:alphaOff val="0"/>
+          <a:schemeClr val="bg1">
+            <a:lumMod val="85000"/>
           </a:schemeClr>
         </a:solidFill>
         <a:ln w="10795" cap="flat" cmpd="sng" algn="ctr">
           <a:solidFill>
-            <a:schemeClr val="lt1">
+            <a:schemeClr val="lt2">
               <a:hueOff val="0"/>
               <a:satOff val="0"/>
               <a:lumOff val="0"/>
@@ -7460,7 +9830,7 @@
         </a:blipFill>
         <a:ln w="10795" cap="flat" cmpd="sng" algn="ctr">
           <a:solidFill>
-            <a:schemeClr val="lt1">
+            <a:schemeClr val="lt2">
               <a:hueOff val="0"/>
               <a:satOff val="0"/>
               <a:lumOff val="0"/>
@@ -7498,16 +9868,13 @@
           <a:avLst/>
         </a:prstGeom>
         <a:solidFill>
-          <a:schemeClr val="accent1">
-            <a:hueOff val="0"/>
-            <a:satOff val="0"/>
-            <a:lumOff val="0"/>
-            <a:alphaOff val="0"/>
+          <a:schemeClr val="bg1">
+            <a:lumMod val="85000"/>
           </a:schemeClr>
         </a:solidFill>
         <a:ln w="10795" cap="flat" cmpd="sng" algn="ctr">
           <a:solidFill>
-            <a:schemeClr val="lt1">
+            <a:schemeClr val="lt2">
               <a:hueOff val="0"/>
               <a:satOff val="0"/>
               <a:lumOff val="0"/>
@@ -7594,7 +9961,7 @@
         </a:blipFill>
         <a:ln w="10795" cap="flat" cmpd="sng" algn="ctr">
           <a:solidFill>
-            <a:schemeClr val="lt1">
+            <a:schemeClr val="lt2">
               <a:hueOff val="0"/>
               <a:satOff val="0"/>
               <a:lumOff val="0"/>
@@ -7622,7 +9989,7 @@
 </dsp:drawing>
 </file>
 
-<file path=ppt/diagrams/drawing5.xml><?xml version="1.0" encoding="utf-8"?>
+<file path=ppt/diagrams/drawing7.xml><?xml version="1.0" encoding="utf-8"?>
 <dsp:drawing xmlns:dgm="http://schemas.openxmlformats.org/drawingml/2006/diagram" xmlns:dsp="http://schemas.microsoft.com/office/drawing/2008/diagram" xmlns:a="http://schemas.openxmlformats.org/drawingml/2006/main">
   <dsp:spTree>
     <dsp:nvGrpSpPr>
@@ -7644,11 +10011,8 @@
           <a:avLst/>
         </a:prstGeom>
         <a:solidFill>
-          <a:schemeClr val="accent1">
-            <a:hueOff val="0"/>
-            <a:satOff val="0"/>
-            <a:lumOff val="0"/>
-            <a:alphaOff val="0"/>
+          <a:schemeClr val="bg1">
+            <a:lumMod val="85000"/>
           </a:schemeClr>
         </a:solidFill>
         <a:ln w="10795" cap="flat" cmpd="sng" algn="ctr">
@@ -7778,11 +10142,8 @@
           <a:avLst/>
         </a:prstGeom>
         <a:solidFill>
-          <a:schemeClr val="accent1">
-            <a:hueOff val="0"/>
-            <a:satOff val="0"/>
-            <a:lumOff val="0"/>
-            <a:alphaOff val="0"/>
+          <a:schemeClr val="bg1">
+            <a:lumMod val="85000"/>
           </a:schemeClr>
         </a:solidFill>
         <a:ln w="10795" cap="flat" cmpd="sng" algn="ctr">
@@ -7907,11 +10268,8 @@
           <a:avLst/>
         </a:prstGeom>
         <a:solidFill>
-          <a:schemeClr val="accent1">
-            <a:hueOff val="0"/>
-            <a:satOff val="0"/>
-            <a:lumOff val="0"/>
-            <a:alphaOff val="0"/>
+          <a:schemeClr val="bg1">
+            <a:lumMod val="85000"/>
           </a:schemeClr>
         </a:solidFill>
         <a:ln w="10795" cap="flat" cmpd="sng" algn="ctr">
@@ -8034,7 +10392,7 @@
 </dsp:drawing>
 </file>
 
-<file path=ppt/diagrams/drawing6.xml><?xml version="1.0" encoding="utf-8"?>
+<file path=ppt/diagrams/drawing8.xml><?xml version="1.0" encoding="utf-8"?>
 <dsp:drawing xmlns:dgm="http://schemas.openxmlformats.org/drawingml/2006/diagram" xmlns:dsp="http://schemas.microsoft.com/office/drawing/2008/diagram" xmlns:a="http://schemas.openxmlformats.org/drawingml/2006/main">
   <dsp:spTree>
     <dsp:nvGrpSpPr>
@@ -8056,11 +10414,8 @@
           <a:avLst/>
         </a:prstGeom>
         <a:solidFill>
-          <a:schemeClr val="accent1">
-            <a:hueOff val="0"/>
-            <a:satOff val="0"/>
-            <a:lumOff val="0"/>
-            <a:alphaOff val="0"/>
+          <a:schemeClr val="bg1">
+            <a:lumMod val="85000"/>
           </a:schemeClr>
         </a:solidFill>
         <a:ln w="10795" cap="flat" cmpd="sng" algn="ctr">
@@ -8185,11 +10540,8 @@
           <a:avLst/>
         </a:prstGeom>
         <a:solidFill>
-          <a:schemeClr val="accent1">
-            <a:hueOff val="0"/>
-            <a:satOff val="0"/>
-            <a:lumOff val="0"/>
-            <a:alphaOff val="0"/>
+          <a:schemeClr val="bg1">
+            <a:lumMod val="85000"/>
           </a:schemeClr>
         </a:solidFill>
         <a:ln w="10795" cap="flat" cmpd="sng" algn="ctr">
@@ -8314,11 +10666,8 @@
           <a:avLst/>
         </a:prstGeom>
         <a:solidFill>
-          <a:schemeClr val="accent1">
-            <a:hueOff val="0"/>
-            <a:satOff val="0"/>
-            <a:lumOff val="0"/>
-            <a:alphaOff val="0"/>
+          <a:schemeClr val="bg1">
+            <a:lumMod val="85000"/>
           </a:schemeClr>
         </a:solidFill>
         <a:ln w="10795" cap="flat" cmpd="sng" algn="ctr">
@@ -8601,18 +10950,39 @@
 </file>
 
 <file path=ppt/diagrams/layout2.xml><?xml version="1.0" encoding="utf-8"?>
-<dgm:layoutDef xmlns:dgm="http://schemas.openxmlformats.org/drawingml/2006/diagram" xmlns:a="http://schemas.openxmlformats.org/drawingml/2006/main" uniqueId="urn:microsoft.com/office/officeart/2005/8/layout/vList3">
+<dgm:layoutDef xmlns:dgm="http://schemas.openxmlformats.org/drawingml/2006/diagram" xmlns:a="http://schemas.openxmlformats.org/drawingml/2006/main" uniqueId="urn:microsoft.com/office/officeart/2005/8/layout/default">
   <dgm:title val=""/>
   <dgm:desc val=""/>
   <dgm:catLst>
-    <dgm:cat type="list" pri="14000"/>
-    <dgm:cat type="convert" pri="3000"/>
-    <dgm:cat type="picture" pri="27000"/>
-    <dgm:cat type="pictureconvert" pri="27000"/>
+    <dgm:cat type="list" pri="400"/>
   </dgm:catLst>
-  <dgm:sampData useDef="1">
+  <dgm:sampData>
     <dgm:dataModel>
-      <dgm:ptLst/>
+      <dgm:ptLst>
+        <dgm:pt modelId="0" type="doc"/>
+        <dgm:pt modelId="1">
+          <dgm:prSet phldr="1"/>
+        </dgm:pt>
+        <dgm:pt modelId="2">
+          <dgm:prSet phldr="1"/>
+        </dgm:pt>
+        <dgm:pt modelId="3">
+          <dgm:prSet phldr="1"/>
+        </dgm:pt>
+        <dgm:pt modelId="4">
+          <dgm:prSet phldr="1"/>
+        </dgm:pt>
+        <dgm:pt modelId="5">
+          <dgm:prSet phldr="1"/>
+        </dgm:pt>
+      </dgm:ptLst>
+      <dgm:cxnLst>
+        <dgm:cxn modelId="6" srcId="0" destId="1" srcOrd="0" destOrd="0"/>
+        <dgm:cxn modelId="7" srcId="0" destId="2" srcOrd="1" destOrd="0"/>
+        <dgm:cxn modelId="8" srcId="0" destId="3" srcOrd="2" destOrd="0"/>
+        <dgm:cxn modelId="9" srcId="0" destId="4" srcOrd="3" destOrd="0"/>
+        <dgm:cxn modelId="10" srcId="0" destId="5" srcOrd="4" destOrd="0"/>
+      </dgm:cxnLst>
       <dgm:bg/>
       <dgm:whole/>
     </dgm:dataModel>
@@ -8640,120 +11010,83 @@
         <dgm:pt modelId="2"/>
         <dgm:pt modelId="3"/>
         <dgm:pt modelId="4"/>
+        <dgm:pt modelId="5"/>
+        <dgm:pt modelId="6"/>
       </dgm:ptLst>
       <dgm:cxnLst>
-        <dgm:cxn modelId="5" srcId="0" destId="1" srcOrd="0" destOrd="0"/>
-        <dgm:cxn modelId="6" srcId="0" destId="2" srcOrd="1" destOrd="0"/>
-        <dgm:cxn modelId="7" srcId="0" destId="3" srcOrd="2" destOrd="0"/>
-        <dgm:cxn modelId="8" srcId="0" destId="4" srcOrd="3" destOrd="0"/>
+        <dgm:cxn modelId="7" srcId="0" destId="1" srcOrd="0" destOrd="0"/>
+        <dgm:cxn modelId="8" srcId="0" destId="2" srcOrd="1" destOrd="0"/>
+        <dgm:cxn modelId="9" srcId="0" destId="3" srcOrd="2" destOrd="0"/>
+        <dgm:cxn modelId="10" srcId="0" destId="4" srcOrd="3" destOrd="0"/>
+        <dgm:cxn modelId="11" srcId="0" destId="5" srcOrd="4" destOrd="0"/>
+        <dgm:cxn modelId="12" srcId="0" destId="6" srcOrd="5" destOrd="0"/>
       </dgm:cxnLst>
       <dgm:bg/>
       <dgm:whole/>
     </dgm:dataModel>
   </dgm:clrData>
-  <dgm:layoutNode name="linearFlow">
+  <dgm:layoutNode name="diagram">
     <dgm:varLst>
       <dgm:dir/>
       <dgm:resizeHandles val="exact"/>
     </dgm:varLst>
-    <dgm:alg type="lin">
-      <dgm:param type="linDir" val="fromT"/>
-      <dgm:param type="vertAlign" val="mid"/>
-      <dgm:param type="horzAlign" val="ctr"/>
-    </dgm:alg>
+    <dgm:choose name="Name0">
+      <dgm:if name="Name1" func="var" arg="dir" op="equ" val="norm">
+        <dgm:alg type="snake">
+          <dgm:param type="grDir" val="tL"/>
+          <dgm:param type="flowDir" val="row"/>
+          <dgm:param type="contDir" val="sameDir"/>
+          <dgm:param type="off" val="ctr"/>
+        </dgm:alg>
+      </dgm:if>
+      <dgm:else name="Name2">
+        <dgm:alg type="snake">
+          <dgm:param type="grDir" val="tR"/>
+          <dgm:param type="flowDir" val="row"/>
+          <dgm:param type="contDir" val="sameDir"/>
+          <dgm:param type="off" val="ctr"/>
+        </dgm:alg>
+      </dgm:else>
+    </dgm:choose>
     <dgm:shape xmlns:r="http://schemas.openxmlformats.org/officeDocument/2006/relationships" r:blip="">
       <dgm:adjLst/>
     </dgm:shape>
     <dgm:presOf/>
     <dgm:constrLst>
-      <dgm:constr type="w" for="ch" forName="composite" refType="w"/>
-      <dgm:constr type="h" for="ch" forName="composite" refType="h"/>
-      <dgm:constr type="h" for="ch" forName="spacing" refType="h" refFor="ch" refForName="composite" fact="0.25"/>
-      <dgm:constr type="h" for="ch" forName="spacing" refType="w" op="lte" fact="0.1"/>
-      <dgm:constr type="primFontSz" for="des" ptType="node" op="equ" val="65"/>
+      <dgm:constr type="w" for="ch" forName="node" refType="w"/>
+      <dgm:constr type="h" for="ch" forName="node" refType="w" refFor="ch" refForName="node" fact="0.6"/>
+      <dgm:constr type="w" for="ch" forName="sibTrans" refType="w" refFor="ch" refForName="node" fact="0.1"/>
+      <dgm:constr type="sp" refType="w" refFor="ch" refForName="sibTrans"/>
+      <dgm:constr type="primFontSz" for="ch" forName="node" op="equ" val="65"/>
     </dgm:constrLst>
     <dgm:ruleLst/>
-    <dgm:forEach name="Name0" axis="ch" ptType="node">
-      <dgm:layoutNode name="composite">
-        <dgm:alg type="composite"/>
-        <dgm:shape xmlns:r="http://schemas.openxmlformats.org/officeDocument/2006/relationships" r:blip="">
+    <dgm:forEach name="Name3" axis="ch" ptType="node">
+      <dgm:layoutNode name="node">
+        <dgm:varLst>
+          <dgm:bulletEnabled val="1"/>
+        </dgm:varLst>
+        <dgm:alg type="tx"/>
+        <dgm:shape xmlns:r="http://schemas.openxmlformats.org/officeDocument/2006/relationships" type="rect" r:blip="">
           <dgm:adjLst/>
         </dgm:shape>
-        <dgm:presOf/>
-        <dgm:choose name="Name1">
-          <dgm:if name="Name2" func="var" arg="dir" op="equ" val="norm">
-            <dgm:constrLst>
-              <dgm:constr type="w" for="ch" forName="imgShp" refType="w" fact="0.335"/>
-              <dgm:constr type="h" for="ch" forName="imgShp" refType="w" refFor="ch" refForName="imgShp" op="equ"/>
-              <dgm:constr type="h" for="ch" forName="imgShp" refType="h" op="lte"/>
-              <dgm:constr type="ctrY" for="ch" forName="imgShp" refType="h" fact="0.5"/>
-              <dgm:constr type="l" for="ch" forName="imgShp"/>
-              <dgm:constr type="w" for="ch" forName="txShp" refType="w" op="equ" fact="0.665"/>
-              <dgm:constr type="h" for="ch" forName="txShp" refType="h" refFor="ch" refForName="imgShp" op="equ"/>
-              <dgm:constr type="ctrY" for="ch" forName="txShp" refType="h" fact="0.5"/>
-              <dgm:constr type="l" for="ch" forName="txShp" refType="w" refFor="ch" refForName="imgShp" fact="0.5"/>
-              <dgm:constr type="lMarg" for="ch" forName="txShp" refType="w" refFor="ch" refForName="imgShp" fact="1.25"/>
-            </dgm:constrLst>
-          </dgm:if>
-          <dgm:else name="Name3">
-            <dgm:constrLst>
-              <dgm:constr type="w" for="ch" forName="imgShp" refType="w" fact="0.335"/>
-              <dgm:constr type="h" for="ch" forName="imgShp" refType="w" refFor="ch" refForName="imgShp" op="equ"/>
-              <dgm:constr type="h" for="ch" forName="imgShp" refType="h" op="lte"/>
-              <dgm:constr type="ctrY" for="ch" forName="imgShp" refType="h" fact="0.5"/>
-              <dgm:constr type="r" for="ch" forName="imgShp" refType="w"/>
-              <dgm:constr type="w" for="ch" forName="txShp" refType="w" op="equ" fact="0.665"/>
-              <dgm:constr type="h" for="ch" forName="txShp" refType="h" refFor="ch" refForName="imgShp" op="equ"/>
-              <dgm:constr type="ctrY" for="ch" forName="txShp" refType="h" fact="0.5"/>
-              <dgm:constr type="r" for="ch" forName="txShp" refType="ctrX" refFor="ch" refForName="imgShp"/>
-              <dgm:constr type="rMarg" for="ch" forName="txShp" refType="w" refFor="ch" refForName="imgShp" fact="1.25"/>
-            </dgm:constrLst>
-          </dgm:else>
-        </dgm:choose>
-        <dgm:ruleLst/>
-        <dgm:layoutNode name="imgShp" styleLbl="fgImgPlace1">
-          <dgm:alg type="sp"/>
-          <dgm:shape xmlns:r="http://schemas.openxmlformats.org/officeDocument/2006/relationships" type="ellipse" r:blip="" blipPhldr="1">
-            <dgm:adjLst/>
-          </dgm:shape>
-          <dgm:presOf/>
-          <dgm:constrLst/>
-          <dgm:ruleLst/>
-        </dgm:layoutNode>
-        <dgm:layoutNode name="txShp">
-          <dgm:varLst>
-            <dgm:bulletEnabled val="1"/>
-          </dgm:varLst>
-          <dgm:alg type="tx"/>
-          <dgm:choose name="Name4">
-            <dgm:if name="Name5" func="var" arg="dir" op="equ" val="norm">
-              <dgm:shape xmlns:r="http://schemas.openxmlformats.org/officeDocument/2006/relationships" rot="180" type="homePlate" r:blip="" zOrderOff="-1">
-                <dgm:adjLst/>
-              </dgm:shape>
-            </dgm:if>
-            <dgm:else name="Name6">
-              <dgm:shape xmlns:r="http://schemas.openxmlformats.org/officeDocument/2006/relationships" type="homePlate" r:blip="" zOrderOff="-1">
-                <dgm:adjLst/>
-              </dgm:shape>
-            </dgm:else>
-          </dgm:choose>
-          <dgm:presOf axis="desOrSelf" ptType="node"/>
-          <dgm:constrLst>
-            <dgm:constr type="tMarg" refType="primFontSz" fact="0.3"/>
-            <dgm:constr type="bMarg" refType="primFontSz" fact="0.3"/>
-          </dgm:constrLst>
-          <dgm:ruleLst>
-            <dgm:rule type="primFontSz" val="5" fact="NaN" max="NaN"/>
-          </dgm:ruleLst>
-        </dgm:layoutNode>
+        <dgm:presOf axis="desOrSelf" ptType="node"/>
+        <dgm:constrLst>
+          <dgm:constr type="lMarg" refType="primFontSz" fact="0.3"/>
+          <dgm:constr type="rMarg" refType="primFontSz" fact="0.3"/>
+          <dgm:constr type="tMarg" refType="primFontSz" fact="0.3"/>
+          <dgm:constr type="bMarg" refType="primFontSz" fact="0.3"/>
+        </dgm:constrLst>
+        <dgm:ruleLst>
+          <dgm:rule type="primFontSz" val="5" fact="NaN" max="NaN"/>
+        </dgm:ruleLst>
       </dgm:layoutNode>
-      <dgm:forEach name="Name7" axis="followSib" ptType="sibTrans" cnt="1">
-        <dgm:layoutNode name="spacing">
+      <dgm:forEach name="Name4" axis="followSib" ptType="sibTrans" cnt="1">
+        <dgm:layoutNode name="sibTrans">
           <dgm:alg type="sp"/>
           <dgm:shape xmlns:r="http://schemas.openxmlformats.org/officeDocument/2006/relationships" r:blip="">
             <dgm:adjLst/>
           </dgm:shape>
-          <dgm:presOf axis="self"/>
+          <dgm:presOf/>
           <dgm:constrLst/>
           <dgm:ruleLst/>
         </dgm:layoutNode>
@@ -8764,18 +11097,39 @@
 </file>
 
 <file path=ppt/diagrams/layout3.xml><?xml version="1.0" encoding="utf-8"?>
-<dgm:layoutDef xmlns:dgm="http://schemas.openxmlformats.org/drawingml/2006/diagram" xmlns:a="http://schemas.openxmlformats.org/drawingml/2006/main" uniqueId="urn:microsoft.com/office/officeart/2005/8/layout/vList3">
+<dgm:layoutDef xmlns:dgm="http://schemas.openxmlformats.org/drawingml/2006/diagram" xmlns:a="http://schemas.openxmlformats.org/drawingml/2006/main" uniqueId="urn:microsoft.com/office/officeart/2005/8/layout/default">
   <dgm:title val=""/>
   <dgm:desc val=""/>
   <dgm:catLst>
-    <dgm:cat type="list" pri="14000"/>
-    <dgm:cat type="convert" pri="3000"/>
-    <dgm:cat type="picture" pri="27000"/>
-    <dgm:cat type="pictureconvert" pri="27000"/>
+    <dgm:cat type="list" pri="400"/>
   </dgm:catLst>
-  <dgm:sampData useDef="1">
+  <dgm:sampData>
     <dgm:dataModel>
-      <dgm:ptLst/>
+      <dgm:ptLst>
+        <dgm:pt modelId="0" type="doc"/>
+        <dgm:pt modelId="1">
+          <dgm:prSet phldr="1"/>
+        </dgm:pt>
+        <dgm:pt modelId="2">
+          <dgm:prSet phldr="1"/>
+        </dgm:pt>
+        <dgm:pt modelId="3">
+          <dgm:prSet phldr="1"/>
+        </dgm:pt>
+        <dgm:pt modelId="4">
+          <dgm:prSet phldr="1"/>
+        </dgm:pt>
+        <dgm:pt modelId="5">
+          <dgm:prSet phldr="1"/>
+        </dgm:pt>
+      </dgm:ptLst>
+      <dgm:cxnLst>
+        <dgm:cxn modelId="6" srcId="0" destId="1" srcOrd="0" destOrd="0"/>
+        <dgm:cxn modelId="7" srcId="0" destId="2" srcOrd="1" destOrd="0"/>
+        <dgm:cxn modelId="8" srcId="0" destId="3" srcOrd="2" destOrd="0"/>
+        <dgm:cxn modelId="9" srcId="0" destId="4" srcOrd="3" destOrd="0"/>
+        <dgm:cxn modelId="10" srcId="0" destId="5" srcOrd="4" destOrd="0"/>
+      </dgm:cxnLst>
       <dgm:bg/>
       <dgm:whole/>
     </dgm:dataModel>
@@ -8803,120 +11157,83 @@
         <dgm:pt modelId="2"/>
         <dgm:pt modelId="3"/>
         <dgm:pt modelId="4"/>
+        <dgm:pt modelId="5"/>
+        <dgm:pt modelId="6"/>
       </dgm:ptLst>
       <dgm:cxnLst>
-        <dgm:cxn modelId="5" srcId="0" destId="1" srcOrd="0" destOrd="0"/>
-        <dgm:cxn modelId="6" srcId="0" destId="2" srcOrd="1" destOrd="0"/>
-        <dgm:cxn modelId="7" srcId="0" destId="3" srcOrd="2" destOrd="0"/>
-        <dgm:cxn modelId="8" srcId="0" destId="4" srcOrd="3" destOrd="0"/>
+        <dgm:cxn modelId="7" srcId="0" destId="1" srcOrd="0" destOrd="0"/>
+        <dgm:cxn modelId="8" srcId="0" destId="2" srcOrd="1" destOrd="0"/>
+        <dgm:cxn modelId="9" srcId="0" destId="3" srcOrd="2" destOrd="0"/>
+        <dgm:cxn modelId="10" srcId="0" destId="4" srcOrd="3" destOrd="0"/>
+        <dgm:cxn modelId="11" srcId="0" destId="5" srcOrd="4" destOrd="0"/>
+        <dgm:cxn modelId="12" srcId="0" destId="6" srcOrd="5" destOrd="0"/>
       </dgm:cxnLst>
       <dgm:bg/>
       <dgm:whole/>
     </dgm:dataModel>
   </dgm:clrData>
-  <dgm:layoutNode name="linearFlow">
+  <dgm:layoutNode name="diagram">
     <dgm:varLst>
       <dgm:dir/>
       <dgm:resizeHandles val="exact"/>
     </dgm:varLst>
-    <dgm:alg type="lin">
-      <dgm:param type="linDir" val="fromT"/>
-      <dgm:param type="vertAlign" val="mid"/>
-      <dgm:param type="horzAlign" val="ctr"/>
-    </dgm:alg>
+    <dgm:choose name="Name0">
+      <dgm:if name="Name1" func="var" arg="dir" op="equ" val="norm">
+        <dgm:alg type="snake">
+          <dgm:param type="grDir" val="tL"/>
+          <dgm:param type="flowDir" val="row"/>
+          <dgm:param type="contDir" val="sameDir"/>
+          <dgm:param type="off" val="ctr"/>
+        </dgm:alg>
+      </dgm:if>
+      <dgm:else name="Name2">
+        <dgm:alg type="snake">
+          <dgm:param type="grDir" val="tR"/>
+          <dgm:param type="flowDir" val="row"/>
+          <dgm:param type="contDir" val="sameDir"/>
+          <dgm:param type="off" val="ctr"/>
+        </dgm:alg>
+      </dgm:else>
+    </dgm:choose>
     <dgm:shape xmlns:r="http://schemas.openxmlformats.org/officeDocument/2006/relationships" r:blip="">
       <dgm:adjLst/>
     </dgm:shape>
     <dgm:presOf/>
     <dgm:constrLst>
-      <dgm:constr type="w" for="ch" forName="composite" refType="w"/>
-      <dgm:constr type="h" for="ch" forName="composite" refType="h"/>
-      <dgm:constr type="h" for="ch" forName="spacing" refType="h" refFor="ch" refForName="composite" fact="0.25"/>
-      <dgm:constr type="h" for="ch" forName="spacing" refType="w" op="lte" fact="0.1"/>
-      <dgm:constr type="primFontSz" for="des" ptType="node" op="equ" val="65"/>
+      <dgm:constr type="w" for="ch" forName="node" refType="w"/>
+      <dgm:constr type="h" for="ch" forName="node" refType="w" refFor="ch" refForName="node" fact="0.6"/>
+      <dgm:constr type="w" for="ch" forName="sibTrans" refType="w" refFor="ch" refForName="node" fact="0.1"/>
+      <dgm:constr type="sp" refType="w" refFor="ch" refForName="sibTrans"/>
+      <dgm:constr type="primFontSz" for="ch" forName="node" op="equ" val="65"/>
     </dgm:constrLst>
     <dgm:ruleLst/>
-    <dgm:forEach name="Name0" axis="ch" ptType="node">
-      <dgm:layoutNode name="composite">
-        <dgm:alg type="composite"/>
-        <dgm:shape xmlns:r="http://schemas.openxmlformats.org/officeDocument/2006/relationships" r:blip="">
+    <dgm:forEach name="Name3" axis="ch" ptType="node">
+      <dgm:layoutNode name="node">
+        <dgm:varLst>
+          <dgm:bulletEnabled val="1"/>
+        </dgm:varLst>
+        <dgm:alg type="tx"/>
+        <dgm:shape xmlns:r="http://schemas.openxmlformats.org/officeDocument/2006/relationships" type="rect" r:blip="">
           <dgm:adjLst/>
         </dgm:shape>
-        <dgm:presOf/>
-        <dgm:choose name="Name1">
-          <dgm:if name="Name2" func="var" arg="dir" op="equ" val="norm">
-            <dgm:constrLst>
-              <dgm:constr type="w" for="ch" forName="imgShp" refType="w" fact="0.335"/>
-              <dgm:constr type="h" for="ch" forName="imgShp" refType="w" refFor="ch" refForName="imgShp" op="equ"/>
-              <dgm:constr type="h" for="ch" forName="imgShp" refType="h" op="lte"/>
-              <dgm:constr type="ctrY" for="ch" forName="imgShp" refType="h" fact="0.5"/>
-              <dgm:constr type="l" for="ch" forName="imgShp"/>
-              <dgm:constr type="w" for="ch" forName="txShp" refType="w" op="equ" fact="0.665"/>
-              <dgm:constr type="h" for="ch" forName="txShp" refType="h" refFor="ch" refForName="imgShp" op="equ"/>
-              <dgm:constr type="ctrY" for="ch" forName="txShp" refType="h" fact="0.5"/>
-              <dgm:constr type="l" for="ch" forName="txShp" refType="w" refFor="ch" refForName="imgShp" fact="0.5"/>
-              <dgm:constr type="lMarg" for="ch" forName="txShp" refType="w" refFor="ch" refForName="imgShp" fact="1.25"/>
-            </dgm:constrLst>
-          </dgm:if>
-          <dgm:else name="Name3">
-            <dgm:constrLst>
-              <dgm:constr type="w" for="ch" forName="imgShp" refType="w" fact="0.335"/>
-              <dgm:constr type="h" for="ch" forName="imgShp" refType="w" refFor="ch" refForName="imgShp" op="equ"/>
-              <dgm:constr type="h" for="ch" forName="imgShp" refType="h" op="lte"/>
-              <dgm:constr type="ctrY" for="ch" forName="imgShp" refType="h" fact="0.5"/>
-              <dgm:constr type="r" for="ch" forName="imgShp" refType="w"/>
-              <dgm:constr type="w" for="ch" forName="txShp" refType="w" op="equ" fact="0.665"/>
-              <dgm:constr type="h" for="ch" forName="txShp" refType="h" refFor="ch" refForName="imgShp" op="equ"/>
-              <dgm:constr type="ctrY" for="ch" forName="txShp" refType="h" fact="0.5"/>
-              <dgm:constr type="r" for="ch" forName="txShp" refType="ctrX" refFor="ch" refForName="imgShp"/>
-              <dgm:constr type="rMarg" for="ch" forName="txShp" refType="w" refFor="ch" refForName="imgShp" fact="1.25"/>
-            </dgm:constrLst>
-          </dgm:else>
-        </dgm:choose>
-        <dgm:ruleLst/>
-        <dgm:layoutNode name="imgShp" styleLbl="fgImgPlace1">
-          <dgm:alg type="sp"/>
-          <dgm:shape xmlns:r="http://schemas.openxmlformats.org/officeDocument/2006/relationships" type="ellipse" r:blip="" blipPhldr="1">
-            <dgm:adjLst/>
-          </dgm:shape>
-          <dgm:presOf/>
-          <dgm:constrLst/>
-          <dgm:ruleLst/>
-        </dgm:layoutNode>
-        <dgm:layoutNode name="txShp">
-          <dgm:varLst>
-            <dgm:bulletEnabled val="1"/>
-          </dgm:varLst>
-          <dgm:alg type="tx"/>
-          <dgm:choose name="Name4">
-            <dgm:if name="Name5" func="var" arg="dir" op="equ" val="norm">
-              <dgm:shape xmlns:r="http://schemas.openxmlformats.org/officeDocument/2006/relationships" rot="180" type="homePlate" r:blip="" zOrderOff="-1">
-                <dgm:adjLst/>
-              </dgm:shape>
-            </dgm:if>
-            <dgm:else name="Name6">
-              <dgm:shape xmlns:r="http://schemas.openxmlformats.org/officeDocument/2006/relationships" type="homePlate" r:blip="" zOrderOff="-1">
-                <dgm:adjLst/>
-              </dgm:shape>
-            </dgm:else>
-          </dgm:choose>
-          <dgm:presOf axis="desOrSelf" ptType="node"/>
-          <dgm:constrLst>
-            <dgm:constr type="tMarg" refType="primFontSz" fact="0.3"/>
-            <dgm:constr type="bMarg" refType="primFontSz" fact="0.3"/>
-          </dgm:constrLst>
-          <dgm:ruleLst>
-            <dgm:rule type="primFontSz" val="5" fact="NaN" max="NaN"/>
-          </dgm:ruleLst>
-        </dgm:layoutNode>
+        <dgm:presOf axis="desOrSelf" ptType="node"/>
+        <dgm:constrLst>
+          <dgm:constr type="lMarg" refType="primFontSz" fact="0.3"/>
+          <dgm:constr type="rMarg" refType="primFontSz" fact="0.3"/>
+          <dgm:constr type="tMarg" refType="primFontSz" fact="0.3"/>
+          <dgm:constr type="bMarg" refType="primFontSz" fact="0.3"/>
+        </dgm:constrLst>
+        <dgm:ruleLst>
+          <dgm:rule type="primFontSz" val="5" fact="NaN" max="NaN"/>
+        </dgm:ruleLst>
       </dgm:layoutNode>
-      <dgm:forEach name="Name7" axis="followSib" ptType="sibTrans" cnt="1">
-        <dgm:layoutNode name="spacing">
+      <dgm:forEach name="Name4" axis="followSib" ptType="sibTrans" cnt="1">
+        <dgm:layoutNode name="sibTrans">
           <dgm:alg type="sp"/>
           <dgm:shape xmlns:r="http://schemas.openxmlformats.org/officeDocument/2006/relationships" r:blip="">
             <dgm:adjLst/>
           </dgm:shape>
-          <dgm:presOf axis="self"/>
+          <dgm:presOf/>
           <dgm:constrLst/>
           <dgm:ruleLst/>
         </dgm:layoutNode>
@@ -9415,6 +11732,332 @@
 </dgm:layoutDef>
 </file>
 
+<file path=ppt/diagrams/layout7.xml><?xml version="1.0" encoding="utf-8"?>
+<dgm:layoutDef xmlns:dgm="http://schemas.openxmlformats.org/drawingml/2006/diagram" xmlns:a="http://schemas.openxmlformats.org/drawingml/2006/main" uniqueId="urn:microsoft.com/office/officeart/2005/8/layout/vList3">
+  <dgm:title val=""/>
+  <dgm:desc val=""/>
+  <dgm:catLst>
+    <dgm:cat type="list" pri="14000"/>
+    <dgm:cat type="convert" pri="3000"/>
+    <dgm:cat type="picture" pri="27000"/>
+    <dgm:cat type="pictureconvert" pri="27000"/>
+  </dgm:catLst>
+  <dgm:sampData useDef="1">
+    <dgm:dataModel>
+      <dgm:ptLst/>
+      <dgm:bg/>
+      <dgm:whole/>
+    </dgm:dataModel>
+  </dgm:sampData>
+  <dgm:styleData>
+    <dgm:dataModel>
+      <dgm:ptLst>
+        <dgm:pt modelId="0" type="doc"/>
+        <dgm:pt modelId="1"/>
+        <dgm:pt modelId="2"/>
+      </dgm:ptLst>
+      <dgm:cxnLst>
+        <dgm:cxn modelId="3" srcId="0" destId="1" srcOrd="0" destOrd="0"/>
+        <dgm:cxn modelId="4" srcId="0" destId="2" srcOrd="1" destOrd="0"/>
+      </dgm:cxnLst>
+      <dgm:bg/>
+      <dgm:whole/>
+    </dgm:dataModel>
+  </dgm:styleData>
+  <dgm:clrData>
+    <dgm:dataModel>
+      <dgm:ptLst>
+        <dgm:pt modelId="0" type="doc"/>
+        <dgm:pt modelId="1"/>
+        <dgm:pt modelId="2"/>
+        <dgm:pt modelId="3"/>
+        <dgm:pt modelId="4"/>
+      </dgm:ptLst>
+      <dgm:cxnLst>
+        <dgm:cxn modelId="5" srcId="0" destId="1" srcOrd="0" destOrd="0"/>
+        <dgm:cxn modelId="6" srcId="0" destId="2" srcOrd="1" destOrd="0"/>
+        <dgm:cxn modelId="7" srcId="0" destId="3" srcOrd="2" destOrd="0"/>
+        <dgm:cxn modelId="8" srcId="0" destId="4" srcOrd="3" destOrd="0"/>
+      </dgm:cxnLst>
+      <dgm:bg/>
+      <dgm:whole/>
+    </dgm:dataModel>
+  </dgm:clrData>
+  <dgm:layoutNode name="linearFlow">
+    <dgm:varLst>
+      <dgm:dir/>
+      <dgm:resizeHandles val="exact"/>
+    </dgm:varLst>
+    <dgm:alg type="lin">
+      <dgm:param type="linDir" val="fromT"/>
+      <dgm:param type="vertAlign" val="mid"/>
+      <dgm:param type="horzAlign" val="ctr"/>
+    </dgm:alg>
+    <dgm:shape xmlns:r="http://schemas.openxmlformats.org/officeDocument/2006/relationships" r:blip="">
+      <dgm:adjLst/>
+    </dgm:shape>
+    <dgm:presOf/>
+    <dgm:constrLst>
+      <dgm:constr type="w" for="ch" forName="composite" refType="w"/>
+      <dgm:constr type="h" for="ch" forName="composite" refType="h"/>
+      <dgm:constr type="h" for="ch" forName="spacing" refType="h" refFor="ch" refForName="composite" fact="0.25"/>
+      <dgm:constr type="h" for="ch" forName="spacing" refType="w" op="lte" fact="0.1"/>
+      <dgm:constr type="primFontSz" for="des" ptType="node" op="equ" val="65"/>
+    </dgm:constrLst>
+    <dgm:ruleLst/>
+    <dgm:forEach name="Name0" axis="ch" ptType="node">
+      <dgm:layoutNode name="composite">
+        <dgm:alg type="composite"/>
+        <dgm:shape xmlns:r="http://schemas.openxmlformats.org/officeDocument/2006/relationships" r:blip="">
+          <dgm:adjLst/>
+        </dgm:shape>
+        <dgm:presOf/>
+        <dgm:choose name="Name1">
+          <dgm:if name="Name2" func="var" arg="dir" op="equ" val="norm">
+            <dgm:constrLst>
+              <dgm:constr type="w" for="ch" forName="imgShp" refType="w" fact="0.335"/>
+              <dgm:constr type="h" for="ch" forName="imgShp" refType="w" refFor="ch" refForName="imgShp" op="equ"/>
+              <dgm:constr type="h" for="ch" forName="imgShp" refType="h" op="lte"/>
+              <dgm:constr type="ctrY" for="ch" forName="imgShp" refType="h" fact="0.5"/>
+              <dgm:constr type="l" for="ch" forName="imgShp"/>
+              <dgm:constr type="w" for="ch" forName="txShp" refType="w" op="equ" fact="0.665"/>
+              <dgm:constr type="h" for="ch" forName="txShp" refType="h" refFor="ch" refForName="imgShp" op="equ"/>
+              <dgm:constr type="ctrY" for="ch" forName="txShp" refType="h" fact="0.5"/>
+              <dgm:constr type="l" for="ch" forName="txShp" refType="w" refFor="ch" refForName="imgShp" fact="0.5"/>
+              <dgm:constr type="lMarg" for="ch" forName="txShp" refType="w" refFor="ch" refForName="imgShp" fact="1.25"/>
+            </dgm:constrLst>
+          </dgm:if>
+          <dgm:else name="Name3">
+            <dgm:constrLst>
+              <dgm:constr type="w" for="ch" forName="imgShp" refType="w" fact="0.335"/>
+              <dgm:constr type="h" for="ch" forName="imgShp" refType="w" refFor="ch" refForName="imgShp" op="equ"/>
+              <dgm:constr type="h" for="ch" forName="imgShp" refType="h" op="lte"/>
+              <dgm:constr type="ctrY" for="ch" forName="imgShp" refType="h" fact="0.5"/>
+              <dgm:constr type="r" for="ch" forName="imgShp" refType="w"/>
+              <dgm:constr type="w" for="ch" forName="txShp" refType="w" op="equ" fact="0.665"/>
+              <dgm:constr type="h" for="ch" forName="txShp" refType="h" refFor="ch" refForName="imgShp" op="equ"/>
+              <dgm:constr type="ctrY" for="ch" forName="txShp" refType="h" fact="0.5"/>
+              <dgm:constr type="r" for="ch" forName="txShp" refType="ctrX" refFor="ch" refForName="imgShp"/>
+              <dgm:constr type="rMarg" for="ch" forName="txShp" refType="w" refFor="ch" refForName="imgShp" fact="1.25"/>
+            </dgm:constrLst>
+          </dgm:else>
+        </dgm:choose>
+        <dgm:ruleLst/>
+        <dgm:layoutNode name="imgShp" styleLbl="fgImgPlace1">
+          <dgm:alg type="sp"/>
+          <dgm:shape xmlns:r="http://schemas.openxmlformats.org/officeDocument/2006/relationships" type="ellipse" r:blip="" blipPhldr="1">
+            <dgm:adjLst/>
+          </dgm:shape>
+          <dgm:presOf/>
+          <dgm:constrLst/>
+          <dgm:ruleLst/>
+        </dgm:layoutNode>
+        <dgm:layoutNode name="txShp">
+          <dgm:varLst>
+            <dgm:bulletEnabled val="1"/>
+          </dgm:varLst>
+          <dgm:alg type="tx"/>
+          <dgm:choose name="Name4">
+            <dgm:if name="Name5" func="var" arg="dir" op="equ" val="norm">
+              <dgm:shape xmlns:r="http://schemas.openxmlformats.org/officeDocument/2006/relationships" rot="180" type="homePlate" r:blip="" zOrderOff="-1">
+                <dgm:adjLst/>
+              </dgm:shape>
+            </dgm:if>
+            <dgm:else name="Name6">
+              <dgm:shape xmlns:r="http://schemas.openxmlformats.org/officeDocument/2006/relationships" type="homePlate" r:blip="" zOrderOff="-1">
+                <dgm:adjLst/>
+              </dgm:shape>
+            </dgm:else>
+          </dgm:choose>
+          <dgm:presOf axis="desOrSelf" ptType="node"/>
+          <dgm:constrLst>
+            <dgm:constr type="tMarg" refType="primFontSz" fact="0.3"/>
+            <dgm:constr type="bMarg" refType="primFontSz" fact="0.3"/>
+          </dgm:constrLst>
+          <dgm:ruleLst>
+            <dgm:rule type="primFontSz" val="5" fact="NaN" max="NaN"/>
+          </dgm:ruleLst>
+        </dgm:layoutNode>
+      </dgm:layoutNode>
+      <dgm:forEach name="Name7" axis="followSib" ptType="sibTrans" cnt="1">
+        <dgm:layoutNode name="spacing">
+          <dgm:alg type="sp"/>
+          <dgm:shape xmlns:r="http://schemas.openxmlformats.org/officeDocument/2006/relationships" r:blip="">
+            <dgm:adjLst/>
+          </dgm:shape>
+          <dgm:presOf axis="self"/>
+          <dgm:constrLst/>
+          <dgm:ruleLst/>
+        </dgm:layoutNode>
+      </dgm:forEach>
+    </dgm:forEach>
+  </dgm:layoutNode>
+</dgm:layoutDef>
+</file>
+
+<file path=ppt/diagrams/layout8.xml><?xml version="1.0" encoding="utf-8"?>
+<dgm:layoutDef xmlns:dgm="http://schemas.openxmlformats.org/drawingml/2006/diagram" xmlns:a="http://schemas.openxmlformats.org/drawingml/2006/main" uniqueId="urn:microsoft.com/office/officeart/2005/8/layout/vList3">
+  <dgm:title val=""/>
+  <dgm:desc val=""/>
+  <dgm:catLst>
+    <dgm:cat type="list" pri="14000"/>
+    <dgm:cat type="convert" pri="3000"/>
+    <dgm:cat type="picture" pri="27000"/>
+    <dgm:cat type="pictureconvert" pri="27000"/>
+  </dgm:catLst>
+  <dgm:sampData useDef="1">
+    <dgm:dataModel>
+      <dgm:ptLst/>
+      <dgm:bg/>
+      <dgm:whole/>
+    </dgm:dataModel>
+  </dgm:sampData>
+  <dgm:styleData>
+    <dgm:dataModel>
+      <dgm:ptLst>
+        <dgm:pt modelId="0" type="doc"/>
+        <dgm:pt modelId="1"/>
+        <dgm:pt modelId="2"/>
+      </dgm:ptLst>
+      <dgm:cxnLst>
+        <dgm:cxn modelId="3" srcId="0" destId="1" srcOrd="0" destOrd="0"/>
+        <dgm:cxn modelId="4" srcId="0" destId="2" srcOrd="1" destOrd="0"/>
+      </dgm:cxnLst>
+      <dgm:bg/>
+      <dgm:whole/>
+    </dgm:dataModel>
+  </dgm:styleData>
+  <dgm:clrData>
+    <dgm:dataModel>
+      <dgm:ptLst>
+        <dgm:pt modelId="0" type="doc"/>
+        <dgm:pt modelId="1"/>
+        <dgm:pt modelId="2"/>
+        <dgm:pt modelId="3"/>
+        <dgm:pt modelId="4"/>
+      </dgm:ptLst>
+      <dgm:cxnLst>
+        <dgm:cxn modelId="5" srcId="0" destId="1" srcOrd="0" destOrd="0"/>
+        <dgm:cxn modelId="6" srcId="0" destId="2" srcOrd="1" destOrd="0"/>
+        <dgm:cxn modelId="7" srcId="0" destId="3" srcOrd="2" destOrd="0"/>
+        <dgm:cxn modelId="8" srcId="0" destId="4" srcOrd="3" destOrd="0"/>
+      </dgm:cxnLst>
+      <dgm:bg/>
+      <dgm:whole/>
+    </dgm:dataModel>
+  </dgm:clrData>
+  <dgm:layoutNode name="linearFlow">
+    <dgm:varLst>
+      <dgm:dir/>
+      <dgm:resizeHandles val="exact"/>
+    </dgm:varLst>
+    <dgm:alg type="lin">
+      <dgm:param type="linDir" val="fromT"/>
+      <dgm:param type="vertAlign" val="mid"/>
+      <dgm:param type="horzAlign" val="ctr"/>
+    </dgm:alg>
+    <dgm:shape xmlns:r="http://schemas.openxmlformats.org/officeDocument/2006/relationships" r:blip="">
+      <dgm:adjLst/>
+    </dgm:shape>
+    <dgm:presOf/>
+    <dgm:constrLst>
+      <dgm:constr type="w" for="ch" forName="composite" refType="w"/>
+      <dgm:constr type="h" for="ch" forName="composite" refType="h"/>
+      <dgm:constr type="h" for="ch" forName="spacing" refType="h" refFor="ch" refForName="composite" fact="0.25"/>
+      <dgm:constr type="h" for="ch" forName="spacing" refType="w" op="lte" fact="0.1"/>
+      <dgm:constr type="primFontSz" for="des" ptType="node" op="equ" val="65"/>
+    </dgm:constrLst>
+    <dgm:ruleLst/>
+    <dgm:forEach name="Name0" axis="ch" ptType="node">
+      <dgm:layoutNode name="composite">
+        <dgm:alg type="composite"/>
+        <dgm:shape xmlns:r="http://schemas.openxmlformats.org/officeDocument/2006/relationships" r:blip="">
+          <dgm:adjLst/>
+        </dgm:shape>
+        <dgm:presOf/>
+        <dgm:choose name="Name1">
+          <dgm:if name="Name2" func="var" arg="dir" op="equ" val="norm">
+            <dgm:constrLst>
+              <dgm:constr type="w" for="ch" forName="imgShp" refType="w" fact="0.335"/>
+              <dgm:constr type="h" for="ch" forName="imgShp" refType="w" refFor="ch" refForName="imgShp" op="equ"/>
+              <dgm:constr type="h" for="ch" forName="imgShp" refType="h" op="lte"/>
+              <dgm:constr type="ctrY" for="ch" forName="imgShp" refType="h" fact="0.5"/>
+              <dgm:constr type="l" for="ch" forName="imgShp"/>
+              <dgm:constr type="w" for="ch" forName="txShp" refType="w" op="equ" fact="0.665"/>
+              <dgm:constr type="h" for="ch" forName="txShp" refType="h" refFor="ch" refForName="imgShp" op="equ"/>
+              <dgm:constr type="ctrY" for="ch" forName="txShp" refType="h" fact="0.5"/>
+              <dgm:constr type="l" for="ch" forName="txShp" refType="w" refFor="ch" refForName="imgShp" fact="0.5"/>
+              <dgm:constr type="lMarg" for="ch" forName="txShp" refType="w" refFor="ch" refForName="imgShp" fact="1.25"/>
+            </dgm:constrLst>
+          </dgm:if>
+          <dgm:else name="Name3">
+            <dgm:constrLst>
+              <dgm:constr type="w" for="ch" forName="imgShp" refType="w" fact="0.335"/>
+              <dgm:constr type="h" for="ch" forName="imgShp" refType="w" refFor="ch" refForName="imgShp" op="equ"/>
+              <dgm:constr type="h" for="ch" forName="imgShp" refType="h" op="lte"/>
+              <dgm:constr type="ctrY" for="ch" forName="imgShp" refType="h" fact="0.5"/>
+              <dgm:constr type="r" for="ch" forName="imgShp" refType="w"/>
+              <dgm:constr type="w" for="ch" forName="txShp" refType="w" op="equ" fact="0.665"/>
+              <dgm:constr type="h" for="ch" forName="txShp" refType="h" refFor="ch" refForName="imgShp" op="equ"/>
+              <dgm:constr type="ctrY" for="ch" forName="txShp" refType="h" fact="0.5"/>
+              <dgm:constr type="r" for="ch" forName="txShp" refType="ctrX" refFor="ch" refForName="imgShp"/>
+              <dgm:constr type="rMarg" for="ch" forName="txShp" refType="w" refFor="ch" refForName="imgShp" fact="1.25"/>
+            </dgm:constrLst>
+          </dgm:else>
+        </dgm:choose>
+        <dgm:ruleLst/>
+        <dgm:layoutNode name="imgShp" styleLbl="fgImgPlace1">
+          <dgm:alg type="sp"/>
+          <dgm:shape xmlns:r="http://schemas.openxmlformats.org/officeDocument/2006/relationships" type="ellipse" r:blip="" blipPhldr="1">
+            <dgm:adjLst/>
+          </dgm:shape>
+          <dgm:presOf/>
+          <dgm:constrLst/>
+          <dgm:ruleLst/>
+        </dgm:layoutNode>
+        <dgm:layoutNode name="txShp">
+          <dgm:varLst>
+            <dgm:bulletEnabled val="1"/>
+          </dgm:varLst>
+          <dgm:alg type="tx"/>
+          <dgm:choose name="Name4">
+            <dgm:if name="Name5" func="var" arg="dir" op="equ" val="norm">
+              <dgm:shape xmlns:r="http://schemas.openxmlformats.org/officeDocument/2006/relationships" rot="180" type="homePlate" r:blip="" zOrderOff="-1">
+                <dgm:adjLst/>
+              </dgm:shape>
+            </dgm:if>
+            <dgm:else name="Name6">
+              <dgm:shape xmlns:r="http://schemas.openxmlformats.org/officeDocument/2006/relationships" type="homePlate" r:blip="" zOrderOff="-1">
+                <dgm:adjLst/>
+              </dgm:shape>
+            </dgm:else>
+          </dgm:choose>
+          <dgm:presOf axis="desOrSelf" ptType="node"/>
+          <dgm:constrLst>
+            <dgm:constr type="tMarg" refType="primFontSz" fact="0.3"/>
+            <dgm:constr type="bMarg" refType="primFontSz" fact="0.3"/>
+          </dgm:constrLst>
+          <dgm:ruleLst>
+            <dgm:rule type="primFontSz" val="5" fact="NaN" max="NaN"/>
+          </dgm:ruleLst>
+        </dgm:layoutNode>
+      </dgm:layoutNode>
+      <dgm:forEach name="Name7" axis="followSib" ptType="sibTrans" cnt="1">
+        <dgm:layoutNode name="spacing">
+          <dgm:alg type="sp"/>
+          <dgm:shape xmlns:r="http://schemas.openxmlformats.org/officeDocument/2006/relationships" r:blip="">
+            <dgm:adjLst/>
+          </dgm:shape>
+          <dgm:presOf axis="self"/>
+          <dgm:constrLst/>
+          <dgm:ruleLst/>
+        </dgm:layoutNode>
+      </dgm:forEach>
+    </dgm:forEach>
+  </dgm:layoutNode>
+</dgm:layoutDef>
+</file>
+
 <file path=ppt/diagrams/quickStyle1.xml><?xml version="1.0" encoding="utf-8"?>
 <dgm:styleDef xmlns:dgm="http://schemas.openxmlformats.org/drawingml/2006/diagram" xmlns:a="http://schemas.openxmlformats.org/drawingml/2006/main" uniqueId="urn:microsoft.com/office/officeart/2005/8/quickstyle/simple1">
   <dgm:title val=""/>
@@ -14586,6 +17229,2074 @@
 </file>
 
 <file path=ppt/diagrams/quickStyle6.xml><?xml version="1.0" encoding="utf-8"?>
+<dgm:styleDef xmlns:dgm="http://schemas.openxmlformats.org/drawingml/2006/diagram" xmlns:a="http://schemas.openxmlformats.org/drawingml/2006/main" uniqueId="urn:microsoft.com/office/officeart/2005/8/quickstyle/simple1">
+  <dgm:title val=""/>
+  <dgm:desc val=""/>
+  <dgm:catLst>
+    <dgm:cat type="simple" pri="10100"/>
+  </dgm:catLst>
+  <dgm:scene3d>
+    <a:camera prst="orthographicFront"/>
+    <a:lightRig rig="threePt" dir="t"/>
+  </dgm:scene3d>
+  <dgm:styleLbl name="node0">
+    <dgm:scene3d>
+      <a:camera prst="orthographicFront"/>
+      <a:lightRig rig="threePt" dir="t"/>
+    </dgm:scene3d>
+    <dgm:sp3d/>
+    <dgm:txPr/>
+    <dgm:style>
+      <a:lnRef idx="2">
+        <a:scrgbClr r="0" g="0" b="0"/>
+      </a:lnRef>
+      <a:fillRef idx="1">
+        <a:scrgbClr r="0" g="0" b="0"/>
+      </a:fillRef>
+      <a:effectRef idx="0">
+        <a:scrgbClr r="0" g="0" b="0"/>
+      </a:effectRef>
+      <a:fontRef idx="minor">
+        <a:schemeClr val="lt1"/>
+      </a:fontRef>
+    </dgm:style>
+  </dgm:styleLbl>
+  <dgm:styleLbl name="lnNode1">
+    <dgm:scene3d>
+      <a:camera prst="orthographicFront"/>
+      <a:lightRig rig="threePt" dir="t"/>
+    </dgm:scene3d>
+    <dgm:sp3d/>
+    <dgm:txPr/>
+    <dgm:style>
+      <a:lnRef idx="2">
+        <a:scrgbClr r="0" g="0" b="0"/>
+      </a:lnRef>
+      <a:fillRef idx="1">
+        <a:scrgbClr r="0" g="0" b="0"/>
+      </a:fillRef>
+      <a:effectRef idx="0">
+        <a:scrgbClr r="0" g="0" b="0"/>
+      </a:effectRef>
+      <a:fontRef idx="minor">
+        <a:schemeClr val="lt1"/>
+      </a:fontRef>
+    </dgm:style>
+  </dgm:styleLbl>
+  <dgm:styleLbl name="vennNode1">
+    <dgm:scene3d>
+      <a:camera prst="orthographicFront"/>
+      <a:lightRig rig="threePt" dir="t"/>
+    </dgm:scene3d>
+    <dgm:sp3d/>
+    <dgm:txPr/>
+    <dgm:style>
+      <a:lnRef idx="2">
+        <a:scrgbClr r="0" g="0" b="0"/>
+      </a:lnRef>
+      <a:fillRef idx="1">
+        <a:scrgbClr r="0" g="0" b="0"/>
+      </a:fillRef>
+      <a:effectRef idx="0">
+        <a:scrgbClr r="0" g="0" b="0"/>
+      </a:effectRef>
+      <a:fontRef idx="minor">
+        <a:schemeClr val="tx1"/>
+      </a:fontRef>
+    </dgm:style>
+  </dgm:styleLbl>
+  <dgm:styleLbl name="alignNode1">
+    <dgm:scene3d>
+      <a:camera prst="orthographicFront"/>
+      <a:lightRig rig="threePt" dir="t"/>
+    </dgm:scene3d>
+    <dgm:sp3d/>
+    <dgm:txPr/>
+    <dgm:style>
+      <a:lnRef idx="2">
+        <a:scrgbClr r="0" g="0" b="0"/>
+      </a:lnRef>
+      <a:fillRef idx="1">
+        <a:scrgbClr r="0" g="0" b="0"/>
+      </a:fillRef>
+      <a:effectRef idx="0">
+        <a:scrgbClr r="0" g="0" b="0"/>
+      </a:effectRef>
+      <a:fontRef idx="minor">
+        <a:schemeClr val="lt1"/>
+      </a:fontRef>
+    </dgm:style>
+  </dgm:styleLbl>
+  <dgm:styleLbl name="node1">
+    <dgm:scene3d>
+      <a:camera prst="orthographicFront"/>
+      <a:lightRig rig="threePt" dir="t"/>
+    </dgm:scene3d>
+    <dgm:sp3d/>
+    <dgm:txPr/>
+    <dgm:style>
+      <a:lnRef idx="2">
+        <a:scrgbClr r="0" g="0" b="0"/>
+      </a:lnRef>
+      <a:fillRef idx="1">
+        <a:scrgbClr r="0" g="0" b="0"/>
+      </a:fillRef>
+      <a:effectRef idx="0">
+        <a:scrgbClr r="0" g="0" b="0"/>
+      </a:effectRef>
+      <a:fontRef idx="minor">
+        <a:schemeClr val="lt1"/>
+      </a:fontRef>
+    </dgm:style>
+  </dgm:styleLbl>
+  <dgm:styleLbl name="node2">
+    <dgm:scene3d>
+      <a:camera prst="orthographicFront"/>
+      <a:lightRig rig="threePt" dir="t"/>
+    </dgm:scene3d>
+    <dgm:sp3d/>
+    <dgm:txPr/>
+    <dgm:style>
+      <a:lnRef idx="2">
+        <a:scrgbClr r="0" g="0" b="0"/>
+      </a:lnRef>
+      <a:fillRef idx="1">
+        <a:scrgbClr r="0" g="0" b="0"/>
+      </a:fillRef>
+      <a:effectRef idx="0">
+        <a:scrgbClr r="0" g="0" b="0"/>
+      </a:effectRef>
+      <a:fontRef idx="minor">
+        <a:schemeClr val="lt1"/>
+      </a:fontRef>
+    </dgm:style>
+  </dgm:styleLbl>
+  <dgm:styleLbl name="node3">
+    <dgm:scene3d>
+      <a:camera prst="orthographicFront"/>
+      <a:lightRig rig="threePt" dir="t"/>
+    </dgm:scene3d>
+    <dgm:sp3d/>
+    <dgm:txPr/>
+    <dgm:style>
+      <a:lnRef idx="2">
+        <a:scrgbClr r="0" g="0" b="0"/>
+      </a:lnRef>
+      <a:fillRef idx="1">
+        <a:scrgbClr r="0" g="0" b="0"/>
+      </a:fillRef>
+      <a:effectRef idx="0">
+        <a:scrgbClr r="0" g="0" b="0"/>
+      </a:effectRef>
+      <a:fontRef idx="minor">
+        <a:schemeClr val="lt1"/>
+      </a:fontRef>
+    </dgm:style>
+  </dgm:styleLbl>
+  <dgm:styleLbl name="node4">
+    <dgm:scene3d>
+      <a:camera prst="orthographicFront"/>
+      <a:lightRig rig="threePt" dir="t"/>
+    </dgm:scene3d>
+    <dgm:sp3d/>
+    <dgm:txPr/>
+    <dgm:style>
+      <a:lnRef idx="2">
+        <a:scrgbClr r="0" g="0" b="0"/>
+      </a:lnRef>
+      <a:fillRef idx="1">
+        <a:scrgbClr r="0" g="0" b="0"/>
+      </a:fillRef>
+      <a:effectRef idx="0">
+        <a:scrgbClr r="0" g="0" b="0"/>
+      </a:effectRef>
+      <a:fontRef idx="minor">
+        <a:schemeClr val="lt1"/>
+      </a:fontRef>
+    </dgm:style>
+  </dgm:styleLbl>
+  <dgm:styleLbl name="fgImgPlace1">
+    <dgm:scene3d>
+      <a:camera prst="orthographicFront"/>
+      <a:lightRig rig="threePt" dir="t"/>
+    </dgm:scene3d>
+    <dgm:sp3d/>
+    <dgm:txPr/>
+    <dgm:style>
+      <a:lnRef idx="2">
+        <a:scrgbClr r="0" g="0" b="0"/>
+      </a:lnRef>
+      <a:fillRef idx="1">
+        <a:scrgbClr r="0" g="0" b="0"/>
+      </a:fillRef>
+      <a:effectRef idx="0">
+        <a:scrgbClr r="0" g="0" b="0"/>
+      </a:effectRef>
+      <a:fontRef idx="minor"/>
+    </dgm:style>
+  </dgm:styleLbl>
+  <dgm:styleLbl name="alignImgPlace1">
+    <dgm:scene3d>
+      <a:camera prst="orthographicFront"/>
+      <a:lightRig rig="threePt" dir="t"/>
+    </dgm:scene3d>
+    <dgm:sp3d/>
+    <dgm:txPr/>
+    <dgm:style>
+      <a:lnRef idx="2">
+        <a:scrgbClr r="0" g="0" b="0"/>
+      </a:lnRef>
+      <a:fillRef idx="1">
+        <a:scrgbClr r="0" g="0" b="0"/>
+      </a:fillRef>
+      <a:effectRef idx="0">
+        <a:scrgbClr r="0" g="0" b="0"/>
+      </a:effectRef>
+      <a:fontRef idx="minor"/>
+    </dgm:style>
+  </dgm:styleLbl>
+  <dgm:styleLbl name="bgImgPlace1">
+    <dgm:scene3d>
+      <a:camera prst="orthographicFront"/>
+      <a:lightRig rig="threePt" dir="t"/>
+    </dgm:scene3d>
+    <dgm:sp3d/>
+    <dgm:txPr/>
+    <dgm:style>
+      <a:lnRef idx="2">
+        <a:scrgbClr r="0" g="0" b="0"/>
+      </a:lnRef>
+      <a:fillRef idx="1">
+        <a:scrgbClr r="0" g="0" b="0"/>
+      </a:fillRef>
+      <a:effectRef idx="0">
+        <a:scrgbClr r="0" g="0" b="0"/>
+      </a:effectRef>
+      <a:fontRef idx="minor"/>
+    </dgm:style>
+  </dgm:styleLbl>
+  <dgm:styleLbl name="sibTrans2D1">
+    <dgm:scene3d>
+      <a:camera prst="orthographicFront"/>
+      <a:lightRig rig="threePt" dir="t"/>
+    </dgm:scene3d>
+    <dgm:sp3d/>
+    <dgm:txPr/>
+    <dgm:style>
+      <a:lnRef idx="0">
+        <a:scrgbClr r="0" g="0" b="0"/>
+      </a:lnRef>
+      <a:fillRef idx="1">
+        <a:scrgbClr r="0" g="0" b="0"/>
+      </a:fillRef>
+      <a:effectRef idx="0">
+        <a:scrgbClr r="0" g="0" b="0"/>
+      </a:effectRef>
+      <a:fontRef idx="minor">
+        <a:schemeClr val="lt1"/>
+      </a:fontRef>
+    </dgm:style>
+  </dgm:styleLbl>
+  <dgm:styleLbl name="fgSibTrans2D1">
+    <dgm:scene3d>
+      <a:camera prst="orthographicFront"/>
+      <a:lightRig rig="threePt" dir="t"/>
+    </dgm:scene3d>
+    <dgm:sp3d/>
+    <dgm:txPr/>
+    <dgm:style>
+      <a:lnRef idx="0">
+        <a:scrgbClr r="0" g="0" b="0"/>
+      </a:lnRef>
+      <a:fillRef idx="1">
+        <a:scrgbClr r="0" g="0" b="0"/>
+      </a:fillRef>
+      <a:effectRef idx="0">
+        <a:scrgbClr r="0" g="0" b="0"/>
+      </a:effectRef>
+      <a:fontRef idx="minor">
+        <a:schemeClr val="lt1"/>
+      </a:fontRef>
+    </dgm:style>
+  </dgm:styleLbl>
+  <dgm:styleLbl name="bgSibTrans2D1">
+    <dgm:scene3d>
+      <a:camera prst="orthographicFront"/>
+      <a:lightRig rig="threePt" dir="t"/>
+    </dgm:scene3d>
+    <dgm:sp3d/>
+    <dgm:txPr/>
+    <dgm:style>
+      <a:lnRef idx="0">
+        <a:scrgbClr r="0" g="0" b="0"/>
+      </a:lnRef>
+      <a:fillRef idx="1">
+        <a:scrgbClr r="0" g="0" b="0"/>
+      </a:fillRef>
+      <a:effectRef idx="0">
+        <a:scrgbClr r="0" g="0" b="0"/>
+      </a:effectRef>
+      <a:fontRef idx="minor">
+        <a:schemeClr val="lt1"/>
+      </a:fontRef>
+    </dgm:style>
+  </dgm:styleLbl>
+  <dgm:styleLbl name="sibTrans1D1">
+    <dgm:scene3d>
+      <a:camera prst="orthographicFront"/>
+      <a:lightRig rig="threePt" dir="t"/>
+    </dgm:scene3d>
+    <dgm:sp3d/>
+    <dgm:txPr/>
+    <dgm:style>
+      <a:lnRef idx="1">
+        <a:scrgbClr r="0" g="0" b="0"/>
+      </a:lnRef>
+      <a:fillRef idx="0">
+        <a:scrgbClr r="0" g="0" b="0"/>
+      </a:fillRef>
+      <a:effectRef idx="0">
+        <a:scrgbClr r="0" g="0" b="0"/>
+      </a:effectRef>
+      <a:fontRef idx="minor"/>
+    </dgm:style>
+  </dgm:styleLbl>
+  <dgm:styleLbl name="callout">
+    <dgm:scene3d>
+      <a:camera prst="orthographicFront"/>
+      <a:lightRig rig="threePt" dir="t"/>
+    </dgm:scene3d>
+    <dgm:sp3d/>
+    <dgm:txPr/>
+    <dgm:style>
+      <a:lnRef idx="2">
+        <a:scrgbClr r="0" g="0" b="0"/>
+      </a:lnRef>
+      <a:fillRef idx="1">
+        <a:scrgbClr r="0" g="0" b="0"/>
+      </a:fillRef>
+      <a:effectRef idx="0">
+        <a:scrgbClr r="0" g="0" b="0"/>
+      </a:effectRef>
+      <a:fontRef idx="minor"/>
+    </dgm:style>
+  </dgm:styleLbl>
+  <dgm:styleLbl name="asst0">
+    <dgm:scene3d>
+      <a:camera prst="orthographicFront"/>
+      <a:lightRig rig="threePt" dir="t"/>
+    </dgm:scene3d>
+    <dgm:sp3d/>
+    <dgm:txPr/>
+    <dgm:style>
+      <a:lnRef idx="2">
+        <a:scrgbClr r="0" g="0" b="0"/>
+      </a:lnRef>
+      <a:fillRef idx="1">
+        <a:scrgbClr r="0" g="0" b="0"/>
+      </a:fillRef>
+      <a:effectRef idx="0">
+        <a:scrgbClr r="0" g="0" b="0"/>
+      </a:effectRef>
+      <a:fontRef idx="minor">
+        <a:schemeClr val="lt1"/>
+      </a:fontRef>
+    </dgm:style>
+  </dgm:styleLbl>
+  <dgm:styleLbl name="asst1">
+    <dgm:scene3d>
+      <a:camera prst="orthographicFront"/>
+      <a:lightRig rig="threePt" dir="t"/>
+    </dgm:scene3d>
+    <dgm:sp3d/>
+    <dgm:txPr/>
+    <dgm:style>
+      <a:lnRef idx="2">
+        <a:scrgbClr r="0" g="0" b="0"/>
+      </a:lnRef>
+      <a:fillRef idx="1">
+        <a:scrgbClr r="0" g="0" b="0"/>
+      </a:fillRef>
+      <a:effectRef idx="0">
+        <a:scrgbClr r="0" g="0" b="0"/>
+      </a:effectRef>
+      <a:fontRef idx="minor">
+        <a:schemeClr val="lt1"/>
+      </a:fontRef>
+    </dgm:style>
+  </dgm:styleLbl>
+  <dgm:styleLbl name="asst2">
+    <dgm:scene3d>
+      <a:camera prst="orthographicFront"/>
+      <a:lightRig rig="threePt" dir="t"/>
+    </dgm:scene3d>
+    <dgm:sp3d/>
+    <dgm:txPr/>
+    <dgm:style>
+      <a:lnRef idx="2">
+        <a:scrgbClr r="0" g="0" b="0"/>
+      </a:lnRef>
+      <a:fillRef idx="1">
+        <a:scrgbClr r="0" g="0" b="0"/>
+      </a:fillRef>
+      <a:effectRef idx="0">
+        <a:scrgbClr r="0" g="0" b="0"/>
+      </a:effectRef>
+      <a:fontRef idx="minor">
+        <a:schemeClr val="lt1"/>
+      </a:fontRef>
+    </dgm:style>
+  </dgm:styleLbl>
+  <dgm:styleLbl name="asst3">
+    <dgm:scene3d>
+      <a:camera prst="orthographicFront"/>
+      <a:lightRig rig="threePt" dir="t"/>
+    </dgm:scene3d>
+    <dgm:sp3d/>
+    <dgm:txPr/>
+    <dgm:style>
+      <a:lnRef idx="2">
+        <a:scrgbClr r="0" g="0" b="0"/>
+      </a:lnRef>
+      <a:fillRef idx="1">
+        <a:scrgbClr r="0" g="0" b="0"/>
+      </a:fillRef>
+      <a:effectRef idx="0">
+        <a:scrgbClr r="0" g="0" b="0"/>
+      </a:effectRef>
+      <a:fontRef idx="minor">
+        <a:schemeClr val="lt1"/>
+      </a:fontRef>
+    </dgm:style>
+  </dgm:styleLbl>
+  <dgm:styleLbl name="asst4">
+    <dgm:scene3d>
+      <a:camera prst="orthographicFront"/>
+      <a:lightRig rig="threePt" dir="t"/>
+    </dgm:scene3d>
+    <dgm:sp3d/>
+    <dgm:txPr/>
+    <dgm:style>
+      <a:lnRef idx="2">
+        <a:scrgbClr r="0" g="0" b="0"/>
+      </a:lnRef>
+      <a:fillRef idx="1">
+        <a:scrgbClr r="0" g="0" b="0"/>
+      </a:fillRef>
+      <a:effectRef idx="0">
+        <a:scrgbClr r="0" g="0" b="0"/>
+      </a:effectRef>
+      <a:fontRef idx="minor">
+        <a:schemeClr val="lt1"/>
+      </a:fontRef>
+    </dgm:style>
+  </dgm:styleLbl>
+  <dgm:styleLbl name="parChTrans2D1">
+    <dgm:scene3d>
+      <a:camera prst="orthographicFront"/>
+      <a:lightRig rig="threePt" dir="t"/>
+    </dgm:scene3d>
+    <dgm:sp3d/>
+    <dgm:txPr/>
+    <dgm:style>
+      <a:lnRef idx="2">
+        <a:scrgbClr r="0" g="0" b="0"/>
+      </a:lnRef>
+      <a:fillRef idx="1">
+        <a:scrgbClr r="0" g="0" b="0"/>
+      </a:fillRef>
+      <a:effectRef idx="0">
+        <a:scrgbClr r="0" g="0" b="0"/>
+      </a:effectRef>
+      <a:fontRef idx="minor">
+        <a:schemeClr val="lt1"/>
+      </a:fontRef>
+    </dgm:style>
+  </dgm:styleLbl>
+  <dgm:styleLbl name="parChTrans2D2">
+    <dgm:scene3d>
+      <a:camera prst="orthographicFront"/>
+      <a:lightRig rig="threePt" dir="t"/>
+    </dgm:scene3d>
+    <dgm:sp3d/>
+    <dgm:txPr/>
+    <dgm:style>
+      <a:lnRef idx="2">
+        <a:scrgbClr r="0" g="0" b="0"/>
+      </a:lnRef>
+      <a:fillRef idx="1">
+        <a:scrgbClr r="0" g="0" b="0"/>
+      </a:fillRef>
+      <a:effectRef idx="0">
+        <a:scrgbClr r="0" g="0" b="0"/>
+      </a:effectRef>
+      <a:fontRef idx="minor">
+        <a:schemeClr val="lt1"/>
+      </a:fontRef>
+    </dgm:style>
+  </dgm:styleLbl>
+  <dgm:styleLbl name="parChTrans2D3">
+    <dgm:scene3d>
+      <a:camera prst="orthographicFront"/>
+      <a:lightRig rig="threePt" dir="t"/>
+    </dgm:scene3d>
+    <dgm:sp3d/>
+    <dgm:txPr/>
+    <dgm:style>
+      <a:lnRef idx="2">
+        <a:scrgbClr r="0" g="0" b="0"/>
+      </a:lnRef>
+      <a:fillRef idx="1">
+        <a:scrgbClr r="0" g="0" b="0"/>
+      </a:fillRef>
+      <a:effectRef idx="0">
+        <a:scrgbClr r="0" g="0" b="0"/>
+      </a:effectRef>
+      <a:fontRef idx="minor">
+        <a:schemeClr val="lt1"/>
+      </a:fontRef>
+    </dgm:style>
+  </dgm:styleLbl>
+  <dgm:styleLbl name="parChTrans2D4">
+    <dgm:scene3d>
+      <a:camera prst="orthographicFront"/>
+      <a:lightRig rig="threePt" dir="t"/>
+    </dgm:scene3d>
+    <dgm:sp3d/>
+    <dgm:txPr/>
+    <dgm:style>
+      <a:lnRef idx="2">
+        <a:scrgbClr r="0" g="0" b="0"/>
+      </a:lnRef>
+      <a:fillRef idx="1">
+        <a:scrgbClr r="0" g="0" b="0"/>
+      </a:fillRef>
+      <a:effectRef idx="0">
+        <a:scrgbClr r="0" g="0" b="0"/>
+      </a:effectRef>
+      <a:fontRef idx="minor">
+        <a:schemeClr val="lt1"/>
+      </a:fontRef>
+    </dgm:style>
+  </dgm:styleLbl>
+  <dgm:styleLbl name="parChTrans1D1">
+    <dgm:scene3d>
+      <a:camera prst="orthographicFront"/>
+      <a:lightRig rig="threePt" dir="t"/>
+    </dgm:scene3d>
+    <dgm:sp3d/>
+    <dgm:txPr/>
+    <dgm:style>
+      <a:lnRef idx="2">
+        <a:scrgbClr r="0" g="0" b="0"/>
+      </a:lnRef>
+      <a:fillRef idx="0">
+        <a:scrgbClr r="0" g="0" b="0"/>
+      </a:fillRef>
+      <a:effectRef idx="0">
+        <a:scrgbClr r="0" g="0" b="0"/>
+      </a:effectRef>
+      <a:fontRef idx="minor"/>
+    </dgm:style>
+  </dgm:styleLbl>
+  <dgm:styleLbl name="parChTrans1D2">
+    <dgm:scene3d>
+      <a:camera prst="orthographicFront"/>
+      <a:lightRig rig="threePt" dir="t"/>
+    </dgm:scene3d>
+    <dgm:sp3d/>
+    <dgm:txPr/>
+    <dgm:style>
+      <a:lnRef idx="2">
+        <a:scrgbClr r="0" g="0" b="0"/>
+      </a:lnRef>
+      <a:fillRef idx="0">
+        <a:scrgbClr r="0" g="0" b="0"/>
+      </a:fillRef>
+      <a:effectRef idx="0">
+        <a:scrgbClr r="0" g="0" b="0"/>
+      </a:effectRef>
+      <a:fontRef idx="minor"/>
+    </dgm:style>
+  </dgm:styleLbl>
+  <dgm:styleLbl name="parChTrans1D3">
+    <dgm:scene3d>
+      <a:camera prst="orthographicFront"/>
+      <a:lightRig rig="threePt" dir="t"/>
+    </dgm:scene3d>
+    <dgm:sp3d/>
+    <dgm:txPr/>
+    <dgm:style>
+      <a:lnRef idx="2">
+        <a:scrgbClr r="0" g="0" b="0"/>
+      </a:lnRef>
+      <a:fillRef idx="0">
+        <a:scrgbClr r="0" g="0" b="0"/>
+      </a:fillRef>
+      <a:effectRef idx="0">
+        <a:scrgbClr r="0" g="0" b="0"/>
+      </a:effectRef>
+      <a:fontRef idx="minor"/>
+    </dgm:style>
+  </dgm:styleLbl>
+  <dgm:styleLbl name="parChTrans1D4">
+    <dgm:scene3d>
+      <a:camera prst="orthographicFront"/>
+      <a:lightRig rig="threePt" dir="t"/>
+    </dgm:scene3d>
+    <dgm:sp3d/>
+    <dgm:txPr/>
+    <dgm:style>
+      <a:lnRef idx="2">
+        <a:scrgbClr r="0" g="0" b="0"/>
+      </a:lnRef>
+      <a:fillRef idx="0">
+        <a:scrgbClr r="0" g="0" b="0"/>
+      </a:fillRef>
+      <a:effectRef idx="0">
+        <a:scrgbClr r="0" g="0" b="0"/>
+      </a:effectRef>
+      <a:fontRef idx="minor"/>
+    </dgm:style>
+  </dgm:styleLbl>
+  <dgm:styleLbl name="fgAcc1">
+    <dgm:scene3d>
+      <a:camera prst="orthographicFront"/>
+      <a:lightRig rig="threePt" dir="t"/>
+    </dgm:scene3d>
+    <dgm:sp3d/>
+    <dgm:txPr/>
+    <dgm:style>
+      <a:lnRef idx="2">
+        <a:scrgbClr r="0" g="0" b="0"/>
+      </a:lnRef>
+      <a:fillRef idx="1">
+        <a:scrgbClr r="0" g="0" b="0"/>
+      </a:fillRef>
+      <a:effectRef idx="0">
+        <a:scrgbClr r="0" g="0" b="0"/>
+      </a:effectRef>
+      <a:fontRef idx="minor"/>
+    </dgm:style>
+  </dgm:styleLbl>
+  <dgm:styleLbl name="conFgAcc1">
+    <dgm:scene3d>
+      <a:camera prst="orthographicFront"/>
+      <a:lightRig rig="threePt" dir="t"/>
+    </dgm:scene3d>
+    <dgm:sp3d/>
+    <dgm:txPr/>
+    <dgm:style>
+      <a:lnRef idx="2">
+        <a:scrgbClr r="0" g="0" b="0"/>
+      </a:lnRef>
+      <a:fillRef idx="1">
+        <a:scrgbClr r="0" g="0" b="0"/>
+      </a:fillRef>
+      <a:effectRef idx="0">
+        <a:scrgbClr r="0" g="0" b="0"/>
+      </a:effectRef>
+      <a:fontRef idx="minor"/>
+    </dgm:style>
+  </dgm:styleLbl>
+  <dgm:styleLbl name="alignAcc1">
+    <dgm:scene3d>
+      <a:camera prst="orthographicFront"/>
+      <a:lightRig rig="threePt" dir="t"/>
+    </dgm:scene3d>
+    <dgm:sp3d/>
+    <dgm:txPr/>
+    <dgm:style>
+      <a:lnRef idx="2">
+        <a:scrgbClr r="0" g="0" b="0"/>
+      </a:lnRef>
+      <a:fillRef idx="1">
+        <a:scrgbClr r="0" g="0" b="0"/>
+      </a:fillRef>
+      <a:effectRef idx="0">
+        <a:scrgbClr r="0" g="0" b="0"/>
+      </a:effectRef>
+      <a:fontRef idx="minor"/>
+    </dgm:style>
+  </dgm:styleLbl>
+  <dgm:styleLbl name="trAlignAcc1">
+    <dgm:scene3d>
+      <a:camera prst="orthographicFront"/>
+      <a:lightRig rig="threePt" dir="t"/>
+    </dgm:scene3d>
+    <dgm:sp3d/>
+    <dgm:txPr/>
+    <dgm:style>
+      <a:lnRef idx="1">
+        <a:scrgbClr r="0" g="0" b="0"/>
+      </a:lnRef>
+      <a:fillRef idx="1">
+        <a:scrgbClr r="0" g="0" b="0"/>
+      </a:fillRef>
+      <a:effectRef idx="0">
+        <a:scrgbClr r="0" g="0" b="0"/>
+      </a:effectRef>
+      <a:fontRef idx="minor"/>
+    </dgm:style>
+  </dgm:styleLbl>
+  <dgm:styleLbl name="bgAcc1">
+    <dgm:scene3d>
+      <a:camera prst="orthographicFront"/>
+      <a:lightRig rig="threePt" dir="t"/>
+    </dgm:scene3d>
+    <dgm:sp3d/>
+    <dgm:txPr/>
+    <dgm:style>
+      <a:lnRef idx="2">
+        <a:scrgbClr r="0" g="0" b="0"/>
+      </a:lnRef>
+      <a:fillRef idx="1">
+        <a:scrgbClr r="0" g="0" b="0"/>
+      </a:fillRef>
+      <a:effectRef idx="0">
+        <a:scrgbClr r="0" g="0" b="0"/>
+      </a:effectRef>
+      <a:fontRef idx="minor"/>
+    </dgm:style>
+  </dgm:styleLbl>
+  <dgm:styleLbl name="solidFgAcc1">
+    <dgm:scene3d>
+      <a:camera prst="orthographicFront"/>
+      <a:lightRig rig="threePt" dir="t"/>
+    </dgm:scene3d>
+    <dgm:sp3d/>
+    <dgm:txPr/>
+    <dgm:style>
+      <a:lnRef idx="2">
+        <a:scrgbClr r="0" g="0" b="0"/>
+      </a:lnRef>
+      <a:fillRef idx="1">
+        <a:scrgbClr r="0" g="0" b="0"/>
+      </a:fillRef>
+      <a:effectRef idx="0">
+        <a:scrgbClr r="0" g="0" b="0"/>
+      </a:effectRef>
+      <a:fontRef idx="minor"/>
+    </dgm:style>
+  </dgm:styleLbl>
+  <dgm:styleLbl name="solidAlignAcc1">
+    <dgm:scene3d>
+      <a:camera prst="orthographicFront"/>
+      <a:lightRig rig="threePt" dir="t"/>
+    </dgm:scene3d>
+    <dgm:sp3d/>
+    <dgm:txPr/>
+    <dgm:style>
+      <a:lnRef idx="2">
+        <a:scrgbClr r="0" g="0" b="0"/>
+      </a:lnRef>
+      <a:fillRef idx="1">
+        <a:scrgbClr r="0" g="0" b="0"/>
+      </a:fillRef>
+      <a:effectRef idx="0">
+        <a:scrgbClr r="0" g="0" b="0"/>
+      </a:effectRef>
+      <a:fontRef idx="minor"/>
+    </dgm:style>
+  </dgm:styleLbl>
+  <dgm:styleLbl name="solidBgAcc1">
+    <dgm:scene3d>
+      <a:camera prst="orthographicFront"/>
+      <a:lightRig rig="threePt" dir="t"/>
+    </dgm:scene3d>
+    <dgm:sp3d/>
+    <dgm:txPr/>
+    <dgm:style>
+      <a:lnRef idx="2">
+        <a:scrgbClr r="0" g="0" b="0"/>
+      </a:lnRef>
+      <a:fillRef idx="1">
+        <a:scrgbClr r="0" g="0" b="0"/>
+      </a:fillRef>
+      <a:effectRef idx="0">
+        <a:scrgbClr r="0" g="0" b="0"/>
+      </a:effectRef>
+      <a:fontRef idx="minor"/>
+    </dgm:style>
+  </dgm:styleLbl>
+  <dgm:styleLbl name="fgAccFollowNode1">
+    <dgm:scene3d>
+      <a:camera prst="orthographicFront"/>
+      <a:lightRig rig="threePt" dir="t"/>
+    </dgm:scene3d>
+    <dgm:sp3d/>
+    <dgm:txPr/>
+    <dgm:style>
+      <a:lnRef idx="2">
+        <a:scrgbClr r="0" g="0" b="0"/>
+      </a:lnRef>
+      <a:fillRef idx="1">
+        <a:scrgbClr r="0" g="0" b="0"/>
+      </a:fillRef>
+      <a:effectRef idx="0">
+        <a:scrgbClr r="0" g="0" b="0"/>
+      </a:effectRef>
+      <a:fontRef idx="minor"/>
+    </dgm:style>
+  </dgm:styleLbl>
+  <dgm:styleLbl name="alignAccFollowNode1">
+    <dgm:scene3d>
+      <a:camera prst="orthographicFront"/>
+      <a:lightRig rig="threePt" dir="t"/>
+    </dgm:scene3d>
+    <dgm:sp3d/>
+    <dgm:txPr/>
+    <dgm:style>
+      <a:lnRef idx="2">
+        <a:scrgbClr r="0" g="0" b="0"/>
+      </a:lnRef>
+      <a:fillRef idx="1">
+        <a:scrgbClr r="0" g="0" b="0"/>
+      </a:fillRef>
+      <a:effectRef idx="0">
+        <a:scrgbClr r="0" g="0" b="0"/>
+      </a:effectRef>
+      <a:fontRef idx="minor"/>
+    </dgm:style>
+  </dgm:styleLbl>
+  <dgm:styleLbl name="bgAccFollowNode1">
+    <dgm:scene3d>
+      <a:camera prst="orthographicFront"/>
+      <a:lightRig rig="threePt" dir="t"/>
+    </dgm:scene3d>
+    <dgm:sp3d/>
+    <dgm:txPr/>
+    <dgm:style>
+      <a:lnRef idx="2">
+        <a:scrgbClr r="0" g="0" b="0"/>
+      </a:lnRef>
+      <a:fillRef idx="1">
+        <a:scrgbClr r="0" g="0" b="0"/>
+      </a:fillRef>
+      <a:effectRef idx="0">
+        <a:scrgbClr r="0" g="0" b="0"/>
+      </a:effectRef>
+      <a:fontRef idx="minor"/>
+    </dgm:style>
+  </dgm:styleLbl>
+  <dgm:styleLbl name="fgAcc0">
+    <dgm:scene3d>
+      <a:camera prst="orthographicFront"/>
+      <a:lightRig rig="threePt" dir="t"/>
+    </dgm:scene3d>
+    <dgm:sp3d/>
+    <dgm:txPr/>
+    <dgm:style>
+      <a:lnRef idx="2">
+        <a:scrgbClr r="0" g="0" b="0"/>
+      </a:lnRef>
+      <a:fillRef idx="1">
+        <a:scrgbClr r="0" g="0" b="0"/>
+      </a:fillRef>
+      <a:effectRef idx="0">
+        <a:scrgbClr r="0" g="0" b="0"/>
+      </a:effectRef>
+      <a:fontRef idx="minor"/>
+    </dgm:style>
+  </dgm:styleLbl>
+  <dgm:styleLbl name="fgAcc2">
+    <dgm:scene3d>
+      <a:camera prst="orthographicFront"/>
+      <a:lightRig rig="threePt" dir="t"/>
+    </dgm:scene3d>
+    <dgm:sp3d/>
+    <dgm:txPr/>
+    <dgm:style>
+      <a:lnRef idx="2">
+        <a:scrgbClr r="0" g="0" b="0"/>
+      </a:lnRef>
+      <a:fillRef idx="1">
+        <a:scrgbClr r="0" g="0" b="0"/>
+      </a:fillRef>
+      <a:effectRef idx="0">
+        <a:scrgbClr r="0" g="0" b="0"/>
+      </a:effectRef>
+      <a:fontRef idx="minor"/>
+    </dgm:style>
+  </dgm:styleLbl>
+  <dgm:styleLbl name="fgAcc3">
+    <dgm:scene3d>
+      <a:camera prst="orthographicFront"/>
+      <a:lightRig rig="threePt" dir="t"/>
+    </dgm:scene3d>
+    <dgm:sp3d/>
+    <dgm:txPr/>
+    <dgm:style>
+      <a:lnRef idx="2">
+        <a:scrgbClr r="0" g="0" b="0"/>
+      </a:lnRef>
+      <a:fillRef idx="1">
+        <a:scrgbClr r="0" g="0" b="0"/>
+      </a:fillRef>
+      <a:effectRef idx="0">
+        <a:scrgbClr r="0" g="0" b="0"/>
+      </a:effectRef>
+      <a:fontRef idx="minor"/>
+    </dgm:style>
+  </dgm:styleLbl>
+  <dgm:styleLbl name="fgAcc4">
+    <dgm:scene3d>
+      <a:camera prst="orthographicFront"/>
+      <a:lightRig rig="threePt" dir="t"/>
+    </dgm:scene3d>
+    <dgm:sp3d/>
+    <dgm:txPr/>
+    <dgm:style>
+      <a:lnRef idx="2">
+        <a:scrgbClr r="0" g="0" b="0"/>
+      </a:lnRef>
+      <a:fillRef idx="1">
+        <a:scrgbClr r="0" g="0" b="0"/>
+      </a:fillRef>
+      <a:effectRef idx="0">
+        <a:scrgbClr r="0" g="0" b="0"/>
+      </a:effectRef>
+      <a:fontRef idx="minor"/>
+    </dgm:style>
+  </dgm:styleLbl>
+  <dgm:styleLbl name="bgShp">
+    <dgm:scene3d>
+      <a:camera prst="orthographicFront"/>
+      <a:lightRig rig="threePt" dir="t"/>
+    </dgm:scene3d>
+    <dgm:sp3d/>
+    <dgm:txPr/>
+    <dgm:style>
+      <a:lnRef idx="0">
+        <a:scrgbClr r="0" g="0" b="0"/>
+      </a:lnRef>
+      <a:fillRef idx="1">
+        <a:scrgbClr r="0" g="0" b="0"/>
+      </a:fillRef>
+      <a:effectRef idx="0">
+        <a:scrgbClr r="0" g="0" b="0"/>
+      </a:effectRef>
+      <a:fontRef idx="minor"/>
+    </dgm:style>
+  </dgm:styleLbl>
+  <dgm:styleLbl name="dkBgShp">
+    <dgm:scene3d>
+      <a:camera prst="orthographicFront"/>
+      <a:lightRig rig="threePt" dir="t"/>
+    </dgm:scene3d>
+    <dgm:sp3d/>
+    <dgm:txPr/>
+    <dgm:style>
+      <a:lnRef idx="0">
+        <a:scrgbClr r="0" g="0" b="0"/>
+      </a:lnRef>
+      <a:fillRef idx="1">
+        <a:scrgbClr r="0" g="0" b="0"/>
+      </a:fillRef>
+      <a:effectRef idx="0">
+        <a:scrgbClr r="0" g="0" b="0"/>
+      </a:effectRef>
+      <a:fontRef idx="minor"/>
+    </dgm:style>
+  </dgm:styleLbl>
+  <dgm:styleLbl name="trBgShp">
+    <dgm:scene3d>
+      <a:camera prst="orthographicFront"/>
+      <a:lightRig rig="threePt" dir="t"/>
+    </dgm:scene3d>
+    <dgm:sp3d/>
+    <dgm:txPr/>
+    <dgm:style>
+      <a:lnRef idx="0">
+        <a:scrgbClr r="0" g="0" b="0"/>
+      </a:lnRef>
+      <a:fillRef idx="1">
+        <a:scrgbClr r="0" g="0" b="0"/>
+      </a:fillRef>
+      <a:effectRef idx="0">
+        <a:scrgbClr r="0" g="0" b="0"/>
+      </a:effectRef>
+      <a:fontRef idx="minor"/>
+    </dgm:style>
+  </dgm:styleLbl>
+  <dgm:styleLbl name="fgShp">
+    <dgm:scene3d>
+      <a:camera prst="orthographicFront"/>
+      <a:lightRig rig="threePt" dir="t"/>
+    </dgm:scene3d>
+    <dgm:sp3d/>
+    <dgm:txPr/>
+    <dgm:style>
+      <a:lnRef idx="2">
+        <a:scrgbClr r="0" g="0" b="0"/>
+      </a:lnRef>
+      <a:fillRef idx="1">
+        <a:scrgbClr r="0" g="0" b="0"/>
+      </a:fillRef>
+      <a:effectRef idx="0">
+        <a:scrgbClr r="0" g="0" b="0"/>
+      </a:effectRef>
+      <a:fontRef idx="minor"/>
+    </dgm:style>
+  </dgm:styleLbl>
+  <dgm:styleLbl name="revTx">
+    <dgm:scene3d>
+      <a:camera prst="orthographicFront"/>
+      <a:lightRig rig="threePt" dir="t"/>
+    </dgm:scene3d>
+    <dgm:sp3d/>
+    <dgm:txPr/>
+    <dgm:style>
+      <a:lnRef idx="0">
+        <a:scrgbClr r="0" g="0" b="0"/>
+      </a:lnRef>
+      <a:fillRef idx="0">
+        <a:scrgbClr r="0" g="0" b="0"/>
+      </a:fillRef>
+      <a:effectRef idx="0">
+        <a:scrgbClr r="0" g="0" b="0"/>
+      </a:effectRef>
+      <a:fontRef idx="minor"/>
+    </dgm:style>
+  </dgm:styleLbl>
+</dgm:styleDef>
+</file>
+
+<file path=ppt/diagrams/quickStyle7.xml><?xml version="1.0" encoding="utf-8"?>
+<dgm:styleDef xmlns:dgm="http://schemas.openxmlformats.org/drawingml/2006/diagram" xmlns:a="http://schemas.openxmlformats.org/drawingml/2006/main" uniqueId="urn:microsoft.com/office/officeart/2005/8/quickstyle/simple1">
+  <dgm:title val=""/>
+  <dgm:desc val=""/>
+  <dgm:catLst>
+    <dgm:cat type="simple" pri="10100"/>
+  </dgm:catLst>
+  <dgm:scene3d>
+    <a:camera prst="orthographicFront"/>
+    <a:lightRig rig="threePt" dir="t"/>
+  </dgm:scene3d>
+  <dgm:styleLbl name="node0">
+    <dgm:scene3d>
+      <a:camera prst="orthographicFront"/>
+      <a:lightRig rig="threePt" dir="t"/>
+    </dgm:scene3d>
+    <dgm:sp3d/>
+    <dgm:txPr/>
+    <dgm:style>
+      <a:lnRef idx="2">
+        <a:scrgbClr r="0" g="0" b="0"/>
+      </a:lnRef>
+      <a:fillRef idx="1">
+        <a:scrgbClr r="0" g="0" b="0"/>
+      </a:fillRef>
+      <a:effectRef idx="0">
+        <a:scrgbClr r="0" g="0" b="0"/>
+      </a:effectRef>
+      <a:fontRef idx="minor">
+        <a:schemeClr val="lt1"/>
+      </a:fontRef>
+    </dgm:style>
+  </dgm:styleLbl>
+  <dgm:styleLbl name="lnNode1">
+    <dgm:scene3d>
+      <a:camera prst="orthographicFront"/>
+      <a:lightRig rig="threePt" dir="t"/>
+    </dgm:scene3d>
+    <dgm:sp3d/>
+    <dgm:txPr/>
+    <dgm:style>
+      <a:lnRef idx="2">
+        <a:scrgbClr r="0" g="0" b="0"/>
+      </a:lnRef>
+      <a:fillRef idx="1">
+        <a:scrgbClr r="0" g="0" b="0"/>
+      </a:fillRef>
+      <a:effectRef idx="0">
+        <a:scrgbClr r="0" g="0" b="0"/>
+      </a:effectRef>
+      <a:fontRef idx="minor">
+        <a:schemeClr val="lt1"/>
+      </a:fontRef>
+    </dgm:style>
+  </dgm:styleLbl>
+  <dgm:styleLbl name="vennNode1">
+    <dgm:scene3d>
+      <a:camera prst="orthographicFront"/>
+      <a:lightRig rig="threePt" dir="t"/>
+    </dgm:scene3d>
+    <dgm:sp3d/>
+    <dgm:txPr/>
+    <dgm:style>
+      <a:lnRef idx="2">
+        <a:scrgbClr r="0" g="0" b="0"/>
+      </a:lnRef>
+      <a:fillRef idx="1">
+        <a:scrgbClr r="0" g="0" b="0"/>
+      </a:fillRef>
+      <a:effectRef idx="0">
+        <a:scrgbClr r="0" g="0" b="0"/>
+      </a:effectRef>
+      <a:fontRef idx="minor">
+        <a:schemeClr val="tx1"/>
+      </a:fontRef>
+    </dgm:style>
+  </dgm:styleLbl>
+  <dgm:styleLbl name="alignNode1">
+    <dgm:scene3d>
+      <a:camera prst="orthographicFront"/>
+      <a:lightRig rig="threePt" dir="t"/>
+    </dgm:scene3d>
+    <dgm:sp3d/>
+    <dgm:txPr/>
+    <dgm:style>
+      <a:lnRef idx="2">
+        <a:scrgbClr r="0" g="0" b="0"/>
+      </a:lnRef>
+      <a:fillRef idx="1">
+        <a:scrgbClr r="0" g="0" b="0"/>
+      </a:fillRef>
+      <a:effectRef idx="0">
+        <a:scrgbClr r="0" g="0" b="0"/>
+      </a:effectRef>
+      <a:fontRef idx="minor">
+        <a:schemeClr val="lt1"/>
+      </a:fontRef>
+    </dgm:style>
+  </dgm:styleLbl>
+  <dgm:styleLbl name="node1">
+    <dgm:scene3d>
+      <a:camera prst="orthographicFront"/>
+      <a:lightRig rig="threePt" dir="t"/>
+    </dgm:scene3d>
+    <dgm:sp3d/>
+    <dgm:txPr/>
+    <dgm:style>
+      <a:lnRef idx="2">
+        <a:scrgbClr r="0" g="0" b="0"/>
+      </a:lnRef>
+      <a:fillRef idx="1">
+        <a:scrgbClr r="0" g="0" b="0"/>
+      </a:fillRef>
+      <a:effectRef idx="0">
+        <a:scrgbClr r="0" g="0" b="0"/>
+      </a:effectRef>
+      <a:fontRef idx="minor">
+        <a:schemeClr val="lt1"/>
+      </a:fontRef>
+    </dgm:style>
+  </dgm:styleLbl>
+  <dgm:styleLbl name="node2">
+    <dgm:scene3d>
+      <a:camera prst="orthographicFront"/>
+      <a:lightRig rig="threePt" dir="t"/>
+    </dgm:scene3d>
+    <dgm:sp3d/>
+    <dgm:txPr/>
+    <dgm:style>
+      <a:lnRef idx="2">
+        <a:scrgbClr r="0" g="0" b="0"/>
+      </a:lnRef>
+      <a:fillRef idx="1">
+        <a:scrgbClr r="0" g="0" b="0"/>
+      </a:fillRef>
+      <a:effectRef idx="0">
+        <a:scrgbClr r="0" g="0" b="0"/>
+      </a:effectRef>
+      <a:fontRef idx="minor">
+        <a:schemeClr val="lt1"/>
+      </a:fontRef>
+    </dgm:style>
+  </dgm:styleLbl>
+  <dgm:styleLbl name="node3">
+    <dgm:scene3d>
+      <a:camera prst="orthographicFront"/>
+      <a:lightRig rig="threePt" dir="t"/>
+    </dgm:scene3d>
+    <dgm:sp3d/>
+    <dgm:txPr/>
+    <dgm:style>
+      <a:lnRef idx="2">
+        <a:scrgbClr r="0" g="0" b="0"/>
+      </a:lnRef>
+      <a:fillRef idx="1">
+        <a:scrgbClr r="0" g="0" b="0"/>
+      </a:fillRef>
+      <a:effectRef idx="0">
+        <a:scrgbClr r="0" g="0" b="0"/>
+      </a:effectRef>
+      <a:fontRef idx="minor">
+        <a:schemeClr val="lt1"/>
+      </a:fontRef>
+    </dgm:style>
+  </dgm:styleLbl>
+  <dgm:styleLbl name="node4">
+    <dgm:scene3d>
+      <a:camera prst="orthographicFront"/>
+      <a:lightRig rig="threePt" dir="t"/>
+    </dgm:scene3d>
+    <dgm:sp3d/>
+    <dgm:txPr/>
+    <dgm:style>
+      <a:lnRef idx="2">
+        <a:scrgbClr r="0" g="0" b="0"/>
+      </a:lnRef>
+      <a:fillRef idx="1">
+        <a:scrgbClr r="0" g="0" b="0"/>
+      </a:fillRef>
+      <a:effectRef idx="0">
+        <a:scrgbClr r="0" g="0" b="0"/>
+      </a:effectRef>
+      <a:fontRef idx="minor">
+        <a:schemeClr val="lt1"/>
+      </a:fontRef>
+    </dgm:style>
+  </dgm:styleLbl>
+  <dgm:styleLbl name="fgImgPlace1">
+    <dgm:scene3d>
+      <a:camera prst="orthographicFront"/>
+      <a:lightRig rig="threePt" dir="t"/>
+    </dgm:scene3d>
+    <dgm:sp3d/>
+    <dgm:txPr/>
+    <dgm:style>
+      <a:lnRef idx="2">
+        <a:scrgbClr r="0" g="0" b="0"/>
+      </a:lnRef>
+      <a:fillRef idx="1">
+        <a:scrgbClr r="0" g="0" b="0"/>
+      </a:fillRef>
+      <a:effectRef idx="0">
+        <a:scrgbClr r="0" g="0" b="0"/>
+      </a:effectRef>
+      <a:fontRef idx="minor"/>
+    </dgm:style>
+  </dgm:styleLbl>
+  <dgm:styleLbl name="alignImgPlace1">
+    <dgm:scene3d>
+      <a:camera prst="orthographicFront"/>
+      <a:lightRig rig="threePt" dir="t"/>
+    </dgm:scene3d>
+    <dgm:sp3d/>
+    <dgm:txPr/>
+    <dgm:style>
+      <a:lnRef idx="2">
+        <a:scrgbClr r="0" g="0" b="0"/>
+      </a:lnRef>
+      <a:fillRef idx="1">
+        <a:scrgbClr r="0" g="0" b="0"/>
+      </a:fillRef>
+      <a:effectRef idx="0">
+        <a:scrgbClr r="0" g="0" b="0"/>
+      </a:effectRef>
+      <a:fontRef idx="minor"/>
+    </dgm:style>
+  </dgm:styleLbl>
+  <dgm:styleLbl name="bgImgPlace1">
+    <dgm:scene3d>
+      <a:camera prst="orthographicFront"/>
+      <a:lightRig rig="threePt" dir="t"/>
+    </dgm:scene3d>
+    <dgm:sp3d/>
+    <dgm:txPr/>
+    <dgm:style>
+      <a:lnRef idx="2">
+        <a:scrgbClr r="0" g="0" b="0"/>
+      </a:lnRef>
+      <a:fillRef idx="1">
+        <a:scrgbClr r="0" g="0" b="0"/>
+      </a:fillRef>
+      <a:effectRef idx="0">
+        <a:scrgbClr r="0" g="0" b="0"/>
+      </a:effectRef>
+      <a:fontRef idx="minor"/>
+    </dgm:style>
+  </dgm:styleLbl>
+  <dgm:styleLbl name="sibTrans2D1">
+    <dgm:scene3d>
+      <a:camera prst="orthographicFront"/>
+      <a:lightRig rig="threePt" dir="t"/>
+    </dgm:scene3d>
+    <dgm:sp3d/>
+    <dgm:txPr/>
+    <dgm:style>
+      <a:lnRef idx="0">
+        <a:scrgbClr r="0" g="0" b="0"/>
+      </a:lnRef>
+      <a:fillRef idx="1">
+        <a:scrgbClr r="0" g="0" b="0"/>
+      </a:fillRef>
+      <a:effectRef idx="0">
+        <a:scrgbClr r="0" g="0" b="0"/>
+      </a:effectRef>
+      <a:fontRef idx="minor">
+        <a:schemeClr val="lt1"/>
+      </a:fontRef>
+    </dgm:style>
+  </dgm:styleLbl>
+  <dgm:styleLbl name="fgSibTrans2D1">
+    <dgm:scene3d>
+      <a:camera prst="orthographicFront"/>
+      <a:lightRig rig="threePt" dir="t"/>
+    </dgm:scene3d>
+    <dgm:sp3d/>
+    <dgm:txPr/>
+    <dgm:style>
+      <a:lnRef idx="0">
+        <a:scrgbClr r="0" g="0" b="0"/>
+      </a:lnRef>
+      <a:fillRef idx="1">
+        <a:scrgbClr r="0" g="0" b="0"/>
+      </a:fillRef>
+      <a:effectRef idx="0">
+        <a:scrgbClr r="0" g="0" b="0"/>
+      </a:effectRef>
+      <a:fontRef idx="minor">
+        <a:schemeClr val="lt1"/>
+      </a:fontRef>
+    </dgm:style>
+  </dgm:styleLbl>
+  <dgm:styleLbl name="bgSibTrans2D1">
+    <dgm:scene3d>
+      <a:camera prst="orthographicFront"/>
+      <a:lightRig rig="threePt" dir="t"/>
+    </dgm:scene3d>
+    <dgm:sp3d/>
+    <dgm:txPr/>
+    <dgm:style>
+      <a:lnRef idx="0">
+        <a:scrgbClr r="0" g="0" b="0"/>
+      </a:lnRef>
+      <a:fillRef idx="1">
+        <a:scrgbClr r="0" g="0" b="0"/>
+      </a:fillRef>
+      <a:effectRef idx="0">
+        <a:scrgbClr r="0" g="0" b="0"/>
+      </a:effectRef>
+      <a:fontRef idx="minor">
+        <a:schemeClr val="lt1"/>
+      </a:fontRef>
+    </dgm:style>
+  </dgm:styleLbl>
+  <dgm:styleLbl name="sibTrans1D1">
+    <dgm:scene3d>
+      <a:camera prst="orthographicFront"/>
+      <a:lightRig rig="threePt" dir="t"/>
+    </dgm:scene3d>
+    <dgm:sp3d/>
+    <dgm:txPr/>
+    <dgm:style>
+      <a:lnRef idx="1">
+        <a:scrgbClr r="0" g="0" b="0"/>
+      </a:lnRef>
+      <a:fillRef idx="0">
+        <a:scrgbClr r="0" g="0" b="0"/>
+      </a:fillRef>
+      <a:effectRef idx="0">
+        <a:scrgbClr r="0" g="0" b="0"/>
+      </a:effectRef>
+      <a:fontRef idx="minor"/>
+    </dgm:style>
+  </dgm:styleLbl>
+  <dgm:styleLbl name="callout">
+    <dgm:scene3d>
+      <a:camera prst="orthographicFront"/>
+      <a:lightRig rig="threePt" dir="t"/>
+    </dgm:scene3d>
+    <dgm:sp3d/>
+    <dgm:txPr/>
+    <dgm:style>
+      <a:lnRef idx="2">
+        <a:scrgbClr r="0" g="0" b="0"/>
+      </a:lnRef>
+      <a:fillRef idx="1">
+        <a:scrgbClr r="0" g="0" b="0"/>
+      </a:fillRef>
+      <a:effectRef idx="0">
+        <a:scrgbClr r="0" g="0" b="0"/>
+      </a:effectRef>
+      <a:fontRef idx="minor"/>
+    </dgm:style>
+  </dgm:styleLbl>
+  <dgm:styleLbl name="asst0">
+    <dgm:scene3d>
+      <a:camera prst="orthographicFront"/>
+      <a:lightRig rig="threePt" dir="t"/>
+    </dgm:scene3d>
+    <dgm:sp3d/>
+    <dgm:txPr/>
+    <dgm:style>
+      <a:lnRef idx="2">
+        <a:scrgbClr r="0" g="0" b="0"/>
+      </a:lnRef>
+      <a:fillRef idx="1">
+        <a:scrgbClr r="0" g="0" b="0"/>
+      </a:fillRef>
+      <a:effectRef idx="0">
+        <a:scrgbClr r="0" g="0" b="0"/>
+      </a:effectRef>
+      <a:fontRef idx="minor">
+        <a:schemeClr val="lt1"/>
+      </a:fontRef>
+    </dgm:style>
+  </dgm:styleLbl>
+  <dgm:styleLbl name="asst1">
+    <dgm:scene3d>
+      <a:camera prst="orthographicFront"/>
+      <a:lightRig rig="threePt" dir="t"/>
+    </dgm:scene3d>
+    <dgm:sp3d/>
+    <dgm:txPr/>
+    <dgm:style>
+      <a:lnRef idx="2">
+        <a:scrgbClr r="0" g="0" b="0"/>
+      </a:lnRef>
+      <a:fillRef idx="1">
+        <a:scrgbClr r="0" g="0" b="0"/>
+      </a:fillRef>
+      <a:effectRef idx="0">
+        <a:scrgbClr r="0" g="0" b="0"/>
+      </a:effectRef>
+      <a:fontRef idx="minor">
+        <a:schemeClr val="lt1"/>
+      </a:fontRef>
+    </dgm:style>
+  </dgm:styleLbl>
+  <dgm:styleLbl name="asst2">
+    <dgm:scene3d>
+      <a:camera prst="orthographicFront"/>
+      <a:lightRig rig="threePt" dir="t"/>
+    </dgm:scene3d>
+    <dgm:sp3d/>
+    <dgm:txPr/>
+    <dgm:style>
+      <a:lnRef idx="2">
+        <a:scrgbClr r="0" g="0" b="0"/>
+      </a:lnRef>
+      <a:fillRef idx="1">
+        <a:scrgbClr r="0" g="0" b="0"/>
+      </a:fillRef>
+      <a:effectRef idx="0">
+        <a:scrgbClr r="0" g="0" b="0"/>
+      </a:effectRef>
+      <a:fontRef idx="minor">
+        <a:schemeClr val="lt1"/>
+      </a:fontRef>
+    </dgm:style>
+  </dgm:styleLbl>
+  <dgm:styleLbl name="asst3">
+    <dgm:scene3d>
+      <a:camera prst="orthographicFront"/>
+      <a:lightRig rig="threePt" dir="t"/>
+    </dgm:scene3d>
+    <dgm:sp3d/>
+    <dgm:txPr/>
+    <dgm:style>
+      <a:lnRef idx="2">
+        <a:scrgbClr r="0" g="0" b="0"/>
+      </a:lnRef>
+      <a:fillRef idx="1">
+        <a:scrgbClr r="0" g="0" b="0"/>
+      </a:fillRef>
+      <a:effectRef idx="0">
+        <a:scrgbClr r="0" g="0" b="0"/>
+      </a:effectRef>
+      <a:fontRef idx="minor">
+        <a:schemeClr val="lt1"/>
+      </a:fontRef>
+    </dgm:style>
+  </dgm:styleLbl>
+  <dgm:styleLbl name="asst4">
+    <dgm:scene3d>
+      <a:camera prst="orthographicFront"/>
+      <a:lightRig rig="threePt" dir="t"/>
+    </dgm:scene3d>
+    <dgm:sp3d/>
+    <dgm:txPr/>
+    <dgm:style>
+      <a:lnRef idx="2">
+        <a:scrgbClr r="0" g="0" b="0"/>
+      </a:lnRef>
+      <a:fillRef idx="1">
+        <a:scrgbClr r="0" g="0" b="0"/>
+      </a:fillRef>
+      <a:effectRef idx="0">
+        <a:scrgbClr r="0" g="0" b="0"/>
+      </a:effectRef>
+      <a:fontRef idx="minor">
+        <a:schemeClr val="lt1"/>
+      </a:fontRef>
+    </dgm:style>
+  </dgm:styleLbl>
+  <dgm:styleLbl name="parChTrans2D1">
+    <dgm:scene3d>
+      <a:camera prst="orthographicFront"/>
+      <a:lightRig rig="threePt" dir="t"/>
+    </dgm:scene3d>
+    <dgm:sp3d/>
+    <dgm:txPr/>
+    <dgm:style>
+      <a:lnRef idx="2">
+        <a:scrgbClr r="0" g="0" b="0"/>
+      </a:lnRef>
+      <a:fillRef idx="1">
+        <a:scrgbClr r="0" g="0" b="0"/>
+      </a:fillRef>
+      <a:effectRef idx="0">
+        <a:scrgbClr r="0" g="0" b="0"/>
+      </a:effectRef>
+      <a:fontRef idx="minor">
+        <a:schemeClr val="lt1"/>
+      </a:fontRef>
+    </dgm:style>
+  </dgm:styleLbl>
+  <dgm:styleLbl name="parChTrans2D2">
+    <dgm:scene3d>
+      <a:camera prst="orthographicFront"/>
+      <a:lightRig rig="threePt" dir="t"/>
+    </dgm:scene3d>
+    <dgm:sp3d/>
+    <dgm:txPr/>
+    <dgm:style>
+      <a:lnRef idx="2">
+        <a:scrgbClr r="0" g="0" b="0"/>
+      </a:lnRef>
+      <a:fillRef idx="1">
+        <a:scrgbClr r="0" g="0" b="0"/>
+      </a:fillRef>
+      <a:effectRef idx="0">
+        <a:scrgbClr r="0" g="0" b="0"/>
+      </a:effectRef>
+      <a:fontRef idx="minor">
+        <a:schemeClr val="lt1"/>
+      </a:fontRef>
+    </dgm:style>
+  </dgm:styleLbl>
+  <dgm:styleLbl name="parChTrans2D3">
+    <dgm:scene3d>
+      <a:camera prst="orthographicFront"/>
+      <a:lightRig rig="threePt" dir="t"/>
+    </dgm:scene3d>
+    <dgm:sp3d/>
+    <dgm:txPr/>
+    <dgm:style>
+      <a:lnRef idx="2">
+        <a:scrgbClr r="0" g="0" b="0"/>
+      </a:lnRef>
+      <a:fillRef idx="1">
+        <a:scrgbClr r="0" g="0" b="0"/>
+      </a:fillRef>
+      <a:effectRef idx="0">
+        <a:scrgbClr r="0" g="0" b="0"/>
+      </a:effectRef>
+      <a:fontRef idx="minor">
+        <a:schemeClr val="lt1"/>
+      </a:fontRef>
+    </dgm:style>
+  </dgm:styleLbl>
+  <dgm:styleLbl name="parChTrans2D4">
+    <dgm:scene3d>
+      <a:camera prst="orthographicFront"/>
+      <a:lightRig rig="threePt" dir="t"/>
+    </dgm:scene3d>
+    <dgm:sp3d/>
+    <dgm:txPr/>
+    <dgm:style>
+      <a:lnRef idx="2">
+        <a:scrgbClr r="0" g="0" b="0"/>
+      </a:lnRef>
+      <a:fillRef idx="1">
+        <a:scrgbClr r="0" g="0" b="0"/>
+      </a:fillRef>
+      <a:effectRef idx="0">
+        <a:scrgbClr r="0" g="0" b="0"/>
+      </a:effectRef>
+      <a:fontRef idx="minor">
+        <a:schemeClr val="lt1"/>
+      </a:fontRef>
+    </dgm:style>
+  </dgm:styleLbl>
+  <dgm:styleLbl name="parChTrans1D1">
+    <dgm:scene3d>
+      <a:camera prst="orthographicFront"/>
+      <a:lightRig rig="threePt" dir="t"/>
+    </dgm:scene3d>
+    <dgm:sp3d/>
+    <dgm:txPr/>
+    <dgm:style>
+      <a:lnRef idx="2">
+        <a:scrgbClr r="0" g="0" b="0"/>
+      </a:lnRef>
+      <a:fillRef idx="0">
+        <a:scrgbClr r="0" g="0" b="0"/>
+      </a:fillRef>
+      <a:effectRef idx="0">
+        <a:scrgbClr r="0" g="0" b="0"/>
+      </a:effectRef>
+      <a:fontRef idx="minor"/>
+    </dgm:style>
+  </dgm:styleLbl>
+  <dgm:styleLbl name="parChTrans1D2">
+    <dgm:scene3d>
+      <a:camera prst="orthographicFront"/>
+      <a:lightRig rig="threePt" dir="t"/>
+    </dgm:scene3d>
+    <dgm:sp3d/>
+    <dgm:txPr/>
+    <dgm:style>
+      <a:lnRef idx="2">
+        <a:scrgbClr r="0" g="0" b="0"/>
+      </a:lnRef>
+      <a:fillRef idx="0">
+        <a:scrgbClr r="0" g="0" b="0"/>
+      </a:fillRef>
+      <a:effectRef idx="0">
+        <a:scrgbClr r="0" g="0" b="0"/>
+      </a:effectRef>
+      <a:fontRef idx="minor"/>
+    </dgm:style>
+  </dgm:styleLbl>
+  <dgm:styleLbl name="parChTrans1D3">
+    <dgm:scene3d>
+      <a:camera prst="orthographicFront"/>
+      <a:lightRig rig="threePt" dir="t"/>
+    </dgm:scene3d>
+    <dgm:sp3d/>
+    <dgm:txPr/>
+    <dgm:style>
+      <a:lnRef idx="2">
+        <a:scrgbClr r="0" g="0" b="0"/>
+      </a:lnRef>
+      <a:fillRef idx="0">
+        <a:scrgbClr r="0" g="0" b="0"/>
+      </a:fillRef>
+      <a:effectRef idx="0">
+        <a:scrgbClr r="0" g="0" b="0"/>
+      </a:effectRef>
+      <a:fontRef idx="minor"/>
+    </dgm:style>
+  </dgm:styleLbl>
+  <dgm:styleLbl name="parChTrans1D4">
+    <dgm:scene3d>
+      <a:camera prst="orthographicFront"/>
+      <a:lightRig rig="threePt" dir="t"/>
+    </dgm:scene3d>
+    <dgm:sp3d/>
+    <dgm:txPr/>
+    <dgm:style>
+      <a:lnRef idx="2">
+        <a:scrgbClr r="0" g="0" b="0"/>
+      </a:lnRef>
+      <a:fillRef idx="0">
+        <a:scrgbClr r="0" g="0" b="0"/>
+      </a:fillRef>
+      <a:effectRef idx="0">
+        <a:scrgbClr r="0" g="0" b="0"/>
+      </a:effectRef>
+      <a:fontRef idx="minor"/>
+    </dgm:style>
+  </dgm:styleLbl>
+  <dgm:styleLbl name="fgAcc1">
+    <dgm:scene3d>
+      <a:camera prst="orthographicFront"/>
+      <a:lightRig rig="threePt" dir="t"/>
+    </dgm:scene3d>
+    <dgm:sp3d/>
+    <dgm:txPr/>
+    <dgm:style>
+      <a:lnRef idx="2">
+        <a:scrgbClr r="0" g="0" b="0"/>
+      </a:lnRef>
+      <a:fillRef idx="1">
+        <a:scrgbClr r="0" g="0" b="0"/>
+      </a:fillRef>
+      <a:effectRef idx="0">
+        <a:scrgbClr r="0" g="0" b="0"/>
+      </a:effectRef>
+      <a:fontRef idx="minor"/>
+    </dgm:style>
+  </dgm:styleLbl>
+  <dgm:styleLbl name="conFgAcc1">
+    <dgm:scene3d>
+      <a:camera prst="orthographicFront"/>
+      <a:lightRig rig="threePt" dir="t"/>
+    </dgm:scene3d>
+    <dgm:sp3d/>
+    <dgm:txPr/>
+    <dgm:style>
+      <a:lnRef idx="2">
+        <a:scrgbClr r="0" g="0" b="0"/>
+      </a:lnRef>
+      <a:fillRef idx="1">
+        <a:scrgbClr r="0" g="0" b="0"/>
+      </a:fillRef>
+      <a:effectRef idx="0">
+        <a:scrgbClr r="0" g="0" b="0"/>
+      </a:effectRef>
+      <a:fontRef idx="minor"/>
+    </dgm:style>
+  </dgm:styleLbl>
+  <dgm:styleLbl name="alignAcc1">
+    <dgm:scene3d>
+      <a:camera prst="orthographicFront"/>
+      <a:lightRig rig="threePt" dir="t"/>
+    </dgm:scene3d>
+    <dgm:sp3d/>
+    <dgm:txPr/>
+    <dgm:style>
+      <a:lnRef idx="2">
+        <a:scrgbClr r="0" g="0" b="0"/>
+      </a:lnRef>
+      <a:fillRef idx="1">
+        <a:scrgbClr r="0" g="0" b="0"/>
+      </a:fillRef>
+      <a:effectRef idx="0">
+        <a:scrgbClr r="0" g="0" b="0"/>
+      </a:effectRef>
+      <a:fontRef idx="minor"/>
+    </dgm:style>
+  </dgm:styleLbl>
+  <dgm:styleLbl name="trAlignAcc1">
+    <dgm:scene3d>
+      <a:camera prst="orthographicFront"/>
+      <a:lightRig rig="threePt" dir="t"/>
+    </dgm:scene3d>
+    <dgm:sp3d/>
+    <dgm:txPr/>
+    <dgm:style>
+      <a:lnRef idx="1">
+        <a:scrgbClr r="0" g="0" b="0"/>
+      </a:lnRef>
+      <a:fillRef idx="1">
+        <a:scrgbClr r="0" g="0" b="0"/>
+      </a:fillRef>
+      <a:effectRef idx="0">
+        <a:scrgbClr r="0" g="0" b="0"/>
+      </a:effectRef>
+      <a:fontRef idx="minor"/>
+    </dgm:style>
+  </dgm:styleLbl>
+  <dgm:styleLbl name="bgAcc1">
+    <dgm:scene3d>
+      <a:camera prst="orthographicFront"/>
+      <a:lightRig rig="threePt" dir="t"/>
+    </dgm:scene3d>
+    <dgm:sp3d/>
+    <dgm:txPr/>
+    <dgm:style>
+      <a:lnRef idx="2">
+        <a:scrgbClr r="0" g="0" b="0"/>
+      </a:lnRef>
+      <a:fillRef idx="1">
+        <a:scrgbClr r="0" g="0" b="0"/>
+      </a:fillRef>
+      <a:effectRef idx="0">
+        <a:scrgbClr r="0" g="0" b="0"/>
+      </a:effectRef>
+      <a:fontRef idx="minor"/>
+    </dgm:style>
+  </dgm:styleLbl>
+  <dgm:styleLbl name="solidFgAcc1">
+    <dgm:scene3d>
+      <a:camera prst="orthographicFront"/>
+      <a:lightRig rig="threePt" dir="t"/>
+    </dgm:scene3d>
+    <dgm:sp3d/>
+    <dgm:txPr/>
+    <dgm:style>
+      <a:lnRef idx="2">
+        <a:scrgbClr r="0" g="0" b="0"/>
+      </a:lnRef>
+      <a:fillRef idx="1">
+        <a:scrgbClr r="0" g="0" b="0"/>
+      </a:fillRef>
+      <a:effectRef idx="0">
+        <a:scrgbClr r="0" g="0" b="0"/>
+      </a:effectRef>
+      <a:fontRef idx="minor"/>
+    </dgm:style>
+  </dgm:styleLbl>
+  <dgm:styleLbl name="solidAlignAcc1">
+    <dgm:scene3d>
+      <a:camera prst="orthographicFront"/>
+      <a:lightRig rig="threePt" dir="t"/>
+    </dgm:scene3d>
+    <dgm:sp3d/>
+    <dgm:txPr/>
+    <dgm:style>
+      <a:lnRef idx="2">
+        <a:scrgbClr r="0" g="0" b="0"/>
+      </a:lnRef>
+      <a:fillRef idx="1">
+        <a:scrgbClr r="0" g="0" b="0"/>
+      </a:fillRef>
+      <a:effectRef idx="0">
+        <a:scrgbClr r="0" g="0" b="0"/>
+      </a:effectRef>
+      <a:fontRef idx="minor"/>
+    </dgm:style>
+  </dgm:styleLbl>
+  <dgm:styleLbl name="solidBgAcc1">
+    <dgm:scene3d>
+      <a:camera prst="orthographicFront"/>
+      <a:lightRig rig="threePt" dir="t"/>
+    </dgm:scene3d>
+    <dgm:sp3d/>
+    <dgm:txPr/>
+    <dgm:style>
+      <a:lnRef idx="2">
+        <a:scrgbClr r="0" g="0" b="0"/>
+      </a:lnRef>
+      <a:fillRef idx="1">
+        <a:scrgbClr r="0" g="0" b="0"/>
+      </a:fillRef>
+      <a:effectRef idx="0">
+        <a:scrgbClr r="0" g="0" b="0"/>
+      </a:effectRef>
+      <a:fontRef idx="minor"/>
+    </dgm:style>
+  </dgm:styleLbl>
+  <dgm:styleLbl name="fgAccFollowNode1">
+    <dgm:scene3d>
+      <a:camera prst="orthographicFront"/>
+      <a:lightRig rig="threePt" dir="t"/>
+    </dgm:scene3d>
+    <dgm:sp3d/>
+    <dgm:txPr/>
+    <dgm:style>
+      <a:lnRef idx="2">
+        <a:scrgbClr r="0" g="0" b="0"/>
+      </a:lnRef>
+      <a:fillRef idx="1">
+        <a:scrgbClr r="0" g="0" b="0"/>
+      </a:fillRef>
+      <a:effectRef idx="0">
+        <a:scrgbClr r="0" g="0" b="0"/>
+      </a:effectRef>
+      <a:fontRef idx="minor"/>
+    </dgm:style>
+  </dgm:styleLbl>
+  <dgm:styleLbl name="alignAccFollowNode1">
+    <dgm:scene3d>
+      <a:camera prst="orthographicFront"/>
+      <a:lightRig rig="threePt" dir="t"/>
+    </dgm:scene3d>
+    <dgm:sp3d/>
+    <dgm:txPr/>
+    <dgm:style>
+      <a:lnRef idx="2">
+        <a:scrgbClr r="0" g="0" b="0"/>
+      </a:lnRef>
+      <a:fillRef idx="1">
+        <a:scrgbClr r="0" g="0" b="0"/>
+      </a:fillRef>
+      <a:effectRef idx="0">
+        <a:scrgbClr r="0" g="0" b="0"/>
+      </a:effectRef>
+      <a:fontRef idx="minor"/>
+    </dgm:style>
+  </dgm:styleLbl>
+  <dgm:styleLbl name="bgAccFollowNode1">
+    <dgm:scene3d>
+      <a:camera prst="orthographicFront"/>
+      <a:lightRig rig="threePt" dir="t"/>
+    </dgm:scene3d>
+    <dgm:sp3d/>
+    <dgm:txPr/>
+    <dgm:style>
+      <a:lnRef idx="2">
+        <a:scrgbClr r="0" g="0" b="0"/>
+      </a:lnRef>
+      <a:fillRef idx="1">
+        <a:scrgbClr r="0" g="0" b="0"/>
+      </a:fillRef>
+      <a:effectRef idx="0">
+        <a:scrgbClr r="0" g="0" b="0"/>
+      </a:effectRef>
+      <a:fontRef idx="minor"/>
+    </dgm:style>
+  </dgm:styleLbl>
+  <dgm:styleLbl name="fgAcc0">
+    <dgm:scene3d>
+      <a:camera prst="orthographicFront"/>
+      <a:lightRig rig="threePt" dir="t"/>
+    </dgm:scene3d>
+    <dgm:sp3d/>
+    <dgm:txPr/>
+    <dgm:style>
+      <a:lnRef idx="2">
+        <a:scrgbClr r="0" g="0" b="0"/>
+      </a:lnRef>
+      <a:fillRef idx="1">
+        <a:scrgbClr r="0" g="0" b="0"/>
+      </a:fillRef>
+      <a:effectRef idx="0">
+        <a:scrgbClr r="0" g="0" b="0"/>
+      </a:effectRef>
+      <a:fontRef idx="minor"/>
+    </dgm:style>
+  </dgm:styleLbl>
+  <dgm:styleLbl name="fgAcc2">
+    <dgm:scene3d>
+      <a:camera prst="orthographicFront"/>
+      <a:lightRig rig="threePt" dir="t"/>
+    </dgm:scene3d>
+    <dgm:sp3d/>
+    <dgm:txPr/>
+    <dgm:style>
+      <a:lnRef idx="2">
+        <a:scrgbClr r="0" g="0" b="0"/>
+      </a:lnRef>
+      <a:fillRef idx="1">
+        <a:scrgbClr r="0" g="0" b="0"/>
+      </a:fillRef>
+      <a:effectRef idx="0">
+        <a:scrgbClr r="0" g="0" b="0"/>
+      </a:effectRef>
+      <a:fontRef idx="minor"/>
+    </dgm:style>
+  </dgm:styleLbl>
+  <dgm:styleLbl name="fgAcc3">
+    <dgm:scene3d>
+      <a:camera prst="orthographicFront"/>
+      <a:lightRig rig="threePt" dir="t"/>
+    </dgm:scene3d>
+    <dgm:sp3d/>
+    <dgm:txPr/>
+    <dgm:style>
+      <a:lnRef idx="2">
+        <a:scrgbClr r="0" g="0" b="0"/>
+      </a:lnRef>
+      <a:fillRef idx="1">
+        <a:scrgbClr r="0" g="0" b="0"/>
+      </a:fillRef>
+      <a:effectRef idx="0">
+        <a:scrgbClr r="0" g="0" b="0"/>
+      </a:effectRef>
+      <a:fontRef idx="minor"/>
+    </dgm:style>
+  </dgm:styleLbl>
+  <dgm:styleLbl name="fgAcc4">
+    <dgm:scene3d>
+      <a:camera prst="orthographicFront"/>
+      <a:lightRig rig="threePt" dir="t"/>
+    </dgm:scene3d>
+    <dgm:sp3d/>
+    <dgm:txPr/>
+    <dgm:style>
+      <a:lnRef idx="2">
+        <a:scrgbClr r="0" g="0" b="0"/>
+      </a:lnRef>
+      <a:fillRef idx="1">
+        <a:scrgbClr r="0" g="0" b="0"/>
+      </a:fillRef>
+      <a:effectRef idx="0">
+        <a:scrgbClr r="0" g="0" b="0"/>
+      </a:effectRef>
+      <a:fontRef idx="minor"/>
+    </dgm:style>
+  </dgm:styleLbl>
+  <dgm:styleLbl name="bgShp">
+    <dgm:scene3d>
+      <a:camera prst="orthographicFront"/>
+      <a:lightRig rig="threePt" dir="t"/>
+    </dgm:scene3d>
+    <dgm:sp3d/>
+    <dgm:txPr/>
+    <dgm:style>
+      <a:lnRef idx="0">
+        <a:scrgbClr r="0" g="0" b="0"/>
+      </a:lnRef>
+      <a:fillRef idx="1">
+        <a:scrgbClr r="0" g="0" b="0"/>
+      </a:fillRef>
+      <a:effectRef idx="0">
+        <a:scrgbClr r="0" g="0" b="0"/>
+      </a:effectRef>
+      <a:fontRef idx="minor"/>
+    </dgm:style>
+  </dgm:styleLbl>
+  <dgm:styleLbl name="dkBgShp">
+    <dgm:scene3d>
+      <a:camera prst="orthographicFront"/>
+      <a:lightRig rig="threePt" dir="t"/>
+    </dgm:scene3d>
+    <dgm:sp3d/>
+    <dgm:txPr/>
+    <dgm:style>
+      <a:lnRef idx="0">
+        <a:scrgbClr r="0" g="0" b="0"/>
+      </a:lnRef>
+      <a:fillRef idx="1">
+        <a:scrgbClr r="0" g="0" b="0"/>
+      </a:fillRef>
+      <a:effectRef idx="0">
+        <a:scrgbClr r="0" g="0" b="0"/>
+      </a:effectRef>
+      <a:fontRef idx="minor"/>
+    </dgm:style>
+  </dgm:styleLbl>
+  <dgm:styleLbl name="trBgShp">
+    <dgm:scene3d>
+      <a:camera prst="orthographicFront"/>
+      <a:lightRig rig="threePt" dir="t"/>
+    </dgm:scene3d>
+    <dgm:sp3d/>
+    <dgm:txPr/>
+    <dgm:style>
+      <a:lnRef idx="0">
+        <a:scrgbClr r="0" g="0" b="0"/>
+      </a:lnRef>
+      <a:fillRef idx="1">
+        <a:scrgbClr r="0" g="0" b="0"/>
+      </a:fillRef>
+      <a:effectRef idx="0">
+        <a:scrgbClr r="0" g="0" b="0"/>
+      </a:effectRef>
+      <a:fontRef idx="minor"/>
+    </dgm:style>
+  </dgm:styleLbl>
+  <dgm:styleLbl name="fgShp">
+    <dgm:scene3d>
+      <a:camera prst="orthographicFront"/>
+      <a:lightRig rig="threePt" dir="t"/>
+    </dgm:scene3d>
+    <dgm:sp3d/>
+    <dgm:txPr/>
+    <dgm:style>
+      <a:lnRef idx="2">
+        <a:scrgbClr r="0" g="0" b="0"/>
+      </a:lnRef>
+      <a:fillRef idx="1">
+        <a:scrgbClr r="0" g="0" b="0"/>
+      </a:fillRef>
+      <a:effectRef idx="0">
+        <a:scrgbClr r="0" g="0" b="0"/>
+      </a:effectRef>
+      <a:fontRef idx="minor"/>
+    </dgm:style>
+  </dgm:styleLbl>
+  <dgm:styleLbl name="revTx">
+    <dgm:scene3d>
+      <a:camera prst="orthographicFront"/>
+      <a:lightRig rig="threePt" dir="t"/>
+    </dgm:scene3d>
+    <dgm:sp3d/>
+    <dgm:txPr/>
+    <dgm:style>
+      <a:lnRef idx="0">
+        <a:scrgbClr r="0" g="0" b="0"/>
+      </a:lnRef>
+      <a:fillRef idx="0">
+        <a:scrgbClr r="0" g="0" b="0"/>
+      </a:fillRef>
+      <a:effectRef idx="0">
+        <a:scrgbClr r="0" g="0" b="0"/>
+      </a:effectRef>
+      <a:fontRef idx="minor"/>
+    </dgm:style>
+  </dgm:styleLbl>
+</dgm:styleDef>
+</file>
+
+<file path=ppt/diagrams/quickStyle8.xml><?xml version="1.0" encoding="utf-8"?>
 <dgm:styleDef xmlns:dgm="http://schemas.openxmlformats.org/drawingml/2006/diagram" xmlns:a="http://schemas.openxmlformats.org/drawingml/2006/main" uniqueId="urn:microsoft.com/office/officeart/2005/8/quickstyle/simple1">
   <dgm:title val=""/>
   <dgm:desc val=""/>
@@ -15701,7 +20412,7 @@
           <a:p>
             <a:fld id="{6C12F6B1-6786-4E64-B681-F379C9A54FC0}" type="datetimeFigureOut">
               <a:rPr lang="de-AT" smtClean="0"/>
-              <a:t>18.11.2017</a:t>
+              <a:t>20.11.2017</a:t>
             </a:fld>
             <a:endParaRPr lang="de-AT"/>
           </a:p>
@@ -17567,7 +22278,7 @@
           <a:p>
             <a:fld id="{83C286D2-5717-406C-AD4B-C4A69D5338FB}" type="datetimeFigureOut">
               <a:rPr lang="de-AT" smtClean="0"/>
-              <a:t>18.11.2017</a:t>
+              <a:t>20.11.2017</a:t>
             </a:fld>
             <a:endParaRPr lang="de-AT"/>
           </a:p>
@@ -17737,7 +22448,7 @@
           <a:p>
             <a:fld id="{83C286D2-5717-406C-AD4B-C4A69D5338FB}" type="datetimeFigureOut">
               <a:rPr lang="de-AT" smtClean="0"/>
-              <a:t>18.11.2017</a:t>
+              <a:t>20.11.2017</a:t>
             </a:fld>
             <a:endParaRPr lang="de-AT"/>
           </a:p>
@@ -17917,7 +22628,7 @@
           <a:p>
             <a:fld id="{83C286D2-5717-406C-AD4B-C4A69D5338FB}" type="datetimeFigureOut">
               <a:rPr lang="de-AT" smtClean="0"/>
-              <a:t>18.11.2017</a:t>
+              <a:t>20.11.2017</a:t>
             </a:fld>
             <a:endParaRPr lang="de-AT"/>
           </a:p>
@@ -18120,7 +22831,7 @@
           <a:p>
             <a:fld id="{83C286D2-5717-406C-AD4B-C4A69D5338FB}" type="datetimeFigureOut">
               <a:rPr lang="de-AT" smtClean="0"/>
-              <a:t>18.11.2017</a:t>
+              <a:t>20.11.2017</a:t>
             </a:fld>
             <a:endParaRPr lang="de-AT"/>
           </a:p>
@@ -18290,7 +23001,7 @@
           <a:p>
             <a:fld id="{83C286D2-5717-406C-AD4B-C4A69D5338FB}" type="datetimeFigureOut">
               <a:rPr lang="de-AT" smtClean="0"/>
-              <a:t>18.11.2017</a:t>
+              <a:t>20.11.2017</a:t>
             </a:fld>
             <a:endParaRPr lang="de-AT"/>
           </a:p>
@@ -18541,7 +23252,7 @@
           <a:p>
             <a:fld id="{83C286D2-5717-406C-AD4B-C4A69D5338FB}" type="datetimeFigureOut">
               <a:rPr lang="de-AT" smtClean="0"/>
-              <a:t>18.11.2017</a:t>
+              <a:t>20.11.2017</a:t>
             </a:fld>
             <a:endParaRPr lang="de-AT"/>
           </a:p>
@@ -18773,7 +23484,7 @@
           <a:p>
             <a:fld id="{83C286D2-5717-406C-AD4B-C4A69D5338FB}" type="datetimeFigureOut">
               <a:rPr lang="de-AT" smtClean="0"/>
-              <a:t>18.11.2017</a:t>
+              <a:t>20.11.2017</a:t>
             </a:fld>
             <a:endParaRPr lang="de-AT"/>
           </a:p>
@@ -19120,7 +23831,7 @@
           <a:p>
             <a:fld id="{83C286D2-5717-406C-AD4B-C4A69D5338FB}" type="datetimeFigureOut">
               <a:rPr lang="de-AT" smtClean="0"/>
-              <a:t>18.11.2017</a:t>
+              <a:t>20.11.2017</a:t>
             </a:fld>
             <a:endParaRPr lang="de-AT"/>
           </a:p>
@@ -19238,7 +23949,7 @@
           <a:p>
             <a:fld id="{83C286D2-5717-406C-AD4B-C4A69D5338FB}" type="datetimeFigureOut">
               <a:rPr lang="de-AT" smtClean="0"/>
-              <a:t>18.11.2017</a:t>
+              <a:t>20.11.2017</a:t>
             </a:fld>
             <a:endParaRPr lang="de-AT"/>
           </a:p>
@@ -19356,7 +24067,7 @@
           <a:p>
             <a:fld id="{83C286D2-5717-406C-AD4B-C4A69D5338FB}" type="datetimeFigureOut">
               <a:rPr lang="de-AT" smtClean="0"/>
-              <a:t>18.11.2017</a:t>
+              <a:t>20.11.2017</a:t>
             </a:fld>
             <a:endParaRPr lang="de-AT"/>
           </a:p>
@@ -19640,7 +24351,7 @@
           <a:p>
             <a:fld id="{83C286D2-5717-406C-AD4B-C4A69D5338FB}" type="datetimeFigureOut">
               <a:rPr lang="de-AT" smtClean="0"/>
-              <a:t>18.11.2017</a:t>
+              <a:t>20.11.2017</a:t>
             </a:fld>
             <a:endParaRPr lang="de-AT"/>
           </a:p>
@@ -19810,7 +24521,7 @@
           <a:p>
             <a:fld id="{83C286D2-5717-406C-AD4B-C4A69D5338FB}" type="datetimeFigureOut">
               <a:rPr lang="de-AT" smtClean="0"/>
-              <a:t>18.11.2017</a:t>
+              <a:t>20.11.2017</a:t>
             </a:fld>
             <a:endParaRPr lang="de-AT"/>
           </a:p>
@@ -20074,7 +24785,7 @@
           <a:p>
             <a:fld id="{83C286D2-5717-406C-AD4B-C4A69D5338FB}" type="datetimeFigureOut">
               <a:rPr lang="de-AT" smtClean="0"/>
-              <a:t>18.11.2017</a:t>
+              <a:t>20.11.2017</a:t>
             </a:fld>
             <a:endParaRPr lang="de-AT"/>
           </a:p>
@@ -20244,7 +24955,7 @@
           <a:p>
             <a:fld id="{83C286D2-5717-406C-AD4B-C4A69D5338FB}" type="datetimeFigureOut">
               <a:rPr lang="de-AT" smtClean="0"/>
-              <a:t>18.11.2017</a:t>
+              <a:t>20.11.2017</a:t>
             </a:fld>
             <a:endParaRPr lang="de-AT"/>
           </a:p>
@@ -20424,7 +25135,7 @@
           <a:p>
             <a:fld id="{83C286D2-5717-406C-AD4B-C4A69D5338FB}" type="datetimeFigureOut">
               <a:rPr lang="de-AT" smtClean="0"/>
-              <a:t>18.11.2017</a:t>
+              <a:t>20.11.2017</a:t>
             </a:fld>
             <a:endParaRPr lang="de-AT"/>
           </a:p>
@@ -20709,7 +25420,7 @@
           <a:p>
             <a:fld id="{83C286D2-5717-406C-AD4B-C4A69D5338FB}" type="datetimeFigureOut">
               <a:rPr lang="de-AT" smtClean="0"/>
-              <a:t>18.11.2017</a:t>
+              <a:t>20.11.2017</a:t>
             </a:fld>
             <a:endParaRPr lang="de-AT"/>
           </a:p>
@@ -20879,7 +25590,7 @@
           <a:p>
             <a:fld id="{83C286D2-5717-406C-AD4B-C4A69D5338FB}" type="datetimeFigureOut">
               <a:rPr lang="de-AT" smtClean="0"/>
-              <a:t>18.11.2017</a:t>
+              <a:t>20.11.2017</a:t>
             </a:fld>
             <a:endParaRPr lang="de-AT"/>
           </a:p>
@@ -21137,7 +25848,7 @@
           <a:p>
             <a:fld id="{83C286D2-5717-406C-AD4B-C4A69D5338FB}" type="datetimeFigureOut">
               <a:rPr lang="de-AT" smtClean="0"/>
-              <a:t>18.11.2017</a:t>
+              <a:t>20.11.2017</a:t>
             </a:fld>
             <a:endParaRPr lang="de-AT"/>
           </a:p>
@@ -21425,7 +26136,7 @@
           <a:p>
             <a:fld id="{83C286D2-5717-406C-AD4B-C4A69D5338FB}" type="datetimeFigureOut">
               <a:rPr lang="de-AT" smtClean="0"/>
-              <a:t>18.11.2017</a:t>
+              <a:t>20.11.2017</a:t>
             </a:fld>
             <a:endParaRPr lang="de-AT"/>
           </a:p>
@@ -21867,7 +26578,7 @@
           <a:p>
             <a:fld id="{83C286D2-5717-406C-AD4B-C4A69D5338FB}" type="datetimeFigureOut">
               <a:rPr lang="de-AT" smtClean="0"/>
-              <a:t>18.11.2017</a:t>
+              <a:t>20.11.2017</a:t>
             </a:fld>
             <a:endParaRPr lang="de-AT"/>
           </a:p>
@@ -21985,7 +26696,7 @@
           <a:p>
             <a:fld id="{83C286D2-5717-406C-AD4B-C4A69D5338FB}" type="datetimeFigureOut">
               <a:rPr lang="de-AT" smtClean="0"/>
-              <a:t>18.11.2017</a:t>
+              <a:t>20.11.2017</a:t>
             </a:fld>
             <a:endParaRPr lang="de-AT"/>
           </a:p>
@@ -22080,7 +26791,7 @@
           <a:p>
             <a:fld id="{83C286D2-5717-406C-AD4B-C4A69D5338FB}" type="datetimeFigureOut">
               <a:rPr lang="de-AT" smtClean="0"/>
-              <a:t>18.11.2017</a:t>
+              <a:t>20.11.2017</a:t>
             </a:fld>
             <a:endParaRPr lang="de-AT"/>
           </a:p>
@@ -22331,7 +27042,7 @@
           <a:p>
             <a:fld id="{83C286D2-5717-406C-AD4B-C4A69D5338FB}" type="datetimeFigureOut">
               <a:rPr lang="de-AT" smtClean="0"/>
-              <a:t>18.11.2017</a:t>
+              <a:t>20.11.2017</a:t>
             </a:fld>
             <a:endParaRPr lang="de-AT"/>
           </a:p>
@@ -22619,7 +27330,7 @@
           <a:p>
             <a:fld id="{83C286D2-5717-406C-AD4B-C4A69D5338FB}" type="datetimeFigureOut">
               <a:rPr lang="de-AT" smtClean="0"/>
-              <a:t>18.11.2017</a:t>
+              <a:t>20.11.2017</a:t>
             </a:fld>
             <a:endParaRPr lang="de-AT"/>
           </a:p>
@@ -22892,7 +27603,7 @@
           <a:p>
             <a:fld id="{83C286D2-5717-406C-AD4B-C4A69D5338FB}" type="datetimeFigureOut">
               <a:rPr lang="de-AT" smtClean="0"/>
-              <a:t>18.11.2017</a:t>
+              <a:t>20.11.2017</a:t>
             </a:fld>
             <a:endParaRPr lang="de-AT"/>
           </a:p>
@@ -23067,7 +27778,7 @@
           <a:p>
             <a:fld id="{83C286D2-5717-406C-AD4B-C4A69D5338FB}" type="datetimeFigureOut">
               <a:rPr lang="de-AT" smtClean="0"/>
-              <a:t>18.11.2017</a:t>
+              <a:t>20.11.2017</a:t>
             </a:fld>
             <a:endParaRPr lang="de-AT"/>
           </a:p>
@@ -23247,7 +27958,7 @@
           <a:p>
             <a:fld id="{83C286D2-5717-406C-AD4B-C4A69D5338FB}" type="datetimeFigureOut">
               <a:rPr lang="de-AT" smtClean="0"/>
-              <a:t>18.11.2017</a:t>
+              <a:t>20.11.2017</a:t>
             </a:fld>
             <a:endParaRPr lang="de-AT"/>
           </a:p>
@@ -23479,7 +28190,7 @@
           <a:p>
             <a:fld id="{83C286D2-5717-406C-AD4B-C4A69D5338FB}" type="datetimeFigureOut">
               <a:rPr lang="de-AT" smtClean="0"/>
-              <a:t>18.11.2017</a:t>
+              <a:t>20.11.2017</a:t>
             </a:fld>
             <a:endParaRPr lang="de-AT"/>
           </a:p>
@@ -23826,7 +28537,7 @@
           <a:p>
             <a:fld id="{83C286D2-5717-406C-AD4B-C4A69D5338FB}" type="datetimeFigureOut">
               <a:rPr lang="de-AT" smtClean="0"/>
-              <a:t>18.11.2017</a:t>
+              <a:t>20.11.2017</a:t>
             </a:fld>
             <a:endParaRPr lang="de-AT"/>
           </a:p>
@@ -23944,7 +28655,7 @@
           <a:p>
             <a:fld id="{83C286D2-5717-406C-AD4B-C4A69D5338FB}" type="datetimeFigureOut">
               <a:rPr lang="de-AT" smtClean="0"/>
-              <a:t>18.11.2017</a:t>
+              <a:t>20.11.2017</a:t>
             </a:fld>
             <a:endParaRPr lang="de-AT"/>
           </a:p>
@@ -24062,7 +28773,7 @@
           <a:p>
             <a:fld id="{83C286D2-5717-406C-AD4B-C4A69D5338FB}" type="datetimeFigureOut">
               <a:rPr lang="de-AT" smtClean="0"/>
-              <a:t>18.11.2017</a:t>
+              <a:t>20.11.2017</a:t>
             </a:fld>
             <a:endParaRPr lang="de-AT"/>
           </a:p>
@@ -24346,7 +29057,7 @@
           <a:p>
             <a:fld id="{83C286D2-5717-406C-AD4B-C4A69D5338FB}" type="datetimeFigureOut">
               <a:rPr lang="de-AT" smtClean="0"/>
-              <a:t>18.11.2017</a:t>
+              <a:t>20.11.2017</a:t>
             </a:fld>
             <a:endParaRPr lang="de-AT"/>
           </a:p>
@@ -24610,7 +29321,7 @@
           <a:p>
             <a:fld id="{83C286D2-5717-406C-AD4B-C4A69D5338FB}" type="datetimeFigureOut">
               <a:rPr lang="de-AT" smtClean="0"/>
-              <a:t>18.11.2017</a:t>
+              <a:t>20.11.2017</a:t>
             </a:fld>
             <a:endParaRPr lang="de-AT"/>
           </a:p>
@@ -24824,7 +29535,7 @@
           <a:p>
             <a:fld id="{83C286D2-5717-406C-AD4B-C4A69D5338FB}" type="datetimeFigureOut">
               <a:rPr lang="de-AT" smtClean="0"/>
-              <a:t>18.11.2017</a:t>
+              <a:t>20.11.2017</a:t>
             </a:fld>
             <a:endParaRPr lang="de-AT"/>
           </a:p>
@@ -25359,7 +30070,7 @@
           <a:p>
             <a:fld id="{83C286D2-5717-406C-AD4B-C4A69D5338FB}" type="datetimeFigureOut">
               <a:rPr lang="de-AT" smtClean="0"/>
-              <a:t>18.11.2017</a:t>
+              <a:t>20.11.2017</a:t>
             </a:fld>
             <a:endParaRPr lang="de-AT"/>
           </a:p>
@@ -25972,7 +30683,7 @@
           <a:p>
             <a:fld id="{83C286D2-5717-406C-AD4B-C4A69D5338FB}" type="datetimeFigureOut">
               <a:rPr lang="de-AT" smtClean="0"/>
-              <a:t>18.11.2017</a:t>
+              <a:t>20.11.2017</a:t>
             </a:fld>
             <a:endParaRPr lang="de-AT"/>
           </a:p>
@@ -27049,7 +31760,7 @@
             <p:ph idx="1"/>
             <p:extLst>
               <p:ext uri="{D42A27DB-BD31-4B8C-83A1-F6EECF244321}">
-                <p14:modId xmlns:p14="http://schemas.microsoft.com/office/powerpoint/2010/main" val="3012354209"/>
+                <p14:modId xmlns:p14="http://schemas.microsoft.com/office/powerpoint/2010/main" val="3381328533"/>
               </p:ext>
             </p:extLst>
           </p:nvPr>
@@ -27116,9 +31827,10 @@
           <a:lstStyle/>
           <a:p>
             <a:r>
-              <a:rPr lang="de-AT" dirty="0"/>
+              <a:rPr lang="de-AT"/>
               <a:t>Vorgaben</a:t>
             </a:r>
+            <a:endParaRPr lang="de-AT" dirty="0"/>
           </a:p>
         </p:txBody>
       </p:sp>
@@ -27143,431 +31855,86 @@
           <a:bodyPr/>
           <a:lstStyle/>
           <a:p>
-            <a:endParaRPr lang="de-AT" dirty="0"/>
-          </a:p>
-          <a:p>
-            <a:endParaRPr lang="de-AT" dirty="0"/>
-          </a:p>
-          <a:p>
-            <a:endParaRPr lang="de-AT" dirty="0"/>
-          </a:p>
-          <a:p>
-            <a:endParaRPr lang="de-AT" dirty="0"/>
-          </a:p>
-          <a:p>
-            <a:endParaRPr lang="de-AT" dirty="0"/>
-          </a:p>
-          <a:p>
-            <a:endParaRPr lang="de-AT" dirty="0"/>
+            <a:endParaRPr lang="de-AT"/>
+          </a:p>
+          <a:p>
+            <a:endParaRPr lang="de-AT"/>
+          </a:p>
+          <a:p>
+            <a:endParaRPr lang="de-AT"/>
+          </a:p>
+          <a:p>
+            <a:endParaRPr lang="de-AT"/>
+          </a:p>
+          <a:p>
+            <a:endParaRPr lang="de-AT"/>
+          </a:p>
+          <a:p>
+            <a:endParaRPr lang="de-AT"/>
           </a:p>
           <a:p>
             <a:endParaRPr lang="de-AT" dirty="0"/>
           </a:p>
         </p:txBody>
       </p:sp>
-      <p:pic>
-        <p:nvPicPr>
-          <p:cNvPr id="1026" name="Picture 2" descr="Android, Roboter, Symbol, Bot, Icon">
+      <p:graphicFrame>
+        <p:nvGraphicFramePr>
+          <p:cNvPr id="15" name="Inhaltsplatzhalter 8">
             <a:extLst>
               <a:ext uri="{FF2B5EF4-FFF2-40B4-BE49-F238E27FC236}">
-                <a16:creationId xmlns:a16="http://schemas.microsoft.com/office/drawing/2014/main" id="{25793394-0171-4840-9778-58CAA9D14BB8}"/>
+                <a16:creationId xmlns:a16="http://schemas.microsoft.com/office/drawing/2014/main" id="{66C1BF25-B4C5-4940-A676-B985F616210A}"/>
               </a:ext>
             </a:extLst>
           </p:cNvPr>
-          <p:cNvPicPr>
-            <a:picLocks noChangeAspect="1" noChangeArrowheads="1"/>
-          </p:cNvPicPr>
-          <p:nvPr/>
-        </p:nvPicPr>
-        <p:blipFill>
-          <a:blip r:embed="rId3">
-            <a:lum bright="70000" contrast="-70000"/>
-            <a:extLst>
-              <a:ext uri="{28A0092B-C50C-407E-A947-70E740481C1C}">
-                <a14:useLocalDpi xmlns:a14="http://schemas.microsoft.com/office/drawing/2010/main" val="0"/>
-              </a:ext>
-            </a:extLst>
-          </a:blip>
-          <a:srcRect/>
-          <a:stretch>
-            <a:fillRect/>
-          </a:stretch>
-        </p:blipFill>
-        <p:spPr bwMode="auto">
-          <a:xfrm rot="837845">
-            <a:off x="3384857" y="195775"/>
-            <a:ext cx="1849016" cy="1849016"/>
-          </a:xfrm>
-          <a:prstGeom prst="rect">
-            <a:avLst/>
-          </a:prstGeom>
-          <a:noFill/>
-          <a:extLst>
-            <a:ext uri="{909E8E84-426E-40DD-AFC4-6F175D3DCCD1}">
-              <a14:hiddenFill xmlns:a14="http://schemas.microsoft.com/office/drawing/2010/main">
-                <a:solidFill>
-                  <a:srgbClr val="FFFFFF"/>
-                </a:solidFill>
-              </a14:hiddenFill>
-            </a:ext>
-          </a:extLst>
-        </p:spPr>
-      </p:pic>
-      <p:pic>
-        <p:nvPicPr>
-          <p:cNvPr id="10" name="Grafik 9">
+          <p:cNvGraphicFramePr>
+            <a:graphicFrameLocks/>
+          </p:cNvGraphicFramePr>
+          <p:nvPr>
+            <p:extLst>
+              <p:ext uri="{D42A27DB-BD31-4B8C-83A1-F6EECF244321}">
+                <p14:modId xmlns:p14="http://schemas.microsoft.com/office/powerpoint/2010/main" val="3289907974"/>
+              </p:ext>
+            </p:extLst>
+          </p:nvPr>
+        </p:nvGraphicFramePr>
+        <p:xfrm>
+          <a:off x="3868738" y="863600"/>
+          <a:ext cx="7315200" cy="5121275"/>
+        </p:xfrm>
+        <a:graphic>
+          <a:graphicData uri="http://schemas.openxmlformats.org/drawingml/2006/diagram">
+            <dgm:relIds xmlns:dgm="http://schemas.openxmlformats.org/drawingml/2006/diagram" xmlns:r="http://schemas.openxmlformats.org/officeDocument/2006/relationships" r:dm="rId3" r:lo="rId4" r:qs="rId5" r:cs="rId6"/>
+          </a:graphicData>
+        </a:graphic>
+      </p:graphicFrame>
+      <p:graphicFrame>
+        <p:nvGraphicFramePr>
+          <p:cNvPr id="8" name="Diagramm 7">
             <a:extLst>
               <a:ext uri="{FF2B5EF4-FFF2-40B4-BE49-F238E27FC236}">
-                <a16:creationId xmlns:a16="http://schemas.microsoft.com/office/drawing/2014/main" id="{77CE6CA7-DE12-42E1-8F61-351FBD03A412}"/>
+                <a16:creationId xmlns:a16="http://schemas.microsoft.com/office/drawing/2014/main" id="{7E46C1B9-4FD3-436A-9627-15A77E2A9DD2}"/>
               </a:ext>
             </a:extLst>
           </p:cNvPr>
-          <p:cNvPicPr>
-            <a:picLocks noChangeAspect="1"/>
-          </p:cNvPicPr>
-          <p:nvPr/>
-        </p:nvPicPr>
-        <p:blipFill>
-          <a:blip r:embed="rId4">
-            <a:grayscl/>
-            <a:extLst>
-              <a:ext uri="{28A0092B-C50C-407E-A947-70E740481C1C}">
-                <a14:useLocalDpi xmlns:a14="http://schemas.microsoft.com/office/drawing/2010/main" val="0"/>
-              </a:ext>
-            </a:extLst>
-          </a:blip>
-          <a:stretch>
-            <a:fillRect/>
-          </a:stretch>
-        </p:blipFill>
-        <p:spPr>
-          <a:xfrm>
-            <a:off x="4123255" y="728031"/>
-            <a:ext cx="1498025" cy="1498025"/>
-          </a:xfrm>
-          <a:prstGeom prst="rect">
-            <a:avLst/>
-          </a:prstGeom>
-        </p:spPr>
-      </p:pic>
-      <p:pic>
-        <p:nvPicPr>
-          <p:cNvPr id="1034" name="Picture 10" descr="Analytik, Google Analytics, Statistik, Daten, Analyse">
-            <a:extLst>
-              <a:ext uri="{FF2B5EF4-FFF2-40B4-BE49-F238E27FC236}">
-                <a16:creationId xmlns:a16="http://schemas.microsoft.com/office/drawing/2014/main" id="{8B8FA9D5-C599-4999-972F-5DD24CF2EC90}"/>
-              </a:ext>
-            </a:extLst>
-          </p:cNvPr>
-          <p:cNvPicPr>
-            <a:picLocks noChangeAspect="1" noChangeArrowheads="1"/>
-          </p:cNvPicPr>
-          <p:nvPr/>
-        </p:nvPicPr>
-        <p:blipFill>
-          <a:blip r:embed="rId5">
-            <a:grayscl/>
-            <a:extLst>
-              <a:ext uri="{28A0092B-C50C-407E-A947-70E740481C1C}">
-                <a14:useLocalDpi xmlns:a14="http://schemas.microsoft.com/office/drawing/2010/main" val="0"/>
-              </a:ext>
-            </a:extLst>
-          </a:blip>
-          <a:srcRect/>
-          <a:stretch>
-            <a:fillRect/>
-          </a:stretch>
-        </p:blipFill>
-        <p:spPr bwMode="auto">
-          <a:xfrm>
-            <a:off x="3459733" y="2362133"/>
-            <a:ext cx="2713108" cy="2032005"/>
-          </a:xfrm>
-          <a:prstGeom prst="rect">
-            <a:avLst/>
-          </a:prstGeom>
-          <a:noFill/>
-          <a:extLst>
-            <a:ext uri="{909E8E84-426E-40DD-AFC4-6F175D3DCCD1}">
-              <a14:hiddenFill xmlns:a14="http://schemas.microsoft.com/office/drawing/2010/main">
-                <a:solidFill>
-                  <a:srgbClr val="FFFFFF"/>
-                </a:solidFill>
-              </a14:hiddenFill>
-            </a:ext>
-          </a:extLst>
-        </p:spPr>
-      </p:pic>
-      <p:pic>
-        <p:nvPicPr>
-          <p:cNvPr id="1036" name="Picture 12" descr="Pdf-Datei, Miniatur, Datei, Symbol">
-            <a:extLst>
-              <a:ext uri="{FF2B5EF4-FFF2-40B4-BE49-F238E27FC236}">
-                <a16:creationId xmlns:a16="http://schemas.microsoft.com/office/drawing/2014/main" id="{A1E51BEC-64EE-4291-9CDC-2F3FD6C9A69C}"/>
-              </a:ext>
-            </a:extLst>
-          </p:cNvPr>
-          <p:cNvPicPr>
-            <a:picLocks noChangeAspect="1" noChangeArrowheads="1"/>
-          </p:cNvPicPr>
-          <p:nvPr/>
-        </p:nvPicPr>
-        <p:blipFill>
-          <a:blip r:embed="rId6">
-            <a:duotone>
-              <a:schemeClr val="bg2">
-                <a:shade val="45000"/>
-                <a:satMod val="135000"/>
-              </a:schemeClr>
-              <a:prstClr val="white"/>
-            </a:duotone>
-            <a:extLst>
-              <a:ext uri="{28A0092B-C50C-407E-A947-70E740481C1C}">
-                <a14:useLocalDpi xmlns:a14="http://schemas.microsoft.com/office/drawing/2010/main" val="0"/>
-              </a:ext>
-            </a:extLst>
-          </a:blip>
-          <a:srcRect/>
-          <a:stretch>
-            <a:fillRect/>
-          </a:stretch>
-        </p:blipFill>
-        <p:spPr bwMode="auto">
-          <a:xfrm>
-            <a:off x="3371942" y="4562032"/>
-            <a:ext cx="1874846" cy="1874846"/>
-          </a:xfrm>
-          <a:prstGeom prst="rect">
-            <a:avLst/>
-          </a:prstGeom>
-          <a:noFill/>
-          <a:extLst>
-            <a:ext uri="{909E8E84-426E-40DD-AFC4-6F175D3DCCD1}">
-              <a14:hiddenFill xmlns:a14="http://schemas.microsoft.com/office/drawing/2010/main">
-                <a:solidFill>
-                  <a:srgbClr val="FFFFFF"/>
-                </a:solidFill>
-              </a14:hiddenFill>
-            </a:ext>
-          </a:extLst>
-        </p:spPr>
-      </p:pic>
-      <p:sp>
-        <p:nvSpPr>
-          <p:cNvPr id="14" name="Textfeld 13">
-            <a:extLst>
-              <a:ext uri="{FF2B5EF4-FFF2-40B4-BE49-F238E27FC236}">
-                <a16:creationId xmlns:a16="http://schemas.microsoft.com/office/drawing/2014/main" id="{68B4D270-DEDE-4C8E-BA86-5501F66FB8FC}"/>
-              </a:ext>
-            </a:extLst>
-          </p:cNvPr>
-          <p:cNvSpPr txBox="1"/>
-          <p:nvPr/>
-        </p:nvSpPr>
-        <p:spPr>
-          <a:xfrm>
-            <a:off x="6570721" y="916266"/>
-            <a:ext cx="4494153" cy="646331"/>
-          </a:xfrm>
-          <a:prstGeom prst="rect">
-            <a:avLst/>
-          </a:prstGeom>
-          <a:noFill/>
-        </p:spPr>
-        <p:txBody>
-          <a:bodyPr wrap="square" rtlCol="0">
-            <a:spAutoFit/>
-          </a:bodyPr>
-          <a:lstStyle/>
-          <a:p>
-            <a:pPr algn="r"/>
-            <a:r>
-              <a:rPr lang="de-AT" sz="3600" dirty="0"/>
-              <a:t>Datenextraktion</a:t>
-            </a:r>
-          </a:p>
-        </p:txBody>
-      </p:sp>
-      <p:sp>
-        <p:nvSpPr>
-          <p:cNvPr id="19" name="Textfeld 18">
-            <a:extLst>
-              <a:ext uri="{FF2B5EF4-FFF2-40B4-BE49-F238E27FC236}">
-                <a16:creationId xmlns:a16="http://schemas.microsoft.com/office/drawing/2014/main" id="{7DD8CFB5-09EC-4FCB-832F-1A55FD706070}"/>
-              </a:ext>
-            </a:extLst>
-          </p:cNvPr>
-          <p:cNvSpPr txBox="1"/>
-          <p:nvPr/>
-        </p:nvSpPr>
-        <p:spPr>
-          <a:xfrm>
-            <a:off x="6595523" y="3029634"/>
-            <a:ext cx="4469352" cy="646331"/>
-          </a:xfrm>
-          <a:prstGeom prst="rect">
-            <a:avLst/>
-          </a:prstGeom>
-          <a:noFill/>
-        </p:spPr>
-        <p:txBody>
-          <a:bodyPr wrap="square" rtlCol="0">
-            <a:spAutoFit/>
-          </a:bodyPr>
-          <a:lstStyle/>
-          <a:p>
-            <a:pPr algn="r"/>
-            <a:r>
-              <a:rPr lang="de-AT" sz="3600" dirty="0"/>
-              <a:t>Visualisierung</a:t>
-            </a:r>
-          </a:p>
-        </p:txBody>
-      </p:sp>
-      <p:sp>
-        <p:nvSpPr>
-          <p:cNvPr id="20" name="Textfeld 19">
-            <a:extLst>
-              <a:ext uri="{FF2B5EF4-FFF2-40B4-BE49-F238E27FC236}">
-                <a16:creationId xmlns:a16="http://schemas.microsoft.com/office/drawing/2014/main" id="{9E052166-5C9B-44D3-A32C-0C3C99B99EF2}"/>
-              </a:ext>
-            </a:extLst>
-          </p:cNvPr>
-          <p:cNvSpPr txBox="1"/>
-          <p:nvPr/>
-        </p:nvSpPr>
-        <p:spPr>
-          <a:xfrm>
-            <a:off x="6490347" y="5143002"/>
-            <a:ext cx="4694121" cy="646331"/>
-          </a:xfrm>
-          <a:prstGeom prst="rect">
-            <a:avLst/>
-          </a:prstGeom>
-          <a:noFill/>
-        </p:spPr>
-        <p:txBody>
-          <a:bodyPr wrap="square" rtlCol="0">
-            <a:spAutoFit/>
-          </a:bodyPr>
-          <a:lstStyle/>
-          <a:p>
-            <a:pPr algn="r"/>
-            <a:r>
-              <a:rPr lang="de-AT" sz="3600" dirty="0"/>
-              <a:t>Reports und Statistiken</a:t>
-            </a:r>
-          </a:p>
-        </p:txBody>
-      </p:sp>
-      <p:sp>
-        <p:nvSpPr>
-          <p:cNvPr id="4" name="Pfeil: nach unten 3">
-            <a:extLst>
-              <a:ext uri="{FF2B5EF4-FFF2-40B4-BE49-F238E27FC236}">
-                <a16:creationId xmlns:a16="http://schemas.microsoft.com/office/drawing/2014/main" id="{67962FB0-6AA4-42F4-BEFB-D6DC4E37B8C0}"/>
-              </a:ext>
-            </a:extLst>
-          </p:cNvPr>
-          <p:cNvSpPr/>
-          <p:nvPr/>
-        </p:nvSpPr>
-        <p:spPr>
-          <a:xfrm>
-            <a:off x="5190534" y="5015650"/>
-            <a:ext cx="849212" cy="790960"/>
-          </a:xfrm>
-          <a:prstGeom prst="downArrow">
-            <a:avLst/>
-          </a:prstGeom>
-          <a:solidFill>
-            <a:schemeClr val="bg1">
-              <a:lumMod val="75000"/>
-            </a:schemeClr>
-          </a:solidFill>
-          <a:ln>
-            <a:noFill/>
-          </a:ln>
-        </p:spPr>
-        <p:style>
-          <a:lnRef idx="2">
-            <a:schemeClr val="accent1">
-              <a:shade val="50000"/>
-            </a:schemeClr>
-          </a:lnRef>
-          <a:fillRef idx="1">
-            <a:schemeClr val="accent1"/>
-          </a:fillRef>
-          <a:effectRef idx="0">
-            <a:schemeClr val="accent1"/>
-          </a:effectRef>
-          <a:fontRef idx="minor">
-            <a:schemeClr val="lt1"/>
-          </a:fontRef>
-        </p:style>
-        <p:txBody>
-          <a:bodyPr rtlCol="0" anchor="ctr"/>
-          <a:lstStyle/>
-          <a:p>
-            <a:pPr algn="ctr"/>
-            <a:endParaRPr lang="de-AT"/>
-          </a:p>
-        </p:txBody>
-      </p:sp>
-      <p:sp>
-        <p:nvSpPr>
-          <p:cNvPr id="5" name="Rechteck: abgerundete Ecken 4">
-            <a:extLst>
-              <a:ext uri="{FF2B5EF4-FFF2-40B4-BE49-F238E27FC236}">
-                <a16:creationId xmlns:a16="http://schemas.microsoft.com/office/drawing/2014/main" id="{E9502ABD-6125-4E04-B282-D96EAE32B4BB}"/>
-              </a:ext>
-            </a:extLst>
-          </p:cNvPr>
-          <p:cNvSpPr/>
-          <p:nvPr/>
-        </p:nvSpPr>
-        <p:spPr>
-          <a:xfrm>
-            <a:off x="5172144" y="5825943"/>
-            <a:ext cx="926053" cy="136077"/>
-          </a:xfrm>
-          <a:prstGeom prst="roundRect">
-            <a:avLst/>
-          </a:prstGeom>
-          <a:solidFill>
-            <a:schemeClr val="bg1">
-              <a:lumMod val="85000"/>
-            </a:schemeClr>
-          </a:solidFill>
-          <a:ln>
-            <a:noFill/>
-          </a:ln>
-        </p:spPr>
-        <p:style>
-          <a:lnRef idx="2">
-            <a:schemeClr val="accent1">
-              <a:shade val="50000"/>
-            </a:schemeClr>
-          </a:lnRef>
-          <a:fillRef idx="1">
-            <a:schemeClr val="accent1"/>
-          </a:fillRef>
-          <a:effectRef idx="0">
-            <a:schemeClr val="accent1"/>
-          </a:effectRef>
-          <a:fontRef idx="minor">
-            <a:schemeClr val="lt1"/>
-          </a:fontRef>
-        </p:style>
-        <p:txBody>
-          <a:bodyPr rtlCol="0" anchor="ctr"/>
-          <a:lstStyle/>
-          <a:p>
-            <a:pPr algn="ctr"/>
-            <a:endParaRPr lang="de-AT"/>
-          </a:p>
-        </p:txBody>
-      </p:sp>
+          <p:cNvGraphicFramePr/>
+          <p:nvPr>
+            <p:extLst>
+              <p:ext uri="{D42A27DB-BD31-4B8C-83A1-F6EECF244321}">
+                <p14:modId xmlns:p14="http://schemas.microsoft.com/office/powerpoint/2010/main" val="3710690550"/>
+              </p:ext>
+            </p:extLst>
+          </p:nvPr>
+        </p:nvGraphicFramePr>
+        <p:xfrm>
+          <a:off x="2936875" y="714903"/>
+          <a:ext cx="8128000" cy="5418667"/>
+        </p:xfrm>
+        <a:graphic>
+          <a:graphicData uri="http://schemas.openxmlformats.org/drawingml/2006/diagram">
+            <dgm:relIds xmlns:dgm="http://schemas.openxmlformats.org/drawingml/2006/diagram" xmlns:r="http://schemas.openxmlformats.org/officeDocument/2006/relationships" r:dm="rId8" r:lo="rId9" r:qs="rId10" r:cs="rId11"/>
+          </a:graphicData>
+        </a:graphic>
+      </p:graphicFrame>
     </p:spTree>
     <p:extLst>
       <p:ext uri="{BB962C8B-B14F-4D97-AF65-F5344CB8AC3E}">
@@ -27643,7 +32010,7 @@
             <p:ph idx="1"/>
             <p:extLst>
               <p:ext uri="{D42A27DB-BD31-4B8C-83A1-F6EECF244321}">
-                <p14:modId xmlns:p14="http://schemas.microsoft.com/office/powerpoint/2010/main" val="3087455464"/>
+                <p14:modId xmlns:p14="http://schemas.microsoft.com/office/powerpoint/2010/main" val="1695672268"/>
               </p:ext>
             </p:extLst>
           </p:nvPr>
@@ -27733,7 +32100,7 @@
             <p:ph idx="1"/>
             <p:extLst>
               <p:ext uri="{D42A27DB-BD31-4B8C-83A1-F6EECF244321}">
-                <p14:modId xmlns:p14="http://schemas.microsoft.com/office/powerpoint/2010/main" val="979574639"/>
+                <p14:modId xmlns:p14="http://schemas.microsoft.com/office/powerpoint/2010/main" val="3541362766"/>
               </p:ext>
             </p:extLst>
           </p:nvPr>
@@ -27827,7 +32194,7 @@
             <p:ph idx="1"/>
             <p:extLst>
               <p:ext uri="{D42A27DB-BD31-4B8C-83A1-F6EECF244321}">
-                <p14:modId xmlns:p14="http://schemas.microsoft.com/office/powerpoint/2010/main" val="3475028657"/>
+                <p14:modId xmlns:p14="http://schemas.microsoft.com/office/powerpoint/2010/main" val="2316677823"/>
               </p:ext>
             </p:extLst>
           </p:nvPr>
@@ -27917,7 +32284,7 @@
             <p:ph idx="1"/>
             <p:extLst>
               <p:ext uri="{D42A27DB-BD31-4B8C-83A1-F6EECF244321}">
-                <p14:modId xmlns:p14="http://schemas.microsoft.com/office/powerpoint/2010/main" val="2992562521"/>
+                <p14:modId xmlns:p14="http://schemas.microsoft.com/office/powerpoint/2010/main" val="460735909"/>
               </p:ext>
             </p:extLst>
           </p:nvPr>
@@ -28006,7 +32373,7 @@
             <p:ph idx="1"/>
             <p:extLst>
               <p:ext uri="{D42A27DB-BD31-4B8C-83A1-F6EECF244321}">
-                <p14:modId xmlns:p14="http://schemas.microsoft.com/office/powerpoint/2010/main" val="1948573877"/>
+                <p14:modId xmlns:p14="http://schemas.microsoft.com/office/powerpoint/2010/main" val="4055744292"/>
               </p:ext>
             </p:extLst>
           </p:nvPr>

--- a/Planung/Praesentationen/Zwischenpräsentation Diplomarbeit - Kopie.pptx
+++ b/Planung/Praesentationen/Zwischenpräsentation Diplomarbeit - Kopie.pptx
@@ -7,7 +7,7 @@
     <p:sldMasterId id="2147483720" r:id="rId3"/>
   </p:sldMasterIdLst>
   <p:notesMasterIdLst>
-    <p:notesMasterId r:id="rId15"/>
+    <p:notesMasterId r:id="rId17"/>
   </p:notesMasterIdLst>
   <p:sldIdLst>
     <p:sldId id="257" r:id="rId4"/>
@@ -19,8 +19,10 @@
     <p:sldId id="263" r:id="rId10"/>
     <p:sldId id="264" r:id="rId11"/>
     <p:sldId id="265" r:id="rId12"/>
-    <p:sldId id="268" r:id="rId13"/>
-    <p:sldId id="267" r:id="rId14"/>
+    <p:sldId id="269" r:id="rId13"/>
+    <p:sldId id="268" r:id="rId14"/>
+    <p:sldId id="270" r:id="rId15"/>
+    <p:sldId id="267" r:id="rId16"/>
   </p:sldIdLst>
   <p:sldSz cx="12192000" cy="6858000"/>
   <p:notesSz cx="6858000" cy="9144000"/>
@@ -5381,6 +5383,753 @@
 </file>
 
 <file path=ppt/diagrams/colors8.xml><?xml version="1.0" encoding="utf-8"?>
+<dgm:colorsDef xmlns:dgm="http://schemas.openxmlformats.org/drawingml/2006/diagram" xmlns:a="http://schemas.openxmlformats.org/drawingml/2006/main" uniqueId="urn:microsoft.com/office/officeart/2005/8/colors/accent1_2">
+  <dgm:title val=""/>
+  <dgm:desc val=""/>
+  <dgm:catLst>
+    <dgm:cat type="accent1" pri="11200"/>
+  </dgm:catLst>
+  <dgm:styleLbl name="node0">
+    <dgm:fillClrLst meth="repeat">
+      <a:schemeClr val="accent1"/>
+    </dgm:fillClrLst>
+    <dgm:linClrLst meth="repeat">
+      <a:schemeClr val="lt1"/>
+    </dgm:linClrLst>
+    <dgm:effectClrLst/>
+    <dgm:txLinClrLst/>
+    <dgm:txFillClrLst/>
+    <dgm:txEffectClrLst/>
+  </dgm:styleLbl>
+  <dgm:styleLbl name="alignNode1">
+    <dgm:fillClrLst meth="repeat">
+      <a:schemeClr val="accent1"/>
+    </dgm:fillClrLst>
+    <dgm:linClrLst meth="repeat">
+      <a:schemeClr val="accent1"/>
+    </dgm:linClrLst>
+    <dgm:effectClrLst/>
+    <dgm:txLinClrLst/>
+    <dgm:txFillClrLst/>
+    <dgm:txEffectClrLst/>
+  </dgm:styleLbl>
+  <dgm:styleLbl name="node1">
+    <dgm:fillClrLst meth="repeat">
+      <a:schemeClr val="accent1"/>
+    </dgm:fillClrLst>
+    <dgm:linClrLst meth="repeat">
+      <a:schemeClr val="lt1"/>
+    </dgm:linClrLst>
+    <dgm:effectClrLst/>
+    <dgm:txLinClrLst/>
+    <dgm:txFillClrLst/>
+    <dgm:txEffectClrLst/>
+  </dgm:styleLbl>
+  <dgm:styleLbl name="lnNode1">
+    <dgm:fillClrLst meth="repeat">
+      <a:schemeClr val="accent1"/>
+    </dgm:fillClrLst>
+    <dgm:linClrLst meth="repeat">
+      <a:schemeClr val="lt1"/>
+    </dgm:linClrLst>
+    <dgm:effectClrLst/>
+    <dgm:txLinClrLst/>
+    <dgm:txFillClrLst/>
+    <dgm:txEffectClrLst/>
+  </dgm:styleLbl>
+  <dgm:styleLbl name="vennNode1">
+    <dgm:fillClrLst meth="repeat">
+      <a:schemeClr val="accent1">
+        <a:alpha val="50000"/>
+      </a:schemeClr>
+    </dgm:fillClrLst>
+    <dgm:linClrLst meth="repeat">
+      <a:schemeClr val="lt1"/>
+    </dgm:linClrLst>
+    <dgm:effectClrLst/>
+    <dgm:txLinClrLst/>
+    <dgm:txFillClrLst/>
+    <dgm:txEffectClrLst/>
+  </dgm:styleLbl>
+  <dgm:styleLbl name="node2">
+    <dgm:fillClrLst meth="repeat">
+      <a:schemeClr val="accent1"/>
+    </dgm:fillClrLst>
+    <dgm:linClrLst meth="repeat">
+      <a:schemeClr val="lt1"/>
+    </dgm:linClrLst>
+    <dgm:effectClrLst/>
+    <dgm:txLinClrLst/>
+    <dgm:txFillClrLst/>
+    <dgm:txEffectClrLst/>
+  </dgm:styleLbl>
+  <dgm:styleLbl name="node3">
+    <dgm:fillClrLst meth="repeat">
+      <a:schemeClr val="accent1"/>
+    </dgm:fillClrLst>
+    <dgm:linClrLst meth="repeat">
+      <a:schemeClr val="lt1"/>
+    </dgm:linClrLst>
+    <dgm:effectClrLst/>
+    <dgm:txLinClrLst/>
+    <dgm:txFillClrLst/>
+    <dgm:txEffectClrLst/>
+  </dgm:styleLbl>
+  <dgm:styleLbl name="node4">
+    <dgm:fillClrLst meth="repeat">
+      <a:schemeClr val="accent1"/>
+    </dgm:fillClrLst>
+    <dgm:linClrLst meth="repeat">
+      <a:schemeClr val="lt1"/>
+    </dgm:linClrLst>
+    <dgm:effectClrLst/>
+    <dgm:txLinClrLst/>
+    <dgm:txFillClrLst/>
+    <dgm:txEffectClrLst/>
+  </dgm:styleLbl>
+  <dgm:styleLbl name="fgImgPlace1">
+    <dgm:fillClrLst meth="repeat">
+      <a:schemeClr val="accent1">
+        <a:tint val="50000"/>
+      </a:schemeClr>
+    </dgm:fillClrLst>
+    <dgm:linClrLst meth="repeat">
+      <a:schemeClr val="lt1"/>
+    </dgm:linClrLst>
+    <dgm:effectClrLst/>
+    <dgm:txLinClrLst/>
+    <dgm:txFillClrLst meth="repeat">
+      <a:schemeClr val="lt1"/>
+    </dgm:txFillClrLst>
+    <dgm:txEffectClrLst/>
+  </dgm:styleLbl>
+  <dgm:styleLbl name="alignImgPlace1">
+    <dgm:fillClrLst meth="repeat">
+      <a:schemeClr val="accent1">
+        <a:tint val="50000"/>
+      </a:schemeClr>
+    </dgm:fillClrLst>
+    <dgm:linClrLst meth="repeat">
+      <a:schemeClr val="lt1"/>
+    </dgm:linClrLst>
+    <dgm:effectClrLst/>
+    <dgm:txLinClrLst/>
+    <dgm:txFillClrLst meth="repeat">
+      <a:schemeClr val="lt1"/>
+    </dgm:txFillClrLst>
+    <dgm:txEffectClrLst/>
+  </dgm:styleLbl>
+  <dgm:styleLbl name="bgImgPlace1">
+    <dgm:fillClrLst meth="repeat">
+      <a:schemeClr val="accent1">
+        <a:tint val="50000"/>
+      </a:schemeClr>
+    </dgm:fillClrLst>
+    <dgm:linClrLst meth="repeat">
+      <a:schemeClr val="lt1"/>
+    </dgm:linClrLst>
+    <dgm:effectClrLst/>
+    <dgm:txLinClrLst/>
+    <dgm:txFillClrLst meth="repeat">
+      <a:schemeClr val="lt1"/>
+    </dgm:txFillClrLst>
+    <dgm:txEffectClrLst/>
+  </dgm:styleLbl>
+  <dgm:styleLbl name="sibTrans2D1">
+    <dgm:fillClrLst meth="repeat">
+      <a:schemeClr val="accent1">
+        <a:tint val="60000"/>
+      </a:schemeClr>
+    </dgm:fillClrLst>
+    <dgm:linClrLst meth="repeat">
+      <a:schemeClr val="accent1">
+        <a:tint val="60000"/>
+      </a:schemeClr>
+    </dgm:linClrLst>
+    <dgm:effectClrLst/>
+    <dgm:txLinClrLst/>
+    <dgm:txFillClrLst/>
+    <dgm:txEffectClrLst/>
+  </dgm:styleLbl>
+  <dgm:styleLbl name="fgSibTrans2D1">
+    <dgm:fillClrLst meth="repeat">
+      <a:schemeClr val="accent1">
+        <a:tint val="60000"/>
+      </a:schemeClr>
+    </dgm:fillClrLst>
+    <dgm:linClrLst meth="repeat">
+      <a:schemeClr val="accent1">
+        <a:tint val="60000"/>
+      </a:schemeClr>
+    </dgm:linClrLst>
+    <dgm:effectClrLst/>
+    <dgm:txLinClrLst/>
+    <dgm:txFillClrLst/>
+    <dgm:txEffectClrLst/>
+  </dgm:styleLbl>
+  <dgm:styleLbl name="bgSibTrans2D1">
+    <dgm:fillClrLst meth="repeat">
+      <a:schemeClr val="accent1">
+        <a:tint val="60000"/>
+      </a:schemeClr>
+    </dgm:fillClrLst>
+    <dgm:linClrLst meth="repeat">
+      <a:schemeClr val="accent1">
+        <a:tint val="60000"/>
+      </a:schemeClr>
+    </dgm:linClrLst>
+    <dgm:effectClrLst/>
+    <dgm:txLinClrLst/>
+    <dgm:txFillClrLst/>
+    <dgm:txEffectClrLst/>
+  </dgm:styleLbl>
+  <dgm:styleLbl name="sibTrans1D1">
+    <dgm:fillClrLst meth="repeat">
+      <a:schemeClr val="accent1"/>
+    </dgm:fillClrLst>
+    <dgm:linClrLst meth="repeat">
+      <a:schemeClr val="accent1"/>
+    </dgm:linClrLst>
+    <dgm:effectClrLst/>
+    <dgm:txLinClrLst/>
+    <dgm:txFillClrLst meth="repeat">
+      <a:schemeClr val="tx1"/>
+    </dgm:txFillClrLst>
+    <dgm:txEffectClrLst/>
+  </dgm:styleLbl>
+  <dgm:styleLbl name="callout">
+    <dgm:fillClrLst meth="repeat">
+      <a:schemeClr val="accent1"/>
+    </dgm:fillClrLst>
+    <dgm:linClrLst meth="repeat">
+      <a:schemeClr val="accent1">
+        <a:tint val="50000"/>
+      </a:schemeClr>
+    </dgm:linClrLst>
+    <dgm:effectClrLst/>
+    <dgm:txLinClrLst/>
+    <dgm:txFillClrLst meth="repeat">
+      <a:schemeClr val="tx1"/>
+    </dgm:txFillClrLst>
+    <dgm:txEffectClrLst/>
+  </dgm:styleLbl>
+  <dgm:styleLbl name="asst0">
+    <dgm:fillClrLst meth="repeat">
+      <a:schemeClr val="accent1"/>
+    </dgm:fillClrLst>
+    <dgm:linClrLst meth="repeat">
+      <a:schemeClr val="lt1"/>
+    </dgm:linClrLst>
+    <dgm:effectClrLst/>
+    <dgm:txLinClrLst/>
+    <dgm:txFillClrLst/>
+    <dgm:txEffectClrLst/>
+  </dgm:styleLbl>
+  <dgm:styleLbl name="asst1">
+    <dgm:fillClrLst meth="repeat">
+      <a:schemeClr val="accent1"/>
+    </dgm:fillClrLst>
+    <dgm:linClrLst meth="repeat">
+      <a:schemeClr val="lt1"/>
+    </dgm:linClrLst>
+    <dgm:effectClrLst/>
+    <dgm:txLinClrLst/>
+    <dgm:txFillClrLst/>
+    <dgm:txEffectClrLst/>
+  </dgm:styleLbl>
+  <dgm:styleLbl name="asst2">
+    <dgm:fillClrLst meth="repeat">
+      <a:schemeClr val="accent1"/>
+    </dgm:fillClrLst>
+    <dgm:linClrLst meth="repeat">
+      <a:schemeClr val="lt1"/>
+    </dgm:linClrLst>
+    <dgm:effectClrLst/>
+    <dgm:txLinClrLst/>
+    <dgm:txFillClrLst/>
+    <dgm:txEffectClrLst/>
+  </dgm:styleLbl>
+  <dgm:styleLbl name="asst3">
+    <dgm:fillClrLst meth="repeat">
+      <a:schemeClr val="accent1"/>
+    </dgm:fillClrLst>
+    <dgm:linClrLst meth="repeat">
+      <a:schemeClr val="lt1"/>
+    </dgm:linClrLst>
+    <dgm:effectClrLst/>
+    <dgm:txLinClrLst/>
+    <dgm:txFillClrLst/>
+    <dgm:txEffectClrLst/>
+  </dgm:styleLbl>
+  <dgm:styleLbl name="asst4">
+    <dgm:fillClrLst meth="repeat">
+      <a:schemeClr val="accent1"/>
+    </dgm:fillClrLst>
+    <dgm:linClrLst meth="repeat">
+      <a:schemeClr val="lt1"/>
+    </dgm:linClrLst>
+    <dgm:effectClrLst/>
+    <dgm:txLinClrLst/>
+    <dgm:txFillClrLst/>
+    <dgm:txEffectClrLst/>
+  </dgm:styleLbl>
+  <dgm:styleLbl name="parChTrans2D1">
+    <dgm:fillClrLst meth="repeat">
+      <a:schemeClr val="accent1">
+        <a:tint val="60000"/>
+      </a:schemeClr>
+    </dgm:fillClrLst>
+    <dgm:linClrLst meth="repeat">
+      <a:schemeClr val="accent1">
+        <a:tint val="60000"/>
+      </a:schemeClr>
+    </dgm:linClrLst>
+    <dgm:effectClrLst/>
+    <dgm:txLinClrLst/>
+    <dgm:txFillClrLst meth="repeat">
+      <a:schemeClr val="lt1"/>
+    </dgm:txFillClrLst>
+    <dgm:txEffectClrLst/>
+  </dgm:styleLbl>
+  <dgm:styleLbl name="parChTrans2D2">
+    <dgm:fillClrLst meth="repeat">
+      <a:schemeClr val="accent1"/>
+    </dgm:fillClrLst>
+    <dgm:linClrLst meth="repeat">
+      <a:schemeClr val="accent1"/>
+    </dgm:linClrLst>
+    <dgm:effectClrLst/>
+    <dgm:txLinClrLst/>
+    <dgm:txFillClrLst meth="repeat">
+      <a:schemeClr val="lt1"/>
+    </dgm:txFillClrLst>
+    <dgm:txEffectClrLst/>
+  </dgm:styleLbl>
+  <dgm:styleLbl name="parChTrans2D3">
+    <dgm:fillClrLst meth="repeat">
+      <a:schemeClr val="accent1"/>
+    </dgm:fillClrLst>
+    <dgm:linClrLst meth="repeat">
+      <a:schemeClr val="accent1"/>
+    </dgm:linClrLst>
+    <dgm:effectClrLst/>
+    <dgm:txLinClrLst/>
+    <dgm:txFillClrLst meth="repeat">
+      <a:schemeClr val="lt1"/>
+    </dgm:txFillClrLst>
+    <dgm:txEffectClrLst/>
+  </dgm:styleLbl>
+  <dgm:styleLbl name="parChTrans2D4">
+    <dgm:fillClrLst meth="repeat">
+      <a:schemeClr val="accent1"/>
+    </dgm:fillClrLst>
+    <dgm:linClrLst meth="repeat">
+      <a:schemeClr val="accent1"/>
+    </dgm:linClrLst>
+    <dgm:effectClrLst/>
+    <dgm:txLinClrLst/>
+    <dgm:txFillClrLst meth="repeat">
+      <a:schemeClr val="lt1"/>
+    </dgm:txFillClrLst>
+    <dgm:txEffectClrLst/>
+  </dgm:styleLbl>
+  <dgm:styleLbl name="parChTrans1D1">
+    <dgm:fillClrLst meth="repeat">
+      <a:schemeClr val="accent1"/>
+    </dgm:fillClrLst>
+    <dgm:linClrLst meth="repeat">
+      <a:schemeClr val="accent1">
+        <a:shade val="60000"/>
+      </a:schemeClr>
+    </dgm:linClrLst>
+    <dgm:effectClrLst/>
+    <dgm:txLinClrLst/>
+    <dgm:txFillClrLst meth="repeat">
+      <a:schemeClr val="tx1"/>
+    </dgm:txFillClrLst>
+    <dgm:txEffectClrLst/>
+  </dgm:styleLbl>
+  <dgm:styleLbl name="parChTrans1D2">
+    <dgm:fillClrLst meth="repeat">
+      <a:schemeClr val="accent1"/>
+    </dgm:fillClrLst>
+    <dgm:linClrLst meth="repeat">
+      <a:schemeClr val="accent1">
+        <a:shade val="60000"/>
+      </a:schemeClr>
+    </dgm:linClrLst>
+    <dgm:effectClrLst/>
+    <dgm:txLinClrLst/>
+    <dgm:txFillClrLst meth="repeat">
+      <a:schemeClr val="tx1"/>
+    </dgm:txFillClrLst>
+    <dgm:txEffectClrLst/>
+  </dgm:styleLbl>
+  <dgm:styleLbl name="parChTrans1D3">
+    <dgm:fillClrLst meth="repeat">
+      <a:schemeClr val="accent1"/>
+    </dgm:fillClrLst>
+    <dgm:linClrLst meth="repeat">
+      <a:schemeClr val="accent1">
+        <a:shade val="80000"/>
+      </a:schemeClr>
+    </dgm:linClrLst>
+    <dgm:effectClrLst/>
+    <dgm:txLinClrLst/>
+    <dgm:txFillClrLst meth="repeat">
+      <a:schemeClr val="tx1"/>
+    </dgm:txFillClrLst>
+    <dgm:txEffectClrLst/>
+  </dgm:styleLbl>
+  <dgm:styleLbl name="parChTrans1D4">
+    <dgm:fillClrLst meth="repeat">
+      <a:schemeClr val="accent1"/>
+    </dgm:fillClrLst>
+    <dgm:linClrLst meth="repeat">
+      <a:schemeClr val="accent1">
+        <a:shade val="80000"/>
+      </a:schemeClr>
+    </dgm:linClrLst>
+    <dgm:effectClrLst/>
+    <dgm:txLinClrLst/>
+    <dgm:txFillClrLst meth="repeat">
+      <a:schemeClr val="tx1"/>
+    </dgm:txFillClrLst>
+    <dgm:txEffectClrLst/>
+  </dgm:styleLbl>
+  <dgm:styleLbl name="fgAcc1">
+    <dgm:fillClrLst meth="repeat">
+      <a:schemeClr val="lt1">
+        <a:alpha val="90000"/>
+      </a:schemeClr>
+    </dgm:fillClrLst>
+    <dgm:linClrLst meth="repeat">
+      <a:schemeClr val="accent1"/>
+    </dgm:linClrLst>
+    <dgm:effectClrLst/>
+    <dgm:txLinClrLst/>
+    <dgm:txFillClrLst meth="repeat">
+      <a:schemeClr val="dk1"/>
+    </dgm:txFillClrLst>
+    <dgm:txEffectClrLst/>
+  </dgm:styleLbl>
+  <dgm:styleLbl name="conFgAcc1">
+    <dgm:fillClrLst meth="repeat">
+      <a:schemeClr val="lt1">
+        <a:alpha val="90000"/>
+      </a:schemeClr>
+    </dgm:fillClrLst>
+    <dgm:linClrLst meth="repeat">
+      <a:schemeClr val="accent1"/>
+    </dgm:linClrLst>
+    <dgm:effectClrLst/>
+    <dgm:txLinClrLst/>
+    <dgm:txFillClrLst meth="repeat">
+      <a:schemeClr val="dk1"/>
+    </dgm:txFillClrLst>
+    <dgm:txEffectClrLst/>
+  </dgm:styleLbl>
+  <dgm:styleLbl name="alignAcc1">
+    <dgm:fillClrLst meth="repeat">
+      <a:schemeClr val="lt1">
+        <a:alpha val="90000"/>
+      </a:schemeClr>
+    </dgm:fillClrLst>
+    <dgm:linClrLst meth="repeat">
+      <a:schemeClr val="accent1"/>
+    </dgm:linClrLst>
+    <dgm:effectClrLst/>
+    <dgm:txLinClrLst/>
+    <dgm:txFillClrLst meth="repeat">
+      <a:schemeClr val="dk1"/>
+    </dgm:txFillClrLst>
+    <dgm:txEffectClrLst/>
+  </dgm:styleLbl>
+  <dgm:styleLbl name="trAlignAcc1">
+    <dgm:fillClrLst meth="repeat">
+      <a:schemeClr val="lt1">
+        <a:alpha val="40000"/>
+      </a:schemeClr>
+    </dgm:fillClrLst>
+    <dgm:linClrLst meth="repeat">
+      <a:schemeClr val="accent1"/>
+    </dgm:linClrLst>
+    <dgm:effectClrLst/>
+    <dgm:txLinClrLst/>
+    <dgm:txFillClrLst meth="repeat">
+      <a:schemeClr val="dk1"/>
+    </dgm:txFillClrLst>
+    <dgm:txEffectClrLst/>
+  </dgm:styleLbl>
+  <dgm:styleLbl name="bgAcc1">
+    <dgm:fillClrLst meth="repeat">
+      <a:schemeClr val="lt1">
+        <a:alpha val="90000"/>
+      </a:schemeClr>
+    </dgm:fillClrLst>
+    <dgm:linClrLst meth="repeat">
+      <a:schemeClr val="accent1"/>
+    </dgm:linClrLst>
+    <dgm:effectClrLst/>
+    <dgm:txLinClrLst/>
+    <dgm:txFillClrLst meth="repeat">
+      <a:schemeClr val="dk1"/>
+    </dgm:txFillClrLst>
+    <dgm:txEffectClrLst/>
+  </dgm:styleLbl>
+  <dgm:styleLbl name="solidFgAcc1">
+    <dgm:fillClrLst meth="repeat">
+      <a:schemeClr val="lt1"/>
+    </dgm:fillClrLst>
+    <dgm:linClrLst meth="repeat">
+      <a:schemeClr val="accent1"/>
+    </dgm:linClrLst>
+    <dgm:effectClrLst/>
+    <dgm:txLinClrLst/>
+    <dgm:txFillClrLst meth="repeat">
+      <a:schemeClr val="dk1"/>
+    </dgm:txFillClrLst>
+    <dgm:txEffectClrLst/>
+  </dgm:styleLbl>
+  <dgm:styleLbl name="solidAlignAcc1">
+    <dgm:fillClrLst meth="repeat">
+      <a:schemeClr val="lt1"/>
+    </dgm:fillClrLst>
+    <dgm:linClrLst meth="repeat">
+      <a:schemeClr val="accent1"/>
+    </dgm:linClrLst>
+    <dgm:effectClrLst/>
+    <dgm:txLinClrLst/>
+    <dgm:txFillClrLst meth="repeat">
+      <a:schemeClr val="dk1"/>
+    </dgm:txFillClrLst>
+    <dgm:txEffectClrLst/>
+  </dgm:styleLbl>
+  <dgm:styleLbl name="solidBgAcc1">
+    <dgm:fillClrLst meth="repeat">
+      <a:schemeClr val="lt1"/>
+    </dgm:fillClrLst>
+    <dgm:linClrLst meth="repeat">
+      <a:schemeClr val="accent1"/>
+    </dgm:linClrLst>
+    <dgm:effectClrLst/>
+    <dgm:txLinClrLst/>
+    <dgm:txFillClrLst meth="repeat">
+      <a:schemeClr val="dk1"/>
+    </dgm:txFillClrLst>
+    <dgm:txEffectClrLst/>
+  </dgm:styleLbl>
+  <dgm:styleLbl name="fgAccFollowNode1">
+    <dgm:fillClrLst meth="repeat">
+      <a:schemeClr val="accent1">
+        <a:alpha val="90000"/>
+        <a:tint val="40000"/>
+      </a:schemeClr>
+    </dgm:fillClrLst>
+    <dgm:linClrLst meth="repeat">
+      <a:schemeClr val="accent1">
+        <a:alpha val="90000"/>
+        <a:tint val="40000"/>
+      </a:schemeClr>
+    </dgm:linClrLst>
+    <dgm:effectClrLst/>
+    <dgm:txLinClrLst/>
+    <dgm:txFillClrLst meth="repeat">
+      <a:schemeClr val="dk1"/>
+    </dgm:txFillClrLst>
+    <dgm:txEffectClrLst/>
+  </dgm:styleLbl>
+  <dgm:styleLbl name="alignAccFollowNode1">
+    <dgm:fillClrLst meth="repeat">
+      <a:schemeClr val="accent1">
+        <a:alpha val="90000"/>
+        <a:tint val="40000"/>
+      </a:schemeClr>
+    </dgm:fillClrLst>
+    <dgm:linClrLst meth="repeat">
+      <a:schemeClr val="accent1">
+        <a:alpha val="90000"/>
+        <a:tint val="40000"/>
+      </a:schemeClr>
+    </dgm:linClrLst>
+    <dgm:effectClrLst/>
+    <dgm:txLinClrLst/>
+    <dgm:txFillClrLst meth="repeat">
+      <a:schemeClr val="dk1"/>
+    </dgm:txFillClrLst>
+    <dgm:txEffectClrLst/>
+  </dgm:styleLbl>
+  <dgm:styleLbl name="bgAccFollowNode1">
+    <dgm:fillClrLst meth="repeat">
+      <a:schemeClr val="accent1">
+        <a:alpha val="90000"/>
+        <a:tint val="40000"/>
+      </a:schemeClr>
+    </dgm:fillClrLst>
+    <dgm:linClrLst meth="repeat">
+      <a:schemeClr val="accent1">
+        <a:alpha val="90000"/>
+        <a:tint val="40000"/>
+      </a:schemeClr>
+    </dgm:linClrLst>
+    <dgm:effectClrLst/>
+    <dgm:txLinClrLst/>
+    <dgm:txFillClrLst meth="repeat">
+      <a:schemeClr val="dk1"/>
+    </dgm:txFillClrLst>
+    <dgm:txEffectClrLst/>
+  </dgm:styleLbl>
+  <dgm:styleLbl name="fgAcc0">
+    <dgm:fillClrLst meth="repeat">
+      <a:schemeClr val="lt1">
+        <a:alpha val="90000"/>
+      </a:schemeClr>
+    </dgm:fillClrLst>
+    <dgm:linClrLst meth="repeat">
+      <a:schemeClr val="accent1"/>
+    </dgm:linClrLst>
+    <dgm:effectClrLst/>
+    <dgm:txLinClrLst/>
+    <dgm:txFillClrLst meth="repeat">
+      <a:schemeClr val="dk1"/>
+    </dgm:txFillClrLst>
+    <dgm:txEffectClrLst/>
+  </dgm:styleLbl>
+  <dgm:styleLbl name="fgAcc2">
+    <dgm:fillClrLst meth="repeat">
+      <a:schemeClr val="lt1">
+        <a:alpha val="90000"/>
+      </a:schemeClr>
+    </dgm:fillClrLst>
+    <dgm:linClrLst meth="repeat">
+      <a:schemeClr val="accent1"/>
+    </dgm:linClrLst>
+    <dgm:effectClrLst/>
+    <dgm:txLinClrLst/>
+    <dgm:txFillClrLst meth="repeat">
+      <a:schemeClr val="dk1"/>
+    </dgm:txFillClrLst>
+    <dgm:txEffectClrLst/>
+  </dgm:styleLbl>
+  <dgm:styleLbl name="fgAcc3">
+    <dgm:fillClrLst meth="repeat">
+      <a:schemeClr val="lt1">
+        <a:alpha val="90000"/>
+      </a:schemeClr>
+    </dgm:fillClrLst>
+    <dgm:linClrLst meth="repeat">
+      <a:schemeClr val="accent1"/>
+    </dgm:linClrLst>
+    <dgm:effectClrLst/>
+    <dgm:txLinClrLst/>
+    <dgm:txFillClrLst meth="repeat">
+      <a:schemeClr val="dk1"/>
+    </dgm:txFillClrLst>
+    <dgm:txEffectClrLst/>
+  </dgm:styleLbl>
+  <dgm:styleLbl name="fgAcc4">
+    <dgm:fillClrLst meth="repeat">
+      <a:schemeClr val="lt1">
+        <a:alpha val="90000"/>
+      </a:schemeClr>
+    </dgm:fillClrLst>
+    <dgm:linClrLst meth="repeat">
+      <a:schemeClr val="accent1"/>
+    </dgm:linClrLst>
+    <dgm:effectClrLst/>
+    <dgm:txLinClrLst/>
+    <dgm:txFillClrLst meth="repeat">
+      <a:schemeClr val="dk1"/>
+    </dgm:txFillClrLst>
+    <dgm:txEffectClrLst/>
+  </dgm:styleLbl>
+  <dgm:styleLbl name="bgShp">
+    <dgm:fillClrLst meth="repeat">
+      <a:schemeClr val="accent1">
+        <a:tint val="40000"/>
+      </a:schemeClr>
+    </dgm:fillClrLst>
+    <dgm:linClrLst meth="repeat">
+      <a:schemeClr val="accent1"/>
+    </dgm:linClrLst>
+    <dgm:effectClrLst/>
+    <dgm:txLinClrLst/>
+    <dgm:txFillClrLst meth="repeat">
+      <a:schemeClr val="dk1"/>
+    </dgm:txFillClrLst>
+    <dgm:txEffectClrLst/>
+  </dgm:styleLbl>
+  <dgm:styleLbl name="dkBgShp">
+    <dgm:fillClrLst meth="repeat">
+      <a:schemeClr val="accent1">
+        <a:shade val="80000"/>
+      </a:schemeClr>
+    </dgm:fillClrLst>
+    <dgm:linClrLst meth="repeat">
+      <a:schemeClr val="accent1"/>
+    </dgm:linClrLst>
+    <dgm:effectClrLst/>
+    <dgm:txLinClrLst/>
+    <dgm:txFillClrLst meth="repeat">
+      <a:schemeClr val="lt1"/>
+    </dgm:txFillClrLst>
+    <dgm:txEffectClrLst/>
+  </dgm:styleLbl>
+  <dgm:styleLbl name="trBgShp">
+    <dgm:fillClrLst meth="repeat">
+      <a:schemeClr val="accent1">
+        <a:tint val="50000"/>
+        <a:alpha val="40000"/>
+      </a:schemeClr>
+    </dgm:fillClrLst>
+    <dgm:linClrLst meth="repeat">
+      <a:schemeClr val="accent1"/>
+    </dgm:linClrLst>
+    <dgm:effectClrLst/>
+    <dgm:txLinClrLst/>
+    <dgm:txFillClrLst meth="repeat">
+      <a:schemeClr val="lt1"/>
+    </dgm:txFillClrLst>
+    <dgm:txEffectClrLst/>
+  </dgm:styleLbl>
+  <dgm:styleLbl name="fgShp">
+    <dgm:fillClrLst meth="repeat">
+      <a:schemeClr val="accent1">
+        <a:tint val="60000"/>
+      </a:schemeClr>
+    </dgm:fillClrLst>
+    <dgm:linClrLst meth="repeat">
+      <a:schemeClr val="lt1"/>
+    </dgm:linClrLst>
+    <dgm:effectClrLst/>
+    <dgm:txLinClrLst/>
+    <dgm:txFillClrLst meth="repeat">
+      <a:schemeClr val="dk1"/>
+    </dgm:txFillClrLst>
+    <dgm:txEffectClrLst/>
+  </dgm:styleLbl>
+  <dgm:styleLbl name="revTx">
+    <dgm:fillClrLst meth="repeat">
+      <a:schemeClr val="lt1">
+        <a:alpha val="0"/>
+      </a:schemeClr>
+    </dgm:fillClrLst>
+    <dgm:linClrLst meth="repeat">
+      <a:schemeClr val="dk1">
+        <a:alpha val="0"/>
+      </a:schemeClr>
+    </dgm:linClrLst>
+    <dgm:effectClrLst/>
+    <dgm:txLinClrLst/>
+    <dgm:txFillClrLst meth="repeat">
+      <a:schemeClr val="tx1"/>
+    </dgm:txFillClrLst>
+    <dgm:txEffectClrLst/>
+  </dgm:styleLbl>
+</dgm:colorsDef>
+</file>
+
+<file path=ppt/diagrams/colors9.xml><?xml version="1.0" encoding="utf-8"?>
 <dgm:colorsDef xmlns:dgm="http://schemas.openxmlformats.org/drawingml/2006/diagram" xmlns:a="http://schemas.openxmlformats.org/drawingml/2006/main" uniqueId="urn:microsoft.com/office/officeart/2005/8/colors/accent1_2">
   <dgm:title val=""/>
   <dgm:desc val=""/>
@@ -7076,7 +7825,7 @@
         <a:p>
           <a:r>
             <a:rPr lang="de-AT" dirty="0"/>
-            <a:t>Warnungen bei hohen Verbräuchen anzeigen</a:t>
+            <a:t>Warnungen bei abweichenden Verbräuchen anzeigen</a:t>
           </a:r>
         </a:p>
       </dgm:t>
@@ -8115,6 +8864,200 @@
   <dgm:extLst>
     <a:ext uri="http://schemas.microsoft.com/office/drawing/2008/diagram">
       <dsp:dataModelExt xmlns:dsp="http://schemas.microsoft.com/office/drawing/2008/diagram" relId="rId7" minVer="http://schemas.openxmlformats.org/drawingml/2006/diagram"/>
+    </a:ext>
+  </dgm:extLst>
+</dgm:dataModel>
+</file>
+
+<file path=ppt/diagrams/data9.xml><?xml version="1.0" encoding="utf-8"?>
+<dgm:dataModel xmlns:dgm="http://schemas.openxmlformats.org/drawingml/2006/diagram" xmlns:a="http://schemas.openxmlformats.org/drawingml/2006/main">
+  <dgm:ptLst>
+    <dgm:pt modelId="{77C88005-57ED-46BB-851F-E7B70AF0F948}" type="doc">
+      <dgm:prSet loTypeId="urn:microsoft.com/office/officeart/2005/8/layout/vList3" loCatId="list" qsTypeId="urn:microsoft.com/office/officeart/2005/8/quickstyle/simple1" qsCatId="simple" csTypeId="urn:microsoft.com/office/officeart/2005/8/colors/accent1_2" csCatId="accent1" phldr="1"/>
+      <dgm:spPr/>
+    </dgm:pt>
+    <dgm:pt modelId="{51086372-B383-46DB-A073-F6973D56964D}">
+      <dgm:prSet phldrT="[Text]"/>
+      <dgm:spPr>
+        <a:solidFill>
+          <a:schemeClr val="bg1">
+            <a:lumMod val="85000"/>
+          </a:schemeClr>
+        </a:solidFill>
+      </dgm:spPr>
+      <dgm:t>
+        <a:bodyPr/>
+        <a:lstStyle/>
+        <a:p>
+          <a:r>
+            <a:rPr lang="de-AT" dirty="0"/>
+            <a:t>Vorbereitung der Website für JSF</a:t>
+          </a:r>
+        </a:p>
+      </dgm:t>
+    </dgm:pt>
+    <dgm:pt modelId="{469B227E-ECA4-4A5C-9D04-71BDB803EBAE}" type="parTrans" cxnId="{BCCC895C-8E8B-4A65-9C96-5A0E0EC7DB2A}">
+      <dgm:prSet/>
+      <dgm:spPr/>
+      <dgm:t>
+        <a:bodyPr/>
+        <a:lstStyle/>
+        <a:p>
+          <a:endParaRPr lang="de-AT"/>
+        </a:p>
+      </dgm:t>
+    </dgm:pt>
+    <dgm:pt modelId="{7CE8BEBC-6F32-4AC5-84B5-CEB9F38F7572}" type="sibTrans" cxnId="{BCCC895C-8E8B-4A65-9C96-5A0E0EC7DB2A}">
+      <dgm:prSet/>
+      <dgm:spPr/>
+      <dgm:t>
+        <a:bodyPr/>
+        <a:lstStyle/>
+        <a:p>
+          <a:endParaRPr lang="de-AT"/>
+        </a:p>
+      </dgm:t>
+    </dgm:pt>
+    <dgm:pt modelId="{CF307BCB-CDEA-4917-ACFE-3C9F6AC72DF3}">
+      <dgm:prSet phldrT="[Text]"/>
+      <dgm:spPr>
+        <a:solidFill>
+          <a:schemeClr val="bg1">
+            <a:lumMod val="85000"/>
+          </a:schemeClr>
+        </a:solidFill>
+      </dgm:spPr>
+      <dgm:t>
+        <a:bodyPr/>
+        <a:lstStyle/>
+        <a:p>
+          <a:r>
+            <a:rPr lang="de-AT" dirty="0"/>
+            <a:t>Statistiken in der </a:t>
+          </a:r>
+          <a:r>
+            <a:rPr lang="de-AT" dirty="0" err="1"/>
+            <a:t>Androidapp</a:t>
+          </a:r>
+          <a:endParaRPr lang="de-AT" dirty="0"/>
+        </a:p>
+      </dgm:t>
+    </dgm:pt>
+    <dgm:pt modelId="{E2A3BD37-9B14-464A-9841-7F1A6C24199C}" type="parTrans" cxnId="{7752EBD3-CB98-4C7A-940F-D0D9A508F09C}">
+      <dgm:prSet/>
+      <dgm:spPr/>
+      <dgm:t>
+        <a:bodyPr/>
+        <a:lstStyle/>
+        <a:p>
+          <a:endParaRPr lang="de-AT"/>
+        </a:p>
+      </dgm:t>
+    </dgm:pt>
+    <dgm:pt modelId="{105870FA-3B57-4AE3-9DA4-47CFA007A7C4}" type="sibTrans" cxnId="{7752EBD3-CB98-4C7A-940F-D0D9A508F09C}">
+      <dgm:prSet/>
+      <dgm:spPr/>
+      <dgm:t>
+        <a:bodyPr/>
+        <a:lstStyle/>
+        <a:p>
+          <a:endParaRPr lang="de-AT"/>
+        </a:p>
+      </dgm:t>
+    </dgm:pt>
+    <dgm:pt modelId="{3B490453-3AB5-43BF-A220-8763E9334A62}" type="pres">
+      <dgm:prSet presAssocID="{77C88005-57ED-46BB-851F-E7B70AF0F948}" presName="linearFlow" presStyleCnt="0">
+        <dgm:presLayoutVars>
+          <dgm:dir/>
+          <dgm:resizeHandles val="exact"/>
+        </dgm:presLayoutVars>
+      </dgm:prSet>
+      <dgm:spPr/>
+    </dgm:pt>
+    <dgm:pt modelId="{4580621B-3F4C-445D-9A95-9704713C91A6}" type="pres">
+      <dgm:prSet presAssocID="{51086372-B383-46DB-A073-F6973D56964D}" presName="composite" presStyleCnt="0"/>
+      <dgm:spPr/>
+    </dgm:pt>
+    <dgm:pt modelId="{516FFA7E-9013-47BF-9536-86832F6406F2}" type="pres">
+      <dgm:prSet presAssocID="{51086372-B383-46DB-A073-F6973D56964D}" presName="imgShp" presStyleLbl="fgImgPlace1" presStyleIdx="0" presStyleCnt="2"/>
+      <dgm:spPr>
+        <a:blipFill>
+          <a:blip xmlns:r="http://schemas.openxmlformats.org/officeDocument/2006/relationships" r:embed="rId1">
+            <a:extLst>
+              <a:ext uri="{28A0092B-C50C-407E-A947-70E740481C1C}">
+                <a14:useLocalDpi xmlns:a14="http://schemas.microsoft.com/office/drawing/2010/main" val="0"/>
+              </a:ext>
+            </a:extLst>
+          </a:blip>
+          <a:srcRect/>
+          <a:stretch>
+            <a:fillRect/>
+          </a:stretch>
+        </a:blipFill>
+      </dgm:spPr>
+    </dgm:pt>
+    <dgm:pt modelId="{BA086358-07F9-4ACC-8501-46331B190259}" type="pres">
+      <dgm:prSet presAssocID="{51086372-B383-46DB-A073-F6973D56964D}" presName="txShp" presStyleLbl="node1" presStyleIdx="0" presStyleCnt="2">
+        <dgm:presLayoutVars>
+          <dgm:bulletEnabled val="1"/>
+        </dgm:presLayoutVars>
+      </dgm:prSet>
+      <dgm:spPr/>
+    </dgm:pt>
+    <dgm:pt modelId="{9642F644-8920-4926-AE25-86FB475BD3B8}" type="pres">
+      <dgm:prSet presAssocID="{7CE8BEBC-6F32-4AC5-84B5-CEB9F38F7572}" presName="spacing" presStyleCnt="0"/>
+      <dgm:spPr/>
+    </dgm:pt>
+    <dgm:pt modelId="{D4A81612-3745-49FC-BEAA-EE8E7FF6A613}" type="pres">
+      <dgm:prSet presAssocID="{CF307BCB-CDEA-4917-ACFE-3C9F6AC72DF3}" presName="composite" presStyleCnt="0"/>
+      <dgm:spPr/>
+    </dgm:pt>
+    <dgm:pt modelId="{CA9020D1-CCF3-4CD3-B6BB-D13BBBF1F2CF}" type="pres">
+      <dgm:prSet presAssocID="{CF307BCB-CDEA-4917-ACFE-3C9F6AC72DF3}" presName="imgShp" presStyleLbl="fgImgPlace1" presStyleIdx="1" presStyleCnt="2"/>
+      <dgm:spPr>
+        <a:blipFill>
+          <a:blip xmlns:r="http://schemas.openxmlformats.org/officeDocument/2006/relationships" r:embed="rId2">
+            <a:extLst>
+              <a:ext uri="{28A0092B-C50C-407E-A947-70E740481C1C}">
+                <a14:useLocalDpi xmlns:a14="http://schemas.microsoft.com/office/drawing/2010/main" val="0"/>
+              </a:ext>
+            </a:extLst>
+          </a:blip>
+          <a:srcRect/>
+          <a:stretch>
+            <a:fillRect/>
+          </a:stretch>
+        </a:blipFill>
+      </dgm:spPr>
+    </dgm:pt>
+    <dgm:pt modelId="{AE78A5D3-30DA-4952-86D7-1F67A9C1E761}" type="pres">
+      <dgm:prSet presAssocID="{CF307BCB-CDEA-4917-ACFE-3C9F6AC72DF3}" presName="txShp" presStyleLbl="node1" presStyleIdx="1" presStyleCnt="2">
+        <dgm:presLayoutVars>
+          <dgm:bulletEnabled val="1"/>
+        </dgm:presLayoutVars>
+      </dgm:prSet>
+      <dgm:spPr/>
+    </dgm:pt>
+  </dgm:ptLst>
+  <dgm:cxnLst>
+    <dgm:cxn modelId="{BCCC895C-8E8B-4A65-9C96-5A0E0EC7DB2A}" srcId="{77C88005-57ED-46BB-851F-E7B70AF0F948}" destId="{51086372-B383-46DB-A073-F6973D56964D}" srcOrd="0" destOrd="0" parTransId="{469B227E-ECA4-4A5C-9D04-71BDB803EBAE}" sibTransId="{7CE8BEBC-6F32-4AC5-84B5-CEB9F38F7572}"/>
+    <dgm:cxn modelId="{70884589-8D76-428D-A4E2-87FB1E46E741}" type="presOf" srcId="{77C88005-57ED-46BB-851F-E7B70AF0F948}" destId="{3B490453-3AB5-43BF-A220-8763E9334A62}" srcOrd="0" destOrd="0" presId="urn:microsoft.com/office/officeart/2005/8/layout/vList3"/>
+    <dgm:cxn modelId="{A63C5799-25F7-4F2C-B426-210D0EC623A6}" type="presOf" srcId="{51086372-B383-46DB-A073-F6973D56964D}" destId="{BA086358-07F9-4ACC-8501-46331B190259}" srcOrd="0" destOrd="0" presId="urn:microsoft.com/office/officeart/2005/8/layout/vList3"/>
+    <dgm:cxn modelId="{8B195A99-E9FF-400D-B01D-5AB3AA16FACB}" type="presOf" srcId="{CF307BCB-CDEA-4917-ACFE-3C9F6AC72DF3}" destId="{AE78A5D3-30DA-4952-86D7-1F67A9C1E761}" srcOrd="0" destOrd="0" presId="urn:microsoft.com/office/officeart/2005/8/layout/vList3"/>
+    <dgm:cxn modelId="{7752EBD3-CB98-4C7A-940F-D0D9A508F09C}" srcId="{77C88005-57ED-46BB-851F-E7B70AF0F948}" destId="{CF307BCB-CDEA-4917-ACFE-3C9F6AC72DF3}" srcOrd="1" destOrd="0" parTransId="{E2A3BD37-9B14-464A-9841-7F1A6C24199C}" sibTransId="{105870FA-3B57-4AE3-9DA4-47CFA007A7C4}"/>
+    <dgm:cxn modelId="{C8C11C63-0A5F-48A1-A9DF-608D3D26217E}" type="presParOf" srcId="{3B490453-3AB5-43BF-A220-8763E9334A62}" destId="{4580621B-3F4C-445D-9A95-9704713C91A6}" srcOrd="0" destOrd="0" presId="urn:microsoft.com/office/officeart/2005/8/layout/vList3"/>
+    <dgm:cxn modelId="{480517DE-B269-44C2-95E3-8714D7F28CCA}" type="presParOf" srcId="{4580621B-3F4C-445D-9A95-9704713C91A6}" destId="{516FFA7E-9013-47BF-9536-86832F6406F2}" srcOrd="0" destOrd="0" presId="urn:microsoft.com/office/officeart/2005/8/layout/vList3"/>
+    <dgm:cxn modelId="{4543D255-0359-49D2-9D4D-943FDE1E7396}" type="presParOf" srcId="{4580621B-3F4C-445D-9A95-9704713C91A6}" destId="{BA086358-07F9-4ACC-8501-46331B190259}" srcOrd="1" destOrd="0" presId="urn:microsoft.com/office/officeart/2005/8/layout/vList3"/>
+    <dgm:cxn modelId="{680391DE-1E2B-473B-B4C7-004D8EE86839}" type="presParOf" srcId="{3B490453-3AB5-43BF-A220-8763E9334A62}" destId="{9642F644-8920-4926-AE25-86FB475BD3B8}" srcOrd="1" destOrd="0" presId="urn:microsoft.com/office/officeart/2005/8/layout/vList3"/>
+    <dgm:cxn modelId="{49A5874F-C5F6-4BCC-8209-4B4928EA2FC4}" type="presParOf" srcId="{3B490453-3AB5-43BF-A220-8763E9334A62}" destId="{D4A81612-3745-49FC-BEAA-EE8E7FF6A613}" srcOrd="2" destOrd="0" presId="urn:microsoft.com/office/officeart/2005/8/layout/vList3"/>
+    <dgm:cxn modelId="{261DA342-A9CF-4A86-B17D-364DA9A044AD}" type="presParOf" srcId="{D4A81612-3745-49FC-BEAA-EE8E7FF6A613}" destId="{CA9020D1-CCF3-4CD3-B6BB-D13BBBF1F2CF}" srcOrd="0" destOrd="0" presId="urn:microsoft.com/office/officeart/2005/8/layout/vList3"/>
+    <dgm:cxn modelId="{367862E5-93F2-4632-AFBF-1FF6729BBC7B}" type="presParOf" srcId="{D4A81612-3745-49FC-BEAA-EE8E7FF6A613}" destId="{AE78A5D3-30DA-4952-86D7-1F67A9C1E761}" srcOrd="1" destOrd="0" presId="urn:microsoft.com/office/officeart/2005/8/layout/vList3"/>
+  </dgm:cxnLst>
+  <dgm:bg/>
+  <dgm:whole/>
+  <dgm:extLst>
+    <a:ext uri="http://schemas.microsoft.com/office/drawing/2008/diagram">
+      <dsp:dataModelExt xmlns:dsp="http://schemas.microsoft.com/office/drawing/2008/diagram" relId="rId6" minVer="http://schemas.openxmlformats.org/drawingml/2006/diagram"/>
     </a:ext>
   </dgm:extLst>
 </dgm:dataModel>
@@ -9254,12 +10197,12 @@
         </a:fontRef>
       </dsp:style>
       <dsp:txBody>
-        <a:bodyPr spcFirstLastPara="0" vert="horz" wrap="square" lIns="626857" tIns="118110" rIns="220472" bIns="118110" numCol="1" spcCol="1270" anchor="ctr" anchorCtr="0">
+        <a:bodyPr spcFirstLastPara="0" vert="horz" wrap="square" lIns="626857" tIns="106680" rIns="199136" bIns="106680" numCol="1" spcCol="1270" anchor="ctr" anchorCtr="0">
           <a:noAutofit/>
         </a:bodyPr>
         <a:lstStyle/>
         <a:p>
-          <a:pPr marL="0" lvl="0" indent="0" algn="ctr" defTabSz="1377950">
+          <a:pPr marL="0" lvl="0" indent="0" algn="ctr" defTabSz="1244600">
             <a:lnSpc>
               <a:spcPct val="90000"/>
             </a:lnSpc>
@@ -9272,7 +10215,7 @@
             <a:buNone/>
           </a:pPr>
           <a:r>
-            <a:rPr lang="de-AT" sz="3100" kern="1200" dirty="0"/>
+            <a:rPr lang="de-AT" sz="2800" kern="1200" dirty="0"/>
             <a:t>Webserver – API Kommunikation </a:t>
           </a:r>
         </a:p>
@@ -9380,12 +10323,12 @@
         </a:fontRef>
       </dsp:style>
       <dsp:txBody>
-        <a:bodyPr spcFirstLastPara="0" vert="horz" wrap="square" lIns="626857" tIns="118110" rIns="220472" bIns="118110" numCol="1" spcCol="1270" anchor="ctr" anchorCtr="0">
+        <a:bodyPr spcFirstLastPara="0" vert="horz" wrap="square" lIns="626857" tIns="106680" rIns="199136" bIns="106680" numCol="1" spcCol="1270" anchor="ctr" anchorCtr="0">
           <a:noAutofit/>
         </a:bodyPr>
         <a:lstStyle/>
         <a:p>
-          <a:pPr marL="0" lvl="0" indent="0" algn="ctr" defTabSz="1377950">
+          <a:pPr marL="0" lvl="0" indent="0" algn="ctr" defTabSz="1244600">
             <a:lnSpc>
               <a:spcPct val="90000"/>
             </a:lnSpc>
@@ -9398,8 +10341,8 @@
             <a:buNone/>
           </a:pPr>
           <a:r>
-            <a:rPr lang="de-AT" sz="3100" kern="1200" dirty="0"/>
-            <a:t>Warnungen bei hohen Verbräuchen anzeigen</a:t>
+            <a:rPr lang="de-AT" sz="2800" kern="1200" dirty="0"/>
+            <a:t>Warnungen bei abweichenden Verbräuchen anzeigen</a:t>
           </a:r>
         </a:p>
       </dsp:txBody>
@@ -9506,12 +10449,12 @@
         </a:fontRef>
       </dsp:style>
       <dsp:txBody>
-        <a:bodyPr spcFirstLastPara="0" vert="horz" wrap="square" lIns="626857" tIns="118110" rIns="220472" bIns="118110" numCol="1" spcCol="1270" anchor="ctr" anchorCtr="0">
+        <a:bodyPr spcFirstLastPara="0" vert="horz" wrap="square" lIns="626857" tIns="106680" rIns="199136" bIns="106680" numCol="1" spcCol="1270" anchor="ctr" anchorCtr="0">
           <a:noAutofit/>
         </a:bodyPr>
         <a:lstStyle/>
         <a:p>
-          <a:pPr marL="0" lvl="0" indent="0" algn="ctr" defTabSz="1377950">
+          <a:pPr marL="0" lvl="0" indent="0" algn="ctr" defTabSz="1244600">
             <a:lnSpc>
               <a:spcPct val="90000"/>
             </a:lnSpc>
@@ -9524,7 +10467,7 @@
             <a:buNone/>
           </a:pPr>
           <a:r>
-            <a:rPr lang="de-AT" sz="3100" kern="1200" dirty="0"/>
+            <a:rPr lang="de-AT" sz="2800" kern="1200" dirty="0"/>
             <a:t>Temperaturdaten abspeichern</a:t>
           </a:r>
         </a:p>
@@ -10741,6 +11684,275 @@
         </a:prstGeom>
         <a:blipFill>
           <a:blip xmlns:r="http://schemas.openxmlformats.org/officeDocument/2006/relationships" r:embed="rId3">
+            <a:extLst>
+              <a:ext uri="{28A0092B-C50C-407E-A947-70E740481C1C}">
+                <a14:useLocalDpi xmlns:a14="http://schemas.microsoft.com/office/drawing/2010/main" val="0"/>
+              </a:ext>
+            </a:extLst>
+          </a:blip>
+          <a:srcRect/>
+          <a:stretch>
+            <a:fillRect/>
+          </a:stretch>
+        </a:blipFill>
+        <a:ln w="10795" cap="flat" cmpd="sng" algn="ctr">
+          <a:solidFill>
+            <a:schemeClr val="lt1">
+              <a:hueOff val="0"/>
+              <a:satOff val="0"/>
+              <a:lumOff val="0"/>
+              <a:alphaOff val="0"/>
+            </a:schemeClr>
+          </a:solidFill>
+          <a:prstDash val="solid"/>
+        </a:ln>
+        <a:effectLst/>
+      </dsp:spPr>
+      <dsp:style>
+        <a:lnRef idx="2">
+          <a:scrgbClr r="0" g="0" b="0"/>
+        </a:lnRef>
+        <a:fillRef idx="1">
+          <a:scrgbClr r="0" g="0" b="0"/>
+        </a:fillRef>
+        <a:effectRef idx="0">
+          <a:scrgbClr r="0" g="0" b="0"/>
+        </a:effectRef>
+        <a:fontRef idx="minor"/>
+      </dsp:style>
+    </dsp:sp>
+  </dsp:spTree>
+</dsp:drawing>
+</file>
+
+<file path=ppt/diagrams/drawing9.xml><?xml version="1.0" encoding="utf-8"?>
+<dsp:drawing xmlns:dgm="http://schemas.openxmlformats.org/drawingml/2006/diagram" xmlns:dsp="http://schemas.microsoft.com/office/drawing/2008/diagram" xmlns:a="http://schemas.openxmlformats.org/drawingml/2006/main">
+  <dsp:spTree>
+    <dsp:nvGrpSpPr>
+      <dsp:cNvPr id="0" name=""/>
+      <dsp:cNvGrpSpPr/>
+    </dsp:nvGrpSpPr>
+    <dsp:grpSpPr/>
+    <dsp:sp modelId="{BA086358-07F9-4ACC-8501-46331B190259}">
+      <dsp:nvSpPr>
+        <dsp:cNvPr id="0" name=""/>
+        <dsp:cNvSpPr/>
+      </dsp:nvSpPr>
+      <dsp:spPr>
+        <a:xfrm rot="10800000">
+          <a:off x="1808912" y="2423"/>
+          <a:ext cx="4972288" cy="2225978"/>
+        </a:xfrm>
+        <a:prstGeom prst="homePlate">
+          <a:avLst/>
+        </a:prstGeom>
+        <a:solidFill>
+          <a:schemeClr val="bg1">
+            <a:lumMod val="85000"/>
+          </a:schemeClr>
+        </a:solidFill>
+        <a:ln w="10795" cap="flat" cmpd="sng" algn="ctr">
+          <a:solidFill>
+            <a:schemeClr val="lt1">
+              <a:hueOff val="0"/>
+              <a:satOff val="0"/>
+              <a:lumOff val="0"/>
+              <a:alphaOff val="0"/>
+            </a:schemeClr>
+          </a:solidFill>
+          <a:prstDash val="solid"/>
+        </a:ln>
+        <a:effectLst/>
+      </dsp:spPr>
+      <dsp:style>
+        <a:lnRef idx="2">
+          <a:scrgbClr r="0" g="0" b="0"/>
+        </a:lnRef>
+        <a:fillRef idx="1">
+          <a:scrgbClr r="0" g="0" b="0"/>
+        </a:fillRef>
+        <a:effectRef idx="0">
+          <a:scrgbClr r="0" g="0" b="0"/>
+        </a:effectRef>
+        <a:fontRef idx="minor">
+          <a:schemeClr val="lt1"/>
+        </a:fontRef>
+      </dsp:style>
+      <dsp:txBody>
+        <a:bodyPr spcFirstLastPara="0" vert="horz" wrap="square" lIns="981595" tIns="160020" rIns="298704" bIns="160020" numCol="1" spcCol="1270" anchor="ctr" anchorCtr="0">
+          <a:noAutofit/>
+        </a:bodyPr>
+        <a:lstStyle/>
+        <a:p>
+          <a:pPr marL="0" lvl="0" indent="0" algn="ctr" defTabSz="1866900">
+            <a:lnSpc>
+              <a:spcPct val="90000"/>
+            </a:lnSpc>
+            <a:spcBef>
+              <a:spcPct val="0"/>
+            </a:spcBef>
+            <a:spcAft>
+              <a:spcPct val="35000"/>
+            </a:spcAft>
+            <a:buNone/>
+          </a:pPr>
+          <a:r>
+            <a:rPr lang="de-AT" sz="4200" kern="1200" dirty="0"/>
+            <a:t>Vorbereitung der Website für JSF</a:t>
+          </a:r>
+        </a:p>
+      </dsp:txBody>
+      <dsp:txXfrm rot="10800000">
+        <a:off x="2365406" y="2423"/>
+        <a:ext cx="4415794" cy="2225978"/>
+      </dsp:txXfrm>
+    </dsp:sp>
+    <dsp:sp modelId="{516FFA7E-9013-47BF-9536-86832F6406F2}">
+      <dsp:nvSpPr>
+        <dsp:cNvPr id="0" name=""/>
+        <dsp:cNvSpPr/>
+      </dsp:nvSpPr>
+      <dsp:spPr>
+        <a:xfrm>
+          <a:off x="695923" y="2423"/>
+          <a:ext cx="2225978" cy="2225978"/>
+        </a:xfrm>
+        <a:prstGeom prst="ellipse">
+          <a:avLst/>
+        </a:prstGeom>
+        <a:blipFill>
+          <a:blip xmlns:r="http://schemas.openxmlformats.org/officeDocument/2006/relationships" r:embed="rId1">
+            <a:extLst>
+              <a:ext uri="{28A0092B-C50C-407E-A947-70E740481C1C}">
+                <a14:useLocalDpi xmlns:a14="http://schemas.microsoft.com/office/drawing/2010/main" val="0"/>
+              </a:ext>
+            </a:extLst>
+          </a:blip>
+          <a:srcRect/>
+          <a:stretch>
+            <a:fillRect/>
+          </a:stretch>
+        </a:blipFill>
+        <a:ln w="10795" cap="flat" cmpd="sng" algn="ctr">
+          <a:solidFill>
+            <a:schemeClr val="lt1">
+              <a:hueOff val="0"/>
+              <a:satOff val="0"/>
+              <a:lumOff val="0"/>
+              <a:alphaOff val="0"/>
+            </a:schemeClr>
+          </a:solidFill>
+          <a:prstDash val="solid"/>
+        </a:ln>
+        <a:effectLst/>
+      </dsp:spPr>
+      <dsp:style>
+        <a:lnRef idx="2">
+          <a:scrgbClr r="0" g="0" b="0"/>
+        </a:lnRef>
+        <a:fillRef idx="1">
+          <a:scrgbClr r="0" g="0" b="0"/>
+        </a:fillRef>
+        <a:effectRef idx="0">
+          <a:scrgbClr r="0" g="0" b="0"/>
+        </a:effectRef>
+        <a:fontRef idx="minor"/>
+      </dsp:style>
+    </dsp:sp>
+    <dsp:sp modelId="{AE78A5D3-30DA-4952-86D7-1F67A9C1E761}">
+      <dsp:nvSpPr>
+        <dsp:cNvPr id="0" name=""/>
+        <dsp:cNvSpPr/>
+      </dsp:nvSpPr>
+      <dsp:spPr>
+        <a:xfrm rot="10800000">
+          <a:off x="1808912" y="2892873"/>
+          <a:ext cx="4972288" cy="2225978"/>
+        </a:xfrm>
+        <a:prstGeom prst="homePlate">
+          <a:avLst/>
+        </a:prstGeom>
+        <a:solidFill>
+          <a:schemeClr val="bg1">
+            <a:lumMod val="85000"/>
+          </a:schemeClr>
+        </a:solidFill>
+        <a:ln w="10795" cap="flat" cmpd="sng" algn="ctr">
+          <a:solidFill>
+            <a:schemeClr val="lt1">
+              <a:hueOff val="0"/>
+              <a:satOff val="0"/>
+              <a:lumOff val="0"/>
+              <a:alphaOff val="0"/>
+            </a:schemeClr>
+          </a:solidFill>
+          <a:prstDash val="solid"/>
+        </a:ln>
+        <a:effectLst/>
+      </dsp:spPr>
+      <dsp:style>
+        <a:lnRef idx="2">
+          <a:scrgbClr r="0" g="0" b="0"/>
+        </a:lnRef>
+        <a:fillRef idx="1">
+          <a:scrgbClr r="0" g="0" b="0"/>
+        </a:fillRef>
+        <a:effectRef idx="0">
+          <a:scrgbClr r="0" g="0" b="0"/>
+        </a:effectRef>
+        <a:fontRef idx="minor">
+          <a:schemeClr val="lt1"/>
+        </a:fontRef>
+      </dsp:style>
+      <dsp:txBody>
+        <a:bodyPr spcFirstLastPara="0" vert="horz" wrap="square" lIns="981595" tIns="160020" rIns="298704" bIns="160020" numCol="1" spcCol="1270" anchor="ctr" anchorCtr="0">
+          <a:noAutofit/>
+        </a:bodyPr>
+        <a:lstStyle/>
+        <a:p>
+          <a:pPr marL="0" lvl="0" indent="0" algn="ctr" defTabSz="1866900">
+            <a:lnSpc>
+              <a:spcPct val="90000"/>
+            </a:lnSpc>
+            <a:spcBef>
+              <a:spcPct val="0"/>
+            </a:spcBef>
+            <a:spcAft>
+              <a:spcPct val="35000"/>
+            </a:spcAft>
+            <a:buNone/>
+          </a:pPr>
+          <a:r>
+            <a:rPr lang="de-AT" sz="4200" kern="1200" dirty="0"/>
+            <a:t>Statistiken in der </a:t>
+          </a:r>
+          <a:r>
+            <a:rPr lang="de-AT" sz="4200" kern="1200" dirty="0" err="1"/>
+            <a:t>Androidapp</a:t>
+          </a:r>
+          <a:endParaRPr lang="de-AT" sz="4200" kern="1200" dirty="0"/>
+        </a:p>
+      </dsp:txBody>
+      <dsp:txXfrm rot="10800000">
+        <a:off x="2365406" y="2892873"/>
+        <a:ext cx="4415794" cy="2225978"/>
+      </dsp:txXfrm>
+    </dsp:sp>
+    <dsp:sp modelId="{CA9020D1-CCF3-4CD3-B6BB-D13BBBF1F2CF}">
+      <dsp:nvSpPr>
+        <dsp:cNvPr id="0" name=""/>
+        <dsp:cNvSpPr/>
+      </dsp:nvSpPr>
+      <dsp:spPr>
+        <a:xfrm>
+          <a:off x="695923" y="2892873"/>
+          <a:ext cx="2225978" cy="2225978"/>
+        </a:xfrm>
+        <a:prstGeom prst="ellipse">
+          <a:avLst/>
+        </a:prstGeom>
+        <a:blipFill>
+          <a:blip xmlns:r="http://schemas.openxmlformats.org/officeDocument/2006/relationships" r:embed="rId2">
             <a:extLst>
               <a:ext uri="{28A0092B-C50C-407E-A947-70E740481C1C}">
                 <a14:useLocalDpi xmlns:a14="http://schemas.microsoft.com/office/drawing/2010/main" val="0"/>
@@ -12058,6 +13270,169 @@
 </dgm:layoutDef>
 </file>
 
+<file path=ppt/diagrams/layout9.xml><?xml version="1.0" encoding="utf-8"?>
+<dgm:layoutDef xmlns:dgm="http://schemas.openxmlformats.org/drawingml/2006/diagram" xmlns:a="http://schemas.openxmlformats.org/drawingml/2006/main" uniqueId="urn:microsoft.com/office/officeart/2005/8/layout/vList3">
+  <dgm:title val=""/>
+  <dgm:desc val=""/>
+  <dgm:catLst>
+    <dgm:cat type="list" pri="14000"/>
+    <dgm:cat type="convert" pri="3000"/>
+    <dgm:cat type="picture" pri="27000"/>
+    <dgm:cat type="pictureconvert" pri="27000"/>
+  </dgm:catLst>
+  <dgm:sampData useDef="1">
+    <dgm:dataModel>
+      <dgm:ptLst/>
+      <dgm:bg/>
+      <dgm:whole/>
+    </dgm:dataModel>
+  </dgm:sampData>
+  <dgm:styleData>
+    <dgm:dataModel>
+      <dgm:ptLst>
+        <dgm:pt modelId="0" type="doc"/>
+        <dgm:pt modelId="1"/>
+        <dgm:pt modelId="2"/>
+      </dgm:ptLst>
+      <dgm:cxnLst>
+        <dgm:cxn modelId="3" srcId="0" destId="1" srcOrd="0" destOrd="0"/>
+        <dgm:cxn modelId="4" srcId="0" destId="2" srcOrd="1" destOrd="0"/>
+      </dgm:cxnLst>
+      <dgm:bg/>
+      <dgm:whole/>
+    </dgm:dataModel>
+  </dgm:styleData>
+  <dgm:clrData>
+    <dgm:dataModel>
+      <dgm:ptLst>
+        <dgm:pt modelId="0" type="doc"/>
+        <dgm:pt modelId="1"/>
+        <dgm:pt modelId="2"/>
+        <dgm:pt modelId="3"/>
+        <dgm:pt modelId="4"/>
+      </dgm:ptLst>
+      <dgm:cxnLst>
+        <dgm:cxn modelId="5" srcId="0" destId="1" srcOrd="0" destOrd="0"/>
+        <dgm:cxn modelId="6" srcId="0" destId="2" srcOrd="1" destOrd="0"/>
+        <dgm:cxn modelId="7" srcId="0" destId="3" srcOrd="2" destOrd="0"/>
+        <dgm:cxn modelId="8" srcId="0" destId="4" srcOrd="3" destOrd="0"/>
+      </dgm:cxnLst>
+      <dgm:bg/>
+      <dgm:whole/>
+    </dgm:dataModel>
+  </dgm:clrData>
+  <dgm:layoutNode name="linearFlow">
+    <dgm:varLst>
+      <dgm:dir/>
+      <dgm:resizeHandles val="exact"/>
+    </dgm:varLst>
+    <dgm:alg type="lin">
+      <dgm:param type="linDir" val="fromT"/>
+      <dgm:param type="vertAlign" val="mid"/>
+      <dgm:param type="horzAlign" val="ctr"/>
+    </dgm:alg>
+    <dgm:shape xmlns:r="http://schemas.openxmlformats.org/officeDocument/2006/relationships" r:blip="">
+      <dgm:adjLst/>
+    </dgm:shape>
+    <dgm:presOf/>
+    <dgm:constrLst>
+      <dgm:constr type="w" for="ch" forName="composite" refType="w"/>
+      <dgm:constr type="h" for="ch" forName="composite" refType="h"/>
+      <dgm:constr type="h" for="ch" forName="spacing" refType="h" refFor="ch" refForName="composite" fact="0.25"/>
+      <dgm:constr type="h" for="ch" forName="spacing" refType="w" op="lte" fact="0.1"/>
+      <dgm:constr type="primFontSz" for="des" ptType="node" op="equ" val="65"/>
+    </dgm:constrLst>
+    <dgm:ruleLst/>
+    <dgm:forEach name="Name0" axis="ch" ptType="node">
+      <dgm:layoutNode name="composite">
+        <dgm:alg type="composite"/>
+        <dgm:shape xmlns:r="http://schemas.openxmlformats.org/officeDocument/2006/relationships" r:blip="">
+          <dgm:adjLst/>
+        </dgm:shape>
+        <dgm:presOf/>
+        <dgm:choose name="Name1">
+          <dgm:if name="Name2" func="var" arg="dir" op="equ" val="norm">
+            <dgm:constrLst>
+              <dgm:constr type="w" for="ch" forName="imgShp" refType="w" fact="0.335"/>
+              <dgm:constr type="h" for="ch" forName="imgShp" refType="w" refFor="ch" refForName="imgShp" op="equ"/>
+              <dgm:constr type="h" for="ch" forName="imgShp" refType="h" op="lte"/>
+              <dgm:constr type="ctrY" for="ch" forName="imgShp" refType="h" fact="0.5"/>
+              <dgm:constr type="l" for="ch" forName="imgShp"/>
+              <dgm:constr type="w" for="ch" forName="txShp" refType="w" op="equ" fact="0.665"/>
+              <dgm:constr type="h" for="ch" forName="txShp" refType="h" refFor="ch" refForName="imgShp" op="equ"/>
+              <dgm:constr type="ctrY" for="ch" forName="txShp" refType="h" fact="0.5"/>
+              <dgm:constr type="l" for="ch" forName="txShp" refType="w" refFor="ch" refForName="imgShp" fact="0.5"/>
+              <dgm:constr type="lMarg" for="ch" forName="txShp" refType="w" refFor="ch" refForName="imgShp" fact="1.25"/>
+            </dgm:constrLst>
+          </dgm:if>
+          <dgm:else name="Name3">
+            <dgm:constrLst>
+              <dgm:constr type="w" for="ch" forName="imgShp" refType="w" fact="0.335"/>
+              <dgm:constr type="h" for="ch" forName="imgShp" refType="w" refFor="ch" refForName="imgShp" op="equ"/>
+              <dgm:constr type="h" for="ch" forName="imgShp" refType="h" op="lte"/>
+              <dgm:constr type="ctrY" for="ch" forName="imgShp" refType="h" fact="0.5"/>
+              <dgm:constr type="r" for="ch" forName="imgShp" refType="w"/>
+              <dgm:constr type="w" for="ch" forName="txShp" refType="w" op="equ" fact="0.665"/>
+              <dgm:constr type="h" for="ch" forName="txShp" refType="h" refFor="ch" refForName="imgShp" op="equ"/>
+              <dgm:constr type="ctrY" for="ch" forName="txShp" refType="h" fact="0.5"/>
+              <dgm:constr type="r" for="ch" forName="txShp" refType="ctrX" refFor="ch" refForName="imgShp"/>
+              <dgm:constr type="rMarg" for="ch" forName="txShp" refType="w" refFor="ch" refForName="imgShp" fact="1.25"/>
+            </dgm:constrLst>
+          </dgm:else>
+        </dgm:choose>
+        <dgm:ruleLst/>
+        <dgm:layoutNode name="imgShp" styleLbl="fgImgPlace1">
+          <dgm:alg type="sp"/>
+          <dgm:shape xmlns:r="http://schemas.openxmlformats.org/officeDocument/2006/relationships" type="ellipse" r:blip="" blipPhldr="1">
+            <dgm:adjLst/>
+          </dgm:shape>
+          <dgm:presOf/>
+          <dgm:constrLst/>
+          <dgm:ruleLst/>
+        </dgm:layoutNode>
+        <dgm:layoutNode name="txShp">
+          <dgm:varLst>
+            <dgm:bulletEnabled val="1"/>
+          </dgm:varLst>
+          <dgm:alg type="tx"/>
+          <dgm:choose name="Name4">
+            <dgm:if name="Name5" func="var" arg="dir" op="equ" val="norm">
+              <dgm:shape xmlns:r="http://schemas.openxmlformats.org/officeDocument/2006/relationships" rot="180" type="homePlate" r:blip="" zOrderOff="-1">
+                <dgm:adjLst/>
+              </dgm:shape>
+            </dgm:if>
+            <dgm:else name="Name6">
+              <dgm:shape xmlns:r="http://schemas.openxmlformats.org/officeDocument/2006/relationships" type="homePlate" r:blip="" zOrderOff="-1">
+                <dgm:adjLst/>
+              </dgm:shape>
+            </dgm:else>
+          </dgm:choose>
+          <dgm:presOf axis="desOrSelf" ptType="node"/>
+          <dgm:constrLst>
+            <dgm:constr type="tMarg" refType="primFontSz" fact="0.3"/>
+            <dgm:constr type="bMarg" refType="primFontSz" fact="0.3"/>
+          </dgm:constrLst>
+          <dgm:ruleLst>
+            <dgm:rule type="primFontSz" val="5" fact="NaN" max="NaN"/>
+          </dgm:ruleLst>
+        </dgm:layoutNode>
+      </dgm:layoutNode>
+      <dgm:forEach name="Name7" axis="followSib" ptType="sibTrans" cnt="1">
+        <dgm:layoutNode name="spacing">
+          <dgm:alg type="sp"/>
+          <dgm:shape xmlns:r="http://schemas.openxmlformats.org/officeDocument/2006/relationships" r:blip="">
+            <dgm:adjLst/>
+          </dgm:shape>
+          <dgm:presOf axis="self"/>
+          <dgm:constrLst/>
+          <dgm:ruleLst/>
+        </dgm:layoutNode>
+      </dgm:forEach>
+    </dgm:forEach>
+  </dgm:layoutNode>
+</dgm:layoutDef>
+</file>
+
 <file path=ppt/diagrams/quickStyle1.xml><?xml version="1.0" encoding="utf-8"?>
 <dgm:styleDef xmlns:dgm="http://schemas.openxmlformats.org/drawingml/2006/diagram" xmlns:a="http://schemas.openxmlformats.org/drawingml/2006/main" uniqueId="urn:microsoft.com/office/officeart/2005/8/quickstyle/simple1">
   <dgm:title val=""/>
@@ -19297,6 +20672,1040 @@
 </file>
 
 <file path=ppt/diagrams/quickStyle8.xml><?xml version="1.0" encoding="utf-8"?>
+<dgm:styleDef xmlns:dgm="http://schemas.openxmlformats.org/drawingml/2006/diagram" xmlns:a="http://schemas.openxmlformats.org/drawingml/2006/main" uniqueId="urn:microsoft.com/office/officeart/2005/8/quickstyle/simple1">
+  <dgm:title val=""/>
+  <dgm:desc val=""/>
+  <dgm:catLst>
+    <dgm:cat type="simple" pri="10100"/>
+  </dgm:catLst>
+  <dgm:scene3d>
+    <a:camera prst="orthographicFront"/>
+    <a:lightRig rig="threePt" dir="t"/>
+  </dgm:scene3d>
+  <dgm:styleLbl name="node0">
+    <dgm:scene3d>
+      <a:camera prst="orthographicFront"/>
+      <a:lightRig rig="threePt" dir="t"/>
+    </dgm:scene3d>
+    <dgm:sp3d/>
+    <dgm:txPr/>
+    <dgm:style>
+      <a:lnRef idx="2">
+        <a:scrgbClr r="0" g="0" b="0"/>
+      </a:lnRef>
+      <a:fillRef idx="1">
+        <a:scrgbClr r="0" g="0" b="0"/>
+      </a:fillRef>
+      <a:effectRef idx="0">
+        <a:scrgbClr r="0" g="0" b="0"/>
+      </a:effectRef>
+      <a:fontRef idx="minor">
+        <a:schemeClr val="lt1"/>
+      </a:fontRef>
+    </dgm:style>
+  </dgm:styleLbl>
+  <dgm:styleLbl name="lnNode1">
+    <dgm:scene3d>
+      <a:camera prst="orthographicFront"/>
+      <a:lightRig rig="threePt" dir="t"/>
+    </dgm:scene3d>
+    <dgm:sp3d/>
+    <dgm:txPr/>
+    <dgm:style>
+      <a:lnRef idx="2">
+        <a:scrgbClr r="0" g="0" b="0"/>
+      </a:lnRef>
+      <a:fillRef idx="1">
+        <a:scrgbClr r="0" g="0" b="0"/>
+      </a:fillRef>
+      <a:effectRef idx="0">
+        <a:scrgbClr r="0" g="0" b="0"/>
+      </a:effectRef>
+      <a:fontRef idx="minor">
+        <a:schemeClr val="lt1"/>
+      </a:fontRef>
+    </dgm:style>
+  </dgm:styleLbl>
+  <dgm:styleLbl name="vennNode1">
+    <dgm:scene3d>
+      <a:camera prst="orthographicFront"/>
+      <a:lightRig rig="threePt" dir="t"/>
+    </dgm:scene3d>
+    <dgm:sp3d/>
+    <dgm:txPr/>
+    <dgm:style>
+      <a:lnRef idx="2">
+        <a:scrgbClr r="0" g="0" b="0"/>
+      </a:lnRef>
+      <a:fillRef idx="1">
+        <a:scrgbClr r="0" g="0" b="0"/>
+      </a:fillRef>
+      <a:effectRef idx="0">
+        <a:scrgbClr r="0" g="0" b="0"/>
+      </a:effectRef>
+      <a:fontRef idx="minor">
+        <a:schemeClr val="tx1"/>
+      </a:fontRef>
+    </dgm:style>
+  </dgm:styleLbl>
+  <dgm:styleLbl name="alignNode1">
+    <dgm:scene3d>
+      <a:camera prst="orthographicFront"/>
+      <a:lightRig rig="threePt" dir="t"/>
+    </dgm:scene3d>
+    <dgm:sp3d/>
+    <dgm:txPr/>
+    <dgm:style>
+      <a:lnRef idx="2">
+        <a:scrgbClr r="0" g="0" b="0"/>
+      </a:lnRef>
+      <a:fillRef idx="1">
+        <a:scrgbClr r="0" g="0" b="0"/>
+      </a:fillRef>
+      <a:effectRef idx="0">
+        <a:scrgbClr r="0" g="0" b="0"/>
+      </a:effectRef>
+      <a:fontRef idx="minor">
+        <a:schemeClr val="lt1"/>
+      </a:fontRef>
+    </dgm:style>
+  </dgm:styleLbl>
+  <dgm:styleLbl name="node1">
+    <dgm:scene3d>
+      <a:camera prst="orthographicFront"/>
+      <a:lightRig rig="threePt" dir="t"/>
+    </dgm:scene3d>
+    <dgm:sp3d/>
+    <dgm:txPr/>
+    <dgm:style>
+      <a:lnRef idx="2">
+        <a:scrgbClr r="0" g="0" b="0"/>
+      </a:lnRef>
+      <a:fillRef idx="1">
+        <a:scrgbClr r="0" g="0" b="0"/>
+      </a:fillRef>
+      <a:effectRef idx="0">
+        <a:scrgbClr r="0" g="0" b="0"/>
+      </a:effectRef>
+      <a:fontRef idx="minor">
+        <a:schemeClr val="lt1"/>
+      </a:fontRef>
+    </dgm:style>
+  </dgm:styleLbl>
+  <dgm:styleLbl name="node2">
+    <dgm:scene3d>
+      <a:camera prst="orthographicFront"/>
+      <a:lightRig rig="threePt" dir="t"/>
+    </dgm:scene3d>
+    <dgm:sp3d/>
+    <dgm:txPr/>
+    <dgm:style>
+      <a:lnRef idx="2">
+        <a:scrgbClr r="0" g="0" b="0"/>
+      </a:lnRef>
+      <a:fillRef idx="1">
+        <a:scrgbClr r="0" g="0" b="0"/>
+      </a:fillRef>
+      <a:effectRef idx="0">
+        <a:scrgbClr r="0" g="0" b="0"/>
+      </a:effectRef>
+      <a:fontRef idx="minor">
+        <a:schemeClr val="lt1"/>
+      </a:fontRef>
+    </dgm:style>
+  </dgm:styleLbl>
+  <dgm:styleLbl name="node3">
+    <dgm:scene3d>
+      <a:camera prst="orthographicFront"/>
+      <a:lightRig rig="threePt" dir="t"/>
+    </dgm:scene3d>
+    <dgm:sp3d/>
+    <dgm:txPr/>
+    <dgm:style>
+      <a:lnRef idx="2">
+        <a:scrgbClr r="0" g="0" b="0"/>
+      </a:lnRef>
+      <a:fillRef idx="1">
+        <a:scrgbClr r="0" g="0" b="0"/>
+      </a:fillRef>
+      <a:effectRef idx="0">
+        <a:scrgbClr r="0" g="0" b="0"/>
+      </a:effectRef>
+      <a:fontRef idx="minor">
+        <a:schemeClr val="lt1"/>
+      </a:fontRef>
+    </dgm:style>
+  </dgm:styleLbl>
+  <dgm:styleLbl name="node4">
+    <dgm:scene3d>
+      <a:camera prst="orthographicFront"/>
+      <a:lightRig rig="threePt" dir="t"/>
+    </dgm:scene3d>
+    <dgm:sp3d/>
+    <dgm:txPr/>
+    <dgm:style>
+      <a:lnRef idx="2">
+        <a:scrgbClr r="0" g="0" b="0"/>
+      </a:lnRef>
+      <a:fillRef idx="1">
+        <a:scrgbClr r="0" g="0" b="0"/>
+      </a:fillRef>
+      <a:effectRef idx="0">
+        <a:scrgbClr r="0" g="0" b="0"/>
+      </a:effectRef>
+      <a:fontRef idx="minor">
+        <a:schemeClr val="lt1"/>
+      </a:fontRef>
+    </dgm:style>
+  </dgm:styleLbl>
+  <dgm:styleLbl name="fgImgPlace1">
+    <dgm:scene3d>
+      <a:camera prst="orthographicFront"/>
+      <a:lightRig rig="threePt" dir="t"/>
+    </dgm:scene3d>
+    <dgm:sp3d/>
+    <dgm:txPr/>
+    <dgm:style>
+      <a:lnRef idx="2">
+        <a:scrgbClr r="0" g="0" b="0"/>
+      </a:lnRef>
+      <a:fillRef idx="1">
+        <a:scrgbClr r="0" g="0" b="0"/>
+      </a:fillRef>
+      <a:effectRef idx="0">
+        <a:scrgbClr r="0" g="0" b="0"/>
+      </a:effectRef>
+      <a:fontRef idx="minor"/>
+    </dgm:style>
+  </dgm:styleLbl>
+  <dgm:styleLbl name="alignImgPlace1">
+    <dgm:scene3d>
+      <a:camera prst="orthographicFront"/>
+      <a:lightRig rig="threePt" dir="t"/>
+    </dgm:scene3d>
+    <dgm:sp3d/>
+    <dgm:txPr/>
+    <dgm:style>
+      <a:lnRef idx="2">
+        <a:scrgbClr r="0" g="0" b="0"/>
+      </a:lnRef>
+      <a:fillRef idx="1">
+        <a:scrgbClr r="0" g="0" b="0"/>
+      </a:fillRef>
+      <a:effectRef idx="0">
+        <a:scrgbClr r="0" g="0" b="0"/>
+      </a:effectRef>
+      <a:fontRef idx="minor"/>
+    </dgm:style>
+  </dgm:styleLbl>
+  <dgm:styleLbl name="bgImgPlace1">
+    <dgm:scene3d>
+      <a:camera prst="orthographicFront"/>
+      <a:lightRig rig="threePt" dir="t"/>
+    </dgm:scene3d>
+    <dgm:sp3d/>
+    <dgm:txPr/>
+    <dgm:style>
+      <a:lnRef idx="2">
+        <a:scrgbClr r="0" g="0" b="0"/>
+      </a:lnRef>
+      <a:fillRef idx="1">
+        <a:scrgbClr r="0" g="0" b="0"/>
+      </a:fillRef>
+      <a:effectRef idx="0">
+        <a:scrgbClr r="0" g="0" b="0"/>
+      </a:effectRef>
+      <a:fontRef idx="minor"/>
+    </dgm:style>
+  </dgm:styleLbl>
+  <dgm:styleLbl name="sibTrans2D1">
+    <dgm:scene3d>
+      <a:camera prst="orthographicFront"/>
+      <a:lightRig rig="threePt" dir="t"/>
+    </dgm:scene3d>
+    <dgm:sp3d/>
+    <dgm:txPr/>
+    <dgm:style>
+      <a:lnRef idx="0">
+        <a:scrgbClr r="0" g="0" b="0"/>
+      </a:lnRef>
+      <a:fillRef idx="1">
+        <a:scrgbClr r="0" g="0" b="0"/>
+      </a:fillRef>
+      <a:effectRef idx="0">
+        <a:scrgbClr r="0" g="0" b="0"/>
+      </a:effectRef>
+      <a:fontRef idx="minor">
+        <a:schemeClr val="lt1"/>
+      </a:fontRef>
+    </dgm:style>
+  </dgm:styleLbl>
+  <dgm:styleLbl name="fgSibTrans2D1">
+    <dgm:scene3d>
+      <a:camera prst="orthographicFront"/>
+      <a:lightRig rig="threePt" dir="t"/>
+    </dgm:scene3d>
+    <dgm:sp3d/>
+    <dgm:txPr/>
+    <dgm:style>
+      <a:lnRef idx="0">
+        <a:scrgbClr r="0" g="0" b="0"/>
+      </a:lnRef>
+      <a:fillRef idx="1">
+        <a:scrgbClr r="0" g="0" b="0"/>
+      </a:fillRef>
+      <a:effectRef idx="0">
+        <a:scrgbClr r="0" g="0" b="0"/>
+      </a:effectRef>
+      <a:fontRef idx="minor">
+        <a:schemeClr val="lt1"/>
+      </a:fontRef>
+    </dgm:style>
+  </dgm:styleLbl>
+  <dgm:styleLbl name="bgSibTrans2D1">
+    <dgm:scene3d>
+      <a:camera prst="orthographicFront"/>
+      <a:lightRig rig="threePt" dir="t"/>
+    </dgm:scene3d>
+    <dgm:sp3d/>
+    <dgm:txPr/>
+    <dgm:style>
+      <a:lnRef idx="0">
+        <a:scrgbClr r="0" g="0" b="0"/>
+      </a:lnRef>
+      <a:fillRef idx="1">
+        <a:scrgbClr r="0" g="0" b="0"/>
+      </a:fillRef>
+      <a:effectRef idx="0">
+        <a:scrgbClr r="0" g="0" b="0"/>
+      </a:effectRef>
+      <a:fontRef idx="minor">
+        <a:schemeClr val="lt1"/>
+      </a:fontRef>
+    </dgm:style>
+  </dgm:styleLbl>
+  <dgm:styleLbl name="sibTrans1D1">
+    <dgm:scene3d>
+      <a:camera prst="orthographicFront"/>
+      <a:lightRig rig="threePt" dir="t"/>
+    </dgm:scene3d>
+    <dgm:sp3d/>
+    <dgm:txPr/>
+    <dgm:style>
+      <a:lnRef idx="1">
+        <a:scrgbClr r="0" g="0" b="0"/>
+      </a:lnRef>
+      <a:fillRef idx="0">
+        <a:scrgbClr r="0" g="0" b="0"/>
+      </a:fillRef>
+      <a:effectRef idx="0">
+        <a:scrgbClr r="0" g="0" b="0"/>
+      </a:effectRef>
+      <a:fontRef idx="minor"/>
+    </dgm:style>
+  </dgm:styleLbl>
+  <dgm:styleLbl name="callout">
+    <dgm:scene3d>
+      <a:camera prst="orthographicFront"/>
+      <a:lightRig rig="threePt" dir="t"/>
+    </dgm:scene3d>
+    <dgm:sp3d/>
+    <dgm:txPr/>
+    <dgm:style>
+      <a:lnRef idx="2">
+        <a:scrgbClr r="0" g="0" b="0"/>
+      </a:lnRef>
+      <a:fillRef idx="1">
+        <a:scrgbClr r="0" g="0" b="0"/>
+      </a:fillRef>
+      <a:effectRef idx="0">
+        <a:scrgbClr r="0" g="0" b="0"/>
+      </a:effectRef>
+      <a:fontRef idx="minor"/>
+    </dgm:style>
+  </dgm:styleLbl>
+  <dgm:styleLbl name="asst0">
+    <dgm:scene3d>
+      <a:camera prst="orthographicFront"/>
+      <a:lightRig rig="threePt" dir="t"/>
+    </dgm:scene3d>
+    <dgm:sp3d/>
+    <dgm:txPr/>
+    <dgm:style>
+      <a:lnRef idx="2">
+        <a:scrgbClr r="0" g="0" b="0"/>
+      </a:lnRef>
+      <a:fillRef idx="1">
+        <a:scrgbClr r="0" g="0" b="0"/>
+      </a:fillRef>
+      <a:effectRef idx="0">
+        <a:scrgbClr r="0" g="0" b="0"/>
+      </a:effectRef>
+      <a:fontRef idx="minor">
+        <a:schemeClr val="lt1"/>
+      </a:fontRef>
+    </dgm:style>
+  </dgm:styleLbl>
+  <dgm:styleLbl name="asst1">
+    <dgm:scene3d>
+      <a:camera prst="orthographicFront"/>
+      <a:lightRig rig="threePt" dir="t"/>
+    </dgm:scene3d>
+    <dgm:sp3d/>
+    <dgm:txPr/>
+    <dgm:style>
+      <a:lnRef idx="2">
+        <a:scrgbClr r="0" g="0" b="0"/>
+      </a:lnRef>
+      <a:fillRef idx="1">
+        <a:scrgbClr r="0" g="0" b="0"/>
+      </a:fillRef>
+      <a:effectRef idx="0">
+        <a:scrgbClr r="0" g="0" b="0"/>
+      </a:effectRef>
+      <a:fontRef idx="minor">
+        <a:schemeClr val="lt1"/>
+      </a:fontRef>
+    </dgm:style>
+  </dgm:styleLbl>
+  <dgm:styleLbl name="asst2">
+    <dgm:scene3d>
+      <a:camera prst="orthographicFront"/>
+      <a:lightRig rig="threePt" dir="t"/>
+    </dgm:scene3d>
+    <dgm:sp3d/>
+    <dgm:txPr/>
+    <dgm:style>
+      <a:lnRef idx="2">
+        <a:scrgbClr r="0" g="0" b="0"/>
+      </a:lnRef>
+      <a:fillRef idx="1">
+        <a:scrgbClr r="0" g="0" b="0"/>
+      </a:fillRef>
+      <a:effectRef idx="0">
+        <a:scrgbClr r="0" g="0" b="0"/>
+      </a:effectRef>
+      <a:fontRef idx="minor">
+        <a:schemeClr val="lt1"/>
+      </a:fontRef>
+    </dgm:style>
+  </dgm:styleLbl>
+  <dgm:styleLbl name="asst3">
+    <dgm:scene3d>
+      <a:camera prst="orthographicFront"/>
+      <a:lightRig rig="threePt" dir="t"/>
+    </dgm:scene3d>
+    <dgm:sp3d/>
+    <dgm:txPr/>
+    <dgm:style>
+      <a:lnRef idx="2">
+        <a:scrgbClr r="0" g="0" b="0"/>
+      </a:lnRef>
+      <a:fillRef idx="1">
+        <a:scrgbClr r="0" g="0" b="0"/>
+      </a:fillRef>
+      <a:effectRef idx="0">
+        <a:scrgbClr r="0" g="0" b="0"/>
+      </a:effectRef>
+      <a:fontRef idx="minor">
+        <a:schemeClr val="lt1"/>
+      </a:fontRef>
+    </dgm:style>
+  </dgm:styleLbl>
+  <dgm:styleLbl name="asst4">
+    <dgm:scene3d>
+      <a:camera prst="orthographicFront"/>
+      <a:lightRig rig="threePt" dir="t"/>
+    </dgm:scene3d>
+    <dgm:sp3d/>
+    <dgm:txPr/>
+    <dgm:style>
+      <a:lnRef idx="2">
+        <a:scrgbClr r="0" g="0" b="0"/>
+      </a:lnRef>
+      <a:fillRef idx="1">
+        <a:scrgbClr r="0" g="0" b="0"/>
+      </a:fillRef>
+      <a:effectRef idx="0">
+        <a:scrgbClr r="0" g="0" b="0"/>
+      </a:effectRef>
+      <a:fontRef idx="minor">
+        <a:schemeClr val="lt1"/>
+      </a:fontRef>
+    </dgm:style>
+  </dgm:styleLbl>
+  <dgm:styleLbl name="parChTrans2D1">
+    <dgm:scene3d>
+      <a:camera prst="orthographicFront"/>
+      <a:lightRig rig="threePt" dir="t"/>
+    </dgm:scene3d>
+    <dgm:sp3d/>
+    <dgm:txPr/>
+    <dgm:style>
+      <a:lnRef idx="2">
+        <a:scrgbClr r="0" g="0" b="0"/>
+      </a:lnRef>
+      <a:fillRef idx="1">
+        <a:scrgbClr r="0" g="0" b="0"/>
+      </a:fillRef>
+      <a:effectRef idx="0">
+        <a:scrgbClr r="0" g="0" b="0"/>
+      </a:effectRef>
+      <a:fontRef idx="minor">
+        <a:schemeClr val="lt1"/>
+      </a:fontRef>
+    </dgm:style>
+  </dgm:styleLbl>
+  <dgm:styleLbl name="parChTrans2D2">
+    <dgm:scene3d>
+      <a:camera prst="orthographicFront"/>
+      <a:lightRig rig="threePt" dir="t"/>
+    </dgm:scene3d>
+    <dgm:sp3d/>
+    <dgm:txPr/>
+    <dgm:style>
+      <a:lnRef idx="2">
+        <a:scrgbClr r="0" g="0" b="0"/>
+      </a:lnRef>
+      <a:fillRef idx="1">
+        <a:scrgbClr r="0" g="0" b="0"/>
+      </a:fillRef>
+      <a:effectRef idx="0">
+        <a:scrgbClr r="0" g="0" b="0"/>
+      </a:effectRef>
+      <a:fontRef idx="minor">
+        <a:schemeClr val="lt1"/>
+      </a:fontRef>
+    </dgm:style>
+  </dgm:styleLbl>
+  <dgm:styleLbl name="parChTrans2D3">
+    <dgm:scene3d>
+      <a:camera prst="orthographicFront"/>
+      <a:lightRig rig="threePt" dir="t"/>
+    </dgm:scene3d>
+    <dgm:sp3d/>
+    <dgm:txPr/>
+    <dgm:style>
+      <a:lnRef idx="2">
+        <a:scrgbClr r="0" g="0" b="0"/>
+      </a:lnRef>
+      <a:fillRef idx="1">
+        <a:scrgbClr r="0" g="0" b="0"/>
+      </a:fillRef>
+      <a:effectRef idx="0">
+        <a:scrgbClr r="0" g="0" b="0"/>
+      </a:effectRef>
+      <a:fontRef idx="minor">
+        <a:schemeClr val="lt1"/>
+      </a:fontRef>
+    </dgm:style>
+  </dgm:styleLbl>
+  <dgm:styleLbl name="parChTrans2D4">
+    <dgm:scene3d>
+      <a:camera prst="orthographicFront"/>
+      <a:lightRig rig="threePt" dir="t"/>
+    </dgm:scene3d>
+    <dgm:sp3d/>
+    <dgm:txPr/>
+    <dgm:style>
+      <a:lnRef idx="2">
+        <a:scrgbClr r="0" g="0" b="0"/>
+      </a:lnRef>
+      <a:fillRef idx="1">
+        <a:scrgbClr r="0" g="0" b="0"/>
+      </a:fillRef>
+      <a:effectRef idx="0">
+        <a:scrgbClr r="0" g="0" b="0"/>
+      </a:effectRef>
+      <a:fontRef idx="minor">
+        <a:schemeClr val="lt1"/>
+      </a:fontRef>
+    </dgm:style>
+  </dgm:styleLbl>
+  <dgm:styleLbl name="parChTrans1D1">
+    <dgm:scene3d>
+      <a:camera prst="orthographicFront"/>
+      <a:lightRig rig="threePt" dir="t"/>
+    </dgm:scene3d>
+    <dgm:sp3d/>
+    <dgm:txPr/>
+    <dgm:style>
+      <a:lnRef idx="2">
+        <a:scrgbClr r="0" g="0" b="0"/>
+      </a:lnRef>
+      <a:fillRef idx="0">
+        <a:scrgbClr r="0" g="0" b="0"/>
+      </a:fillRef>
+      <a:effectRef idx="0">
+        <a:scrgbClr r="0" g="0" b="0"/>
+      </a:effectRef>
+      <a:fontRef idx="minor"/>
+    </dgm:style>
+  </dgm:styleLbl>
+  <dgm:styleLbl name="parChTrans1D2">
+    <dgm:scene3d>
+      <a:camera prst="orthographicFront"/>
+      <a:lightRig rig="threePt" dir="t"/>
+    </dgm:scene3d>
+    <dgm:sp3d/>
+    <dgm:txPr/>
+    <dgm:style>
+      <a:lnRef idx="2">
+        <a:scrgbClr r="0" g="0" b="0"/>
+      </a:lnRef>
+      <a:fillRef idx="0">
+        <a:scrgbClr r="0" g="0" b="0"/>
+      </a:fillRef>
+      <a:effectRef idx="0">
+        <a:scrgbClr r="0" g="0" b="0"/>
+      </a:effectRef>
+      <a:fontRef idx="minor"/>
+    </dgm:style>
+  </dgm:styleLbl>
+  <dgm:styleLbl name="parChTrans1D3">
+    <dgm:scene3d>
+      <a:camera prst="orthographicFront"/>
+      <a:lightRig rig="threePt" dir="t"/>
+    </dgm:scene3d>
+    <dgm:sp3d/>
+    <dgm:txPr/>
+    <dgm:style>
+      <a:lnRef idx="2">
+        <a:scrgbClr r="0" g="0" b="0"/>
+      </a:lnRef>
+      <a:fillRef idx="0">
+        <a:scrgbClr r="0" g="0" b="0"/>
+      </a:fillRef>
+      <a:effectRef idx="0">
+        <a:scrgbClr r="0" g="0" b="0"/>
+      </a:effectRef>
+      <a:fontRef idx="minor"/>
+    </dgm:style>
+  </dgm:styleLbl>
+  <dgm:styleLbl name="parChTrans1D4">
+    <dgm:scene3d>
+      <a:camera prst="orthographicFront"/>
+      <a:lightRig rig="threePt" dir="t"/>
+    </dgm:scene3d>
+    <dgm:sp3d/>
+    <dgm:txPr/>
+    <dgm:style>
+      <a:lnRef idx="2">
+        <a:scrgbClr r="0" g="0" b="0"/>
+      </a:lnRef>
+      <a:fillRef idx="0">
+        <a:scrgbClr r="0" g="0" b="0"/>
+      </a:fillRef>
+      <a:effectRef idx="0">
+        <a:scrgbClr r="0" g="0" b="0"/>
+      </a:effectRef>
+      <a:fontRef idx="minor"/>
+    </dgm:style>
+  </dgm:styleLbl>
+  <dgm:styleLbl name="fgAcc1">
+    <dgm:scene3d>
+      <a:camera prst="orthographicFront"/>
+      <a:lightRig rig="threePt" dir="t"/>
+    </dgm:scene3d>
+    <dgm:sp3d/>
+    <dgm:txPr/>
+    <dgm:style>
+      <a:lnRef idx="2">
+        <a:scrgbClr r="0" g="0" b="0"/>
+      </a:lnRef>
+      <a:fillRef idx="1">
+        <a:scrgbClr r="0" g="0" b="0"/>
+      </a:fillRef>
+      <a:effectRef idx="0">
+        <a:scrgbClr r="0" g="0" b="0"/>
+      </a:effectRef>
+      <a:fontRef idx="minor"/>
+    </dgm:style>
+  </dgm:styleLbl>
+  <dgm:styleLbl name="conFgAcc1">
+    <dgm:scene3d>
+      <a:camera prst="orthographicFront"/>
+      <a:lightRig rig="threePt" dir="t"/>
+    </dgm:scene3d>
+    <dgm:sp3d/>
+    <dgm:txPr/>
+    <dgm:style>
+      <a:lnRef idx="2">
+        <a:scrgbClr r="0" g="0" b="0"/>
+      </a:lnRef>
+      <a:fillRef idx="1">
+        <a:scrgbClr r="0" g="0" b="0"/>
+      </a:fillRef>
+      <a:effectRef idx="0">
+        <a:scrgbClr r="0" g="0" b="0"/>
+      </a:effectRef>
+      <a:fontRef idx="minor"/>
+    </dgm:style>
+  </dgm:styleLbl>
+  <dgm:styleLbl name="alignAcc1">
+    <dgm:scene3d>
+      <a:camera prst="orthographicFront"/>
+      <a:lightRig rig="threePt" dir="t"/>
+    </dgm:scene3d>
+    <dgm:sp3d/>
+    <dgm:txPr/>
+    <dgm:style>
+      <a:lnRef idx="2">
+        <a:scrgbClr r="0" g="0" b="0"/>
+      </a:lnRef>
+      <a:fillRef idx="1">
+        <a:scrgbClr r="0" g="0" b="0"/>
+      </a:fillRef>
+      <a:effectRef idx="0">
+        <a:scrgbClr r="0" g="0" b="0"/>
+      </a:effectRef>
+      <a:fontRef idx="minor"/>
+    </dgm:style>
+  </dgm:styleLbl>
+  <dgm:styleLbl name="trAlignAcc1">
+    <dgm:scene3d>
+      <a:camera prst="orthographicFront"/>
+      <a:lightRig rig="threePt" dir="t"/>
+    </dgm:scene3d>
+    <dgm:sp3d/>
+    <dgm:txPr/>
+    <dgm:style>
+      <a:lnRef idx="1">
+        <a:scrgbClr r="0" g="0" b="0"/>
+      </a:lnRef>
+      <a:fillRef idx="1">
+        <a:scrgbClr r="0" g="0" b="0"/>
+      </a:fillRef>
+      <a:effectRef idx="0">
+        <a:scrgbClr r="0" g="0" b="0"/>
+      </a:effectRef>
+      <a:fontRef idx="minor"/>
+    </dgm:style>
+  </dgm:styleLbl>
+  <dgm:styleLbl name="bgAcc1">
+    <dgm:scene3d>
+      <a:camera prst="orthographicFront"/>
+      <a:lightRig rig="threePt" dir="t"/>
+    </dgm:scene3d>
+    <dgm:sp3d/>
+    <dgm:txPr/>
+    <dgm:style>
+      <a:lnRef idx="2">
+        <a:scrgbClr r="0" g="0" b="0"/>
+      </a:lnRef>
+      <a:fillRef idx="1">
+        <a:scrgbClr r="0" g="0" b="0"/>
+      </a:fillRef>
+      <a:effectRef idx="0">
+        <a:scrgbClr r="0" g="0" b="0"/>
+      </a:effectRef>
+      <a:fontRef idx="minor"/>
+    </dgm:style>
+  </dgm:styleLbl>
+  <dgm:styleLbl name="solidFgAcc1">
+    <dgm:scene3d>
+      <a:camera prst="orthographicFront"/>
+      <a:lightRig rig="threePt" dir="t"/>
+    </dgm:scene3d>
+    <dgm:sp3d/>
+    <dgm:txPr/>
+    <dgm:style>
+      <a:lnRef idx="2">
+        <a:scrgbClr r="0" g="0" b="0"/>
+      </a:lnRef>
+      <a:fillRef idx="1">
+        <a:scrgbClr r="0" g="0" b="0"/>
+      </a:fillRef>
+      <a:effectRef idx="0">
+        <a:scrgbClr r="0" g="0" b="0"/>
+      </a:effectRef>
+      <a:fontRef idx="minor"/>
+    </dgm:style>
+  </dgm:styleLbl>
+  <dgm:styleLbl name="solidAlignAcc1">
+    <dgm:scene3d>
+      <a:camera prst="orthographicFront"/>
+      <a:lightRig rig="threePt" dir="t"/>
+    </dgm:scene3d>
+    <dgm:sp3d/>
+    <dgm:txPr/>
+    <dgm:style>
+      <a:lnRef idx="2">
+        <a:scrgbClr r="0" g="0" b="0"/>
+      </a:lnRef>
+      <a:fillRef idx="1">
+        <a:scrgbClr r="0" g="0" b="0"/>
+      </a:fillRef>
+      <a:effectRef idx="0">
+        <a:scrgbClr r="0" g="0" b="0"/>
+      </a:effectRef>
+      <a:fontRef idx="minor"/>
+    </dgm:style>
+  </dgm:styleLbl>
+  <dgm:styleLbl name="solidBgAcc1">
+    <dgm:scene3d>
+      <a:camera prst="orthographicFront"/>
+      <a:lightRig rig="threePt" dir="t"/>
+    </dgm:scene3d>
+    <dgm:sp3d/>
+    <dgm:txPr/>
+    <dgm:style>
+      <a:lnRef idx="2">
+        <a:scrgbClr r="0" g="0" b="0"/>
+      </a:lnRef>
+      <a:fillRef idx="1">
+        <a:scrgbClr r="0" g="0" b="0"/>
+      </a:fillRef>
+      <a:effectRef idx="0">
+        <a:scrgbClr r="0" g="0" b="0"/>
+      </a:effectRef>
+      <a:fontRef idx="minor"/>
+    </dgm:style>
+  </dgm:styleLbl>
+  <dgm:styleLbl name="fgAccFollowNode1">
+    <dgm:scene3d>
+      <a:camera prst="orthographicFront"/>
+      <a:lightRig rig="threePt" dir="t"/>
+    </dgm:scene3d>
+    <dgm:sp3d/>
+    <dgm:txPr/>
+    <dgm:style>
+      <a:lnRef idx="2">
+        <a:scrgbClr r="0" g="0" b="0"/>
+      </a:lnRef>
+      <a:fillRef idx="1">
+        <a:scrgbClr r="0" g="0" b="0"/>
+      </a:fillRef>
+      <a:effectRef idx="0">
+        <a:scrgbClr r="0" g="0" b="0"/>
+      </a:effectRef>
+      <a:fontRef idx="minor"/>
+    </dgm:style>
+  </dgm:styleLbl>
+  <dgm:styleLbl name="alignAccFollowNode1">
+    <dgm:scene3d>
+      <a:camera prst="orthographicFront"/>
+      <a:lightRig rig="threePt" dir="t"/>
+    </dgm:scene3d>
+    <dgm:sp3d/>
+    <dgm:txPr/>
+    <dgm:style>
+      <a:lnRef idx="2">
+        <a:scrgbClr r="0" g="0" b="0"/>
+      </a:lnRef>
+      <a:fillRef idx="1">
+        <a:scrgbClr r="0" g="0" b="0"/>
+      </a:fillRef>
+      <a:effectRef idx="0">
+        <a:scrgbClr r="0" g="0" b="0"/>
+      </a:effectRef>
+      <a:fontRef idx="minor"/>
+    </dgm:style>
+  </dgm:styleLbl>
+  <dgm:styleLbl name="bgAccFollowNode1">
+    <dgm:scene3d>
+      <a:camera prst="orthographicFront"/>
+      <a:lightRig rig="threePt" dir="t"/>
+    </dgm:scene3d>
+    <dgm:sp3d/>
+    <dgm:txPr/>
+    <dgm:style>
+      <a:lnRef idx="2">
+        <a:scrgbClr r="0" g="0" b="0"/>
+      </a:lnRef>
+      <a:fillRef idx="1">
+        <a:scrgbClr r="0" g="0" b="0"/>
+      </a:fillRef>
+      <a:effectRef idx="0">
+        <a:scrgbClr r="0" g="0" b="0"/>
+      </a:effectRef>
+      <a:fontRef idx="minor"/>
+    </dgm:style>
+  </dgm:styleLbl>
+  <dgm:styleLbl name="fgAcc0">
+    <dgm:scene3d>
+      <a:camera prst="orthographicFront"/>
+      <a:lightRig rig="threePt" dir="t"/>
+    </dgm:scene3d>
+    <dgm:sp3d/>
+    <dgm:txPr/>
+    <dgm:style>
+      <a:lnRef idx="2">
+        <a:scrgbClr r="0" g="0" b="0"/>
+      </a:lnRef>
+      <a:fillRef idx="1">
+        <a:scrgbClr r="0" g="0" b="0"/>
+      </a:fillRef>
+      <a:effectRef idx="0">
+        <a:scrgbClr r="0" g="0" b="0"/>
+      </a:effectRef>
+      <a:fontRef idx="minor"/>
+    </dgm:style>
+  </dgm:styleLbl>
+  <dgm:styleLbl name="fgAcc2">
+    <dgm:scene3d>
+      <a:camera prst="orthographicFront"/>
+      <a:lightRig rig="threePt" dir="t"/>
+    </dgm:scene3d>
+    <dgm:sp3d/>
+    <dgm:txPr/>
+    <dgm:style>
+      <a:lnRef idx="2">
+        <a:scrgbClr r="0" g="0" b="0"/>
+      </a:lnRef>
+      <a:fillRef idx="1">
+        <a:scrgbClr r="0" g="0" b="0"/>
+      </a:fillRef>
+      <a:effectRef idx="0">
+        <a:scrgbClr r="0" g="0" b="0"/>
+      </a:effectRef>
+      <a:fontRef idx="minor"/>
+    </dgm:style>
+  </dgm:styleLbl>
+  <dgm:styleLbl name="fgAcc3">
+    <dgm:scene3d>
+      <a:camera prst="orthographicFront"/>
+      <a:lightRig rig="threePt" dir="t"/>
+    </dgm:scene3d>
+    <dgm:sp3d/>
+    <dgm:txPr/>
+    <dgm:style>
+      <a:lnRef idx="2">
+        <a:scrgbClr r="0" g="0" b="0"/>
+      </a:lnRef>
+      <a:fillRef idx="1">
+        <a:scrgbClr r="0" g="0" b="0"/>
+      </a:fillRef>
+      <a:effectRef idx="0">
+        <a:scrgbClr r="0" g="0" b="0"/>
+      </a:effectRef>
+      <a:fontRef idx="minor"/>
+    </dgm:style>
+  </dgm:styleLbl>
+  <dgm:styleLbl name="fgAcc4">
+    <dgm:scene3d>
+      <a:camera prst="orthographicFront"/>
+      <a:lightRig rig="threePt" dir="t"/>
+    </dgm:scene3d>
+    <dgm:sp3d/>
+    <dgm:txPr/>
+    <dgm:style>
+      <a:lnRef idx="2">
+        <a:scrgbClr r="0" g="0" b="0"/>
+      </a:lnRef>
+      <a:fillRef idx="1">
+        <a:scrgbClr r="0" g="0" b="0"/>
+      </a:fillRef>
+      <a:effectRef idx="0">
+        <a:scrgbClr r="0" g="0" b="0"/>
+      </a:effectRef>
+      <a:fontRef idx="minor"/>
+    </dgm:style>
+  </dgm:styleLbl>
+  <dgm:styleLbl name="bgShp">
+    <dgm:scene3d>
+      <a:camera prst="orthographicFront"/>
+      <a:lightRig rig="threePt" dir="t"/>
+    </dgm:scene3d>
+    <dgm:sp3d/>
+    <dgm:txPr/>
+    <dgm:style>
+      <a:lnRef idx="0">
+        <a:scrgbClr r="0" g="0" b="0"/>
+      </a:lnRef>
+      <a:fillRef idx="1">
+        <a:scrgbClr r="0" g="0" b="0"/>
+      </a:fillRef>
+      <a:effectRef idx="0">
+        <a:scrgbClr r="0" g="0" b="0"/>
+      </a:effectRef>
+      <a:fontRef idx="minor"/>
+    </dgm:style>
+  </dgm:styleLbl>
+  <dgm:styleLbl name="dkBgShp">
+    <dgm:scene3d>
+      <a:camera prst="orthographicFront"/>
+      <a:lightRig rig="threePt" dir="t"/>
+    </dgm:scene3d>
+    <dgm:sp3d/>
+    <dgm:txPr/>
+    <dgm:style>
+      <a:lnRef idx="0">
+        <a:scrgbClr r="0" g="0" b="0"/>
+      </a:lnRef>
+      <a:fillRef idx="1">
+        <a:scrgbClr r="0" g="0" b="0"/>
+      </a:fillRef>
+      <a:effectRef idx="0">
+        <a:scrgbClr r="0" g="0" b="0"/>
+      </a:effectRef>
+      <a:fontRef idx="minor"/>
+    </dgm:style>
+  </dgm:styleLbl>
+  <dgm:styleLbl name="trBgShp">
+    <dgm:scene3d>
+      <a:camera prst="orthographicFront"/>
+      <a:lightRig rig="threePt" dir="t"/>
+    </dgm:scene3d>
+    <dgm:sp3d/>
+    <dgm:txPr/>
+    <dgm:style>
+      <a:lnRef idx="0">
+        <a:scrgbClr r="0" g="0" b="0"/>
+      </a:lnRef>
+      <a:fillRef idx="1">
+        <a:scrgbClr r="0" g="0" b="0"/>
+      </a:fillRef>
+      <a:effectRef idx="0">
+        <a:scrgbClr r="0" g="0" b="0"/>
+      </a:effectRef>
+      <a:fontRef idx="minor"/>
+    </dgm:style>
+  </dgm:styleLbl>
+  <dgm:styleLbl name="fgShp">
+    <dgm:scene3d>
+      <a:camera prst="orthographicFront"/>
+      <a:lightRig rig="threePt" dir="t"/>
+    </dgm:scene3d>
+    <dgm:sp3d/>
+    <dgm:txPr/>
+    <dgm:style>
+      <a:lnRef idx="2">
+        <a:scrgbClr r="0" g="0" b="0"/>
+      </a:lnRef>
+      <a:fillRef idx="1">
+        <a:scrgbClr r="0" g="0" b="0"/>
+      </a:fillRef>
+      <a:effectRef idx="0">
+        <a:scrgbClr r="0" g="0" b="0"/>
+      </a:effectRef>
+      <a:fontRef idx="minor"/>
+    </dgm:style>
+  </dgm:styleLbl>
+  <dgm:styleLbl name="revTx">
+    <dgm:scene3d>
+      <a:camera prst="orthographicFront"/>
+      <a:lightRig rig="threePt" dir="t"/>
+    </dgm:scene3d>
+    <dgm:sp3d/>
+    <dgm:txPr/>
+    <dgm:style>
+      <a:lnRef idx="0">
+        <a:scrgbClr r="0" g="0" b="0"/>
+      </a:lnRef>
+      <a:fillRef idx="0">
+        <a:scrgbClr r="0" g="0" b="0"/>
+      </a:fillRef>
+      <a:effectRef idx="0">
+        <a:scrgbClr r="0" g="0" b="0"/>
+      </a:effectRef>
+      <a:fontRef idx="minor"/>
+    </dgm:style>
+  </dgm:styleLbl>
+</dgm:styleDef>
+</file>
+
+<file path=ppt/diagrams/quickStyle9.xml><?xml version="1.0" encoding="utf-8"?>
 <dgm:styleDef xmlns:dgm="http://schemas.openxmlformats.org/drawingml/2006/diagram" xmlns:a="http://schemas.openxmlformats.org/drawingml/2006/main" uniqueId="urn:microsoft.com/office/officeart/2005/8/quickstyle/simple1">
   <dgm:title val=""/>
   <dgm:desc val=""/>
@@ -20412,7 +22821,7 @@
           <a:p>
             <a:fld id="{6C12F6B1-6786-4E64-B681-F379C9A54FC0}" type="datetimeFigureOut">
               <a:rPr lang="de-AT" smtClean="0"/>
-              <a:t>20.11.2017</a:t>
+              <a:t>23.11.2017</a:t>
             </a:fld>
             <a:endParaRPr lang="de-AT"/>
           </a:p>
@@ -22278,7 +24687,7 @@
           <a:p>
             <a:fld id="{83C286D2-5717-406C-AD4B-C4A69D5338FB}" type="datetimeFigureOut">
               <a:rPr lang="de-AT" smtClean="0"/>
-              <a:t>20.11.2017</a:t>
+              <a:t>23.11.2017</a:t>
             </a:fld>
             <a:endParaRPr lang="de-AT"/>
           </a:p>
@@ -22448,7 +24857,7 @@
           <a:p>
             <a:fld id="{83C286D2-5717-406C-AD4B-C4A69D5338FB}" type="datetimeFigureOut">
               <a:rPr lang="de-AT" smtClean="0"/>
-              <a:t>20.11.2017</a:t>
+              <a:t>23.11.2017</a:t>
             </a:fld>
             <a:endParaRPr lang="de-AT"/>
           </a:p>
@@ -22628,7 +25037,7 @@
           <a:p>
             <a:fld id="{83C286D2-5717-406C-AD4B-C4A69D5338FB}" type="datetimeFigureOut">
               <a:rPr lang="de-AT" smtClean="0"/>
-              <a:t>20.11.2017</a:t>
+              <a:t>23.11.2017</a:t>
             </a:fld>
             <a:endParaRPr lang="de-AT"/>
           </a:p>
@@ -22831,7 +25240,7 @@
           <a:p>
             <a:fld id="{83C286D2-5717-406C-AD4B-C4A69D5338FB}" type="datetimeFigureOut">
               <a:rPr lang="de-AT" smtClean="0"/>
-              <a:t>20.11.2017</a:t>
+              <a:t>23.11.2017</a:t>
             </a:fld>
             <a:endParaRPr lang="de-AT"/>
           </a:p>
@@ -23001,7 +25410,7 @@
           <a:p>
             <a:fld id="{83C286D2-5717-406C-AD4B-C4A69D5338FB}" type="datetimeFigureOut">
               <a:rPr lang="de-AT" smtClean="0"/>
-              <a:t>20.11.2017</a:t>
+              <a:t>23.11.2017</a:t>
             </a:fld>
             <a:endParaRPr lang="de-AT"/>
           </a:p>
@@ -23252,7 +25661,7 @@
           <a:p>
             <a:fld id="{83C286D2-5717-406C-AD4B-C4A69D5338FB}" type="datetimeFigureOut">
               <a:rPr lang="de-AT" smtClean="0"/>
-              <a:t>20.11.2017</a:t>
+              <a:t>23.11.2017</a:t>
             </a:fld>
             <a:endParaRPr lang="de-AT"/>
           </a:p>
@@ -23484,7 +25893,7 @@
           <a:p>
             <a:fld id="{83C286D2-5717-406C-AD4B-C4A69D5338FB}" type="datetimeFigureOut">
               <a:rPr lang="de-AT" smtClean="0"/>
-              <a:t>20.11.2017</a:t>
+              <a:t>23.11.2017</a:t>
             </a:fld>
             <a:endParaRPr lang="de-AT"/>
           </a:p>
@@ -23831,7 +26240,7 @@
           <a:p>
             <a:fld id="{83C286D2-5717-406C-AD4B-C4A69D5338FB}" type="datetimeFigureOut">
               <a:rPr lang="de-AT" smtClean="0"/>
-              <a:t>20.11.2017</a:t>
+              <a:t>23.11.2017</a:t>
             </a:fld>
             <a:endParaRPr lang="de-AT"/>
           </a:p>
@@ -23949,7 +26358,7 @@
           <a:p>
             <a:fld id="{83C286D2-5717-406C-AD4B-C4A69D5338FB}" type="datetimeFigureOut">
               <a:rPr lang="de-AT" smtClean="0"/>
-              <a:t>20.11.2017</a:t>
+              <a:t>23.11.2017</a:t>
             </a:fld>
             <a:endParaRPr lang="de-AT"/>
           </a:p>
@@ -24067,7 +26476,7 @@
           <a:p>
             <a:fld id="{83C286D2-5717-406C-AD4B-C4A69D5338FB}" type="datetimeFigureOut">
               <a:rPr lang="de-AT" smtClean="0"/>
-              <a:t>20.11.2017</a:t>
+              <a:t>23.11.2017</a:t>
             </a:fld>
             <a:endParaRPr lang="de-AT"/>
           </a:p>
@@ -24351,7 +26760,7 @@
           <a:p>
             <a:fld id="{83C286D2-5717-406C-AD4B-C4A69D5338FB}" type="datetimeFigureOut">
               <a:rPr lang="de-AT" smtClean="0"/>
-              <a:t>20.11.2017</a:t>
+              <a:t>23.11.2017</a:t>
             </a:fld>
             <a:endParaRPr lang="de-AT"/>
           </a:p>
@@ -24521,7 +26930,7 @@
           <a:p>
             <a:fld id="{83C286D2-5717-406C-AD4B-C4A69D5338FB}" type="datetimeFigureOut">
               <a:rPr lang="de-AT" smtClean="0"/>
-              <a:t>20.11.2017</a:t>
+              <a:t>23.11.2017</a:t>
             </a:fld>
             <a:endParaRPr lang="de-AT"/>
           </a:p>
@@ -24785,7 +27194,7 @@
           <a:p>
             <a:fld id="{83C286D2-5717-406C-AD4B-C4A69D5338FB}" type="datetimeFigureOut">
               <a:rPr lang="de-AT" smtClean="0"/>
-              <a:t>20.11.2017</a:t>
+              <a:t>23.11.2017</a:t>
             </a:fld>
             <a:endParaRPr lang="de-AT"/>
           </a:p>
@@ -24955,7 +27364,7 @@
           <a:p>
             <a:fld id="{83C286D2-5717-406C-AD4B-C4A69D5338FB}" type="datetimeFigureOut">
               <a:rPr lang="de-AT" smtClean="0"/>
-              <a:t>20.11.2017</a:t>
+              <a:t>23.11.2017</a:t>
             </a:fld>
             <a:endParaRPr lang="de-AT"/>
           </a:p>
@@ -25135,7 +27544,7 @@
           <a:p>
             <a:fld id="{83C286D2-5717-406C-AD4B-C4A69D5338FB}" type="datetimeFigureOut">
               <a:rPr lang="de-AT" smtClean="0"/>
-              <a:t>20.11.2017</a:t>
+              <a:t>23.11.2017</a:t>
             </a:fld>
             <a:endParaRPr lang="de-AT"/>
           </a:p>
@@ -25420,7 +27829,7 @@
           <a:p>
             <a:fld id="{83C286D2-5717-406C-AD4B-C4A69D5338FB}" type="datetimeFigureOut">
               <a:rPr lang="de-AT" smtClean="0"/>
-              <a:t>20.11.2017</a:t>
+              <a:t>23.11.2017</a:t>
             </a:fld>
             <a:endParaRPr lang="de-AT"/>
           </a:p>
@@ -25590,7 +27999,7 @@
           <a:p>
             <a:fld id="{83C286D2-5717-406C-AD4B-C4A69D5338FB}" type="datetimeFigureOut">
               <a:rPr lang="de-AT" smtClean="0"/>
-              <a:t>20.11.2017</a:t>
+              <a:t>23.11.2017</a:t>
             </a:fld>
             <a:endParaRPr lang="de-AT"/>
           </a:p>
@@ -25848,7 +28257,7 @@
           <a:p>
             <a:fld id="{83C286D2-5717-406C-AD4B-C4A69D5338FB}" type="datetimeFigureOut">
               <a:rPr lang="de-AT" smtClean="0"/>
-              <a:t>20.11.2017</a:t>
+              <a:t>23.11.2017</a:t>
             </a:fld>
             <a:endParaRPr lang="de-AT"/>
           </a:p>
@@ -26136,7 +28545,7 @@
           <a:p>
             <a:fld id="{83C286D2-5717-406C-AD4B-C4A69D5338FB}" type="datetimeFigureOut">
               <a:rPr lang="de-AT" smtClean="0"/>
-              <a:t>20.11.2017</a:t>
+              <a:t>23.11.2017</a:t>
             </a:fld>
             <a:endParaRPr lang="de-AT"/>
           </a:p>
@@ -26578,7 +28987,7 @@
           <a:p>
             <a:fld id="{83C286D2-5717-406C-AD4B-C4A69D5338FB}" type="datetimeFigureOut">
               <a:rPr lang="de-AT" smtClean="0"/>
-              <a:t>20.11.2017</a:t>
+              <a:t>23.11.2017</a:t>
             </a:fld>
             <a:endParaRPr lang="de-AT"/>
           </a:p>
@@ -26696,7 +29105,7 @@
           <a:p>
             <a:fld id="{83C286D2-5717-406C-AD4B-C4A69D5338FB}" type="datetimeFigureOut">
               <a:rPr lang="de-AT" smtClean="0"/>
-              <a:t>20.11.2017</a:t>
+              <a:t>23.11.2017</a:t>
             </a:fld>
             <a:endParaRPr lang="de-AT"/>
           </a:p>
@@ -26791,7 +29200,7 @@
           <a:p>
             <a:fld id="{83C286D2-5717-406C-AD4B-C4A69D5338FB}" type="datetimeFigureOut">
               <a:rPr lang="de-AT" smtClean="0"/>
-              <a:t>20.11.2017</a:t>
+              <a:t>23.11.2017</a:t>
             </a:fld>
             <a:endParaRPr lang="de-AT"/>
           </a:p>
@@ -27042,7 +29451,7 @@
           <a:p>
             <a:fld id="{83C286D2-5717-406C-AD4B-C4A69D5338FB}" type="datetimeFigureOut">
               <a:rPr lang="de-AT" smtClean="0"/>
-              <a:t>20.11.2017</a:t>
+              <a:t>23.11.2017</a:t>
             </a:fld>
             <a:endParaRPr lang="de-AT"/>
           </a:p>
@@ -27330,7 +29739,7 @@
           <a:p>
             <a:fld id="{83C286D2-5717-406C-AD4B-C4A69D5338FB}" type="datetimeFigureOut">
               <a:rPr lang="de-AT" smtClean="0"/>
-              <a:t>20.11.2017</a:t>
+              <a:t>23.11.2017</a:t>
             </a:fld>
             <a:endParaRPr lang="de-AT"/>
           </a:p>
@@ -27603,7 +30012,7 @@
           <a:p>
             <a:fld id="{83C286D2-5717-406C-AD4B-C4A69D5338FB}" type="datetimeFigureOut">
               <a:rPr lang="de-AT" smtClean="0"/>
-              <a:t>20.11.2017</a:t>
+              <a:t>23.11.2017</a:t>
             </a:fld>
             <a:endParaRPr lang="de-AT"/>
           </a:p>
@@ -27778,7 +30187,7 @@
           <a:p>
             <a:fld id="{83C286D2-5717-406C-AD4B-C4A69D5338FB}" type="datetimeFigureOut">
               <a:rPr lang="de-AT" smtClean="0"/>
-              <a:t>20.11.2017</a:t>
+              <a:t>23.11.2017</a:t>
             </a:fld>
             <a:endParaRPr lang="de-AT"/>
           </a:p>
@@ -27958,7 +30367,7 @@
           <a:p>
             <a:fld id="{83C286D2-5717-406C-AD4B-C4A69D5338FB}" type="datetimeFigureOut">
               <a:rPr lang="de-AT" smtClean="0"/>
-              <a:t>20.11.2017</a:t>
+              <a:t>23.11.2017</a:t>
             </a:fld>
             <a:endParaRPr lang="de-AT"/>
           </a:p>
@@ -28190,7 +30599,7 @@
           <a:p>
             <a:fld id="{83C286D2-5717-406C-AD4B-C4A69D5338FB}" type="datetimeFigureOut">
               <a:rPr lang="de-AT" smtClean="0"/>
-              <a:t>20.11.2017</a:t>
+              <a:t>23.11.2017</a:t>
             </a:fld>
             <a:endParaRPr lang="de-AT"/>
           </a:p>
@@ -28537,7 +30946,7 @@
           <a:p>
             <a:fld id="{83C286D2-5717-406C-AD4B-C4A69D5338FB}" type="datetimeFigureOut">
               <a:rPr lang="de-AT" smtClean="0"/>
-              <a:t>20.11.2017</a:t>
+              <a:t>23.11.2017</a:t>
             </a:fld>
             <a:endParaRPr lang="de-AT"/>
           </a:p>
@@ -28655,7 +31064,7 @@
           <a:p>
             <a:fld id="{83C286D2-5717-406C-AD4B-C4A69D5338FB}" type="datetimeFigureOut">
               <a:rPr lang="de-AT" smtClean="0"/>
-              <a:t>20.11.2017</a:t>
+              <a:t>23.11.2017</a:t>
             </a:fld>
             <a:endParaRPr lang="de-AT"/>
           </a:p>
@@ -28773,7 +31182,7 @@
           <a:p>
             <a:fld id="{83C286D2-5717-406C-AD4B-C4A69D5338FB}" type="datetimeFigureOut">
               <a:rPr lang="de-AT" smtClean="0"/>
-              <a:t>20.11.2017</a:t>
+              <a:t>23.11.2017</a:t>
             </a:fld>
             <a:endParaRPr lang="de-AT"/>
           </a:p>
@@ -29057,7 +31466,7 @@
           <a:p>
             <a:fld id="{83C286D2-5717-406C-AD4B-C4A69D5338FB}" type="datetimeFigureOut">
               <a:rPr lang="de-AT" smtClean="0"/>
-              <a:t>20.11.2017</a:t>
+              <a:t>23.11.2017</a:t>
             </a:fld>
             <a:endParaRPr lang="de-AT"/>
           </a:p>
@@ -29321,7 +31730,7 @@
           <a:p>
             <a:fld id="{83C286D2-5717-406C-AD4B-C4A69D5338FB}" type="datetimeFigureOut">
               <a:rPr lang="de-AT" smtClean="0"/>
-              <a:t>20.11.2017</a:t>
+              <a:t>23.11.2017</a:t>
             </a:fld>
             <a:endParaRPr lang="de-AT"/>
           </a:p>
@@ -29535,7 +31944,7 @@
           <a:p>
             <a:fld id="{83C286D2-5717-406C-AD4B-C4A69D5338FB}" type="datetimeFigureOut">
               <a:rPr lang="de-AT" smtClean="0"/>
-              <a:t>20.11.2017</a:t>
+              <a:t>23.11.2017</a:t>
             </a:fld>
             <a:endParaRPr lang="de-AT"/>
           </a:p>
@@ -30070,7 +32479,7 @@
           <a:p>
             <a:fld id="{83C286D2-5717-406C-AD4B-C4A69D5338FB}" type="datetimeFigureOut">
               <a:rPr lang="de-AT" smtClean="0"/>
-              <a:t>20.11.2017</a:t>
+              <a:t>23.11.2017</a:t>
             </a:fld>
             <a:endParaRPr lang="de-AT"/>
           </a:p>
@@ -30683,7 +33092,7 @@
           <a:p>
             <a:fld id="{83C286D2-5717-406C-AD4B-C4A69D5338FB}" type="datetimeFigureOut">
               <a:rPr lang="de-AT" smtClean="0"/>
-              <a:t>20.11.2017</a:t>
+              <a:t>23.11.2017</a:t>
             </a:fld>
             <a:endParaRPr lang="de-AT"/>
           </a:p>
@@ -31310,6 +33719,146 @@
       </p:grpSpPr>
       <p:sp>
         <p:nvSpPr>
+          <p:cNvPr id="3" name="Inhaltsplatzhalter 2">
+            <a:extLst>
+              <a:ext uri="{FF2B5EF4-FFF2-40B4-BE49-F238E27FC236}">
+                <a16:creationId xmlns:a16="http://schemas.microsoft.com/office/drawing/2014/main" id="{2B1B71B1-6536-4B04-A248-64C7EF0D4CBA}"/>
+              </a:ext>
+            </a:extLst>
+          </p:cNvPr>
+          <p:cNvSpPr>
+            <a:spLocks noGrp="1"/>
+          </p:cNvSpPr>
+          <p:nvPr>
+            <p:ph idx="1"/>
+          </p:nvPr>
+        </p:nvSpPr>
+        <p:spPr/>
+        <p:txBody>
+          <a:bodyPr/>
+          <a:lstStyle/>
+          <a:p>
+            <a:endParaRPr lang="de-AT"/>
+          </a:p>
+        </p:txBody>
+      </p:sp>
+      <p:sp>
+        <p:nvSpPr>
+          <p:cNvPr id="4" name="Titel 1">
+            <a:extLst>
+              <a:ext uri="{FF2B5EF4-FFF2-40B4-BE49-F238E27FC236}">
+                <a16:creationId xmlns:a16="http://schemas.microsoft.com/office/drawing/2014/main" id="{F5D5D1EE-8224-4C4B-8D40-812DECE4C35D}"/>
+              </a:ext>
+            </a:extLst>
+          </p:cNvPr>
+          <p:cNvSpPr txBox="1">
+            <a:spLocks/>
+          </p:cNvSpPr>
+          <p:nvPr/>
+        </p:nvSpPr>
+        <p:spPr>
+          <a:xfrm>
+            <a:off x="405319" y="1276237"/>
+            <a:ext cx="2947482" cy="4601183"/>
+          </a:xfrm>
+          <a:prstGeom prst="rect">
+            <a:avLst/>
+          </a:prstGeom>
+        </p:spPr>
+        <p:txBody>
+          <a:bodyPr vert="horz" lIns="91440" tIns="45720" rIns="91440" bIns="45720" rtlCol="0" anchor="ctr">
+            <a:normAutofit/>
+          </a:bodyPr>
+          <a:lstStyle>
+            <a:lvl1pPr algn="l" defTabSz="914400" rtl="0" eaLnBrk="1" latinLnBrk="0" hangingPunct="1">
+              <a:lnSpc>
+                <a:spcPct val="90000"/>
+              </a:lnSpc>
+              <a:spcBef>
+                <a:spcPct val="0"/>
+              </a:spcBef>
+              <a:buNone/>
+              <a:defRPr sz="3600" kern="1200" spc="-60" baseline="0">
+                <a:solidFill>
+                  <a:srgbClr val="FFFFFF"/>
+                </a:solidFill>
+                <a:latin typeface="+mj-lt"/>
+                <a:ea typeface="+mj-ea"/>
+                <a:cs typeface="+mj-cs"/>
+              </a:defRPr>
+            </a:lvl1pPr>
+          </a:lstStyle>
+          <a:p>
+            <a:r>
+              <a:rPr lang="de-AT"/>
+              <a:t>Aufgaben Lukas Knoll</a:t>
+            </a:r>
+            <a:endParaRPr lang="de-AT" dirty="0"/>
+          </a:p>
+        </p:txBody>
+      </p:sp>
+      <p:graphicFrame>
+        <p:nvGraphicFramePr>
+          <p:cNvPr id="5" name="Inhaltsplatzhalter 3">
+            <a:extLst>
+              <a:ext uri="{FF2B5EF4-FFF2-40B4-BE49-F238E27FC236}">
+                <a16:creationId xmlns:a16="http://schemas.microsoft.com/office/drawing/2014/main" id="{556A9A9A-F0AB-40E0-A7C7-EB63C26A86E6}"/>
+              </a:ext>
+            </a:extLst>
+          </p:cNvPr>
+          <p:cNvGraphicFramePr>
+            <a:graphicFrameLocks/>
+          </p:cNvGraphicFramePr>
+          <p:nvPr>
+            <p:extLst>
+              <p:ext uri="{D42A27DB-BD31-4B8C-83A1-F6EECF244321}">
+                <p14:modId xmlns:p14="http://schemas.microsoft.com/office/powerpoint/2010/main" val="2737727471"/>
+              </p:ext>
+            </p:extLst>
+          </p:nvPr>
+        </p:nvGraphicFramePr>
+        <p:xfrm>
+          <a:off x="3868738" y="863600"/>
+          <a:ext cx="7477125" cy="5121275"/>
+        </p:xfrm>
+        <a:graphic>
+          <a:graphicData uri="http://schemas.openxmlformats.org/drawingml/2006/diagram">
+            <dgm:relIds xmlns:dgm="http://schemas.openxmlformats.org/drawingml/2006/diagram" xmlns:r="http://schemas.openxmlformats.org/officeDocument/2006/relationships" r:dm="rId2" r:lo="rId3" r:qs="rId4" r:cs="rId5"/>
+          </a:graphicData>
+        </a:graphic>
+      </p:graphicFrame>
+    </p:spTree>
+    <p:extLst>
+      <p:ext uri="{BB962C8B-B14F-4D97-AF65-F5344CB8AC3E}">
+        <p14:creationId xmlns:p14="http://schemas.microsoft.com/office/powerpoint/2010/main" val="2595421861"/>
+      </p:ext>
+    </p:extLst>
+  </p:cSld>
+  <p:clrMapOvr>
+    <a:masterClrMapping/>
+  </p:clrMapOvr>
+</p:sld>
+</file>
+
+<file path=ppt/slides/slide11.xml><?xml version="1.0" encoding="utf-8"?>
+<p:sld xmlns:a="http://schemas.openxmlformats.org/drawingml/2006/main" xmlns:r="http://schemas.openxmlformats.org/officeDocument/2006/relationships" xmlns:p="http://schemas.openxmlformats.org/presentationml/2006/main">
+  <p:cSld>
+    <p:spTree>
+      <p:nvGrpSpPr>
+        <p:cNvPr id="1" name=""/>
+        <p:cNvGrpSpPr/>
+        <p:nvPr/>
+      </p:nvGrpSpPr>
+      <p:grpSpPr>
+        <a:xfrm>
+          <a:off x="0" y="0"/>
+          <a:ext cx="0" cy="0"/>
+          <a:chOff x="0" y="0"/>
+          <a:chExt cx="0" cy="0"/>
+        </a:xfrm>
+      </p:grpSpPr>
+      <p:sp>
+        <p:nvSpPr>
           <p:cNvPr id="2" name="Titel 1">
             <a:extLst>
               <a:ext uri="{FF2B5EF4-FFF2-40B4-BE49-F238E27FC236}">
@@ -31336,28 +33885,3073 @@
           </a:p>
         </p:txBody>
       </p:sp>
-      <p:sp>
-        <p:nvSpPr>
-          <p:cNvPr id="3" name="Inhaltsplatzhalter 2">
+      <p:graphicFrame>
+        <p:nvGraphicFramePr>
+          <p:cNvPr id="7" name="Inhaltsplatzhalter 6">
             <a:extLst>
               <a:ext uri="{FF2B5EF4-FFF2-40B4-BE49-F238E27FC236}">
-                <a16:creationId xmlns:a16="http://schemas.microsoft.com/office/drawing/2014/main" id="{0BE08885-969F-4183-B3C8-5A78CC17A348}"/>
+                <a16:creationId xmlns:a16="http://schemas.microsoft.com/office/drawing/2014/main" id="{9E960B20-6233-43AD-9C51-3E033BF2659A}"/>
               </a:ext>
             </a:extLst>
           </p:cNvPr>
-          <p:cNvSpPr>
-            <a:spLocks noGrp="1"/>
-          </p:cNvSpPr>
+          <p:cNvGraphicFramePr>
+            <a:graphicFrameLocks noGrp="1"/>
+          </p:cNvGraphicFramePr>
           <p:nvPr>
             <p:ph idx="1"/>
+            <p:extLst>
+              <p:ext uri="{D42A27DB-BD31-4B8C-83A1-F6EECF244321}">
+                <p14:modId xmlns:p14="http://schemas.microsoft.com/office/powerpoint/2010/main" val="1843682708"/>
+              </p:ext>
+            </p:extLst>
           </p:nvPr>
+        </p:nvGraphicFramePr>
+        <p:xfrm>
+          <a:off x="3446586" y="3096360"/>
+          <a:ext cx="8358554" cy="2976195"/>
+        </p:xfrm>
+        <a:graphic>
+          <a:graphicData uri="http://schemas.openxmlformats.org/drawingml/2006/table">
+            <a:tbl>
+              <a:tblPr/>
+              <a:tblGrid>
+                <a:gridCol w="973659">
+                  <a:extLst>
+                    <a:ext uri="{9D8B030D-6E8A-4147-A177-3AD203B41FA5}">
+                      <a16:colId xmlns:a16="http://schemas.microsoft.com/office/drawing/2014/main" val="2301693330"/>
+                    </a:ext>
+                  </a:extLst>
+                </a:gridCol>
+                <a:gridCol w="4228352">
+                  <a:extLst>
+                    <a:ext uri="{9D8B030D-6E8A-4147-A177-3AD203B41FA5}">
+                      <a16:colId xmlns:a16="http://schemas.microsoft.com/office/drawing/2014/main" val="3797087131"/>
+                    </a:ext>
+                  </a:extLst>
+                </a:gridCol>
+                <a:gridCol w="1052181">
+                  <a:extLst>
+                    <a:ext uri="{9D8B030D-6E8A-4147-A177-3AD203B41FA5}">
+                      <a16:colId xmlns:a16="http://schemas.microsoft.com/office/drawing/2014/main" val="227264694"/>
+                    </a:ext>
+                  </a:extLst>
+                </a:gridCol>
+                <a:gridCol w="1052181">
+                  <a:extLst>
+                    <a:ext uri="{9D8B030D-6E8A-4147-A177-3AD203B41FA5}">
+                      <a16:colId xmlns:a16="http://schemas.microsoft.com/office/drawing/2014/main" val="714737663"/>
+                    </a:ext>
+                  </a:extLst>
+                </a:gridCol>
+                <a:gridCol w="1052181">
+                  <a:extLst>
+                    <a:ext uri="{9D8B030D-6E8A-4147-A177-3AD203B41FA5}">
+                      <a16:colId xmlns:a16="http://schemas.microsoft.com/office/drawing/2014/main" val="847092460"/>
+                    </a:ext>
+                  </a:extLst>
+                </a:gridCol>
+              </a:tblGrid>
+              <a:tr h="541128">
+                <a:tc>
+                  <a:txBody>
+                    <a:bodyPr/>
+                    <a:lstStyle/>
+                    <a:p>
+                      <a:pPr algn="l" fontAlgn="b"/>
+                      <a:r>
+                        <a:rPr lang="de-AT" sz="1000" b="1" i="0" u="none" strike="noStrike">
+                          <a:solidFill>
+                            <a:srgbClr val="000000"/>
+                          </a:solidFill>
+                          <a:effectLst/>
+                          <a:latin typeface="Arial" panose="020B0604020202020204" pitchFamily="34" charset="0"/>
+                        </a:rPr>
+                        <a:t>PSP-Code</a:t>
+                      </a:r>
+                    </a:p>
+                  </a:txBody>
+                  <a:tcPr marL="9525" marR="9525" marT="9525" marB="0" anchor="b">
+                    <a:lnL w="6350" cap="flat" cmpd="sng" algn="ctr">
+                      <a:solidFill>
+                        <a:srgbClr val="AEB9C1"/>
+                      </a:solidFill>
+                      <a:prstDash val="solid"/>
+                      <a:round/>
+                      <a:headEnd type="none" w="med" len="med"/>
+                      <a:tailEnd type="none" w="med" len="med"/>
+                    </a:lnL>
+                    <a:lnR w="6350" cap="flat" cmpd="sng" algn="ctr">
+                      <a:solidFill>
+                        <a:srgbClr val="AEB9C1"/>
+                      </a:solidFill>
+                      <a:prstDash val="solid"/>
+                      <a:round/>
+                      <a:headEnd type="none" w="med" len="med"/>
+                      <a:tailEnd type="none" w="med" len="med"/>
+                    </a:lnR>
+                    <a:lnT>
+                      <a:noFill/>
+                    </a:lnT>
+                    <a:lnB w="6350" cap="flat" cmpd="sng" algn="ctr">
+                      <a:solidFill>
+                        <a:srgbClr val="AEB9C1"/>
+                      </a:solidFill>
+                      <a:prstDash val="solid"/>
+                      <a:round/>
+                      <a:headEnd type="none" w="med" len="med"/>
+                      <a:tailEnd type="none" w="med" len="med"/>
+                    </a:lnB>
+                    <a:solidFill>
+                      <a:srgbClr val="E3E7EA"/>
+                    </a:solidFill>
+                  </a:tcPr>
+                </a:tc>
+                <a:tc>
+                  <a:txBody>
+                    <a:bodyPr/>
+                    <a:lstStyle/>
+                    <a:p>
+                      <a:pPr algn="l" fontAlgn="b"/>
+                      <a:r>
+                        <a:rPr lang="de-AT" sz="1000" b="1" i="0" u="none" strike="noStrike">
+                          <a:solidFill>
+                            <a:srgbClr val="000000"/>
+                          </a:solidFill>
+                          <a:effectLst/>
+                          <a:latin typeface="Arial" panose="020B0604020202020204" pitchFamily="34" charset="0"/>
+                        </a:rPr>
+                        <a:t>Meilenstein-Bezeichnung</a:t>
+                      </a:r>
+                    </a:p>
+                  </a:txBody>
+                  <a:tcPr marL="9525" marR="9525" marT="9525" marB="0" anchor="b">
+                    <a:lnL w="6350" cap="flat" cmpd="sng" algn="ctr">
+                      <a:solidFill>
+                        <a:srgbClr val="AEB9C1"/>
+                      </a:solidFill>
+                      <a:prstDash val="solid"/>
+                      <a:round/>
+                      <a:headEnd type="none" w="med" len="med"/>
+                      <a:tailEnd type="none" w="med" len="med"/>
+                    </a:lnL>
+                    <a:lnR w="6350" cap="flat" cmpd="sng" algn="ctr">
+                      <a:solidFill>
+                        <a:srgbClr val="AEB9C1"/>
+                      </a:solidFill>
+                      <a:prstDash val="solid"/>
+                      <a:round/>
+                      <a:headEnd type="none" w="med" len="med"/>
+                      <a:tailEnd type="none" w="med" len="med"/>
+                    </a:lnR>
+                    <a:lnT>
+                      <a:noFill/>
+                    </a:lnT>
+                    <a:lnB w="6350" cap="flat" cmpd="sng" algn="ctr">
+                      <a:solidFill>
+                        <a:srgbClr val="AEB9C1"/>
+                      </a:solidFill>
+                      <a:prstDash val="solid"/>
+                      <a:round/>
+                      <a:headEnd type="none" w="med" len="med"/>
+                      <a:tailEnd type="none" w="med" len="med"/>
+                    </a:lnB>
+                    <a:solidFill>
+                      <a:srgbClr val="E3E7EA"/>
+                    </a:solidFill>
+                  </a:tcPr>
+                </a:tc>
+                <a:tc>
+                  <a:txBody>
+                    <a:bodyPr/>
+                    <a:lstStyle/>
+                    <a:p>
+                      <a:pPr algn="ctr" fontAlgn="b"/>
+                      <a:r>
+                        <a:rPr lang="de-AT" sz="1000" b="1" i="0" u="none" strike="noStrike">
+                          <a:solidFill>
+                            <a:srgbClr val="000000"/>
+                          </a:solidFill>
+                          <a:effectLst/>
+                          <a:latin typeface="Arial" panose="020B0604020202020204" pitchFamily="34" charset="0"/>
+                        </a:rPr>
+                        <a:t>Basis Termine</a:t>
+                      </a:r>
+                    </a:p>
+                  </a:txBody>
+                  <a:tcPr marL="9525" marR="9525" marT="9525" marB="0" anchor="b">
+                    <a:lnL w="6350" cap="flat" cmpd="sng" algn="ctr">
+                      <a:solidFill>
+                        <a:srgbClr val="AEB9C1"/>
+                      </a:solidFill>
+                      <a:prstDash val="solid"/>
+                      <a:round/>
+                      <a:headEnd type="none" w="med" len="med"/>
+                      <a:tailEnd type="none" w="med" len="med"/>
+                    </a:lnL>
+                    <a:lnR w="6350" cap="flat" cmpd="sng" algn="ctr">
+                      <a:solidFill>
+                        <a:srgbClr val="AEB9C1"/>
+                      </a:solidFill>
+                      <a:prstDash val="solid"/>
+                      <a:round/>
+                      <a:headEnd type="none" w="med" len="med"/>
+                      <a:tailEnd type="none" w="med" len="med"/>
+                    </a:lnR>
+                    <a:lnT>
+                      <a:noFill/>
+                    </a:lnT>
+                    <a:lnB w="6350" cap="flat" cmpd="sng" algn="ctr">
+                      <a:solidFill>
+                        <a:srgbClr val="AEB9C1"/>
+                      </a:solidFill>
+                      <a:prstDash val="solid"/>
+                      <a:round/>
+                      <a:headEnd type="none" w="med" len="med"/>
+                      <a:tailEnd type="none" w="med" len="med"/>
+                    </a:lnB>
+                    <a:solidFill>
+                      <a:srgbClr val="E3E7EA"/>
+                    </a:solidFill>
+                  </a:tcPr>
+                </a:tc>
+                <a:tc>
+                  <a:txBody>
+                    <a:bodyPr/>
+                    <a:lstStyle/>
+                    <a:p>
+                      <a:pPr algn="ctr" fontAlgn="b"/>
+                      <a:r>
+                        <a:rPr lang="de-AT" sz="1000" b="1" i="0" u="none" strike="noStrike">
+                          <a:solidFill>
+                            <a:srgbClr val="000000"/>
+                          </a:solidFill>
+                          <a:effectLst/>
+                          <a:latin typeface="Arial" panose="020B0604020202020204" pitchFamily="34" charset="0"/>
+                        </a:rPr>
+                        <a:t>Aktuelle Termine</a:t>
+                      </a:r>
+                    </a:p>
+                  </a:txBody>
+                  <a:tcPr marL="9525" marR="9525" marT="9525" marB="0" anchor="b">
+                    <a:lnL w="6350" cap="flat" cmpd="sng" algn="ctr">
+                      <a:solidFill>
+                        <a:srgbClr val="AEB9C1"/>
+                      </a:solidFill>
+                      <a:prstDash val="solid"/>
+                      <a:round/>
+                      <a:headEnd type="none" w="med" len="med"/>
+                      <a:tailEnd type="none" w="med" len="med"/>
+                    </a:lnL>
+                    <a:lnR w="6350" cap="flat" cmpd="sng" algn="ctr">
+                      <a:solidFill>
+                        <a:srgbClr val="AEB9C1"/>
+                      </a:solidFill>
+                      <a:prstDash val="solid"/>
+                      <a:round/>
+                      <a:headEnd type="none" w="med" len="med"/>
+                      <a:tailEnd type="none" w="med" len="med"/>
+                    </a:lnR>
+                    <a:lnT>
+                      <a:noFill/>
+                    </a:lnT>
+                    <a:lnB w="6350" cap="flat" cmpd="sng" algn="ctr">
+                      <a:solidFill>
+                        <a:srgbClr val="AEB9C1"/>
+                      </a:solidFill>
+                      <a:prstDash val="solid"/>
+                      <a:round/>
+                      <a:headEnd type="none" w="med" len="med"/>
+                      <a:tailEnd type="none" w="med" len="med"/>
+                    </a:lnB>
+                    <a:solidFill>
+                      <a:srgbClr val="E3E7EA"/>
+                    </a:solidFill>
+                  </a:tcPr>
+                </a:tc>
+                <a:tc>
+                  <a:txBody>
+                    <a:bodyPr/>
+                    <a:lstStyle/>
+                    <a:p>
+                      <a:pPr algn="ctr" fontAlgn="b"/>
+                      <a:r>
+                        <a:rPr lang="de-AT" sz="1000" b="1" i="0" u="none" strike="noStrike">
+                          <a:solidFill>
+                            <a:srgbClr val="000000"/>
+                          </a:solidFill>
+                          <a:effectLst/>
+                          <a:latin typeface="Arial" panose="020B0604020202020204" pitchFamily="34" charset="0"/>
+                        </a:rPr>
+                        <a:t>Ist Termine</a:t>
+                      </a:r>
+                    </a:p>
+                  </a:txBody>
+                  <a:tcPr marL="9525" marR="9525" marT="9525" marB="0" anchor="b">
+                    <a:lnL w="6350" cap="flat" cmpd="sng" algn="ctr">
+                      <a:solidFill>
+                        <a:srgbClr val="AEB9C1"/>
+                      </a:solidFill>
+                      <a:prstDash val="solid"/>
+                      <a:round/>
+                      <a:headEnd type="none" w="med" len="med"/>
+                      <a:tailEnd type="none" w="med" len="med"/>
+                    </a:lnL>
+                    <a:lnR w="6350" cap="flat" cmpd="sng" algn="ctr">
+                      <a:solidFill>
+                        <a:srgbClr val="AEB9C1"/>
+                      </a:solidFill>
+                      <a:prstDash val="solid"/>
+                      <a:round/>
+                      <a:headEnd type="none" w="med" len="med"/>
+                      <a:tailEnd type="none" w="med" len="med"/>
+                    </a:lnR>
+                    <a:lnT>
+                      <a:noFill/>
+                    </a:lnT>
+                    <a:lnB w="6350" cap="flat" cmpd="sng" algn="ctr">
+                      <a:solidFill>
+                        <a:srgbClr val="AEB9C1"/>
+                      </a:solidFill>
+                      <a:prstDash val="solid"/>
+                      <a:round/>
+                      <a:headEnd type="none" w="med" len="med"/>
+                      <a:tailEnd type="none" w="med" len="med"/>
+                    </a:lnB>
+                    <a:solidFill>
+                      <a:srgbClr val="E3E7EA"/>
+                    </a:solidFill>
+                  </a:tcPr>
+                </a:tc>
+                <a:extLst>
+                  <a:ext uri="{0D108BD9-81ED-4DB2-BD59-A6C34878D82A}">
+                    <a16:rowId xmlns:a16="http://schemas.microsoft.com/office/drawing/2014/main" val="4054547525"/>
+                  </a:ext>
+                </a:extLst>
+              </a:tr>
+              <a:tr h="270563">
+                <a:tc>
+                  <a:txBody>
+                    <a:bodyPr/>
+                    <a:lstStyle/>
+                    <a:p>
+                      <a:pPr algn="l" fontAlgn="b"/>
+                      <a:r>
+                        <a:rPr lang="de-AT" sz="1000" b="0" i="0" u="none" strike="noStrike">
+                          <a:solidFill>
+                            <a:srgbClr val="000000"/>
+                          </a:solidFill>
+                          <a:effectLst/>
+                          <a:latin typeface="Arial" panose="020B0604020202020204" pitchFamily="34" charset="0"/>
+                        </a:rPr>
+                        <a:t>1.1.1</a:t>
+                      </a:r>
+                    </a:p>
+                  </a:txBody>
+                  <a:tcPr marL="9525" marR="9525" marT="9525" marB="0" anchor="b">
+                    <a:lnL w="6350" cap="flat" cmpd="sng" algn="ctr">
+                      <a:solidFill>
+                        <a:srgbClr val="AEB9C1"/>
+                      </a:solidFill>
+                      <a:prstDash val="solid"/>
+                      <a:round/>
+                      <a:headEnd type="none" w="med" len="med"/>
+                      <a:tailEnd type="none" w="med" len="med"/>
+                    </a:lnL>
+                    <a:lnR w="6350" cap="flat" cmpd="sng" algn="ctr">
+                      <a:solidFill>
+                        <a:srgbClr val="AEB9C1"/>
+                      </a:solidFill>
+                      <a:prstDash val="solid"/>
+                      <a:round/>
+                      <a:headEnd type="none" w="med" len="med"/>
+                      <a:tailEnd type="none" w="med" len="med"/>
+                    </a:lnR>
+                    <a:lnT w="6350" cap="flat" cmpd="sng" algn="ctr">
+                      <a:solidFill>
+                        <a:srgbClr val="AEB9C1"/>
+                      </a:solidFill>
+                      <a:prstDash val="solid"/>
+                      <a:round/>
+                      <a:headEnd type="none" w="med" len="med"/>
+                      <a:tailEnd type="none" w="med" len="med"/>
+                    </a:lnT>
+                    <a:lnB w="6350" cap="flat" cmpd="sng" algn="ctr">
+                      <a:solidFill>
+                        <a:srgbClr val="AEB9C1"/>
+                      </a:solidFill>
+                      <a:prstDash val="solid"/>
+                      <a:round/>
+                      <a:headEnd type="none" w="med" len="med"/>
+                      <a:tailEnd type="none" w="med" len="med"/>
+                    </a:lnB>
+                  </a:tcPr>
+                </a:tc>
+                <a:tc>
+                  <a:txBody>
+                    <a:bodyPr/>
+                    <a:lstStyle/>
+                    <a:p>
+                      <a:pPr algn="l" fontAlgn="b"/>
+                      <a:r>
+                        <a:rPr lang="de-AT" sz="1000" b="0" i="0" u="none" strike="noStrike">
+                          <a:solidFill>
+                            <a:srgbClr val="000000"/>
+                          </a:solidFill>
+                          <a:effectLst/>
+                          <a:latin typeface="Arial" panose="020B0604020202020204" pitchFamily="34" charset="0"/>
+                        </a:rPr>
+                        <a:t>Projekt gestartet</a:t>
+                      </a:r>
+                    </a:p>
+                  </a:txBody>
+                  <a:tcPr marL="9525" marR="9525" marT="9525" marB="0" anchor="b">
+                    <a:lnL w="6350" cap="flat" cmpd="sng" algn="ctr">
+                      <a:solidFill>
+                        <a:srgbClr val="AEB9C1"/>
+                      </a:solidFill>
+                      <a:prstDash val="solid"/>
+                      <a:round/>
+                      <a:headEnd type="none" w="med" len="med"/>
+                      <a:tailEnd type="none" w="med" len="med"/>
+                    </a:lnL>
+                    <a:lnR w="6350" cap="flat" cmpd="sng" algn="ctr">
+                      <a:solidFill>
+                        <a:srgbClr val="AEB9C1"/>
+                      </a:solidFill>
+                      <a:prstDash val="solid"/>
+                      <a:round/>
+                      <a:headEnd type="none" w="med" len="med"/>
+                      <a:tailEnd type="none" w="med" len="med"/>
+                    </a:lnR>
+                    <a:lnT w="6350" cap="flat" cmpd="sng" algn="ctr">
+                      <a:solidFill>
+                        <a:srgbClr val="AEB9C1"/>
+                      </a:solidFill>
+                      <a:prstDash val="solid"/>
+                      <a:round/>
+                      <a:headEnd type="none" w="med" len="med"/>
+                      <a:tailEnd type="none" w="med" len="med"/>
+                    </a:lnT>
+                    <a:lnB w="6350" cap="flat" cmpd="sng" algn="ctr">
+                      <a:solidFill>
+                        <a:srgbClr val="AEB9C1"/>
+                      </a:solidFill>
+                      <a:prstDash val="solid"/>
+                      <a:round/>
+                      <a:headEnd type="none" w="med" len="med"/>
+                      <a:tailEnd type="none" w="med" len="med"/>
+                    </a:lnB>
+                  </a:tcPr>
+                </a:tc>
+                <a:tc>
+                  <a:txBody>
+                    <a:bodyPr/>
+                    <a:lstStyle/>
+                    <a:p>
+                      <a:pPr algn="ctr" fontAlgn="b"/>
+                      <a:r>
+                        <a:rPr lang="de-AT" sz="900" b="0" i="0" u="none" strike="noStrike">
+                          <a:solidFill>
+                            <a:srgbClr val="000000"/>
+                          </a:solidFill>
+                          <a:effectLst/>
+                          <a:latin typeface="Arial" panose="020B0604020202020204" pitchFamily="34" charset="0"/>
+                        </a:rPr>
+                        <a:t>07.07.17</a:t>
+                      </a:r>
+                    </a:p>
+                  </a:txBody>
+                  <a:tcPr marL="9525" marR="9525" marT="9525" marB="0" anchor="b">
+                    <a:lnL w="6350" cap="flat" cmpd="sng" algn="ctr">
+                      <a:solidFill>
+                        <a:srgbClr val="AEB9C1"/>
+                      </a:solidFill>
+                      <a:prstDash val="solid"/>
+                      <a:round/>
+                      <a:headEnd type="none" w="med" len="med"/>
+                      <a:tailEnd type="none" w="med" len="med"/>
+                    </a:lnL>
+                    <a:lnR w="6350" cap="flat" cmpd="sng" algn="ctr">
+                      <a:solidFill>
+                        <a:srgbClr val="AEB9C1"/>
+                      </a:solidFill>
+                      <a:prstDash val="solid"/>
+                      <a:round/>
+                      <a:headEnd type="none" w="med" len="med"/>
+                      <a:tailEnd type="none" w="med" len="med"/>
+                    </a:lnR>
+                    <a:lnT w="6350" cap="flat" cmpd="sng" algn="ctr">
+                      <a:solidFill>
+                        <a:srgbClr val="AEB9C1"/>
+                      </a:solidFill>
+                      <a:prstDash val="solid"/>
+                      <a:round/>
+                      <a:headEnd type="none" w="med" len="med"/>
+                      <a:tailEnd type="none" w="med" len="med"/>
+                    </a:lnT>
+                    <a:lnB w="6350" cap="flat" cmpd="sng" algn="ctr">
+                      <a:solidFill>
+                        <a:srgbClr val="AEB9C1"/>
+                      </a:solidFill>
+                      <a:prstDash val="solid"/>
+                      <a:round/>
+                      <a:headEnd type="none" w="med" len="med"/>
+                      <a:tailEnd type="none" w="med" len="med"/>
+                    </a:lnB>
+                    <a:solidFill>
+                      <a:srgbClr val="D5E49C"/>
+                    </a:solidFill>
+                  </a:tcPr>
+                </a:tc>
+                <a:tc>
+                  <a:txBody>
+                    <a:bodyPr/>
+                    <a:lstStyle/>
+                    <a:p>
+                      <a:pPr algn="ctr" fontAlgn="b"/>
+                      <a:r>
+                        <a:rPr lang="de-AT" sz="900" b="0" i="0" u="none" strike="noStrike">
+                          <a:solidFill>
+                            <a:srgbClr val="000000"/>
+                          </a:solidFill>
+                          <a:effectLst/>
+                          <a:latin typeface="Arial" panose="020B0604020202020204" pitchFamily="34" charset="0"/>
+                        </a:rPr>
+                        <a:t>07.07.17</a:t>
+                      </a:r>
+                    </a:p>
+                  </a:txBody>
+                  <a:tcPr marL="9525" marR="9525" marT="9525" marB="0" anchor="b">
+                    <a:lnL w="6350" cap="flat" cmpd="sng" algn="ctr">
+                      <a:solidFill>
+                        <a:srgbClr val="AEB9C1"/>
+                      </a:solidFill>
+                      <a:prstDash val="solid"/>
+                      <a:round/>
+                      <a:headEnd type="none" w="med" len="med"/>
+                      <a:tailEnd type="none" w="med" len="med"/>
+                    </a:lnL>
+                    <a:lnR w="6350" cap="flat" cmpd="sng" algn="ctr">
+                      <a:solidFill>
+                        <a:srgbClr val="AEB9C1"/>
+                      </a:solidFill>
+                      <a:prstDash val="solid"/>
+                      <a:round/>
+                      <a:headEnd type="none" w="med" len="med"/>
+                      <a:tailEnd type="none" w="med" len="med"/>
+                    </a:lnR>
+                    <a:lnT w="6350" cap="flat" cmpd="sng" algn="ctr">
+                      <a:solidFill>
+                        <a:srgbClr val="AEB9C1"/>
+                      </a:solidFill>
+                      <a:prstDash val="solid"/>
+                      <a:round/>
+                      <a:headEnd type="none" w="med" len="med"/>
+                      <a:tailEnd type="none" w="med" len="med"/>
+                    </a:lnT>
+                    <a:lnB w="6350" cap="flat" cmpd="sng" algn="ctr">
+                      <a:solidFill>
+                        <a:srgbClr val="AEB9C1"/>
+                      </a:solidFill>
+                      <a:prstDash val="solid"/>
+                      <a:round/>
+                      <a:headEnd type="none" w="med" len="med"/>
+                      <a:tailEnd type="none" w="med" len="med"/>
+                    </a:lnB>
+                  </a:tcPr>
+                </a:tc>
+                <a:tc>
+                  <a:txBody>
+                    <a:bodyPr/>
+                    <a:lstStyle/>
+                    <a:p>
+                      <a:pPr algn="ctr" fontAlgn="b"/>
+                      <a:r>
+                        <a:rPr lang="de-AT" sz="900" b="0" i="0" u="none" strike="noStrike">
+                          <a:solidFill>
+                            <a:srgbClr val="000000"/>
+                          </a:solidFill>
+                          <a:effectLst/>
+                          <a:latin typeface="Arial" panose="020B0604020202020204" pitchFamily="34" charset="0"/>
+                        </a:rPr>
+                        <a:t>07.07.17</a:t>
+                      </a:r>
+                    </a:p>
+                  </a:txBody>
+                  <a:tcPr marL="9525" marR="9525" marT="9525" marB="0" anchor="b">
+                    <a:lnL w="6350" cap="flat" cmpd="sng" algn="ctr">
+                      <a:solidFill>
+                        <a:srgbClr val="AEB9C1"/>
+                      </a:solidFill>
+                      <a:prstDash val="solid"/>
+                      <a:round/>
+                      <a:headEnd type="none" w="med" len="med"/>
+                      <a:tailEnd type="none" w="med" len="med"/>
+                    </a:lnL>
+                    <a:lnR w="6350" cap="flat" cmpd="sng" algn="ctr">
+                      <a:solidFill>
+                        <a:srgbClr val="AEB9C1"/>
+                      </a:solidFill>
+                      <a:prstDash val="solid"/>
+                      <a:round/>
+                      <a:headEnd type="none" w="med" len="med"/>
+                      <a:tailEnd type="none" w="med" len="med"/>
+                    </a:lnR>
+                    <a:lnT w="6350" cap="flat" cmpd="sng" algn="ctr">
+                      <a:solidFill>
+                        <a:srgbClr val="AEB9C1"/>
+                      </a:solidFill>
+                      <a:prstDash val="solid"/>
+                      <a:round/>
+                      <a:headEnd type="none" w="med" len="med"/>
+                      <a:tailEnd type="none" w="med" len="med"/>
+                    </a:lnT>
+                    <a:lnB w="6350" cap="flat" cmpd="sng" algn="ctr">
+                      <a:solidFill>
+                        <a:srgbClr val="AEB9C1"/>
+                      </a:solidFill>
+                      <a:prstDash val="solid"/>
+                      <a:round/>
+                      <a:headEnd type="none" w="med" len="med"/>
+                      <a:tailEnd type="none" w="med" len="med"/>
+                    </a:lnB>
+                  </a:tcPr>
+                </a:tc>
+                <a:extLst>
+                  <a:ext uri="{0D108BD9-81ED-4DB2-BD59-A6C34878D82A}">
+                    <a16:rowId xmlns:a16="http://schemas.microsoft.com/office/drawing/2014/main" val="4024833317"/>
+                  </a:ext>
+                </a:extLst>
+              </a:tr>
+              <a:tr h="270563">
+                <a:tc>
+                  <a:txBody>
+                    <a:bodyPr/>
+                    <a:lstStyle/>
+                    <a:p>
+                      <a:pPr algn="l" fontAlgn="b"/>
+                      <a:r>
+                        <a:rPr lang="de-AT" sz="1000" b="0" i="0" u="none" strike="noStrike">
+                          <a:solidFill>
+                            <a:srgbClr val="000000"/>
+                          </a:solidFill>
+                          <a:effectLst/>
+                          <a:latin typeface="Arial" panose="020B0604020202020204" pitchFamily="34" charset="0"/>
+                        </a:rPr>
+                        <a:t>1.2.6</a:t>
+                      </a:r>
+                    </a:p>
+                  </a:txBody>
+                  <a:tcPr marL="9525" marR="9525" marT="9525" marB="0" anchor="b">
+                    <a:lnL w="6350" cap="flat" cmpd="sng" algn="ctr">
+                      <a:solidFill>
+                        <a:srgbClr val="AEB9C1"/>
+                      </a:solidFill>
+                      <a:prstDash val="solid"/>
+                      <a:round/>
+                      <a:headEnd type="none" w="med" len="med"/>
+                      <a:tailEnd type="none" w="med" len="med"/>
+                    </a:lnL>
+                    <a:lnR w="6350" cap="flat" cmpd="sng" algn="ctr">
+                      <a:solidFill>
+                        <a:srgbClr val="AEB9C1"/>
+                      </a:solidFill>
+                      <a:prstDash val="solid"/>
+                      <a:round/>
+                      <a:headEnd type="none" w="med" len="med"/>
+                      <a:tailEnd type="none" w="med" len="med"/>
+                    </a:lnR>
+                    <a:lnT w="6350" cap="flat" cmpd="sng" algn="ctr">
+                      <a:solidFill>
+                        <a:srgbClr val="AEB9C1"/>
+                      </a:solidFill>
+                      <a:prstDash val="solid"/>
+                      <a:round/>
+                      <a:headEnd type="none" w="med" len="med"/>
+                      <a:tailEnd type="none" w="med" len="med"/>
+                    </a:lnT>
+                    <a:lnB w="6350" cap="flat" cmpd="sng" algn="ctr">
+                      <a:solidFill>
+                        <a:srgbClr val="AEB9C1"/>
+                      </a:solidFill>
+                      <a:prstDash val="solid"/>
+                      <a:round/>
+                      <a:headEnd type="none" w="med" len="med"/>
+                      <a:tailEnd type="none" w="med" len="med"/>
+                    </a:lnB>
+                  </a:tcPr>
+                </a:tc>
+                <a:tc>
+                  <a:txBody>
+                    <a:bodyPr/>
+                    <a:lstStyle/>
+                    <a:p>
+                      <a:pPr algn="l" fontAlgn="b"/>
+                      <a:r>
+                        <a:rPr lang="de-AT" sz="1000" b="0" i="0" u="none" strike="noStrike">
+                          <a:solidFill>
+                            <a:srgbClr val="000000"/>
+                          </a:solidFill>
+                          <a:effectLst/>
+                          <a:latin typeface="Arial" panose="020B0604020202020204" pitchFamily="34" charset="0"/>
+                        </a:rPr>
+                        <a:t>Einarbeitung abgeschlossen</a:t>
+                      </a:r>
+                    </a:p>
+                  </a:txBody>
+                  <a:tcPr marL="9525" marR="9525" marT="9525" marB="0" anchor="b">
+                    <a:lnL w="6350" cap="flat" cmpd="sng" algn="ctr">
+                      <a:solidFill>
+                        <a:srgbClr val="AEB9C1"/>
+                      </a:solidFill>
+                      <a:prstDash val="solid"/>
+                      <a:round/>
+                      <a:headEnd type="none" w="med" len="med"/>
+                      <a:tailEnd type="none" w="med" len="med"/>
+                    </a:lnL>
+                    <a:lnR w="6350" cap="flat" cmpd="sng" algn="ctr">
+                      <a:solidFill>
+                        <a:srgbClr val="AEB9C1"/>
+                      </a:solidFill>
+                      <a:prstDash val="solid"/>
+                      <a:round/>
+                      <a:headEnd type="none" w="med" len="med"/>
+                      <a:tailEnd type="none" w="med" len="med"/>
+                    </a:lnR>
+                    <a:lnT w="6350" cap="flat" cmpd="sng" algn="ctr">
+                      <a:solidFill>
+                        <a:srgbClr val="AEB9C1"/>
+                      </a:solidFill>
+                      <a:prstDash val="solid"/>
+                      <a:round/>
+                      <a:headEnd type="none" w="med" len="med"/>
+                      <a:tailEnd type="none" w="med" len="med"/>
+                    </a:lnT>
+                    <a:lnB w="6350" cap="flat" cmpd="sng" algn="ctr">
+                      <a:solidFill>
+                        <a:srgbClr val="AEB9C1"/>
+                      </a:solidFill>
+                      <a:prstDash val="solid"/>
+                      <a:round/>
+                      <a:headEnd type="none" w="med" len="med"/>
+                      <a:tailEnd type="none" w="med" len="med"/>
+                    </a:lnB>
+                  </a:tcPr>
+                </a:tc>
+                <a:tc>
+                  <a:txBody>
+                    <a:bodyPr/>
+                    <a:lstStyle/>
+                    <a:p>
+                      <a:pPr algn="ctr" fontAlgn="b"/>
+                      <a:r>
+                        <a:rPr lang="de-AT" sz="900" b="0" i="0" u="none" strike="noStrike">
+                          <a:solidFill>
+                            <a:srgbClr val="000000"/>
+                          </a:solidFill>
+                          <a:effectLst/>
+                          <a:latin typeface="Arial" panose="020B0604020202020204" pitchFamily="34" charset="0"/>
+                        </a:rPr>
+                        <a:t>21.07.17</a:t>
+                      </a:r>
+                    </a:p>
+                  </a:txBody>
+                  <a:tcPr marL="9525" marR="9525" marT="9525" marB="0" anchor="b">
+                    <a:lnL w="6350" cap="flat" cmpd="sng" algn="ctr">
+                      <a:solidFill>
+                        <a:srgbClr val="AEB9C1"/>
+                      </a:solidFill>
+                      <a:prstDash val="solid"/>
+                      <a:round/>
+                      <a:headEnd type="none" w="med" len="med"/>
+                      <a:tailEnd type="none" w="med" len="med"/>
+                    </a:lnL>
+                    <a:lnR w="6350" cap="flat" cmpd="sng" algn="ctr">
+                      <a:solidFill>
+                        <a:srgbClr val="AEB9C1"/>
+                      </a:solidFill>
+                      <a:prstDash val="solid"/>
+                      <a:round/>
+                      <a:headEnd type="none" w="med" len="med"/>
+                      <a:tailEnd type="none" w="med" len="med"/>
+                    </a:lnR>
+                    <a:lnT w="6350" cap="flat" cmpd="sng" algn="ctr">
+                      <a:solidFill>
+                        <a:srgbClr val="AEB9C1"/>
+                      </a:solidFill>
+                      <a:prstDash val="solid"/>
+                      <a:round/>
+                      <a:headEnd type="none" w="med" len="med"/>
+                      <a:tailEnd type="none" w="med" len="med"/>
+                    </a:lnT>
+                    <a:lnB w="6350" cap="flat" cmpd="sng" algn="ctr">
+                      <a:solidFill>
+                        <a:srgbClr val="AEB9C1"/>
+                      </a:solidFill>
+                      <a:prstDash val="solid"/>
+                      <a:round/>
+                      <a:headEnd type="none" w="med" len="med"/>
+                      <a:tailEnd type="none" w="med" len="med"/>
+                    </a:lnB>
+                    <a:solidFill>
+                      <a:srgbClr val="D5E49C"/>
+                    </a:solidFill>
+                  </a:tcPr>
+                </a:tc>
+                <a:tc>
+                  <a:txBody>
+                    <a:bodyPr/>
+                    <a:lstStyle/>
+                    <a:p>
+                      <a:pPr algn="ctr" fontAlgn="b"/>
+                      <a:r>
+                        <a:rPr lang="de-AT" sz="900" b="0" i="0" u="none" strike="noStrike">
+                          <a:solidFill>
+                            <a:srgbClr val="000000"/>
+                          </a:solidFill>
+                          <a:effectLst/>
+                          <a:latin typeface="Arial" panose="020B0604020202020204" pitchFamily="34" charset="0"/>
+                        </a:rPr>
+                        <a:t>21.07.17</a:t>
+                      </a:r>
+                    </a:p>
+                  </a:txBody>
+                  <a:tcPr marL="9525" marR="9525" marT="9525" marB="0" anchor="b">
+                    <a:lnL w="6350" cap="flat" cmpd="sng" algn="ctr">
+                      <a:solidFill>
+                        <a:srgbClr val="AEB9C1"/>
+                      </a:solidFill>
+                      <a:prstDash val="solid"/>
+                      <a:round/>
+                      <a:headEnd type="none" w="med" len="med"/>
+                      <a:tailEnd type="none" w="med" len="med"/>
+                    </a:lnL>
+                    <a:lnR w="6350" cap="flat" cmpd="sng" algn="ctr">
+                      <a:solidFill>
+                        <a:srgbClr val="AEB9C1"/>
+                      </a:solidFill>
+                      <a:prstDash val="solid"/>
+                      <a:round/>
+                      <a:headEnd type="none" w="med" len="med"/>
+                      <a:tailEnd type="none" w="med" len="med"/>
+                    </a:lnR>
+                    <a:lnT w="6350" cap="flat" cmpd="sng" algn="ctr">
+                      <a:solidFill>
+                        <a:srgbClr val="AEB9C1"/>
+                      </a:solidFill>
+                      <a:prstDash val="solid"/>
+                      <a:round/>
+                      <a:headEnd type="none" w="med" len="med"/>
+                      <a:tailEnd type="none" w="med" len="med"/>
+                    </a:lnT>
+                    <a:lnB w="6350" cap="flat" cmpd="sng" algn="ctr">
+                      <a:solidFill>
+                        <a:srgbClr val="AEB9C1"/>
+                      </a:solidFill>
+                      <a:prstDash val="solid"/>
+                      <a:round/>
+                      <a:headEnd type="none" w="med" len="med"/>
+                      <a:tailEnd type="none" w="med" len="med"/>
+                    </a:lnB>
+                  </a:tcPr>
+                </a:tc>
+                <a:tc>
+                  <a:txBody>
+                    <a:bodyPr/>
+                    <a:lstStyle/>
+                    <a:p>
+                      <a:pPr algn="ctr" fontAlgn="b"/>
+                      <a:r>
+                        <a:rPr lang="de-AT" sz="900" b="0" i="0" u="none" strike="noStrike">
+                          <a:solidFill>
+                            <a:srgbClr val="000000"/>
+                          </a:solidFill>
+                          <a:effectLst/>
+                          <a:latin typeface="Arial" panose="020B0604020202020204" pitchFamily="34" charset="0"/>
+                        </a:rPr>
+                        <a:t>21.07.17</a:t>
+                      </a:r>
+                    </a:p>
+                  </a:txBody>
+                  <a:tcPr marL="9525" marR="9525" marT="9525" marB="0" anchor="b">
+                    <a:lnL w="6350" cap="flat" cmpd="sng" algn="ctr">
+                      <a:solidFill>
+                        <a:srgbClr val="AEB9C1"/>
+                      </a:solidFill>
+                      <a:prstDash val="solid"/>
+                      <a:round/>
+                      <a:headEnd type="none" w="med" len="med"/>
+                      <a:tailEnd type="none" w="med" len="med"/>
+                    </a:lnL>
+                    <a:lnR w="6350" cap="flat" cmpd="sng" algn="ctr">
+                      <a:solidFill>
+                        <a:srgbClr val="AEB9C1"/>
+                      </a:solidFill>
+                      <a:prstDash val="solid"/>
+                      <a:round/>
+                      <a:headEnd type="none" w="med" len="med"/>
+                      <a:tailEnd type="none" w="med" len="med"/>
+                    </a:lnR>
+                    <a:lnT w="6350" cap="flat" cmpd="sng" algn="ctr">
+                      <a:solidFill>
+                        <a:srgbClr val="AEB9C1"/>
+                      </a:solidFill>
+                      <a:prstDash val="solid"/>
+                      <a:round/>
+                      <a:headEnd type="none" w="med" len="med"/>
+                      <a:tailEnd type="none" w="med" len="med"/>
+                    </a:lnT>
+                    <a:lnB w="6350" cap="flat" cmpd="sng" algn="ctr">
+                      <a:solidFill>
+                        <a:srgbClr val="AEB9C1"/>
+                      </a:solidFill>
+                      <a:prstDash val="solid"/>
+                      <a:round/>
+                      <a:headEnd type="none" w="med" len="med"/>
+                      <a:tailEnd type="none" w="med" len="med"/>
+                    </a:lnB>
+                  </a:tcPr>
+                </a:tc>
+                <a:extLst>
+                  <a:ext uri="{0D108BD9-81ED-4DB2-BD59-A6C34878D82A}">
+                    <a16:rowId xmlns:a16="http://schemas.microsoft.com/office/drawing/2014/main" val="2991075967"/>
+                  </a:ext>
+                </a:extLst>
+              </a:tr>
+              <a:tr h="270563">
+                <a:tc>
+                  <a:txBody>
+                    <a:bodyPr/>
+                    <a:lstStyle/>
+                    <a:p>
+                      <a:pPr algn="l" fontAlgn="b"/>
+                      <a:r>
+                        <a:rPr lang="de-AT" sz="1000" b="0" i="0" u="none" strike="noStrike">
+                          <a:solidFill>
+                            <a:srgbClr val="000000"/>
+                          </a:solidFill>
+                          <a:effectLst/>
+                          <a:latin typeface="Arial" panose="020B0604020202020204" pitchFamily="34" charset="0"/>
+                        </a:rPr>
+                        <a:t>1.3.4</a:t>
+                      </a:r>
+                    </a:p>
+                  </a:txBody>
+                  <a:tcPr marL="9525" marR="9525" marT="9525" marB="0" anchor="b">
+                    <a:lnL w="6350" cap="flat" cmpd="sng" algn="ctr">
+                      <a:solidFill>
+                        <a:srgbClr val="AEB9C1"/>
+                      </a:solidFill>
+                      <a:prstDash val="solid"/>
+                      <a:round/>
+                      <a:headEnd type="none" w="med" len="med"/>
+                      <a:tailEnd type="none" w="med" len="med"/>
+                    </a:lnL>
+                    <a:lnR w="6350" cap="flat" cmpd="sng" algn="ctr">
+                      <a:solidFill>
+                        <a:srgbClr val="AEB9C1"/>
+                      </a:solidFill>
+                      <a:prstDash val="solid"/>
+                      <a:round/>
+                      <a:headEnd type="none" w="med" len="med"/>
+                      <a:tailEnd type="none" w="med" len="med"/>
+                    </a:lnR>
+                    <a:lnT w="6350" cap="flat" cmpd="sng" algn="ctr">
+                      <a:solidFill>
+                        <a:srgbClr val="AEB9C1"/>
+                      </a:solidFill>
+                      <a:prstDash val="solid"/>
+                      <a:round/>
+                      <a:headEnd type="none" w="med" len="med"/>
+                      <a:tailEnd type="none" w="med" len="med"/>
+                    </a:lnT>
+                    <a:lnB w="6350" cap="flat" cmpd="sng" algn="ctr">
+                      <a:solidFill>
+                        <a:srgbClr val="AEB9C1"/>
+                      </a:solidFill>
+                      <a:prstDash val="solid"/>
+                      <a:round/>
+                      <a:headEnd type="none" w="med" len="med"/>
+                      <a:tailEnd type="none" w="med" len="med"/>
+                    </a:lnB>
+                  </a:tcPr>
+                </a:tc>
+                <a:tc>
+                  <a:txBody>
+                    <a:bodyPr/>
+                    <a:lstStyle/>
+                    <a:p>
+                      <a:pPr algn="l" fontAlgn="b"/>
+                      <a:r>
+                        <a:rPr lang="de-AT" sz="1000" b="0" i="0" u="none" strike="noStrike" dirty="0">
+                          <a:solidFill>
+                            <a:srgbClr val="000000"/>
+                          </a:solidFill>
+                          <a:effectLst/>
+                          <a:latin typeface="Arial" panose="020B0604020202020204" pitchFamily="34" charset="0"/>
+                        </a:rPr>
+                        <a:t>Fertiges Userinterface Website und App</a:t>
+                      </a:r>
+                    </a:p>
+                  </a:txBody>
+                  <a:tcPr marL="9525" marR="9525" marT="9525" marB="0" anchor="b">
+                    <a:lnL w="6350" cap="flat" cmpd="sng" algn="ctr">
+                      <a:solidFill>
+                        <a:srgbClr val="AEB9C1"/>
+                      </a:solidFill>
+                      <a:prstDash val="solid"/>
+                      <a:round/>
+                      <a:headEnd type="none" w="med" len="med"/>
+                      <a:tailEnd type="none" w="med" len="med"/>
+                    </a:lnL>
+                    <a:lnR w="6350" cap="flat" cmpd="sng" algn="ctr">
+                      <a:solidFill>
+                        <a:srgbClr val="AEB9C1"/>
+                      </a:solidFill>
+                      <a:prstDash val="solid"/>
+                      <a:round/>
+                      <a:headEnd type="none" w="med" len="med"/>
+                      <a:tailEnd type="none" w="med" len="med"/>
+                    </a:lnR>
+                    <a:lnT w="6350" cap="flat" cmpd="sng" algn="ctr">
+                      <a:solidFill>
+                        <a:srgbClr val="AEB9C1"/>
+                      </a:solidFill>
+                      <a:prstDash val="solid"/>
+                      <a:round/>
+                      <a:headEnd type="none" w="med" len="med"/>
+                      <a:tailEnd type="none" w="med" len="med"/>
+                    </a:lnT>
+                    <a:lnB w="6350" cap="flat" cmpd="sng" algn="ctr">
+                      <a:solidFill>
+                        <a:srgbClr val="AEB9C1"/>
+                      </a:solidFill>
+                      <a:prstDash val="solid"/>
+                      <a:round/>
+                      <a:headEnd type="none" w="med" len="med"/>
+                      <a:tailEnd type="none" w="med" len="med"/>
+                    </a:lnB>
+                  </a:tcPr>
+                </a:tc>
+                <a:tc>
+                  <a:txBody>
+                    <a:bodyPr/>
+                    <a:lstStyle/>
+                    <a:p>
+                      <a:pPr algn="ctr" fontAlgn="b"/>
+                      <a:r>
+                        <a:rPr lang="de-AT" sz="900" b="0" i="0" u="none" strike="noStrike">
+                          <a:solidFill>
+                            <a:srgbClr val="000000"/>
+                          </a:solidFill>
+                          <a:effectLst/>
+                          <a:latin typeface="Arial" panose="020B0604020202020204" pitchFamily="34" charset="0"/>
+                        </a:rPr>
+                        <a:t>07.10.17</a:t>
+                      </a:r>
+                    </a:p>
+                  </a:txBody>
+                  <a:tcPr marL="9525" marR="9525" marT="9525" marB="0" anchor="b">
+                    <a:lnL w="6350" cap="flat" cmpd="sng" algn="ctr">
+                      <a:solidFill>
+                        <a:srgbClr val="AEB9C1"/>
+                      </a:solidFill>
+                      <a:prstDash val="solid"/>
+                      <a:round/>
+                      <a:headEnd type="none" w="med" len="med"/>
+                      <a:tailEnd type="none" w="med" len="med"/>
+                    </a:lnL>
+                    <a:lnR w="6350" cap="flat" cmpd="sng" algn="ctr">
+                      <a:solidFill>
+                        <a:srgbClr val="AEB9C1"/>
+                      </a:solidFill>
+                      <a:prstDash val="solid"/>
+                      <a:round/>
+                      <a:headEnd type="none" w="med" len="med"/>
+                      <a:tailEnd type="none" w="med" len="med"/>
+                    </a:lnR>
+                    <a:lnT w="6350" cap="flat" cmpd="sng" algn="ctr">
+                      <a:solidFill>
+                        <a:srgbClr val="AEB9C1"/>
+                      </a:solidFill>
+                      <a:prstDash val="solid"/>
+                      <a:round/>
+                      <a:headEnd type="none" w="med" len="med"/>
+                      <a:tailEnd type="none" w="med" len="med"/>
+                    </a:lnT>
+                    <a:lnB w="6350" cap="flat" cmpd="sng" algn="ctr">
+                      <a:solidFill>
+                        <a:srgbClr val="AEB9C1"/>
+                      </a:solidFill>
+                      <a:prstDash val="solid"/>
+                      <a:round/>
+                      <a:headEnd type="none" w="med" len="med"/>
+                      <a:tailEnd type="none" w="med" len="med"/>
+                    </a:lnB>
+                    <a:solidFill>
+                      <a:srgbClr val="D5E49C"/>
+                    </a:solidFill>
+                  </a:tcPr>
+                </a:tc>
+                <a:tc>
+                  <a:txBody>
+                    <a:bodyPr/>
+                    <a:lstStyle/>
+                    <a:p>
+                      <a:pPr algn="ctr" fontAlgn="b"/>
+                      <a:r>
+                        <a:rPr lang="de-AT" sz="900" b="0" i="0" u="none" strike="noStrike">
+                          <a:solidFill>
+                            <a:srgbClr val="000000"/>
+                          </a:solidFill>
+                          <a:effectLst/>
+                          <a:latin typeface="Arial" panose="020B0604020202020204" pitchFamily="34" charset="0"/>
+                        </a:rPr>
+                        <a:t>07.10.17</a:t>
+                      </a:r>
+                    </a:p>
+                  </a:txBody>
+                  <a:tcPr marL="9525" marR="9525" marT="9525" marB="0" anchor="b">
+                    <a:lnL w="6350" cap="flat" cmpd="sng" algn="ctr">
+                      <a:solidFill>
+                        <a:srgbClr val="AEB9C1"/>
+                      </a:solidFill>
+                      <a:prstDash val="solid"/>
+                      <a:round/>
+                      <a:headEnd type="none" w="med" len="med"/>
+                      <a:tailEnd type="none" w="med" len="med"/>
+                    </a:lnL>
+                    <a:lnR w="6350" cap="flat" cmpd="sng" algn="ctr">
+                      <a:solidFill>
+                        <a:srgbClr val="AEB9C1"/>
+                      </a:solidFill>
+                      <a:prstDash val="solid"/>
+                      <a:round/>
+                      <a:headEnd type="none" w="med" len="med"/>
+                      <a:tailEnd type="none" w="med" len="med"/>
+                    </a:lnR>
+                    <a:lnT w="6350" cap="flat" cmpd="sng" algn="ctr">
+                      <a:solidFill>
+                        <a:srgbClr val="AEB9C1"/>
+                      </a:solidFill>
+                      <a:prstDash val="solid"/>
+                      <a:round/>
+                      <a:headEnd type="none" w="med" len="med"/>
+                      <a:tailEnd type="none" w="med" len="med"/>
+                    </a:lnT>
+                    <a:lnB w="6350" cap="flat" cmpd="sng" algn="ctr">
+                      <a:solidFill>
+                        <a:srgbClr val="AEB9C1"/>
+                      </a:solidFill>
+                      <a:prstDash val="solid"/>
+                      <a:round/>
+                      <a:headEnd type="none" w="med" len="med"/>
+                      <a:tailEnd type="none" w="med" len="med"/>
+                    </a:lnB>
+                  </a:tcPr>
+                </a:tc>
+                <a:tc>
+                  <a:txBody>
+                    <a:bodyPr/>
+                    <a:lstStyle/>
+                    <a:p>
+                      <a:pPr algn="ctr" fontAlgn="b"/>
+                      <a:r>
+                        <a:rPr lang="de-AT" sz="900" b="0" i="0" u="none" strike="noStrike">
+                          <a:solidFill>
+                            <a:srgbClr val="000000"/>
+                          </a:solidFill>
+                          <a:effectLst/>
+                          <a:latin typeface="Arial" panose="020B0604020202020204" pitchFamily="34" charset="0"/>
+                        </a:rPr>
+                        <a:t>07.10.17</a:t>
+                      </a:r>
+                    </a:p>
+                  </a:txBody>
+                  <a:tcPr marL="9525" marR="9525" marT="9525" marB="0" anchor="b">
+                    <a:lnL w="6350" cap="flat" cmpd="sng" algn="ctr">
+                      <a:solidFill>
+                        <a:srgbClr val="AEB9C1"/>
+                      </a:solidFill>
+                      <a:prstDash val="solid"/>
+                      <a:round/>
+                      <a:headEnd type="none" w="med" len="med"/>
+                      <a:tailEnd type="none" w="med" len="med"/>
+                    </a:lnL>
+                    <a:lnR w="6350" cap="flat" cmpd="sng" algn="ctr">
+                      <a:solidFill>
+                        <a:srgbClr val="AEB9C1"/>
+                      </a:solidFill>
+                      <a:prstDash val="solid"/>
+                      <a:round/>
+                      <a:headEnd type="none" w="med" len="med"/>
+                      <a:tailEnd type="none" w="med" len="med"/>
+                    </a:lnR>
+                    <a:lnT w="6350" cap="flat" cmpd="sng" algn="ctr">
+                      <a:solidFill>
+                        <a:srgbClr val="AEB9C1"/>
+                      </a:solidFill>
+                      <a:prstDash val="solid"/>
+                      <a:round/>
+                      <a:headEnd type="none" w="med" len="med"/>
+                      <a:tailEnd type="none" w="med" len="med"/>
+                    </a:lnT>
+                    <a:lnB w="6350" cap="flat" cmpd="sng" algn="ctr">
+                      <a:solidFill>
+                        <a:srgbClr val="AEB9C1"/>
+                      </a:solidFill>
+                      <a:prstDash val="solid"/>
+                      <a:round/>
+                      <a:headEnd type="none" w="med" len="med"/>
+                      <a:tailEnd type="none" w="med" len="med"/>
+                    </a:lnB>
+                  </a:tcPr>
+                </a:tc>
+                <a:extLst>
+                  <a:ext uri="{0D108BD9-81ED-4DB2-BD59-A6C34878D82A}">
+                    <a16:rowId xmlns:a16="http://schemas.microsoft.com/office/drawing/2014/main" val="39142975"/>
+                  </a:ext>
+                </a:extLst>
+              </a:tr>
+              <a:tr h="270563">
+                <a:tc>
+                  <a:txBody>
+                    <a:bodyPr/>
+                    <a:lstStyle/>
+                    <a:p>
+                      <a:pPr algn="l" fontAlgn="b"/>
+                      <a:r>
+                        <a:rPr lang="de-AT" sz="1000" b="0" i="0" u="none" strike="noStrike">
+                          <a:solidFill>
+                            <a:srgbClr val="000000"/>
+                          </a:solidFill>
+                          <a:effectLst/>
+                          <a:latin typeface="Arial" panose="020B0604020202020204" pitchFamily="34" charset="0"/>
+                        </a:rPr>
+                        <a:t>1.3.13</a:t>
+                      </a:r>
+                    </a:p>
+                  </a:txBody>
+                  <a:tcPr marL="9525" marR="9525" marT="9525" marB="0" anchor="b">
+                    <a:lnL w="6350" cap="flat" cmpd="sng" algn="ctr">
+                      <a:solidFill>
+                        <a:srgbClr val="AEB9C1"/>
+                      </a:solidFill>
+                      <a:prstDash val="solid"/>
+                      <a:round/>
+                      <a:headEnd type="none" w="med" len="med"/>
+                      <a:tailEnd type="none" w="med" len="med"/>
+                    </a:lnL>
+                    <a:lnR w="6350" cap="flat" cmpd="sng" algn="ctr">
+                      <a:solidFill>
+                        <a:srgbClr val="AEB9C1"/>
+                      </a:solidFill>
+                      <a:prstDash val="solid"/>
+                      <a:round/>
+                      <a:headEnd type="none" w="med" len="med"/>
+                      <a:tailEnd type="none" w="med" len="med"/>
+                    </a:lnR>
+                    <a:lnT w="6350" cap="flat" cmpd="sng" algn="ctr">
+                      <a:solidFill>
+                        <a:srgbClr val="AEB9C1"/>
+                      </a:solidFill>
+                      <a:prstDash val="solid"/>
+                      <a:round/>
+                      <a:headEnd type="none" w="med" len="med"/>
+                      <a:tailEnd type="none" w="med" len="med"/>
+                    </a:lnT>
+                    <a:lnB w="6350" cap="flat" cmpd="sng" algn="ctr">
+                      <a:solidFill>
+                        <a:srgbClr val="AEB9C1"/>
+                      </a:solidFill>
+                      <a:prstDash val="solid"/>
+                      <a:round/>
+                      <a:headEnd type="none" w="med" len="med"/>
+                      <a:tailEnd type="none" w="med" len="med"/>
+                    </a:lnB>
+                  </a:tcPr>
+                </a:tc>
+                <a:tc>
+                  <a:txBody>
+                    <a:bodyPr/>
+                    <a:lstStyle/>
+                    <a:p>
+                      <a:pPr algn="l" fontAlgn="b"/>
+                      <a:r>
+                        <a:rPr lang="de-AT" sz="1000" b="0" i="0" u="none" strike="noStrike">
+                          <a:solidFill>
+                            <a:srgbClr val="000000"/>
+                          </a:solidFill>
+                          <a:effectLst/>
+                          <a:latin typeface="Arial" panose="020B0604020202020204" pitchFamily="34" charset="0"/>
+                        </a:rPr>
+                        <a:t>Erstellen von Statistiken und Berichten fertig</a:t>
+                      </a:r>
+                    </a:p>
+                  </a:txBody>
+                  <a:tcPr marL="9525" marR="9525" marT="9525" marB="0" anchor="b">
+                    <a:lnL w="6350" cap="flat" cmpd="sng" algn="ctr">
+                      <a:solidFill>
+                        <a:srgbClr val="AEB9C1"/>
+                      </a:solidFill>
+                      <a:prstDash val="solid"/>
+                      <a:round/>
+                      <a:headEnd type="none" w="med" len="med"/>
+                      <a:tailEnd type="none" w="med" len="med"/>
+                    </a:lnL>
+                    <a:lnR w="6350" cap="flat" cmpd="sng" algn="ctr">
+                      <a:solidFill>
+                        <a:srgbClr val="AEB9C1"/>
+                      </a:solidFill>
+                      <a:prstDash val="solid"/>
+                      <a:round/>
+                      <a:headEnd type="none" w="med" len="med"/>
+                      <a:tailEnd type="none" w="med" len="med"/>
+                    </a:lnR>
+                    <a:lnT w="6350" cap="flat" cmpd="sng" algn="ctr">
+                      <a:solidFill>
+                        <a:srgbClr val="AEB9C1"/>
+                      </a:solidFill>
+                      <a:prstDash val="solid"/>
+                      <a:round/>
+                      <a:headEnd type="none" w="med" len="med"/>
+                      <a:tailEnd type="none" w="med" len="med"/>
+                    </a:lnT>
+                    <a:lnB w="6350" cap="flat" cmpd="sng" algn="ctr">
+                      <a:solidFill>
+                        <a:srgbClr val="AEB9C1"/>
+                      </a:solidFill>
+                      <a:prstDash val="solid"/>
+                      <a:round/>
+                      <a:headEnd type="none" w="med" len="med"/>
+                      <a:tailEnd type="none" w="med" len="med"/>
+                    </a:lnB>
+                  </a:tcPr>
+                </a:tc>
+                <a:tc>
+                  <a:txBody>
+                    <a:bodyPr/>
+                    <a:lstStyle/>
+                    <a:p>
+                      <a:pPr algn="ctr" fontAlgn="b"/>
+                      <a:r>
+                        <a:rPr lang="de-AT" sz="900" b="0" i="0" u="none" strike="noStrike">
+                          <a:solidFill>
+                            <a:srgbClr val="000000"/>
+                          </a:solidFill>
+                          <a:effectLst/>
+                          <a:latin typeface="Arial" panose="020B0604020202020204" pitchFamily="34" charset="0"/>
+                        </a:rPr>
+                        <a:t>29.12.17</a:t>
+                      </a:r>
+                    </a:p>
+                  </a:txBody>
+                  <a:tcPr marL="9525" marR="9525" marT="9525" marB="0" anchor="b">
+                    <a:lnL w="6350" cap="flat" cmpd="sng" algn="ctr">
+                      <a:solidFill>
+                        <a:srgbClr val="AEB9C1"/>
+                      </a:solidFill>
+                      <a:prstDash val="solid"/>
+                      <a:round/>
+                      <a:headEnd type="none" w="med" len="med"/>
+                      <a:tailEnd type="none" w="med" len="med"/>
+                    </a:lnL>
+                    <a:lnR w="6350" cap="flat" cmpd="sng" algn="ctr">
+                      <a:solidFill>
+                        <a:srgbClr val="AEB9C1"/>
+                      </a:solidFill>
+                      <a:prstDash val="solid"/>
+                      <a:round/>
+                      <a:headEnd type="none" w="med" len="med"/>
+                      <a:tailEnd type="none" w="med" len="med"/>
+                    </a:lnR>
+                    <a:lnT w="6350" cap="flat" cmpd="sng" algn="ctr">
+                      <a:solidFill>
+                        <a:srgbClr val="AEB9C1"/>
+                      </a:solidFill>
+                      <a:prstDash val="solid"/>
+                      <a:round/>
+                      <a:headEnd type="none" w="med" len="med"/>
+                      <a:tailEnd type="none" w="med" len="med"/>
+                    </a:lnT>
+                    <a:lnB w="6350" cap="flat" cmpd="sng" algn="ctr">
+                      <a:solidFill>
+                        <a:srgbClr val="AEB9C1"/>
+                      </a:solidFill>
+                      <a:prstDash val="solid"/>
+                      <a:round/>
+                      <a:headEnd type="none" w="med" len="med"/>
+                      <a:tailEnd type="none" w="med" len="med"/>
+                    </a:lnB>
+                    <a:solidFill>
+                      <a:srgbClr val="D5E49C"/>
+                    </a:solidFill>
+                  </a:tcPr>
+                </a:tc>
+                <a:tc>
+                  <a:txBody>
+                    <a:bodyPr/>
+                    <a:lstStyle/>
+                    <a:p>
+                      <a:pPr algn="ctr" fontAlgn="b"/>
+                      <a:r>
+                        <a:rPr lang="de-AT" sz="900" b="0" i="0" u="none" strike="noStrike">
+                          <a:solidFill>
+                            <a:srgbClr val="000000"/>
+                          </a:solidFill>
+                          <a:effectLst/>
+                          <a:latin typeface="Arial" panose="020B0604020202020204" pitchFamily="34" charset="0"/>
+                        </a:rPr>
+                        <a:t>29.12.17</a:t>
+                      </a:r>
+                    </a:p>
+                  </a:txBody>
+                  <a:tcPr marL="9525" marR="9525" marT="9525" marB="0" anchor="b">
+                    <a:lnL w="6350" cap="flat" cmpd="sng" algn="ctr">
+                      <a:solidFill>
+                        <a:srgbClr val="AEB9C1"/>
+                      </a:solidFill>
+                      <a:prstDash val="solid"/>
+                      <a:round/>
+                      <a:headEnd type="none" w="med" len="med"/>
+                      <a:tailEnd type="none" w="med" len="med"/>
+                    </a:lnL>
+                    <a:lnR w="6350" cap="flat" cmpd="sng" algn="ctr">
+                      <a:solidFill>
+                        <a:srgbClr val="AEB9C1"/>
+                      </a:solidFill>
+                      <a:prstDash val="solid"/>
+                      <a:round/>
+                      <a:headEnd type="none" w="med" len="med"/>
+                      <a:tailEnd type="none" w="med" len="med"/>
+                    </a:lnR>
+                    <a:lnT w="6350" cap="flat" cmpd="sng" algn="ctr">
+                      <a:solidFill>
+                        <a:srgbClr val="AEB9C1"/>
+                      </a:solidFill>
+                      <a:prstDash val="solid"/>
+                      <a:round/>
+                      <a:headEnd type="none" w="med" len="med"/>
+                      <a:tailEnd type="none" w="med" len="med"/>
+                    </a:lnT>
+                    <a:lnB w="6350" cap="flat" cmpd="sng" algn="ctr">
+                      <a:solidFill>
+                        <a:srgbClr val="AEB9C1"/>
+                      </a:solidFill>
+                      <a:prstDash val="solid"/>
+                      <a:round/>
+                      <a:headEnd type="none" w="med" len="med"/>
+                      <a:tailEnd type="none" w="med" len="med"/>
+                    </a:lnB>
+                  </a:tcPr>
+                </a:tc>
+                <a:tc>
+                  <a:txBody>
+                    <a:bodyPr/>
+                    <a:lstStyle/>
+                    <a:p>
+                      <a:pPr algn="ctr" fontAlgn="b"/>
+                      <a:r>
+                        <a:rPr lang="de-AT" sz="900" b="0" i="0" u="none" strike="noStrike">
+                          <a:solidFill>
+                            <a:srgbClr val="000000"/>
+                          </a:solidFill>
+                          <a:effectLst/>
+                          <a:latin typeface="Arial" panose="020B0604020202020204" pitchFamily="34" charset="0"/>
+                        </a:rPr>
+                        <a:t> </a:t>
+                      </a:r>
+                    </a:p>
+                  </a:txBody>
+                  <a:tcPr marL="9525" marR="9525" marT="9525" marB="0" anchor="b">
+                    <a:lnL w="6350" cap="flat" cmpd="sng" algn="ctr">
+                      <a:solidFill>
+                        <a:srgbClr val="AEB9C1"/>
+                      </a:solidFill>
+                      <a:prstDash val="solid"/>
+                      <a:round/>
+                      <a:headEnd type="none" w="med" len="med"/>
+                      <a:tailEnd type="none" w="med" len="med"/>
+                    </a:lnL>
+                    <a:lnR w="6350" cap="flat" cmpd="sng" algn="ctr">
+                      <a:solidFill>
+                        <a:srgbClr val="AEB9C1"/>
+                      </a:solidFill>
+                      <a:prstDash val="solid"/>
+                      <a:round/>
+                      <a:headEnd type="none" w="med" len="med"/>
+                      <a:tailEnd type="none" w="med" len="med"/>
+                    </a:lnR>
+                    <a:lnT w="6350" cap="flat" cmpd="sng" algn="ctr">
+                      <a:solidFill>
+                        <a:srgbClr val="AEB9C1"/>
+                      </a:solidFill>
+                      <a:prstDash val="solid"/>
+                      <a:round/>
+                      <a:headEnd type="none" w="med" len="med"/>
+                      <a:tailEnd type="none" w="med" len="med"/>
+                    </a:lnT>
+                    <a:lnB w="6350" cap="flat" cmpd="sng" algn="ctr">
+                      <a:solidFill>
+                        <a:srgbClr val="AEB9C1"/>
+                      </a:solidFill>
+                      <a:prstDash val="solid"/>
+                      <a:round/>
+                      <a:headEnd type="none" w="med" len="med"/>
+                      <a:tailEnd type="none" w="med" len="med"/>
+                    </a:lnB>
+                  </a:tcPr>
+                </a:tc>
+                <a:extLst>
+                  <a:ext uri="{0D108BD9-81ED-4DB2-BD59-A6C34878D82A}">
+                    <a16:rowId xmlns:a16="http://schemas.microsoft.com/office/drawing/2014/main" val="338518514"/>
+                  </a:ext>
+                </a:extLst>
+              </a:tr>
+              <a:tr h="270563">
+                <a:tc>
+                  <a:txBody>
+                    <a:bodyPr/>
+                    <a:lstStyle/>
+                    <a:p>
+                      <a:pPr algn="l" fontAlgn="b"/>
+                      <a:r>
+                        <a:rPr lang="de-AT" sz="1000" b="0" i="0" u="none" strike="noStrike">
+                          <a:solidFill>
+                            <a:srgbClr val="000000"/>
+                          </a:solidFill>
+                          <a:effectLst/>
+                          <a:latin typeface="Arial" panose="020B0604020202020204" pitchFamily="34" charset="0"/>
+                        </a:rPr>
+                        <a:t>1.4.2</a:t>
+                      </a:r>
+                    </a:p>
+                  </a:txBody>
+                  <a:tcPr marL="9525" marR="9525" marT="9525" marB="0" anchor="b">
+                    <a:lnL w="6350" cap="flat" cmpd="sng" algn="ctr">
+                      <a:solidFill>
+                        <a:srgbClr val="AEB9C1"/>
+                      </a:solidFill>
+                      <a:prstDash val="solid"/>
+                      <a:round/>
+                      <a:headEnd type="none" w="med" len="med"/>
+                      <a:tailEnd type="none" w="med" len="med"/>
+                    </a:lnL>
+                    <a:lnR w="6350" cap="flat" cmpd="sng" algn="ctr">
+                      <a:solidFill>
+                        <a:srgbClr val="AEB9C1"/>
+                      </a:solidFill>
+                      <a:prstDash val="solid"/>
+                      <a:round/>
+                      <a:headEnd type="none" w="med" len="med"/>
+                      <a:tailEnd type="none" w="med" len="med"/>
+                    </a:lnR>
+                    <a:lnT w="6350" cap="flat" cmpd="sng" algn="ctr">
+                      <a:solidFill>
+                        <a:srgbClr val="AEB9C1"/>
+                      </a:solidFill>
+                      <a:prstDash val="solid"/>
+                      <a:round/>
+                      <a:headEnd type="none" w="med" len="med"/>
+                      <a:tailEnd type="none" w="med" len="med"/>
+                    </a:lnT>
+                    <a:lnB w="6350" cap="flat" cmpd="sng" algn="ctr">
+                      <a:solidFill>
+                        <a:srgbClr val="AEB9C1"/>
+                      </a:solidFill>
+                      <a:prstDash val="solid"/>
+                      <a:round/>
+                      <a:headEnd type="none" w="med" len="med"/>
+                      <a:tailEnd type="none" w="med" len="med"/>
+                    </a:lnB>
+                  </a:tcPr>
+                </a:tc>
+                <a:tc>
+                  <a:txBody>
+                    <a:bodyPr/>
+                    <a:lstStyle/>
+                    <a:p>
+                      <a:pPr algn="l" fontAlgn="b"/>
+                      <a:r>
+                        <a:rPr lang="de-AT" sz="1000" b="0" i="0" u="none" strike="noStrike">
+                          <a:solidFill>
+                            <a:srgbClr val="000000"/>
+                          </a:solidFill>
+                          <a:effectLst/>
+                          <a:latin typeface="Arial" panose="020B0604020202020204" pitchFamily="34" charset="0"/>
+                        </a:rPr>
+                        <a:t>Fertigstellung Testen</a:t>
+                      </a:r>
+                    </a:p>
+                  </a:txBody>
+                  <a:tcPr marL="9525" marR="9525" marT="9525" marB="0" anchor="b">
+                    <a:lnL w="6350" cap="flat" cmpd="sng" algn="ctr">
+                      <a:solidFill>
+                        <a:srgbClr val="AEB9C1"/>
+                      </a:solidFill>
+                      <a:prstDash val="solid"/>
+                      <a:round/>
+                      <a:headEnd type="none" w="med" len="med"/>
+                      <a:tailEnd type="none" w="med" len="med"/>
+                    </a:lnL>
+                    <a:lnR w="6350" cap="flat" cmpd="sng" algn="ctr">
+                      <a:solidFill>
+                        <a:srgbClr val="AEB9C1"/>
+                      </a:solidFill>
+                      <a:prstDash val="solid"/>
+                      <a:round/>
+                      <a:headEnd type="none" w="med" len="med"/>
+                      <a:tailEnd type="none" w="med" len="med"/>
+                    </a:lnR>
+                    <a:lnT w="6350" cap="flat" cmpd="sng" algn="ctr">
+                      <a:solidFill>
+                        <a:srgbClr val="AEB9C1"/>
+                      </a:solidFill>
+                      <a:prstDash val="solid"/>
+                      <a:round/>
+                      <a:headEnd type="none" w="med" len="med"/>
+                      <a:tailEnd type="none" w="med" len="med"/>
+                    </a:lnT>
+                    <a:lnB w="6350" cap="flat" cmpd="sng" algn="ctr">
+                      <a:solidFill>
+                        <a:srgbClr val="AEB9C1"/>
+                      </a:solidFill>
+                      <a:prstDash val="solid"/>
+                      <a:round/>
+                      <a:headEnd type="none" w="med" len="med"/>
+                      <a:tailEnd type="none" w="med" len="med"/>
+                    </a:lnB>
+                  </a:tcPr>
+                </a:tc>
+                <a:tc>
+                  <a:txBody>
+                    <a:bodyPr/>
+                    <a:lstStyle/>
+                    <a:p>
+                      <a:pPr algn="ctr" fontAlgn="b"/>
+                      <a:r>
+                        <a:rPr lang="de-AT" sz="900" b="0" i="0" u="none" strike="noStrike">
+                          <a:solidFill>
+                            <a:srgbClr val="000000"/>
+                          </a:solidFill>
+                          <a:effectLst/>
+                          <a:latin typeface="Arial" panose="020B0604020202020204" pitchFamily="34" charset="0"/>
+                        </a:rPr>
+                        <a:t>12.01.18</a:t>
+                      </a:r>
+                    </a:p>
+                  </a:txBody>
+                  <a:tcPr marL="9525" marR="9525" marT="9525" marB="0" anchor="b">
+                    <a:lnL w="6350" cap="flat" cmpd="sng" algn="ctr">
+                      <a:solidFill>
+                        <a:srgbClr val="AEB9C1"/>
+                      </a:solidFill>
+                      <a:prstDash val="solid"/>
+                      <a:round/>
+                      <a:headEnd type="none" w="med" len="med"/>
+                      <a:tailEnd type="none" w="med" len="med"/>
+                    </a:lnL>
+                    <a:lnR w="6350" cap="flat" cmpd="sng" algn="ctr">
+                      <a:solidFill>
+                        <a:srgbClr val="AEB9C1"/>
+                      </a:solidFill>
+                      <a:prstDash val="solid"/>
+                      <a:round/>
+                      <a:headEnd type="none" w="med" len="med"/>
+                      <a:tailEnd type="none" w="med" len="med"/>
+                    </a:lnR>
+                    <a:lnT w="6350" cap="flat" cmpd="sng" algn="ctr">
+                      <a:solidFill>
+                        <a:srgbClr val="AEB9C1"/>
+                      </a:solidFill>
+                      <a:prstDash val="solid"/>
+                      <a:round/>
+                      <a:headEnd type="none" w="med" len="med"/>
+                      <a:tailEnd type="none" w="med" len="med"/>
+                    </a:lnT>
+                    <a:lnB w="6350" cap="flat" cmpd="sng" algn="ctr">
+                      <a:solidFill>
+                        <a:srgbClr val="AEB9C1"/>
+                      </a:solidFill>
+                      <a:prstDash val="solid"/>
+                      <a:round/>
+                      <a:headEnd type="none" w="med" len="med"/>
+                      <a:tailEnd type="none" w="med" len="med"/>
+                    </a:lnB>
+                    <a:solidFill>
+                      <a:srgbClr val="D5E49C"/>
+                    </a:solidFill>
+                  </a:tcPr>
+                </a:tc>
+                <a:tc>
+                  <a:txBody>
+                    <a:bodyPr/>
+                    <a:lstStyle/>
+                    <a:p>
+                      <a:pPr algn="ctr" fontAlgn="b"/>
+                      <a:r>
+                        <a:rPr lang="de-AT" sz="900" b="0" i="0" u="none" strike="noStrike">
+                          <a:solidFill>
+                            <a:srgbClr val="000000"/>
+                          </a:solidFill>
+                          <a:effectLst/>
+                          <a:latin typeface="Arial" panose="020B0604020202020204" pitchFamily="34" charset="0"/>
+                        </a:rPr>
+                        <a:t>12.01.18</a:t>
+                      </a:r>
+                    </a:p>
+                  </a:txBody>
+                  <a:tcPr marL="9525" marR="9525" marT="9525" marB="0" anchor="b">
+                    <a:lnL w="6350" cap="flat" cmpd="sng" algn="ctr">
+                      <a:solidFill>
+                        <a:srgbClr val="AEB9C1"/>
+                      </a:solidFill>
+                      <a:prstDash val="solid"/>
+                      <a:round/>
+                      <a:headEnd type="none" w="med" len="med"/>
+                      <a:tailEnd type="none" w="med" len="med"/>
+                    </a:lnL>
+                    <a:lnR w="6350" cap="flat" cmpd="sng" algn="ctr">
+                      <a:solidFill>
+                        <a:srgbClr val="AEB9C1"/>
+                      </a:solidFill>
+                      <a:prstDash val="solid"/>
+                      <a:round/>
+                      <a:headEnd type="none" w="med" len="med"/>
+                      <a:tailEnd type="none" w="med" len="med"/>
+                    </a:lnR>
+                    <a:lnT w="6350" cap="flat" cmpd="sng" algn="ctr">
+                      <a:solidFill>
+                        <a:srgbClr val="AEB9C1"/>
+                      </a:solidFill>
+                      <a:prstDash val="solid"/>
+                      <a:round/>
+                      <a:headEnd type="none" w="med" len="med"/>
+                      <a:tailEnd type="none" w="med" len="med"/>
+                    </a:lnT>
+                    <a:lnB w="6350" cap="flat" cmpd="sng" algn="ctr">
+                      <a:solidFill>
+                        <a:srgbClr val="AEB9C1"/>
+                      </a:solidFill>
+                      <a:prstDash val="solid"/>
+                      <a:round/>
+                      <a:headEnd type="none" w="med" len="med"/>
+                      <a:tailEnd type="none" w="med" len="med"/>
+                    </a:lnB>
+                  </a:tcPr>
+                </a:tc>
+                <a:tc>
+                  <a:txBody>
+                    <a:bodyPr/>
+                    <a:lstStyle/>
+                    <a:p>
+                      <a:pPr algn="ctr" fontAlgn="b"/>
+                      <a:r>
+                        <a:rPr lang="de-AT" sz="900" b="0" i="0" u="none" strike="noStrike">
+                          <a:solidFill>
+                            <a:srgbClr val="000000"/>
+                          </a:solidFill>
+                          <a:effectLst/>
+                          <a:latin typeface="Arial" panose="020B0604020202020204" pitchFamily="34" charset="0"/>
+                        </a:rPr>
+                        <a:t> </a:t>
+                      </a:r>
+                    </a:p>
+                  </a:txBody>
+                  <a:tcPr marL="9525" marR="9525" marT="9525" marB="0" anchor="b">
+                    <a:lnL w="6350" cap="flat" cmpd="sng" algn="ctr">
+                      <a:solidFill>
+                        <a:srgbClr val="AEB9C1"/>
+                      </a:solidFill>
+                      <a:prstDash val="solid"/>
+                      <a:round/>
+                      <a:headEnd type="none" w="med" len="med"/>
+                      <a:tailEnd type="none" w="med" len="med"/>
+                    </a:lnL>
+                    <a:lnR w="6350" cap="flat" cmpd="sng" algn="ctr">
+                      <a:solidFill>
+                        <a:srgbClr val="AEB9C1"/>
+                      </a:solidFill>
+                      <a:prstDash val="solid"/>
+                      <a:round/>
+                      <a:headEnd type="none" w="med" len="med"/>
+                      <a:tailEnd type="none" w="med" len="med"/>
+                    </a:lnR>
+                    <a:lnT w="6350" cap="flat" cmpd="sng" algn="ctr">
+                      <a:solidFill>
+                        <a:srgbClr val="AEB9C1"/>
+                      </a:solidFill>
+                      <a:prstDash val="solid"/>
+                      <a:round/>
+                      <a:headEnd type="none" w="med" len="med"/>
+                      <a:tailEnd type="none" w="med" len="med"/>
+                    </a:lnT>
+                    <a:lnB w="6350" cap="flat" cmpd="sng" algn="ctr">
+                      <a:solidFill>
+                        <a:srgbClr val="AEB9C1"/>
+                      </a:solidFill>
+                      <a:prstDash val="solid"/>
+                      <a:round/>
+                      <a:headEnd type="none" w="med" len="med"/>
+                      <a:tailEnd type="none" w="med" len="med"/>
+                    </a:lnB>
+                  </a:tcPr>
+                </a:tc>
+                <a:extLst>
+                  <a:ext uri="{0D108BD9-81ED-4DB2-BD59-A6C34878D82A}">
+                    <a16:rowId xmlns:a16="http://schemas.microsoft.com/office/drawing/2014/main" val="4954013"/>
+                  </a:ext>
+                </a:extLst>
+              </a:tr>
+              <a:tr h="270563">
+                <a:tc>
+                  <a:txBody>
+                    <a:bodyPr/>
+                    <a:lstStyle/>
+                    <a:p>
+                      <a:pPr algn="l" fontAlgn="b"/>
+                      <a:r>
+                        <a:rPr lang="de-AT" sz="1000" b="0" i="0" u="none" strike="noStrike">
+                          <a:solidFill>
+                            <a:srgbClr val="000000"/>
+                          </a:solidFill>
+                          <a:effectLst/>
+                          <a:latin typeface="Arial" panose="020B0604020202020204" pitchFamily="34" charset="0"/>
+                        </a:rPr>
+                        <a:t>1.3.9</a:t>
+                      </a:r>
+                    </a:p>
+                  </a:txBody>
+                  <a:tcPr marL="9525" marR="9525" marT="9525" marB="0" anchor="b">
+                    <a:lnL w="6350" cap="flat" cmpd="sng" algn="ctr">
+                      <a:solidFill>
+                        <a:srgbClr val="AEB9C1"/>
+                      </a:solidFill>
+                      <a:prstDash val="solid"/>
+                      <a:round/>
+                      <a:headEnd type="none" w="med" len="med"/>
+                      <a:tailEnd type="none" w="med" len="med"/>
+                    </a:lnL>
+                    <a:lnR w="6350" cap="flat" cmpd="sng" algn="ctr">
+                      <a:solidFill>
+                        <a:srgbClr val="AEB9C1"/>
+                      </a:solidFill>
+                      <a:prstDash val="solid"/>
+                      <a:round/>
+                      <a:headEnd type="none" w="med" len="med"/>
+                      <a:tailEnd type="none" w="med" len="med"/>
+                    </a:lnR>
+                    <a:lnT w="6350" cap="flat" cmpd="sng" algn="ctr">
+                      <a:solidFill>
+                        <a:srgbClr val="AEB9C1"/>
+                      </a:solidFill>
+                      <a:prstDash val="solid"/>
+                      <a:round/>
+                      <a:headEnd type="none" w="med" len="med"/>
+                      <a:tailEnd type="none" w="med" len="med"/>
+                    </a:lnT>
+                    <a:lnB w="6350" cap="flat" cmpd="sng" algn="ctr">
+                      <a:solidFill>
+                        <a:srgbClr val="AEB9C1"/>
+                      </a:solidFill>
+                      <a:prstDash val="solid"/>
+                      <a:round/>
+                      <a:headEnd type="none" w="med" len="med"/>
+                      <a:tailEnd type="none" w="med" len="med"/>
+                    </a:lnB>
+                  </a:tcPr>
+                </a:tc>
+                <a:tc>
+                  <a:txBody>
+                    <a:bodyPr/>
+                    <a:lstStyle/>
+                    <a:p>
+                      <a:pPr algn="l" fontAlgn="b"/>
+                      <a:r>
+                        <a:rPr lang="de-AT" sz="1000" b="0" i="0" u="none" strike="noStrike">
+                          <a:solidFill>
+                            <a:srgbClr val="000000"/>
+                          </a:solidFill>
+                          <a:effectLst/>
+                          <a:latin typeface="Arial" panose="020B0604020202020204" pitchFamily="34" charset="0"/>
+                        </a:rPr>
+                        <a:t>Fertige Kommunikationstruktur Website und App</a:t>
+                      </a:r>
+                    </a:p>
+                  </a:txBody>
+                  <a:tcPr marL="9525" marR="9525" marT="9525" marB="0" anchor="b">
+                    <a:lnL w="6350" cap="flat" cmpd="sng" algn="ctr">
+                      <a:solidFill>
+                        <a:srgbClr val="AEB9C1"/>
+                      </a:solidFill>
+                      <a:prstDash val="solid"/>
+                      <a:round/>
+                      <a:headEnd type="none" w="med" len="med"/>
+                      <a:tailEnd type="none" w="med" len="med"/>
+                    </a:lnL>
+                    <a:lnR w="6350" cap="flat" cmpd="sng" algn="ctr">
+                      <a:solidFill>
+                        <a:srgbClr val="AEB9C1"/>
+                      </a:solidFill>
+                      <a:prstDash val="solid"/>
+                      <a:round/>
+                      <a:headEnd type="none" w="med" len="med"/>
+                      <a:tailEnd type="none" w="med" len="med"/>
+                    </a:lnR>
+                    <a:lnT w="6350" cap="flat" cmpd="sng" algn="ctr">
+                      <a:solidFill>
+                        <a:srgbClr val="AEB9C1"/>
+                      </a:solidFill>
+                      <a:prstDash val="solid"/>
+                      <a:round/>
+                      <a:headEnd type="none" w="med" len="med"/>
+                      <a:tailEnd type="none" w="med" len="med"/>
+                    </a:lnT>
+                    <a:lnB w="6350" cap="flat" cmpd="sng" algn="ctr">
+                      <a:solidFill>
+                        <a:srgbClr val="AEB9C1"/>
+                      </a:solidFill>
+                      <a:prstDash val="solid"/>
+                      <a:round/>
+                      <a:headEnd type="none" w="med" len="med"/>
+                      <a:tailEnd type="none" w="med" len="med"/>
+                    </a:lnB>
+                  </a:tcPr>
+                </a:tc>
+                <a:tc>
+                  <a:txBody>
+                    <a:bodyPr/>
+                    <a:lstStyle/>
+                    <a:p>
+                      <a:pPr algn="ctr" fontAlgn="b"/>
+                      <a:r>
+                        <a:rPr lang="de-AT" sz="900" b="0" i="0" u="none" strike="noStrike">
+                          <a:solidFill>
+                            <a:srgbClr val="000000"/>
+                          </a:solidFill>
+                          <a:effectLst/>
+                          <a:latin typeface="Arial" panose="020B0604020202020204" pitchFamily="34" charset="0"/>
+                        </a:rPr>
+                        <a:t>14.01.18</a:t>
+                      </a:r>
+                    </a:p>
+                  </a:txBody>
+                  <a:tcPr marL="9525" marR="9525" marT="9525" marB="0" anchor="b">
+                    <a:lnL w="6350" cap="flat" cmpd="sng" algn="ctr">
+                      <a:solidFill>
+                        <a:srgbClr val="AEB9C1"/>
+                      </a:solidFill>
+                      <a:prstDash val="solid"/>
+                      <a:round/>
+                      <a:headEnd type="none" w="med" len="med"/>
+                      <a:tailEnd type="none" w="med" len="med"/>
+                    </a:lnL>
+                    <a:lnR w="6350" cap="flat" cmpd="sng" algn="ctr">
+                      <a:solidFill>
+                        <a:srgbClr val="AEB9C1"/>
+                      </a:solidFill>
+                      <a:prstDash val="solid"/>
+                      <a:round/>
+                      <a:headEnd type="none" w="med" len="med"/>
+                      <a:tailEnd type="none" w="med" len="med"/>
+                    </a:lnR>
+                    <a:lnT w="6350" cap="flat" cmpd="sng" algn="ctr">
+                      <a:solidFill>
+                        <a:srgbClr val="AEB9C1"/>
+                      </a:solidFill>
+                      <a:prstDash val="solid"/>
+                      <a:round/>
+                      <a:headEnd type="none" w="med" len="med"/>
+                      <a:tailEnd type="none" w="med" len="med"/>
+                    </a:lnT>
+                    <a:lnB w="6350" cap="flat" cmpd="sng" algn="ctr">
+                      <a:solidFill>
+                        <a:srgbClr val="AEB9C1"/>
+                      </a:solidFill>
+                      <a:prstDash val="solid"/>
+                      <a:round/>
+                      <a:headEnd type="none" w="med" len="med"/>
+                      <a:tailEnd type="none" w="med" len="med"/>
+                    </a:lnB>
+                    <a:solidFill>
+                      <a:srgbClr val="D5E49C"/>
+                    </a:solidFill>
+                  </a:tcPr>
+                </a:tc>
+                <a:tc>
+                  <a:txBody>
+                    <a:bodyPr/>
+                    <a:lstStyle/>
+                    <a:p>
+                      <a:pPr algn="ctr" fontAlgn="b"/>
+                      <a:r>
+                        <a:rPr lang="de-AT" sz="900" b="0" i="0" u="none" strike="noStrike">
+                          <a:solidFill>
+                            <a:srgbClr val="000000"/>
+                          </a:solidFill>
+                          <a:effectLst/>
+                          <a:latin typeface="Arial" panose="020B0604020202020204" pitchFamily="34" charset="0"/>
+                        </a:rPr>
+                        <a:t>14.01.18</a:t>
+                      </a:r>
+                    </a:p>
+                  </a:txBody>
+                  <a:tcPr marL="9525" marR="9525" marT="9525" marB="0" anchor="b">
+                    <a:lnL w="6350" cap="flat" cmpd="sng" algn="ctr">
+                      <a:solidFill>
+                        <a:srgbClr val="AEB9C1"/>
+                      </a:solidFill>
+                      <a:prstDash val="solid"/>
+                      <a:round/>
+                      <a:headEnd type="none" w="med" len="med"/>
+                      <a:tailEnd type="none" w="med" len="med"/>
+                    </a:lnL>
+                    <a:lnR w="6350" cap="flat" cmpd="sng" algn="ctr">
+                      <a:solidFill>
+                        <a:srgbClr val="AEB9C1"/>
+                      </a:solidFill>
+                      <a:prstDash val="solid"/>
+                      <a:round/>
+                      <a:headEnd type="none" w="med" len="med"/>
+                      <a:tailEnd type="none" w="med" len="med"/>
+                    </a:lnR>
+                    <a:lnT w="6350" cap="flat" cmpd="sng" algn="ctr">
+                      <a:solidFill>
+                        <a:srgbClr val="AEB9C1"/>
+                      </a:solidFill>
+                      <a:prstDash val="solid"/>
+                      <a:round/>
+                      <a:headEnd type="none" w="med" len="med"/>
+                      <a:tailEnd type="none" w="med" len="med"/>
+                    </a:lnT>
+                    <a:lnB w="6350" cap="flat" cmpd="sng" algn="ctr">
+                      <a:solidFill>
+                        <a:srgbClr val="AEB9C1"/>
+                      </a:solidFill>
+                      <a:prstDash val="solid"/>
+                      <a:round/>
+                      <a:headEnd type="none" w="med" len="med"/>
+                      <a:tailEnd type="none" w="med" len="med"/>
+                    </a:lnB>
+                  </a:tcPr>
+                </a:tc>
+                <a:tc>
+                  <a:txBody>
+                    <a:bodyPr/>
+                    <a:lstStyle/>
+                    <a:p>
+                      <a:pPr algn="ctr" fontAlgn="b"/>
+                      <a:r>
+                        <a:rPr lang="de-AT" sz="900" b="0" i="0" u="none" strike="noStrike">
+                          <a:solidFill>
+                            <a:srgbClr val="000000"/>
+                          </a:solidFill>
+                          <a:effectLst/>
+                          <a:latin typeface="Arial" panose="020B0604020202020204" pitchFamily="34" charset="0"/>
+                        </a:rPr>
+                        <a:t> </a:t>
+                      </a:r>
+                    </a:p>
+                  </a:txBody>
+                  <a:tcPr marL="9525" marR="9525" marT="9525" marB="0" anchor="b">
+                    <a:lnL w="6350" cap="flat" cmpd="sng" algn="ctr">
+                      <a:solidFill>
+                        <a:srgbClr val="AEB9C1"/>
+                      </a:solidFill>
+                      <a:prstDash val="solid"/>
+                      <a:round/>
+                      <a:headEnd type="none" w="med" len="med"/>
+                      <a:tailEnd type="none" w="med" len="med"/>
+                    </a:lnL>
+                    <a:lnR w="6350" cap="flat" cmpd="sng" algn="ctr">
+                      <a:solidFill>
+                        <a:srgbClr val="AEB9C1"/>
+                      </a:solidFill>
+                      <a:prstDash val="solid"/>
+                      <a:round/>
+                      <a:headEnd type="none" w="med" len="med"/>
+                      <a:tailEnd type="none" w="med" len="med"/>
+                    </a:lnR>
+                    <a:lnT w="6350" cap="flat" cmpd="sng" algn="ctr">
+                      <a:solidFill>
+                        <a:srgbClr val="AEB9C1"/>
+                      </a:solidFill>
+                      <a:prstDash val="solid"/>
+                      <a:round/>
+                      <a:headEnd type="none" w="med" len="med"/>
+                      <a:tailEnd type="none" w="med" len="med"/>
+                    </a:lnT>
+                    <a:lnB w="6350" cap="flat" cmpd="sng" algn="ctr">
+                      <a:solidFill>
+                        <a:srgbClr val="AEB9C1"/>
+                      </a:solidFill>
+                      <a:prstDash val="solid"/>
+                      <a:round/>
+                      <a:headEnd type="none" w="med" len="med"/>
+                      <a:tailEnd type="none" w="med" len="med"/>
+                    </a:lnB>
+                  </a:tcPr>
+                </a:tc>
+                <a:extLst>
+                  <a:ext uri="{0D108BD9-81ED-4DB2-BD59-A6C34878D82A}">
+                    <a16:rowId xmlns:a16="http://schemas.microsoft.com/office/drawing/2014/main" val="4294229532"/>
+                  </a:ext>
+                </a:extLst>
+              </a:tr>
+              <a:tr h="270563">
+                <a:tc>
+                  <a:txBody>
+                    <a:bodyPr/>
+                    <a:lstStyle/>
+                    <a:p>
+                      <a:pPr algn="l" fontAlgn="b"/>
+                      <a:r>
+                        <a:rPr lang="de-AT" sz="1000" b="0" i="0" u="none" strike="noStrike">
+                          <a:solidFill>
+                            <a:srgbClr val="000000"/>
+                          </a:solidFill>
+                          <a:effectLst/>
+                          <a:latin typeface="Arial" panose="020B0604020202020204" pitchFamily="34" charset="0"/>
+                        </a:rPr>
+                        <a:t>1.3.18</a:t>
+                      </a:r>
+                    </a:p>
+                  </a:txBody>
+                  <a:tcPr marL="9525" marR="9525" marT="9525" marB="0" anchor="b">
+                    <a:lnL w="6350" cap="flat" cmpd="sng" algn="ctr">
+                      <a:solidFill>
+                        <a:srgbClr val="AEB9C1"/>
+                      </a:solidFill>
+                      <a:prstDash val="solid"/>
+                      <a:round/>
+                      <a:headEnd type="none" w="med" len="med"/>
+                      <a:tailEnd type="none" w="med" len="med"/>
+                    </a:lnL>
+                    <a:lnR w="6350" cap="flat" cmpd="sng" algn="ctr">
+                      <a:solidFill>
+                        <a:srgbClr val="AEB9C1"/>
+                      </a:solidFill>
+                      <a:prstDash val="solid"/>
+                      <a:round/>
+                      <a:headEnd type="none" w="med" len="med"/>
+                      <a:tailEnd type="none" w="med" len="med"/>
+                    </a:lnR>
+                    <a:lnT w="6350" cap="flat" cmpd="sng" algn="ctr">
+                      <a:solidFill>
+                        <a:srgbClr val="AEB9C1"/>
+                      </a:solidFill>
+                      <a:prstDash val="solid"/>
+                      <a:round/>
+                      <a:headEnd type="none" w="med" len="med"/>
+                      <a:tailEnd type="none" w="med" len="med"/>
+                    </a:lnT>
+                    <a:lnB w="6350" cap="flat" cmpd="sng" algn="ctr">
+                      <a:solidFill>
+                        <a:srgbClr val="AEB9C1"/>
+                      </a:solidFill>
+                      <a:prstDash val="solid"/>
+                      <a:round/>
+                      <a:headEnd type="none" w="med" len="med"/>
+                      <a:tailEnd type="none" w="med" len="med"/>
+                    </a:lnB>
+                  </a:tcPr>
+                </a:tc>
+                <a:tc>
+                  <a:txBody>
+                    <a:bodyPr/>
+                    <a:lstStyle/>
+                    <a:p>
+                      <a:pPr algn="l" fontAlgn="b"/>
+                      <a:r>
+                        <a:rPr lang="de-AT" sz="1000" b="0" i="0" u="none" strike="noStrike">
+                          <a:solidFill>
+                            <a:srgbClr val="000000"/>
+                          </a:solidFill>
+                          <a:effectLst/>
+                          <a:latin typeface="Arial" panose="020B0604020202020204" pitchFamily="34" charset="0"/>
+                        </a:rPr>
+                        <a:t>Funktionsfähiges Projekt</a:t>
+                      </a:r>
+                    </a:p>
+                  </a:txBody>
+                  <a:tcPr marL="9525" marR="9525" marT="9525" marB="0" anchor="b">
+                    <a:lnL w="6350" cap="flat" cmpd="sng" algn="ctr">
+                      <a:solidFill>
+                        <a:srgbClr val="AEB9C1"/>
+                      </a:solidFill>
+                      <a:prstDash val="solid"/>
+                      <a:round/>
+                      <a:headEnd type="none" w="med" len="med"/>
+                      <a:tailEnd type="none" w="med" len="med"/>
+                    </a:lnL>
+                    <a:lnR w="6350" cap="flat" cmpd="sng" algn="ctr">
+                      <a:solidFill>
+                        <a:srgbClr val="AEB9C1"/>
+                      </a:solidFill>
+                      <a:prstDash val="solid"/>
+                      <a:round/>
+                      <a:headEnd type="none" w="med" len="med"/>
+                      <a:tailEnd type="none" w="med" len="med"/>
+                    </a:lnR>
+                    <a:lnT w="6350" cap="flat" cmpd="sng" algn="ctr">
+                      <a:solidFill>
+                        <a:srgbClr val="AEB9C1"/>
+                      </a:solidFill>
+                      <a:prstDash val="solid"/>
+                      <a:round/>
+                      <a:headEnd type="none" w="med" len="med"/>
+                      <a:tailEnd type="none" w="med" len="med"/>
+                    </a:lnT>
+                    <a:lnB w="6350" cap="flat" cmpd="sng" algn="ctr">
+                      <a:solidFill>
+                        <a:srgbClr val="AEB9C1"/>
+                      </a:solidFill>
+                      <a:prstDash val="solid"/>
+                      <a:round/>
+                      <a:headEnd type="none" w="med" len="med"/>
+                      <a:tailEnd type="none" w="med" len="med"/>
+                    </a:lnB>
+                  </a:tcPr>
+                </a:tc>
+                <a:tc>
+                  <a:txBody>
+                    <a:bodyPr/>
+                    <a:lstStyle/>
+                    <a:p>
+                      <a:pPr algn="ctr" fontAlgn="b"/>
+                      <a:r>
+                        <a:rPr lang="de-AT" sz="900" b="0" i="0" u="none" strike="noStrike">
+                          <a:solidFill>
+                            <a:srgbClr val="000000"/>
+                          </a:solidFill>
+                          <a:effectLst/>
+                          <a:latin typeface="Arial" panose="020B0604020202020204" pitchFamily="34" charset="0"/>
+                        </a:rPr>
+                        <a:t>14.01.18</a:t>
+                      </a:r>
+                    </a:p>
+                  </a:txBody>
+                  <a:tcPr marL="9525" marR="9525" marT="9525" marB="0" anchor="b">
+                    <a:lnL w="6350" cap="flat" cmpd="sng" algn="ctr">
+                      <a:solidFill>
+                        <a:srgbClr val="AEB9C1"/>
+                      </a:solidFill>
+                      <a:prstDash val="solid"/>
+                      <a:round/>
+                      <a:headEnd type="none" w="med" len="med"/>
+                      <a:tailEnd type="none" w="med" len="med"/>
+                    </a:lnL>
+                    <a:lnR w="6350" cap="flat" cmpd="sng" algn="ctr">
+                      <a:solidFill>
+                        <a:srgbClr val="AEB9C1"/>
+                      </a:solidFill>
+                      <a:prstDash val="solid"/>
+                      <a:round/>
+                      <a:headEnd type="none" w="med" len="med"/>
+                      <a:tailEnd type="none" w="med" len="med"/>
+                    </a:lnR>
+                    <a:lnT w="6350" cap="flat" cmpd="sng" algn="ctr">
+                      <a:solidFill>
+                        <a:srgbClr val="AEB9C1"/>
+                      </a:solidFill>
+                      <a:prstDash val="solid"/>
+                      <a:round/>
+                      <a:headEnd type="none" w="med" len="med"/>
+                      <a:tailEnd type="none" w="med" len="med"/>
+                    </a:lnT>
+                    <a:lnB w="6350" cap="flat" cmpd="sng" algn="ctr">
+                      <a:solidFill>
+                        <a:srgbClr val="AEB9C1"/>
+                      </a:solidFill>
+                      <a:prstDash val="solid"/>
+                      <a:round/>
+                      <a:headEnd type="none" w="med" len="med"/>
+                      <a:tailEnd type="none" w="med" len="med"/>
+                    </a:lnB>
+                    <a:solidFill>
+                      <a:srgbClr val="D5E49C"/>
+                    </a:solidFill>
+                  </a:tcPr>
+                </a:tc>
+                <a:tc>
+                  <a:txBody>
+                    <a:bodyPr/>
+                    <a:lstStyle/>
+                    <a:p>
+                      <a:pPr algn="ctr" fontAlgn="b"/>
+                      <a:r>
+                        <a:rPr lang="de-AT" sz="900" b="0" i="0" u="none" strike="noStrike">
+                          <a:solidFill>
+                            <a:srgbClr val="000000"/>
+                          </a:solidFill>
+                          <a:effectLst/>
+                          <a:latin typeface="Arial" panose="020B0604020202020204" pitchFamily="34" charset="0"/>
+                        </a:rPr>
+                        <a:t>14.01.18</a:t>
+                      </a:r>
+                    </a:p>
+                  </a:txBody>
+                  <a:tcPr marL="9525" marR="9525" marT="9525" marB="0" anchor="b">
+                    <a:lnL w="6350" cap="flat" cmpd="sng" algn="ctr">
+                      <a:solidFill>
+                        <a:srgbClr val="AEB9C1"/>
+                      </a:solidFill>
+                      <a:prstDash val="solid"/>
+                      <a:round/>
+                      <a:headEnd type="none" w="med" len="med"/>
+                      <a:tailEnd type="none" w="med" len="med"/>
+                    </a:lnL>
+                    <a:lnR w="6350" cap="flat" cmpd="sng" algn="ctr">
+                      <a:solidFill>
+                        <a:srgbClr val="AEB9C1"/>
+                      </a:solidFill>
+                      <a:prstDash val="solid"/>
+                      <a:round/>
+                      <a:headEnd type="none" w="med" len="med"/>
+                      <a:tailEnd type="none" w="med" len="med"/>
+                    </a:lnR>
+                    <a:lnT w="6350" cap="flat" cmpd="sng" algn="ctr">
+                      <a:solidFill>
+                        <a:srgbClr val="AEB9C1"/>
+                      </a:solidFill>
+                      <a:prstDash val="solid"/>
+                      <a:round/>
+                      <a:headEnd type="none" w="med" len="med"/>
+                      <a:tailEnd type="none" w="med" len="med"/>
+                    </a:lnT>
+                    <a:lnB w="6350" cap="flat" cmpd="sng" algn="ctr">
+                      <a:solidFill>
+                        <a:srgbClr val="AEB9C1"/>
+                      </a:solidFill>
+                      <a:prstDash val="solid"/>
+                      <a:round/>
+                      <a:headEnd type="none" w="med" len="med"/>
+                      <a:tailEnd type="none" w="med" len="med"/>
+                    </a:lnB>
+                  </a:tcPr>
+                </a:tc>
+                <a:tc>
+                  <a:txBody>
+                    <a:bodyPr/>
+                    <a:lstStyle/>
+                    <a:p>
+                      <a:pPr algn="ctr" fontAlgn="b"/>
+                      <a:r>
+                        <a:rPr lang="de-AT" sz="900" b="0" i="0" u="none" strike="noStrike">
+                          <a:solidFill>
+                            <a:srgbClr val="000000"/>
+                          </a:solidFill>
+                          <a:effectLst/>
+                          <a:latin typeface="Arial" panose="020B0604020202020204" pitchFamily="34" charset="0"/>
+                        </a:rPr>
+                        <a:t> </a:t>
+                      </a:r>
+                    </a:p>
+                  </a:txBody>
+                  <a:tcPr marL="9525" marR="9525" marT="9525" marB="0" anchor="b">
+                    <a:lnL w="6350" cap="flat" cmpd="sng" algn="ctr">
+                      <a:solidFill>
+                        <a:srgbClr val="AEB9C1"/>
+                      </a:solidFill>
+                      <a:prstDash val="solid"/>
+                      <a:round/>
+                      <a:headEnd type="none" w="med" len="med"/>
+                      <a:tailEnd type="none" w="med" len="med"/>
+                    </a:lnL>
+                    <a:lnR w="6350" cap="flat" cmpd="sng" algn="ctr">
+                      <a:solidFill>
+                        <a:srgbClr val="AEB9C1"/>
+                      </a:solidFill>
+                      <a:prstDash val="solid"/>
+                      <a:round/>
+                      <a:headEnd type="none" w="med" len="med"/>
+                      <a:tailEnd type="none" w="med" len="med"/>
+                    </a:lnR>
+                    <a:lnT w="6350" cap="flat" cmpd="sng" algn="ctr">
+                      <a:solidFill>
+                        <a:srgbClr val="AEB9C1"/>
+                      </a:solidFill>
+                      <a:prstDash val="solid"/>
+                      <a:round/>
+                      <a:headEnd type="none" w="med" len="med"/>
+                      <a:tailEnd type="none" w="med" len="med"/>
+                    </a:lnT>
+                    <a:lnB w="6350" cap="flat" cmpd="sng" algn="ctr">
+                      <a:solidFill>
+                        <a:srgbClr val="AEB9C1"/>
+                      </a:solidFill>
+                      <a:prstDash val="solid"/>
+                      <a:round/>
+                      <a:headEnd type="none" w="med" len="med"/>
+                      <a:tailEnd type="none" w="med" len="med"/>
+                    </a:lnB>
+                  </a:tcPr>
+                </a:tc>
+                <a:extLst>
+                  <a:ext uri="{0D108BD9-81ED-4DB2-BD59-A6C34878D82A}">
+                    <a16:rowId xmlns:a16="http://schemas.microsoft.com/office/drawing/2014/main" val="608279816"/>
+                  </a:ext>
+                </a:extLst>
+              </a:tr>
+              <a:tr h="270563">
+                <a:tc>
+                  <a:txBody>
+                    <a:bodyPr/>
+                    <a:lstStyle/>
+                    <a:p>
+                      <a:pPr algn="l" fontAlgn="b"/>
+                      <a:r>
+                        <a:rPr lang="de-AT" sz="1000" b="0" i="0" u="none" strike="noStrike">
+                          <a:solidFill>
+                            <a:srgbClr val="000000"/>
+                          </a:solidFill>
+                          <a:effectLst/>
+                          <a:latin typeface="Arial" panose="020B0604020202020204" pitchFamily="34" charset="0"/>
+                        </a:rPr>
+                        <a:t>1.5.5</a:t>
+                      </a:r>
+                    </a:p>
+                  </a:txBody>
+                  <a:tcPr marL="9525" marR="9525" marT="9525" marB="0" anchor="b">
+                    <a:lnL w="6350" cap="flat" cmpd="sng" algn="ctr">
+                      <a:solidFill>
+                        <a:srgbClr val="AEB9C1"/>
+                      </a:solidFill>
+                      <a:prstDash val="solid"/>
+                      <a:round/>
+                      <a:headEnd type="none" w="med" len="med"/>
+                      <a:tailEnd type="none" w="med" len="med"/>
+                    </a:lnL>
+                    <a:lnR w="6350" cap="flat" cmpd="sng" algn="ctr">
+                      <a:solidFill>
+                        <a:srgbClr val="AEB9C1"/>
+                      </a:solidFill>
+                      <a:prstDash val="solid"/>
+                      <a:round/>
+                      <a:headEnd type="none" w="med" len="med"/>
+                      <a:tailEnd type="none" w="med" len="med"/>
+                    </a:lnR>
+                    <a:lnT w="6350" cap="flat" cmpd="sng" algn="ctr">
+                      <a:solidFill>
+                        <a:srgbClr val="AEB9C1"/>
+                      </a:solidFill>
+                      <a:prstDash val="solid"/>
+                      <a:round/>
+                      <a:headEnd type="none" w="med" len="med"/>
+                      <a:tailEnd type="none" w="med" len="med"/>
+                    </a:lnT>
+                    <a:lnB w="6350" cap="flat" cmpd="sng" algn="ctr">
+                      <a:solidFill>
+                        <a:srgbClr val="AEB9C1"/>
+                      </a:solidFill>
+                      <a:prstDash val="solid"/>
+                      <a:round/>
+                      <a:headEnd type="none" w="med" len="med"/>
+                      <a:tailEnd type="none" w="med" len="med"/>
+                    </a:lnB>
+                  </a:tcPr>
+                </a:tc>
+                <a:tc>
+                  <a:txBody>
+                    <a:bodyPr/>
+                    <a:lstStyle/>
+                    <a:p>
+                      <a:pPr algn="l" fontAlgn="b"/>
+                      <a:r>
+                        <a:rPr lang="de-AT" sz="1000" b="0" i="0" u="none" strike="noStrike">
+                          <a:solidFill>
+                            <a:srgbClr val="000000"/>
+                          </a:solidFill>
+                          <a:effectLst/>
+                          <a:latin typeface="Arial" panose="020B0604020202020204" pitchFamily="34" charset="0"/>
+                        </a:rPr>
+                        <a:t>Fertige Dokumentation</a:t>
+                      </a:r>
+                    </a:p>
+                  </a:txBody>
+                  <a:tcPr marL="9525" marR="9525" marT="9525" marB="0" anchor="b">
+                    <a:lnL w="6350" cap="flat" cmpd="sng" algn="ctr">
+                      <a:solidFill>
+                        <a:srgbClr val="AEB9C1"/>
+                      </a:solidFill>
+                      <a:prstDash val="solid"/>
+                      <a:round/>
+                      <a:headEnd type="none" w="med" len="med"/>
+                      <a:tailEnd type="none" w="med" len="med"/>
+                    </a:lnL>
+                    <a:lnR w="6350" cap="flat" cmpd="sng" algn="ctr">
+                      <a:solidFill>
+                        <a:srgbClr val="AEB9C1"/>
+                      </a:solidFill>
+                      <a:prstDash val="solid"/>
+                      <a:round/>
+                      <a:headEnd type="none" w="med" len="med"/>
+                      <a:tailEnd type="none" w="med" len="med"/>
+                    </a:lnR>
+                    <a:lnT w="6350" cap="flat" cmpd="sng" algn="ctr">
+                      <a:solidFill>
+                        <a:srgbClr val="AEB9C1"/>
+                      </a:solidFill>
+                      <a:prstDash val="solid"/>
+                      <a:round/>
+                      <a:headEnd type="none" w="med" len="med"/>
+                      <a:tailEnd type="none" w="med" len="med"/>
+                    </a:lnT>
+                    <a:lnB w="6350" cap="flat" cmpd="sng" algn="ctr">
+                      <a:solidFill>
+                        <a:srgbClr val="AEB9C1"/>
+                      </a:solidFill>
+                      <a:prstDash val="solid"/>
+                      <a:round/>
+                      <a:headEnd type="none" w="med" len="med"/>
+                      <a:tailEnd type="none" w="med" len="med"/>
+                    </a:lnB>
+                  </a:tcPr>
+                </a:tc>
+                <a:tc>
+                  <a:txBody>
+                    <a:bodyPr/>
+                    <a:lstStyle/>
+                    <a:p>
+                      <a:pPr algn="ctr" fontAlgn="b"/>
+                      <a:r>
+                        <a:rPr lang="de-AT" sz="900" b="0" i="0" u="none" strike="noStrike">
+                          <a:solidFill>
+                            <a:srgbClr val="000000"/>
+                          </a:solidFill>
+                          <a:effectLst/>
+                          <a:latin typeface="Arial" panose="020B0604020202020204" pitchFamily="34" charset="0"/>
+                        </a:rPr>
+                        <a:t>20.01.18</a:t>
+                      </a:r>
+                    </a:p>
+                  </a:txBody>
+                  <a:tcPr marL="9525" marR="9525" marT="9525" marB="0" anchor="b">
+                    <a:lnL w="6350" cap="flat" cmpd="sng" algn="ctr">
+                      <a:solidFill>
+                        <a:srgbClr val="AEB9C1"/>
+                      </a:solidFill>
+                      <a:prstDash val="solid"/>
+                      <a:round/>
+                      <a:headEnd type="none" w="med" len="med"/>
+                      <a:tailEnd type="none" w="med" len="med"/>
+                    </a:lnL>
+                    <a:lnR w="6350" cap="flat" cmpd="sng" algn="ctr">
+                      <a:solidFill>
+                        <a:srgbClr val="AEB9C1"/>
+                      </a:solidFill>
+                      <a:prstDash val="solid"/>
+                      <a:round/>
+                      <a:headEnd type="none" w="med" len="med"/>
+                      <a:tailEnd type="none" w="med" len="med"/>
+                    </a:lnR>
+                    <a:lnT w="6350" cap="flat" cmpd="sng" algn="ctr">
+                      <a:solidFill>
+                        <a:srgbClr val="AEB9C1"/>
+                      </a:solidFill>
+                      <a:prstDash val="solid"/>
+                      <a:round/>
+                      <a:headEnd type="none" w="med" len="med"/>
+                      <a:tailEnd type="none" w="med" len="med"/>
+                    </a:lnT>
+                    <a:lnB w="6350" cap="flat" cmpd="sng" algn="ctr">
+                      <a:solidFill>
+                        <a:srgbClr val="AEB9C1"/>
+                      </a:solidFill>
+                      <a:prstDash val="solid"/>
+                      <a:round/>
+                      <a:headEnd type="none" w="med" len="med"/>
+                      <a:tailEnd type="none" w="med" len="med"/>
+                    </a:lnB>
+                    <a:solidFill>
+                      <a:srgbClr val="D5E49C"/>
+                    </a:solidFill>
+                  </a:tcPr>
+                </a:tc>
+                <a:tc>
+                  <a:txBody>
+                    <a:bodyPr/>
+                    <a:lstStyle/>
+                    <a:p>
+                      <a:pPr algn="ctr" fontAlgn="b"/>
+                      <a:r>
+                        <a:rPr lang="de-AT" sz="900" b="0" i="0" u="none" strike="noStrike">
+                          <a:solidFill>
+                            <a:srgbClr val="000000"/>
+                          </a:solidFill>
+                          <a:effectLst/>
+                          <a:latin typeface="Arial" panose="020B0604020202020204" pitchFamily="34" charset="0"/>
+                        </a:rPr>
+                        <a:t>20.01.18</a:t>
+                      </a:r>
+                    </a:p>
+                  </a:txBody>
+                  <a:tcPr marL="9525" marR="9525" marT="9525" marB="0" anchor="b">
+                    <a:lnL w="6350" cap="flat" cmpd="sng" algn="ctr">
+                      <a:solidFill>
+                        <a:srgbClr val="AEB9C1"/>
+                      </a:solidFill>
+                      <a:prstDash val="solid"/>
+                      <a:round/>
+                      <a:headEnd type="none" w="med" len="med"/>
+                      <a:tailEnd type="none" w="med" len="med"/>
+                    </a:lnL>
+                    <a:lnR w="6350" cap="flat" cmpd="sng" algn="ctr">
+                      <a:solidFill>
+                        <a:srgbClr val="AEB9C1"/>
+                      </a:solidFill>
+                      <a:prstDash val="solid"/>
+                      <a:round/>
+                      <a:headEnd type="none" w="med" len="med"/>
+                      <a:tailEnd type="none" w="med" len="med"/>
+                    </a:lnR>
+                    <a:lnT w="6350" cap="flat" cmpd="sng" algn="ctr">
+                      <a:solidFill>
+                        <a:srgbClr val="AEB9C1"/>
+                      </a:solidFill>
+                      <a:prstDash val="solid"/>
+                      <a:round/>
+                      <a:headEnd type="none" w="med" len="med"/>
+                      <a:tailEnd type="none" w="med" len="med"/>
+                    </a:lnT>
+                    <a:lnB w="6350" cap="flat" cmpd="sng" algn="ctr">
+                      <a:solidFill>
+                        <a:srgbClr val="AEB9C1"/>
+                      </a:solidFill>
+                      <a:prstDash val="solid"/>
+                      <a:round/>
+                      <a:headEnd type="none" w="med" len="med"/>
+                      <a:tailEnd type="none" w="med" len="med"/>
+                    </a:lnB>
+                  </a:tcPr>
+                </a:tc>
+                <a:tc>
+                  <a:txBody>
+                    <a:bodyPr/>
+                    <a:lstStyle/>
+                    <a:p>
+                      <a:pPr algn="ctr" fontAlgn="b"/>
+                      <a:r>
+                        <a:rPr lang="de-AT" sz="900" b="0" i="0" u="none" strike="noStrike">
+                          <a:solidFill>
+                            <a:srgbClr val="000000"/>
+                          </a:solidFill>
+                          <a:effectLst/>
+                          <a:latin typeface="Arial" panose="020B0604020202020204" pitchFamily="34" charset="0"/>
+                        </a:rPr>
+                        <a:t> </a:t>
+                      </a:r>
+                    </a:p>
+                  </a:txBody>
+                  <a:tcPr marL="9525" marR="9525" marT="9525" marB="0" anchor="b">
+                    <a:lnL w="6350" cap="flat" cmpd="sng" algn="ctr">
+                      <a:solidFill>
+                        <a:srgbClr val="AEB9C1"/>
+                      </a:solidFill>
+                      <a:prstDash val="solid"/>
+                      <a:round/>
+                      <a:headEnd type="none" w="med" len="med"/>
+                      <a:tailEnd type="none" w="med" len="med"/>
+                    </a:lnL>
+                    <a:lnR w="6350" cap="flat" cmpd="sng" algn="ctr">
+                      <a:solidFill>
+                        <a:srgbClr val="AEB9C1"/>
+                      </a:solidFill>
+                      <a:prstDash val="solid"/>
+                      <a:round/>
+                      <a:headEnd type="none" w="med" len="med"/>
+                      <a:tailEnd type="none" w="med" len="med"/>
+                    </a:lnR>
+                    <a:lnT w="6350" cap="flat" cmpd="sng" algn="ctr">
+                      <a:solidFill>
+                        <a:srgbClr val="AEB9C1"/>
+                      </a:solidFill>
+                      <a:prstDash val="solid"/>
+                      <a:round/>
+                      <a:headEnd type="none" w="med" len="med"/>
+                      <a:tailEnd type="none" w="med" len="med"/>
+                    </a:lnT>
+                    <a:lnB w="6350" cap="flat" cmpd="sng" algn="ctr">
+                      <a:solidFill>
+                        <a:srgbClr val="AEB9C1"/>
+                      </a:solidFill>
+                      <a:prstDash val="solid"/>
+                      <a:round/>
+                      <a:headEnd type="none" w="med" len="med"/>
+                      <a:tailEnd type="none" w="med" len="med"/>
+                    </a:lnB>
+                  </a:tcPr>
+                </a:tc>
+                <a:extLst>
+                  <a:ext uri="{0D108BD9-81ED-4DB2-BD59-A6C34878D82A}">
+                    <a16:rowId xmlns:a16="http://schemas.microsoft.com/office/drawing/2014/main" val="69853510"/>
+                  </a:ext>
+                </a:extLst>
+              </a:tr>
+              <a:tr h="270563">
+                <a:tc>
+                  <a:txBody>
+                    <a:bodyPr/>
+                    <a:lstStyle/>
+                    <a:p>
+                      <a:pPr algn="l" fontAlgn="b"/>
+                      <a:r>
+                        <a:rPr lang="de-AT" sz="1000" b="0" i="0" u="none" strike="noStrike">
+                          <a:solidFill>
+                            <a:srgbClr val="000000"/>
+                          </a:solidFill>
+                          <a:effectLst/>
+                          <a:latin typeface="Arial" panose="020B0604020202020204" pitchFamily="34" charset="0"/>
+                        </a:rPr>
+                        <a:t>1.1.6</a:t>
+                      </a:r>
+                    </a:p>
+                  </a:txBody>
+                  <a:tcPr marL="9525" marR="9525" marT="9525" marB="0" anchor="b">
+                    <a:lnL w="6350" cap="flat" cmpd="sng" algn="ctr">
+                      <a:solidFill>
+                        <a:srgbClr val="AEB9C1"/>
+                      </a:solidFill>
+                      <a:prstDash val="solid"/>
+                      <a:round/>
+                      <a:headEnd type="none" w="med" len="med"/>
+                      <a:tailEnd type="none" w="med" len="med"/>
+                    </a:lnL>
+                    <a:lnR w="6350" cap="flat" cmpd="sng" algn="ctr">
+                      <a:solidFill>
+                        <a:srgbClr val="AEB9C1"/>
+                      </a:solidFill>
+                      <a:prstDash val="solid"/>
+                      <a:round/>
+                      <a:headEnd type="none" w="med" len="med"/>
+                      <a:tailEnd type="none" w="med" len="med"/>
+                    </a:lnR>
+                    <a:lnT w="6350" cap="flat" cmpd="sng" algn="ctr">
+                      <a:solidFill>
+                        <a:srgbClr val="AEB9C1"/>
+                      </a:solidFill>
+                      <a:prstDash val="solid"/>
+                      <a:round/>
+                      <a:headEnd type="none" w="med" len="med"/>
+                      <a:tailEnd type="none" w="med" len="med"/>
+                    </a:lnT>
+                    <a:lnB w="6350" cap="flat" cmpd="sng" algn="ctr">
+                      <a:solidFill>
+                        <a:srgbClr val="AEB9C1"/>
+                      </a:solidFill>
+                      <a:prstDash val="solid"/>
+                      <a:round/>
+                      <a:headEnd type="none" w="med" len="med"/>
+                      <a:tailEnd type="none" w="med" len="med"/>
+                    </a:lnB>
+                  </a:tcPr>
+                </a:tc>
+                <a:tc>
+                  <a:txBody>
+                    <a:bodyPr/>
+                    <a:lstStyle/>
+                    <a:p>
+                      <a:pPr algn="l" fontAlgn="b"/>
+                      <a:r>
+                        <a:rPr lang="de-AT" sz="1000" b="0" i="0" u="none" strike="noStrike">
+                          <a:solidFill>
+                            <a:srgbClr val="000000"/>
+                          </a:solidFill>
+                          <a:effectLst/>
+                          <a:latin typeface="Arial" panose="020B0604020202020204" pitchFamily="34" charset="0"/>
+                        </a:rPr>
+                        <a:t>Projekt abgeschlossen</a:t>
+                      </a:r>
+                    </a:p>
+                  </a:txBody>
+                  <a:tcPr marL="9525" marR="9525" marT="9525" marB="0" anchor="b">
+                    <a:lnL w="6350" cap="flat" cmpd="sng" algn="ctr">
+                      <a:solidFill>
+                        <a:srgbClr val="AEB9C1"/>
+                      </a:solidFill>
+                      <a:prstDash val="solid"/>
+                      <a:round/>
+                      <a:headEnd type="none" w="med" len="med"/>
+                      <a:tailEnd type="none" w="med" len="med"/>
+                    </a:lnL>
+                    <a:lnR w="6350" cap="flat" cmpd="sng" algn="ctr">
+                      <a:solidFill>
+                        <a:srgbClr val="AEB9C1"/>
+                      </a:solidFill>
+                      <a:prstDash val="solid"/>
+                      <a:round/>
+                      <a:headEnd type="none" w="med" len="med"/>
+                      <a:tailEnd type="none" w="med" len="med"/>
+                    </a:lnR>
+                    <a:lnT w="6350" cap="flat" cmpd="sng" algn="ctr">
+                      <a:solidFill>
+                        <a:srgbClr val="AEB9C1"/>
+                      </a:solidFill>
+                      <a:prstDash val="solid"/>
+                      <a:round/>
+                      <a:headEnd type="none" w="med" len="med"/>
+                      <a:tailEnd type="none" w="med" len="med"/>
+                    </a:lnT>
+                    <a:lnB w="6350" cap="flat" cmpd="sng" algn="ctr">
+                      <a:solidFill>
+                        <a:srgbClr val="AEB9C1"/>
+                      </a:solidFill>
+                      <a:prstDash val="solid"/>
+                      <a:round/>
+                      <a:headEnd type="none" w="med" len="med"/>
+                      <a:tailEnd type="none" w="med" len="med"/>
+                    </a:lnB>
+                  </a:tcPr>
+                </a:tc>
+                <a:tc>
+                  <a:txBody>
+                    <a:bodyPr/>
+                    <a:lstStyle/>
+                    <a:p>
+                      <a:pPr algn="ctr" fontAlgn="b"/>
+                      <a:r>
+                        <a:rPr lang="de-AT" sz="900" b="0" i="0" u="none" strike="noStrike">
+                          <a:solidFill>
+                            <a:srgbClr val="000000"/>
+                          </a:solidFill>
+                          <a:effectLst/>
+                          <a:latin typeface="Arial" panose="020B0604020202020204" pitchFamily="34" charset="0"/>
+                        </a:rPr>
+                        <a:t>20.01.18</a:t>
+                      </a:r>
+                    </a:p>
+                  </a:txBody>
+                  <a:tcPr marL="9525" marR="9525" marT="9525" marB="0" anchor="b">
+                    <a:lnL w="6350" cap="flat" cmpd="sng" algn="ctr">
+                      <a:solidFill>
+                        <a:srgbClr val="AEB9C1"/>
+                      </a:solidFill>
+                      <a:prstDash val="solid"/>
+                      <a:round/>
+                      <a:headEnd type="none" w="med" len="med"/>
+                      <a:tailEnd type="none" w="med" len="med"/>
+                    </a:lnL>
+                    <a:lnR w="6350" cap="flat" cmpd="sng" algn="ctr">
+                      <a:solidFill>
+                        <a:srgbClr val="AEB9C1"/>
+                      </a:solidFill>
+                      <a:prstDash val="solid"/>
+                      <a:round/>
+                      <a:headEnd type="none" w="med" len="med"/>
+                      <a:tailEnd type="none" w="med" len="med"/>
+                    </a:lnR>
+                    <a:lnT w="6350" cap="flat" cmpd="sng" algn="ctr">
+                      <a:solidFill>
+                        <a:srgbClr val="AEB9C1"/>
+                      </a:solidFill>
+                      <a:prstDash val="solid"/>
+                      <a:round/>
+                      <a:headEnd type="none" w="med" len="med"/>
+                      <a:tailEnd type="none" w="med" len="med"/>
+                    </a:lnT>
+                    <a:lnB w="6350" cap="flat" cmpd="sng" algn="ctr">
+                      <a:solidFill>
+                        <a:srgbClr val="AEB9C1"/>
+                      </a:solidFill>
+                      <a:prstDash val="solid"/>
+                      <a:round/>
+                      <a:headEnd type="none" w="med" len="med"/>
+                      <a:tailEnd type="none" w="med" len="med"/>
+                    </a:lnB>
+                    <a:solidFill>
+                      <a:srgbClr val="D5E49C"/>
+                    </a:solidFill>
+                  </a:tcPr>
+                </a:tc>
+                <a:tc>
+                  <a:txBody>
+                    <a:bodyPr/>
+                    <a:lstStyle/>
+                    <a:p>
+                      <a:pPr algn="ctr" fontAlgn="b"/>
+                      <a:r>
+                        <a:rPr lang="de-AT" sz="900" b="0" i="0" u="none" strike="noStrike">
+                          <a:solidFill>
+                            <a:srgbClr val="000000"/>
+                          </a:solidFill>
+                          <a:effectLst/>
+                          <a:latin typeface="Arial" panose="020B0604020202020204" pitchFamily="34" charset="0"/>
+                        </a:rPr>
+                        <a:t>20.01.18</a:t>
+                      </a:r>
+                    </a:p>
+                  </a:txBody>
+                  <a:tcPr marL="9525" marR="9525" marT="9525" marB="0" anchor="b">
+                    <a:lnL w="6350" cap="flat" cmpd="sng" algn="ctr">
+                      <a:solidFill>
+                        <a:srgbClr val="AEB9C1"/>
+                      </a:solidFill>
+                      <a:prstDash val="solid"/>
+                      <a:round/>
+                      <a:headEnd type="none" w="med" len="med"/>
+                      <a:tailEnd type="none" w="med" len="med"/>
+                    </a:lnL>
+                    <a:lnR w="6350" cap="flat" cmpd="sng" algn="ctr">
+                      <a:solidFill>
+                        <a:srgbClr val="AEB9C1"/>
+                      </a:solidFill>
+                      <a:prstDash val="solid"/>
+                      <a:round/>
+                      <a:headEnd type="none" w="med" len="med"/>
+                      <a:tailEnd type="none" w="med" len="med"/>
+                    </a:lnR>
+                    <a:lnT w="6350" cap="flat" cmpd="sng" algn="ctr">
+                      <a:solidFill>
+                        <a:srgbClr val="AEB9C1"/>
+                      </a:solidFill>
+                      <a:prstDash val="solid"/>
+                      <a:round/>
+                      <a:headEnd type="none" w="med" len="med"/>
+                      <a:tailEnd type="none" w="med" len="med"/>
+                    </a:lnT>
+                    <a:lnB w="6350" cap="flat" cmpd="sng" algn="ctr">
+                      <a:solidFill>
+                        <a:srgbClr val="AEB9C1"/>
+                      </a:solidFill>
+                      <a:prstDash val="solid"/>
+                      <a:round/>
+                      <a:headEnd type="none" w="med" len="med"/>
+                      <a:tailEnd type="none" w="med" len="med"/>
+                    </a:lnB>
+                  </a:tcPr>
+                </a:tc>
+                <a:tc>
+                  <a:txBody>
+                    <a:bodyPr/>
+                    <a:lstStyle/>
+                    <a:p>
+                      <a:pPr algn="ctr" fontAlgn="b"/>
+                      <a:r>
+                        <a:rPr lang="de-AT" sz="900" b="0" i="0" u="none" strike="noStrike" dirty="0">
+                          <a:solidFill>
+                            <a:srgbClr val="000000"/>
+                          </a:solidFill>
+                          <a:effectLst/>
+                          <a:latin typeface="Arial" panose="020B0604020202020204" pitchFamily="34" charset="0"/>
+                        </a:rPr>
+                        <a:t> </a:t>
+                      </a:r>
+                    </a:p>
+                  </a:txBody>
+                  <a:tcPr marL="9525" marR="9525" marT="9525" marB="0" anchor="b">
+                    <a:lnL w="6350" cap="flat" cmpd="sng" algn="ctr">
+                      <a:solidFill>
+                        <a:srgbClr val="AEB9C1"/>
+                      </a:solidFill>
+                      <a:prstDash val="solid"/>
+                      <a:round/>
+                      <a:headEnd type="none" w="med" len="med"/>
+                      <a:tailEnd type="none" w="med" len="med"/>
+                    </a:lnL>
+                    <a:lnR w="6350" cap="flat" cmpd="sng" algn="ctr">
+                      <a:solidFill>
+                        <a:srgbClr val="AEB9C1"/>
+                      </a:solidFill>
+                      <a:prstDash val="solid"/>
+                      <a:round/>
+                      <a:headEnd type="none" w="med" len="med"/>
+                      <a:tailEnd type="none" w="med" len="med"/>
+                    </a:lnR>
+                    <a:lnT w="6350" cap="flat" cmpd="sng" algn="ctr">
+                      <a:solidFill>
+                        <a:srgbClr val="AEB9C1"/>
+                      </a:solidFill>
+                      <a:prstDash val="solid"/>
+                      <a:round/>
+                      <a:headEnd type="none" w="med" len="med"/>
+                      <a:tailEnd type="none" w="med" len="med"/>
+                    </a:lnT>
+                    <a:lnB w="6350" cap="flat" cmpd="sng" algn="ctr">
+                      <a:solidFill>
+                        <a:srgbClr val="AEB9C1"/>
+                      </a:solidFill>
+                      <a:prstDash val="solid"/>
+                      <a:round/>
+                      <a:headEnd type="none" w="med" len="med"/>
+                      <a:tailEnd type="none" w="med" len="med"/>
+                    </a:lnB>
+                  </a:tcPr>
+                </a:tc>
+                <a:extLst>
+                  <a:ext uri="{0D108BD9-81ED-4DB2-BD59-A6C34878D82A}">
+                    <a16:rowId xmlns:a16="http://schemas.microsoft.com/office/drawing/2014/main" val="3980495480"/>
+                  </a:ext>
+                </a:extLst>
+              </a:tr>
+            </a:tbl>
+          </a:graphicData>
+        </a:graphic>
+      </p:graphicFrame>
+      <p:sp>
+        <p:nvSpPr>
+          <p:cNvPr id="8" name="Textfeld 7">
+            <a:extLst>
+              <a:ext uri="{FF2B5EF4-FFF2-40B4-BE49-F238E27FC236}">
+                <a16:creationId xmlns:a16="http://schemas.microsoft.com/office/drawing/2014/main" id="{30BF16EE-493F-4A14-B472-04EE566A148C}"/>
+              </a:ext>
+            </a:extLst>
+          </p:cNvPr>
+          <p:cNvSpPr txBox="1"/>
+          <p:nvPr/>
         </p:nvSpPr>
-        <p:spPr/>
+        <p:spPr>
+          <a:xfrm>
+            <a:off x="3446587" y="785445"/>
+            <a:ext cx="8358554" cy="1938992"/>
+          </a:xfrm>
+          <a:prstGeom prst="rect">
+            <a:avLst/>
+          </a:prstGeom>
+          <a:noFill/>
+        </p:spPr>
         <p:txBody>
-          <a:bodyPr/>
+          <a:bodyPr wrap="square" rtlCol="0">
+            <a:spAutoFit/>
+          </a:bodyPr>
           <a:lstStyle/>
           <a:p>
-            <a:endParaRPr lang="de-AT" dirty="0"/>
+            <a:r>
+              <a:rPr lang="de-AT" sz="2400" dirty="0">
+                <a:latin typeface="Calibri" panose="020F0502020204030204" pitchFamily="34" charset="0"/>
+                <a:cs typeface="Calibri" panose="020F0502020204030204" pitchFamily="34" charset="0"/>
+              </a:rPr>
+              <a:t>Lukas Knoll: 118 Std.</a:t>
+            </a:r>
+          </a:p>
+          <a:p>
+            <a:endParaRPr lang="de-AT" sz="2400" dirty="0">
+              <a:latin typeface="Calibri" panose="020F0502020204030204" pitchFamily="34" charset="0"/>
+              <a:cs typeface="Calibri" panose="020F0502020204030204" pitchFamily="34" charset="0"/>
+            </a:endParaRPr>
+          </a:p>
+          <a:p>
+            <a:r>
+              <a:rPr lang="de-AT" sz="2400" dirty="0">
+                <a:latin typeface="Calibri" panose="020F0502020204030204" pitchFamily="34" charset="0"/>
+                <a:cs typeface="Calibri" panose="020F0502020204030204" pitchFamily="34" charset="0"/>
+              </a:rPr>
+              <a:t>Niklas Graf: 120 Std.</a:t>
+            </a:r>
+          </a:p>
+          <a:p>
+            <a:endParaRPr lang="de-AT" sz="2400" dirty="0">
+              <a:latin typeface="Calibri" panose="020F0502020204030204" pitchFamily="34" charset="0"/>
+              <a:cs typeface="Calibri" panose="020F0502020204030204" pitchFamily="34" charset="0"/>
+            </a:endParaRPr>
+          </a:p>
+          <a:p>
+            <a:r>
+              <a:rPr lang="de-AT" sz="2400" dirty="0">
+                <a:latin typeface="Calibri" panose="020F0502020204030204" pitchFamily="34" charset="0"/>
+                <a:cs typeface="Calibri" panose="020F0502020204030204" pitchFamily="34" charset="0"/>
+              </a:rPr>
+              <a:t>Sebastian Mandl: 138 Std.</a:t>
+            </a:r>
           </a:p>
         </p:txBody>
       </p:sp>
@@ -31374,7 +36968,95 @@
 </p:sld>
 </file>
 
-<file path=ppt/slides/slide11.xml><?xml version="1.0" encoding="utf-8"?>
+<file path=ppt/slides/slide12.xml><?xml version="1.0" encoding="utf-8"?>
+<p:sld xmlns:a="http://schemas.openxmlformats.org/drawingml/2006/main" xmlns:r="http://schemas.openxmlformats.org/officeDocument/2006/relationships" xmlns:p="http://schemas.openxmlformats.org/presentationml/2006/main">
+  <p:cSld>
+    <p:spTree>
+      <p:nvGrpSpPr>
+        <p:cNvPr id="1" name=""/>
+        <p:cNvGrpSpPr/>
+        <p:nvPr/>
+      </p:nvGrpSpPr>
+      <p:grpSpPr>
+        <a:xfrm>
+          <a:off x="0" y="0"/>
+          <a:ext cx="0" cy="0"/>
+          <a:chOff x="0" y="0"/>
+          <a:chExt cx="0" cy="0"/>
+        </a:xfrm>
+      </p:grpSpPr>
+      <p:sp>
+        <p:nvSpPr>
+          <p:cNvPr id="2" name="Titel 1">
+            <a:extLst>
+              <a:ext uri="{FF2B5EF4-FFF2-40B4-BE49-F238E27FC236}">
+                <a16:creationId xmlns:a16="http://schemas.microsoft.com/office/drawing/2014/main" id="{78F8492A-A28E-4A9E-AC85-D3C1B401136D}"/>
+              </a:ext>
+            </a:extLst>
+          </p:cNvPr>
+          <p:cNvSpPr>
+            <a:spLocks noGrp="1"/>
+          </p:cNvSpPr>
+          <p:nvPr>
+            <p:ph type="title"/>
+          </p:nvPr>
+        </p:nvSpPr>
+        <p:spPr>
+          <a:xfrm>
+            <a:off x="1195100" y="1128408"/>
+            <a:ext cx="1020561" cy="4601183"/>
+          </a:xfrm>
+        </p:spPr>
+        <p:txBody>
+          <a:bodyPr/>
+          <a:lstStyle/>
+          <a:p>
+            <a:r>
+              <a:rPr lang="de-AT" dirty="0"/>
+              <a:t>ERD</a:t>
+            </a:r>
+          </a:p>
+        </p:txBody>
+      </p:sp>
+      <p:sp>
+        <p:nvSpPr>
+          <p:cNvPr id="3" name="Inhaltsplatzhalter 2">
+            <a:extLst>
+              <a:ext uri="{FF2B5EF4-FFF2-40B4-BE49-F238E27FC236}">
+                <a16:creationId xmlns:a16="http://schemas.microsoft.com/office/drawing/2014/main" id="{BE665E24-E274-4A9B-A5AD-05C4CCCEB1B1}"/>
+              </a:ext>
+            </a:extLst>
+          </p:cNvPr>
+          <p:cNvSpPr>
+            <a:spLocks noGrp="1"/>
+          </p:cNvSpPr>
+          <p:nvPr>
+            <p:ph idx="1"/>
+          </p:nvPr>
+        </p:nvSpPr>
+        <p:spPr/>
+        <p:txBody>
+          <a:bodyPr/>
+          <a:lstStyle/>
+          <a:p>
+            <a:endParaRPr lang="de-AT" dirty="0"/>
+          </a:p>
+        </p:txBody>
+      </p:sp>
+    </p:spTree>
+    <p:extLst>
+      <p:ext uri="{BB962C8B-B14F-4D97-AF65-F5344CB8AC3E}">
+        <p14:creationId xmlns:p14="http://schemas.microsoft.com/office/powerpoint/2010/main" val="1928537852"/>
+      </p:ext>
+    </p:extLst>
+  </p:cSld>
+  <p:clrMapOvr>
+    <a:masterClrMapping/>
+  </p:clrMapOvr>
+</p:sld>
+</file>
+
+<file path=ppt/slides/slide13.xml><?xml version="1.0" encoding="utf-8"?>
 <p:sld xmlns:a="http://schemas.openxmlformats.org/drawingml/2006/main" xmlns:r="http://schemas.openxmlformats.org/officeDocument/2006/relationships" xmlns:p="http://schemas.openxmlformats.org/presentationml/2006/main">
   <p:cSld>
     <p:spTree>
@@ -32100,7 +37782,7 @@
             <p:ph idx="1"/>
             <p:extLst>
               <p:ext uri="{D42A27DB-BD31-4B8C-83A1-F6EECF244321}">
-                <p14:modId xmlns:p14="http://schemas.microsoft.com/office/powerpoint/2010/main" val="3541362766"/>
+                <p14:modId xmlns:p14="http://schemas.microsoft.com/office/powerpoint/2010/main" val="3972395336"/>
               </p:ext>
             </p:extLst>
           </p:nvPr>

--- a/Planung/Praesentationen/Zwischenpräsentation Diplomarbeit - Kopie.pptx
+++ b/Planung/Praesentationen/Zwischenpräsentation Diplomarbeit - Kopie.pptx
@@ -22821,7 +22821,7 @@
           <a:p>
             <a:fld id="{6C12F6B1-6786-4E64-B681-F379C9A54FC0}" type="datetimeFigureOut">
               <a:rPr lang="de-AT" smtClean="0"/>
-              <a:t>23.11.2017</a:t>
+              <a:t>28.11.2017</a:t>
             </a:fld>
             <a:endParaRPr lang="de-AT"/>
           </a:p>
@@ -24687,7 +24687,7 @@
           <a:p>
             <a:fld id="{83C286D2-5717-406C-AD4B-C4A69D5338FB}" type="datetimeFigureOut">
               <a:rPr lang="de-AT" smtClean="0"/>
-              <a:t>23.11.2017</a:t>
+              <a:t>28.11.2017</a:t>
             </a:fld>
             <a:endParaRPr lang="de-AT"/>
           </a:p>
@@ -24857,7 +24857,7 @@
           <a:p>
             <a:fld id="{83C286D2-5717-406C-AD4B-C4A69D5338FB}" type="datetimeFigureOut">
               <a:rPr lang="de-AT" smtClean="0"/>
-              <a:t>23.11.2017</a:t>
+              <a:t>28.11.2017</a:t>
             </a:fld>
             <a:endParaRPr lang="de-AT"/>
           </a:p>
@@ -25037,7 +25037,7 @@
           <a:p>
             <a:fld id="{83C286D2-5717-406C-AD4B-C4A69D5338FB}" type="datetimeFigureOut">
               <a:rPr lang="de-AT" smtClean="0"/>
-              <a:t>23.11.2017</a:t>
+              <a:t>28.11.2017</a:t>
             </a:fld>
             <a:endParaRPr lang="de-AT"/>
           </a:p>
@@ -25240,7 +25240,7 @@
           <a:p>
             <a:fld id="{83C286D2-5717-406C-AD4B-C4A69D5338FB}" type="datetimeFigureOut">
               <a:rPr lang="de-AT" smtClean="0"/>
-              <a:t>23.11.2017</a:t>
+              <a:t>28.11.2017</a:t>
             </a:fld>
             <a:endParaRPr lang="de-AT"/>
           </a:p>
@@ -25410,7 +25410,7 @@
           <a:p>
             <a:fld id="{83C286D2-5717-406C-AD4B-C4A69D5338FB}" type="datetimeFigureOut">
               <a:rPr lang="de-AT" smtClean="0"/>
-              <a:t>23.11.2017</a:t>
+              <a:t>28.11.2017</a:t>
             </a:fld>
             <a:endParaRPr lang="de-AT"/>
           </a:p>
@@ -25661,7 +25661,7 @@
           <a:p>
             <a:fld id="{83C286D2-5717-406C-AD4B-C4A69D5338FB}" type="datetimeFigureOut">
               <a:rPr lang="de-AT" smtClean="0"/>
-              <a:t>23.11.2017</a:t>
+              <a:t>28.11.2017</a:t>
             </a:fld>
             <a:endParaRPr lang="de-AT"/>
           </a:p>
@@ -25893,7 +25893,7 @@
           <a:p>
             <a:fld id="{83C286D2-5717-406C-AD4B-C4A69D5338FB}" type="datetimeFigureOut">
               <a:rPr lang="de-AT" smtClean="0"/>
-              <a:t>23.11.2017</a:t>
+              <a:t>28.11.2017</a:t>
             </a:fld>
             <a:endParaRPr lang="de-AT"/>
           </a:p>
@@ -26240,7 +26240,7 @@
           <a:p>
             <a:fld id="{83C286D2-5717-406C-AD4B-C4A69D5338FB}" type="datetimeFigureOut">
               <a:rPr lang="de-AT" smtClean="0"/>
-              <a:t>23.11.2017</a:t>
+              <a:t>28.11.2017</a:t>
             </a:fld>
             <a:endParaRPr lang="de-AT"/>
           </a:p>
@@ -26358,7 +26358,7 @@
           <a:p>
             <a:fld id="{83C286D2-5717-406C-AD4B-C4A69D5338FB}" type="datetimeFigureOut">
               <a:rPr lang="de-AT" smtClean="0"/>
-              <a:t>23.11.2017</a:t>
+              <a:t>28.11.2017</a:t>
             </a:fld>
             <a:endParaRPr lang="de-AT"/>
           </a:p>
@@ -26476,7 +26476,7 @@
           <a:p>
             <a:fld id="{83C286D2-5717-406C-AD4B-C4A69D5338FB}" type="datetimeFigureOut">
               <a:rPr lang="de-AT" smtClean="0"/>
-              <a:t>23.11.2017</a:t>
+              <a:t>28.11.2017</a:t>
             </a:fld>
             <a:endParaRPr lang="de-AT"/>
           </a:p>
@@ -26760,7 +26760,7 @@
           <a:p>
             <a:fld id="{83C286D2-5717-406C-AD4B-C4A69D5338FB}" type="datetimeFigureOut">
               <a:rPr lang="de-AT" smtClean="0"/>
-              <a:t>23.11.2017</a:t>
+              <a:t>28.11.2017</a:t>
             </a:fld>
             <a:endParaRPr lang="de-AT"/>
           </a:p>
@@ -26930,7 +26930,7 @@
           <a:p>
             <a:fld id="{83C286D2-5717-406C-AD4B-C4A69D5338FB}" type="datetimeFigureOut">
               <a:rPr lang="de-AT" smtClean="0"/>
-              <a:t>23.11.2017</a:t>
+              <a:t>28.11.2017</a:t>
             </a:fld>
             <a:endParaRPr lang="de-AT"/>
           </a:p>
@@ -27194,7 +27194,7 @@
           <a:p>
             <a:fld id="{83C286D2-5717-406C-AD4B-C4A69D5338FB}" type="datetimeFigureOut">
               <a:rPr lang="de-AT" smtClean="0"/>
-              <a:t>23.11.2017</a:t>
+              <a:t>28.11.2017</a:t>
             </a:fld>
             <a:endParaRPr lang="de-AT"/>
           </a:p>
@@ -27364,7 +27364,7 @@
           <a:p>
             <a:fld id="{83C286D2-5717-406C-AD4B-C4A69D5338FB}" type="datetimeFigureOut">
               <a:rPr lang="de-AT" smtClean="0"/>
-              <a:t>23.11.2017</a:t>
+              <a:t>28.11.2017</a:t>
             </a:fld>
             <a:endParaRPr lang="de-AT"/>
           </a:p>
@@ -27544,7 +27544,7 @@
           <a:p>
             <a:fld id="{83C286D2-5717-406C-AD4B-C4A69D5338FB}" type="datetimeFigureOut">
               <a:rPr lang="de-AT" smtClean="0"/>
-              <a:t>23.11.2017</a:t>
+              <a:t>28.11.2017</a:t>
             </a:fld>
             <a:endParaRPr lang="de-AT"/>
           </a:p>
@@ -27829,7 +27829,7 @@
           <a:p>
             <a:fld id="{83C286D2-5717-406C-AD4B-C4A69D5338FB}" type="datetimeFigureOut">
               <a:rPr lang="de-AT" smtClean="0"/>
-              <a:t>23.11.2017</a:t>
+              <a:t>28.11.2017</a:t>
             </a:fld>
             <a:endParaRPr lang="de-AT"/>
           </a:p>
@@ -27999,7 +27999,7 @@
           <a:p>
             <a:fld id="{83C286D2-5717-406C-AD4B-C4A69D5338FB}" type="datetimeFigureOut">
               <a:rPr lang="de-AT" smtClean="0"/>
-              <a:t>23.11.2017</a:t>
+              <a:t>28.11.2017</a:t>
             </a:fld>
             <a:endParaRPr lang="de-AT"/>
           </a:p>
@@ -28257,7 +28257,7 @@
           <a:p>
             <a:fld id="{83C286D2-5717-406C-AD4B-C4A69D5338FB}" type="datetimeFigureOut">
               <a:rPr lang="de-AT" smtClean="0"/>
-              <a:t>23.11.2017</a:t>
+              <a:t>28.11.2017</a:t>
             </a:fld>
             <a:endParaRPr lang="de-AT"/>
           </a:p>
@@ -28545,7 +28545,7 @@
           <a:p>
             <a:fld id="{83C286D2-5717-406C-AD4B-C4A69D5338FB}" type="datetimeFigureOut">
               <a:rPr lang="de-AT" smtClean="0"/>
-              <a:t>23.11.2017</a:t>
+              <a:t>28.11.2017</a:t>
             </a:fld>
             <a:endParaRPr lang="de-AT"/>
           </a:p>
@@ -28987,7 +28987,7 @@
           <a:p>
             <a:fld id="{83C286D2-5717-406C-AD4B-C4A69D5338FB}" type="datetimeFigureOut">
               <a:rPr lang="de-AT" smtClean="0"/>
-              <a:t>23.11.2017</a:t>
+              <a:t>28.11.2017</a:t>
             </a:fld>
             <a:endParaRPr lang="de-AT"/>
           </a:p>
@@ -29105,7 +29105,7 @@
           <a:p>
             <a:fld id="{83C286D2-5717-406C-AD4B-C4A69D5338FB}" type="datetimeFigureOut">
               <a:rPr lang="de-AT" smtClean="0"/>
-              <a:t>23.11.2017</a:t>
+              <a:t>28.11.2017</a:t>
             </a:fld>
             <a:endParaRPr lang="de-AT"/>
           </a:p>
@@ -29200,7 +29200,7 @@
           <a:p>
             <a:fld id="{83C286D2-5717-406C-AD4B-C4A69D5338FB}" type="datetimeFigureOut">
               <a:rPr lang="de-AT" smtClean="0"/>
-              <a:t>23.11.2017</a:t>
+              <a:t>28.11.2017</a:t>
             </a:fld>
             <a:endParaRPr lang="de-AT"/>
           </a:p>
@@ -29451,7 +29451,7 @@
           <a:p>
             <a:fld id="{83C286D2-5717-406C-AD4B-C4A69D5338FB}" type="datetimeFigureOut">
               <a:rPr lang="de-AT" smtClean="0"/>
-              <a:t>23.11.2017</a:t>
+              <a:t>28.11.2017</a:t>
             </a:fld>
             <a:endParaRPr lang="de-AT"/>
           </a:p>
@@ -29739,7 +29739,7 @@
           <a:p>
             <a:fld id="{83C286D2-5717-406C-AD4B-C4A69D5338FB}" type="datetimeFigureOut">
               <a:rPr lang="de-AT" smtClean="0"/>
-              <a:t>23.11.2017</a:t>
+              <a:t>28.11.2017</a:t>
             </a:fld>
             <a:endParaRPr lang="de-AT"/>
           </a:p>
@@ -30012,7 +30012,7 @@
           <a:p>
             <a:fld id="{83C286D2-5717-406C-AD4B-C4A69D5338FB}" type="datetimeFigureOut">
               <a:rPr lang="de-AT" smtClean="0"/>
-              <a:t>23.11.2017</a:t>
+              <a:t>28.11.2017</a:t>
             </a:fld>
             <a:endParaRPr lang="de-AT"/>
           </a:p>
@@ -30187,7 +30187,7 @@
           <a:p>
             <a:fld id="{83C286D2-5717-406C-AD4B-C4A69D5338FB}" type="datetimeFigureOut">
               <a:rPr lang="de-AT" smtClean="0"/>
-              <a:t>23.11.2017</a:t>
+              <a:t>28.11.2017</a:t>
             </a:fld>
             <a:endParaRPr lang="de-AT"/>
           </a:p>
@@ -30367,7 +30367,7 @@
           <a:p>
             <a:fld id="{83C286D2-5717-406C-AD4B-C4A69D5338FB}" type="datetimeFigureOut">
               <a:rPr lang="de-AT" smtClean="0"/>
-              <a:t>23.11.2017</a:t>
+              <a:t>28.11.2017</a:t>
             </a:fld>
             <a:endParaRPr lang="de-AT"/>
           </a:p>
@@ -30599,7 +30599,7 @@
           <a:p>
             <a:fld id="{83C286D2-5717-406C-AD4B-C4A69D5338FB}" type="datetimeFigureOut">
               <a:rPr lang="de-AT" smtClean="0"/>
-              <a:t>23.11.2017</a:t>
+              <a:t>28.11.2017</a:t>
             </a:fld>
             <a:endParaRPr lang="de-AT"/>
           </a:p>
@@ -30946,7 +30946,7 @@
           <a:p>
             <a:fld id="{83C286D2-5717-406C-AD4B-C4A69D5338FB}" type="datetimeFigureOut">
               <a:rPr lang="de-AT" smtClean="0"/>
-              <a:t>23.11.2017</a:t>
+              <a:t>28.11.2017</a:t>
             </a:fld>
             <a:endParaRPr lang="de-AT"/>
           </a:p>
@@ -31064,7 +31064,7 @@
           <a:p>
             <a:fld id="{83C286D2-5717-406C-AD4B-C4A69D5338FB}" type="datetimeFigureOut">
               <a:rPr lang="de-AT" smtClean="0"/>
-              <a:t>23.11.2017</a:t>
+              <a:t>28.11.2017</a:t>
             </a:fld>
             <a:endParaRPr lang="de-AT"/>
           </a:p>
@@ -31182,7 +31182,7 @@
           <a:p>
             <a:fld id="{83C286D2-5717-406C-AD4B-C4A69D5338FB}" type="datetimeFigureOut">
               <a:rPr lang="de-AT" smtClean="0"/>
-              <a:t>23.11.2017</a:t>
+              <a:t>28.11.2017</a:t>
             </a:fld>
             <a:endParaRPr lang="de-AT"/>
           </a:p>
@@ -31466,7 +31466,7 @@
           <a:p>
             <a:fld id="{83C286D2-5717-406C-AD4B-C4A69D5338FB}" type="datetimeFigureOut">
               <a:rPr lang="de-AT" smtClean="0"/>
-              <a:t>23.11.2017</a:t>
+              <a:t>28.11.2017</a:t>
             </a:fld>
             <a:endParaRPr lang="de-AT"/>
           </a:p>
@@ -31730,7 +31730,7 @@
           <a:p>
             <a:fld id="{83C286D2-5717-406C-AD4B-C4A69D5338FB}" type="datetimeFigureOut">
               <a:rPr lang="de-AT" smtClean="0"/>
-              <a:t>23.11.2017</a:t>
+              <a:t>28.11.2017</a:t>
             </a:fld>
             <a:endParaRPr lang="de-AT"/>
           </a:p>
@@ -31944,7 +31944,7 @@
           <a:p>
             <a:fld id="{83C286D2-5717-406C-AD4B-C4A69D5338FB}" type="datetimeFigureOut">
               <a:rPr lang="de-AT" smtClean="0"/>
-              <a:t>23.11.2017</a:t>
+              <a:t>28.11.2017</a:t>
             </a:fld>
             <a:endParaRPr lang="de-AT"/>
           </a:p>
@@ -32479,7 +32479,7 @@
           <a:p>
             <a:fld id="{83C286D2-5717-406C-AD4B-C4A69D5338FB}" type="datetimeFigureOut">
               <a:rPr lang="de-AT" smtClean="0"/>
-              <a:t>23.11.2017</a:t>
+              <a:t>28.11.2017</a:t>
             </a:fld>
             <a:endParaRPr lang="de-AT"/>
           </a:p>
@@ -33092,7 +33092,7 @@
           <a:p>
             <a:fld id="{83C286D2-5717-406C-AD4B-C4A69D5338FB}" type="datetimeFigureOut">
               <a:rPr lang="de-AT" smtClean="0"/>
-              <a:t>23.11.2017</a:t>
+              <a:t>28.11.2017</a:t>
             </a:fld>
             <a:endParaRPr lang="de-AT"/>
           </a:p>
@@ -36920,7 +36920,7 @@
                 <a:latin typeface="Calibri" panose="020F0502020204030204" pitchFamily="34" charset="0"/>
                 <a:cs typeface="Calibri" panose="020F0502020204030204" pitchFamily="34" charset="0"/>
               </a:rPr>
-              <a:t>Lukas Knoll: 118 Std.</a:t>
+              <a:t>Lukas Knoll: 123 Std.</a:t>
             </a:r>
           </a:p>
           <a:p>
@@ -37018,31 +37018,41 @@
           </a:p>
         </p:txBody>
       </p:sp>
-      <p:sp>
-        <p:nvSpPr>
-          <p:cNvPr id="3" name="Inhaltsplatzhalter 2">
+      <p:pic>
+        <p:nvPicPr>
+          <p:cNvPr id="5" name="Inhaltsplatzhalter 4">
             <a:extLst>
               <a:ext uri="{FF2B5EF4-FFF2-40B4-BE49-F238E27FC236}">
-                <a16:creationId xmlns:a16="http://schemas.microsoft.com/office/drawing/2014/main" id="{BE665E24-E274-4A9B-A5AD-05C4CCCEB1B1}"/>
+                <a16:creationId xmlns:a16="http://schemas.microsoft.com/office/drawing/2014/main" id="{D2655425-92E8-45B1-B4CD-C9AB3D4D1F76}"/>
               </a:ext>
             </a:extLst>
           </p:cNvPr>
-          <p:cNvSpPr>
-            <a:spLocks noGrp="1"/>
-          </p:cNvSpPr>
+          <p:cNvPicPr>
+            <a:picLocks noGrp="1" noChangeAspect="1"/>
+          </p:cNvPicPr>
           <p:nvPr>
             <p:ph idx="1"/>
           </p:nvPr>
-        </p:nvSpPr>
-        <p:spPr/>
-        <p:txBody>
-          <a:bodyPr/>
-          <a:lstStyle/>
-          <a:p>
-            <a:endParaRPr lang="de-AT" dirty="0"/>
-          </a:p>
-        </p:txBody>
-      </p:sp>
+        </p:nvPicPr>
+        <p:blipFill>
+          <a:blip r:embed="rId2">
+            <a:extLst>
+              <a:ext uri="{28A0092B-C50C-407E-A947-70E740481C1C}">
+                <a14:useLocalDpi xmlns:a14="http://schemas.microsoft.com/office/drawing/2010/main" val="0"/>
+              </a:ext>
+            </a:extLst>
+          </a:blip>
+          <a:stretch>
+            <a:fillRect/>
+          </a:stretch>
+        </p:blipFill>
+        <p:spPr>
+          <a:xfrm>
+            <a:off x="3200400" y="1278086"/>
+            <a:ext cx="8754357" cy="4266932"/>
+          </a:xfrm>
+        </p:spPr>
+      </p:pic>
     </p:spTree>
     <p:extLst>
       <p:ext uri="{BB962C8B-B14F-4D97-AF65-F5344CB8AC3E}">

--- a/Planung/Praesentationen/Zwischenpräsentation Diplomarbeit - Kopie.pptx
+++ b/Planung/Praesentationen/Zwischenpräsentation Diplomarbeit - Kopie.pptx
@@ -22821,7 +22821,7 @@
           <a:p>
             <a:fld id="{6C12F6B1-6786-4E64-B681-F379C9A54FC0}" type="datetimeFigureOut">
               <a:rPr lang="de-AT" smtClean="0"/>
-              <a:t>28.11.2017</a:t>
+              <a:t>20.01.2018</a:t>
             </a:fld>
             <a:endParaRPr lang="de-AT"/>
           </a:p>
@@ -24687,7 +24687,7 @@
           <a:p>
             <a:fld id="{83C286D2-5717-406C-AD4B-C4A69D5338FB}" type="datetimeFigureOut">
               <a:rPr lang="de-AT" smtClean="0"/>
-              <a:t>28.11.2017</a:t>
+              <a:t>20.01.2018</a:t>
             </a:fld>
             <a:endParaRPr lang="de-AT"/>
           </a:p>
@@ -24857,7 +24857,7 @@
           <a:p>
             <a:fld id="{83C286D2-5717-406C-AD4B-C4A69D5338FB}" type="datetimeFigureOut">
               <a:rPr lang="de-AT" smtClean="0"/>
-              <a:t>28.11.2017</a:t>
+              <a:t>20.01.2018</a:t>
             </a:fld>
             <a:endParaRPr lang="de-AT"/>
           </a:p>
@@ -25037,7 +25037,7 @@
           <a:p>
             <a:fld id="{83C286D2-5717-406C-AD4B-C4A69D5338FB}" type="datetimeFigureOut">
               <a:rPr lang="de-AT" smtClean="0"/>
-              <a:t>28.11.2017</a:t>
+              <a:t>20.01.2018</a:t>
             </a:fld>
             <a:endParaRPr lang="de-AT"/>
           </a:p>
@@ -25240,7 +25240,7 @@
           <a:p>
             <a:fld id="{83C286D2-5717-406C-AD4B-C4A69D5338FB}" type="datetimeFigureOut">
               <a:rPr lang="de-AT" smtClean="0"/>
-              <a:t>28.11.2017</a:t>
+              <a:t>20.01.2018</a:t>
             </a:fld>
             <a:endParaRPr lang="de-AT"/>
           </a:p>
@@ -25410,7 +25410,7 @@
           <a:p>
             <a:fld id="{83C286D2-5717-406C-AD4B-C4A69D5338FB}" type="datetimeFigureOut">
               <a:rPr lang="de-AT" smtClean="0"/>
-              <a:t>28.11.2017</a:t>
+              <a:t>20.01.2018</a:t>
             </a:fld>
             <a:endParaRPr lang="de-AT"/>
           </a:p>
@@ -25661,7 +25661,7 @@
           <a:p>
             <a:fld id="{83C286D2-5717-406C-AD4B-C4A69D5338FB}" type="datetimeFigureOut">
               <a:rPr lang="de-AT" smtClean="0"/>
-              <a:t>28.11.2017</a:t>
+              <a:t>20.01.2018</a:t>
             </a:fld>
             <a:endParaRPr lang="de-AT"/>
           </a:p>
@@ -25893,7 +25893,7 @@
           <a:p>
             <a:fld id="{83C286D2-5717-406C-AD4B-C4A69D5338FB}" type="datetimeFigureOut">
               <a:rPr lang="de-AT" smtClean="0"/>
-              <a:t>28.11.2017</a:t>
+              <a:t>20.01.2018</a:t>
             </a:fld>
             <a:endParaRPr lang="de-AT"/>
           </a:p>
@@ -26240,7 +26240,7 @@
           <a:p>
             <a:fld id="{83C286D2-5717-406C-AD4B-C4A69D5338FB}" type="datetimeFigureOut">
               <a:rPr lang="de-AT" smtClean="0"/>
-              <a:t>28.11.2017</a:t>
+              <a:t>20.01.2018</a:t>
             </a:fld>
             <a:endParaRPr lang="de-AT"/>
           </a:p>
@@ -26358,7 +26358,7 @@
           <a:p>
             <a:fld id="{83C286D2-5717-406C-AD4B-C4A69D5338FB}" type="datetimeFigureOut">
               <a:rPr lang="de-AT" smtClean="0"/>
-              <a:t>28.11.2017</a:t>
+              <a:t>20.01.2018</a:t>
             </a:fld>
             <a:endParaRPr lang="de-AT"/>
           </a:p>
@@ -26476,7 +26476,7 @@
           <a:p>
             <a:fld id="{83C286D2-5717-406C-AD4B-C4A69D5338FB}" type="datetimeFigureOut">
               <a:rPr lang="de-AT" smtClean="0"/>
-              <a:t>28.11.2017</a:t>
+              <a:t>20.01.2018</a:t>
             </a:fld>
             <a:endParaRPr lang="de-AT"/>
           </a:p>
@@ -26760,7 +26760,7 @@
           <a:p>
             <a:fld id="{83C286D2-5717-406C-AD4B-C4A69D5338FB}" type="datetimeFigureOut">
               <a:rPr lang="de-AT" smtClean="0"/>
-              <a:t>28.11.2017</a:t>
+              <a:t>20.01.2018</a:t>
             </a:fld>
             <a:endParaRPr lang="de-AT"/>
           </a:p>
@@ -26930,7 +26930,7 @@
           <a:p>
             <a:fld id="{83C286D2-5717-406C-AD4B-C4A69D5338FB}" type="datetimeFigureOut">
               <a:rPr lang="de-AT" smtClean="0"/>
-              <a:t>28.11.2017</a:t>
+              <a:t>20.01.2018</a:t>
             </a:fld>
             <a:endParaRPr lang="de-AT"/>
           </a:p>
@@ -27194,7 +27194,7 @@
           <a:p>
             <a:fld id="{83C286D2-5717-406C-AD4B-C4A69D5338FB}" type="datetimeFigureOut">
               <a:rPr lang="de-AT" smtClean="0"/>
-              <a:t>28.11.2017</a:t>
+              <a:t>20.01.2018</a:t>
             </a:fld>
             <a:endParaRPr lang="de-AT"/>
           </a:p>
@@ -27364,7 +27364,7 @@
           <a:p>
             <a:fld id="{83C286D2-5717-406C-AD4B-C4A69D5338FB}" type="datetimeFigureOut">
               <a:rPr lang="de-AT" smtClean="0"/>
-              <a:t>28.11.2017</a:t>
+              <a:t>20.01.2018</a:t>
             </a:fld>
             <a:endParaRPr lang="de-AT"/>
           </a:p>
@@ -27544,7 +27544,7 @@
           <a:p>
             <a:fld id="{83C286D2-5717-406C-AD4B-C4A69D5338FB}" type="datetimeFigureOut">
               <a:rPr lang="de-AT" smtClean="0"/>
-              <a:t>28.11.2017</a:t>
+              <a:t>20.01.2018</a:t>
             </a:fld>
             <a:endParaRPr lang="de-AT"/>
           </a:p>
@@ -27829,7 +27829,7 @@
           <a:p>
             <a:fld id="{83C286D2-5717-406C-AD4B-C4A69D5338FB}" type="datetimeFigureOut">
               <a:rPr lang="de-AT" smtClean="0"/>
-              <a:t>28.11.2017</a:t>
+              <a:t>20.01.2018</a:t>
             </a:fld>
             <a:endParaRPr lang="de-AT"/>
           </a:p>
@@ -27999,7 +27999,7 @@
           <a:p>
             <a:fld id="{83C286D2-5717-406C-AD4B-C4A69D5338FB}" type="datetimeFigureOut">
               <a:rPr lang="de-AT" smtClean="0"/>
-              <a:t>28.11.2017</a:t>
+              <a:t>20.01.2018</a:t>
             </a:fld>
             <a:endParaRPr lang="de-AT"/>
           </a:p>
@@ -28257,7 +28257,7 @@
           <a:p>
             <a:fld id="{83C286D2-5717-406C-AD4B-C4A69D5338FB}" type="datetimeFigureOut">
               <a:rPr lang="de-AT" smtClean="0"/>
-              <a:t>28.11.2017</a:t>
+              <a:t>20.01.2018</a:t>
             </a:fld>
             <a:endParaRPr lang="de-AT"/>
           </a:p>
@@ -28545,7 +28545,7 @@
           <a:p>
             <a:fld id="{83C286D2-5717-406C-AD4B-C4A69D5338FB}" type="datetimeFigureOut">
               <a:rPr lang="de-AT" smtClean="0"/>
-              <a:t>28.11.2017</a:t>
+              <a:t>20.01.2018</a:t>
             </a:fld>
             <a:endParaRPr lang="de-AT"/>
           </a:p>
@@ -28987,7 +28987,7 @@
           <a:p>
             <a:fld id="{83C286D2-5717-406C-AD4B-C4A69D5338FB}" type="datetimeFigureOut">
               <a:rPr lang="de-AT" smtClean="0"/>
-              <a:t>28.11.2017</a:t>
+              <a:t>20.01.2018</a:t>
             </a:fld>
             <a:endParaRPr lang="de-AT"/>
           </a:p>
@@ -29105,7 +29105,7 @@
           <a:p>
             <a:fld id="{83C286D2-5717-406C-AD4B-C4A69D5338FB}" type="datetimeFigureOut">
               <a:rPr lang="de-AT" smtClean="0"/>
-              <a:t>28.11.2017</a:t>
+              <a:t>20.01.2018</a:t>
             </a:fld>
             <a:endParaRPr lang="de-AT"/>
           </a:p>
@@ -29200,7 +29200,7 @@
           <a:p>
             <a:fld id="{83C286D2-5717-406C-AD4B-C4A69D5338FB}" type="datetimeFigureOut">
               <a:rPr lang="de-AT" smtClean="0"/>
-              <a:t>28.11.2017</a:t>
+              <a:t>20.01.2018</a:t>
             </a:fld>
             <a:endParaRPr lang="de-AT"/>
           </a:p>
@@ -29451,7 +29451,7 @@
           <a:p>
             <a:fld id="{83C286D2-5717-406C-AD4B-C4A69D5338FB}" type="datetimeFigureOut">
               <a:rPr lang="de-AT" smtClean="0"/>
-              <a:t>28.11.2017</a:t>
+              <a:t>20.01.2018</a:t>
             </a:fld>
             <a:endParaRPr lang="de-AT"/>
           </a:p>
@@ -29739,7 +29739,7 @@
           <a:p>
             <a:fld id="{83C286D2-5717-406C-AD4B-C4A69D5338FB}" type="datetimeFigureOut">
               <a:rPr lang="de-AT" smtClean="0"/>
-              <a:t>28.11.2017</a:t>
+              <a:t>20.01.2018</a:t>
             </a:fld>
             <a:endParaRPr lang="de-AT"/>
           </a:p>
@@ -30012,7 +30012,7 @@
           <a:p>
             <a:fld id="{83C286D2-5717-406C-AD4B-C4A69D5338FB}" type="datetimeFigureOut">
               <a:rPr lang="de-AT" smtClean="0"/>
-              <a:t>28.11.2017</a:t>
+              <a:t>20.01.2018</a:t>
             </a:fld>
             <a:endParaRPr lang="de-AT"/>
           </a:p>
@@ -30187,7 +30187,7 @@
           <a:p>
             <a:fld id="{83C286D2-5717-406C-AD4B-C4A69D5338FB}" type="datetimeFigureOut">
               <a:rPr lang="de-AT" smtClean="0"/>
-              <a:t>28.11.2017</a:t>
+              <a:t>20.01.2018</a:t>
             </a:fld>
             <a:endParaRPr lang="de-AT"/>
           </a:p>
@@ -30367,7 +30367,7 @@
           <a:p>
             <a:fld id="{83C286D2-5717-406C-AD4B-C4A69D5338FB}" type="datetimeFigureOut">
               <a:rPr lang="de-AT" smtClean="0"/>
-              <a:t>28.11.2017</a:t>
+              <a:t>20.01.2018</a:t>
             </a:fld>
             <a:endParaRPr lang="de-AT"/>
           </a:p>
@@ -30599,7 +30599,7 @@
           <a:p>
             <a:fld id="{83C286D2-5717-406C-AD4B-C4A69D5338FB}" type="datetimeFigureOut">
               <a:rPr lang="de-AT" smtClean="0"/>
-              <a:t>28.11.2017</a:t>
+              <a:t>20.01.2018</a:t>
             </a:fld>
             <a:endParaRPr lang="de-AT"/>
           </a:p>
@@ -30946,7 +30946,7 @@
           <a:p>
             <a:fld id="{83C286D2-5717-406C-AD4B-C4A69D5338FB}" type="datetimeFigureOut">
               <a:rPr lang="de-AT" smtClean="0"/>
-              <a:t>28.11.2017</a:t>
+              <a:t>20.01.2018</a:t>
             </a:fld>
             <a:endParaRPr lang="de-AT"/>
           </a:p>
@@ -31064,7 +31064,7 @@
           <a:p>
             <a:fld id="{83C286D2-5717-406C-AD4B-C4A69D5338FB}" type="datetimeFigureOut">
               <a:rPr lang="de-AT" smtClean="0"/>
-              <a:t>28.11.2017</a:t>
+              <a:t>20.01.2018</a:t>
             </a:fld>
             <a:endParaRPr lang="de-AT"/>
           </a:p>
@@ -31182,7 +31182,7 @@
           <a:p>
             <a:fld id="{83C286D2-5717-406C-AD4B-C4A69D5338FB}" type="datetimeFigureOut">
               <a:rPr lang="de-AT" smtClean="0"/>
-              <a:t>28.11.2017</a:t>
+              <a:t>20.01.2018</a:t>
             </a:fld>
             <a:endParaRPr lang="de-AT"/>
           </a:p>
@@ -31466,7 +31466,7 @@
           <a:p>
             <a:fld id="{83C286D2-5717-406C-AD4B-C4A69D5338FB}" type="datetimeFigureOut">
               <a:rPr lang="de-AT" smtClean="0"/>
-              <a:t>28.11.2017</a:t>
+              <a:t>20.01.2018</a:t>
             </a:fld>
             <a:endParaRPr lang="de-AT"/>
           </a:p>
@@ -31730,7 +31730,7 @@
           <a:p>
             <a:fld id="{83C286D2-5717-406C-AD4B-C4A69D5338FB}" type="datetimeFigureOut">
               <a:rPr lang="de-AT" smtClean="0"/>
-              <a:t>28.11.2017</a:t>
+              <a:t>20.01.2018</a:t>
             </a:fld>
             <a:endParaRPr lang="de-AT"/>
           </a:p>
@@ -31944,7 +31944,7 @@
           <a:p>
             <a:fld id="{83C286D2-5717-406C-AD4B-C4A69D5338FB}" type="datetimeFigureOut">
               <a:rPr lang="de-AT" smtClean="0"/>
-              <a:t>28.11.2017</a:t>
+              <a:t>20.01.2018</a:t>
             </a:fld>
             <a:endParaRPr lang="de-AT"/>
           </a:p>
@@ -32479,7 +32479,7 @@
           <a:p>
             <a:fld id="{83C286D2-5717-406C-AD4B-C4A69D5338FB}" type="datetimeFigureOut">
               <a:rPr lang="de-AT" smtClean="0"/>
-              <a:t>28.11.2017</a:t>
+              <a:t>20.01.2018</a:t>
             </a:fld>
             <a:endParaRPr lang="de-AT"/>
           </a:p>
@@ -33092,7 +33092,7 @@
           <a:p>
             <a:fld id="{83C286D2-5717-406C-AD4B-C4A69D5338FB}" type="datetimeFigureOut">
               <a:rPr lang="de-AT" smtClean="0"/>
-              <a:t>28.11.2017</a:t>
+              <a:t>20.01.2018</a:t>
             </a:fld>
             <a:endParaRPr lang="de-AT"/>
           </a:p>
@@ -37196,10 +37196,9 @@
           <a:lstStyle/>
           <a:p>
             <a:r>
-              <a:rPr lang="de-AT"/>
+              <a:rPr lang="de-AT" dirty="0"/>
               <a:t>Rahmeninfos</a:t>
             </a:r>
-            <a:endParaRPr lang="de-AT" dirty="0"/>
           </a:p>
         </p:txBody>
       </p:sp>
@@ -37300,28 +37299,6 @@
             <a:r>
               <a:rPr lang="de-AT" sz="2400" dirty="0"/>
               <a:t>Sebastian Mandl</a:t>
-            </a:r>
-          </a:p>
-          <a:p>
-            <a:pPr marL="0" indent="0">
-              <a:buNone/>
-            </a:pPr>
-            <a:endParaRPr lang="de-AT" sz="2400" b="1" dirty="0"/>
-          </a:p>
-          <a:p>
-            <a:pPr marL="0" indent="0">
-              <a:buNone/>
-            </a:pPr>
-            <a:r>
-              <a:rPr lang="de-AT" sz="2400" b="1" dirty="0"/>
-              <a:t>Betreuungslehrer:</a:t>
-            </a:r>
-            <a:br>
-              <a:rPr lang="de-AT" sz="2400" b="1" dirty="0"/>
-            </a:br>
-            <a:r>
-              <a:rPr lang="de-AT" sz="2400" dirty="0"/>
-              <a:t>DI Josef Doppelbauer</a:t>
             </a:r>
             <a:br>
               <a:rPr lang="de-AT" sz="2400" b="1" dirty="0"/>

--- a/Planung/Praesentationen/Zwischenpräsentation Diplomarbeit - Kopie.pptx
+++ b/Planung/Praesentationen/Zwischenpräsentation Diplomarbeit - Kopie.pptx
@@ -22821,7 +22821,7 @@
           <a:p>
             <a:fld id="{6C12F6B1-6786-4E64-B681-F379C9A54FC0}" type="datetimeFigureOut">
               <a:rPr lang="de-AT" smtClean="0"/>
-              <a:t>20.01.2018</a:t>
+              <a:t>28.11.2017</a:t>
             </a:fld>
             <a:endParaRPr lang="de-AT"/>
           </a:p>
@@ -24687,7 +24687,7 @@
           <a:p>
             <a:fld id="{83C286D2-5717-406C-AD4B-C4A69D5338FB}" type="datetimeFigureOut">
               <a:rPr lang="de-AT" smtClean="0"/>
-              <a:t>20.01.2018</a:t>
+              <a:t>28.11.2017</a:t>
             </a:fld>
             <a:endParaRPr lang="de-AT"/>
           </a:p>
@@ -24857,7 +24857,7 @@
           <a:p>
             <a:fld id="{83C286D2-5717-406C-AD4B-C4A69D5338FB}" type="datetimeFigureOut">
               <a:rPr lang="de-AT" smtClean="0"/>
-              <a:t>20.01.2018</a:t>
+              <a:t>28.11.2017</a:t>
             </a:fld>
             <a:endParaRPr lang="de-AT"/>
           </a:p>
@@ -25037,7 +25037,7 @@
           <a:p>
             <a:fld id="{83C286D2-5717-406C-AD4B-C4A69D5338FB}" type="datetimeFigureOut">
               <a:rPr lang="de-AT" smtClean="0"/>
-              <a:t>20.01.2018</a:t>
+              <a:t>28.11.2017</a:t>
             </a:fld>
             <a:endParaRPr lang="de-AT"/>
           </a:p>
@@ -25240,7 +25240,7 @@
           <a:p>
             <a:fld id="{83C286D2-5717-406C-AD4B-C4A69D5338FB}" type="datetimeFigureOut">
               <a:rPr lang="de-AT" smtClean="0"/>
-              <a:t>20.01.2018</a:t>
+              <a:t>28.11.2017</a:t>
             </a:fld>
             <a:endParaRPr lang="de-AT"/>
           </a:p>
@@ -25410,7 +25410,7 @@
           <a:p>
             <a:fld id="{83C286D2-5717-406C-AD4B-C4A69D5338FB}" type="datetimeFigureOut">
               <a:rPr lang="de-AT" smtClean="0"/>
-              <a:t>20.01.2018</a:t>
+              <a:t>28.11.2017</a:t>
             </a:fld>
             <a:endParaRPr lang="de-AT"/>
           </a:p>
@@ -25661,7 +25661,7 @@
           <a:p>
             <a:fld id="{83C286D2-5717-406C-AD4B-C4A69D5338FB}" type="datetimeFigureOut">
               <a:rPr lang="de-AT" smtClean="0"/>
-              <a:t>20.01.2018</a:t>
+              <a:t>28.11.2017</a:t>
             </a:fld>
             <a:endParaRPr lang="de-AT"/>
           </a:p>
@@ -25893,7 +25893,7 @@
           <a:p>
             <a:fld id="{83C286D2-5717-406C-AD4B-C4A69D5338FB}" type="datetimeFigureOut">
               <a:rPr lang="de-AT" smtClean="0"/>
-              <a:t>20.01.2018</a:t>
+              <a:t>28.11.2017</a:t>
             </a:fld>
             <a:endParaRPr lang="de-AT"/>
           </a:p>
@@ -26240,7 +26240,7 @@
           <a:p>
             <a:fld id="{83C286D2-5717-406C-AD4B-C4A69D5338FB}" type="datetimeFigureOut">
               <a:rPr lang="de-AT" smtClean="0"/>
-              <a:t>20.01.2018</a:t>
+              <a:t>28.11.2017</a:t>
             </a:fld>
             <a:endParaRPr lang="de-AT"/>
           </a:p>
@@ -26358,7 +26358,7 @@
           <a:p>
             <a:fld id="{83C286D2-5717-406C-AD4B-C4A69D5338FB}" type="datetimeFigureOut">
               <a:rPr lang="de-AT" smtClean="0"/>
-              <a:t>20.01.2018</a:t>
+              <a:t>28.11.2017</a:t>
             </a:fld>
             <a:endParaRPr lang="de-AT"/>
           </a:p>
@@ -26476,7 +26476,7 @@
           <a:p>
             <a:fld id="{83C286D2-5717-406C-AD4B-C4A69D5338FB}" type="datetimeFigureOut">
               <a:rPr lang="de-AT" smtClean="0"/>
-              <a:t>20.01.2018</a:t>
+              <a:t>28.11.2017</a:t>
             </a:fld>
             <a:endParaRPr lang="de-AT"/>
           </a:p>
@@ -26760,7 +26760,7 @@
           <a:p>
             <a:fld id="{83C286D2-5717-406C-AD4B-C4A69D5338FB}" type="datetimeFigureOut">
               <a:rPr lang="de-AT" smtClean="0"/>
-              <a:t>20.01.2018</a:t>
+              <a:t>28.11.2017</a:t>
             </a:fld>
             <a:endParaRPr lang="de-AT"/>
           </a:p>
@@ -26930,7 +26930,7 @@
           <a:p>
             <a:fld id="{83C286D2-5717-406C-AD4B-C4A69D5338FB}" type="datetimeFigureOut">
               <a:rPr lang="de-AT" smtClean="0"/>
-              <a:t>20.01.2018</a:t>
+              <a:t>28.11.2017</a:t>
             </a:fld>
             <a:endParaRPr lang="de-AT"/>
           </a:p>
@@ -27194,7 +27194,7 @@
           <a:p>
             <a:fld id="{83C286D2-5717-406C-AD4B-C4A69D5338FB}" type="datetimeFigureOut">
               <a:rPr lang="de-AT" smtClean="0"/>
-              <a:t>20.01.2018</a:t>
+              <a:t>28.11.2017</a:t>
             </a:fld>
             <a:endParaRPr lang="de-AT"/>
           </a:p>
@@ -27364,7 +27364,7 @@
           <a:p>
             <a:fld id="{83C286D2-5717-406C-AD4B-C4A69D5338FB}" type="datetimeFigureOut">
               <a:rPr lang="de-AT" smtClean="0"/>
-              <a:t>20.01.2018</a:t>
+              <a:t>28.11.2017</a:t>
             </a:fld>
             <a:endParaRPr lang="de-AT"/>
           </a:p>
@@ -27544,7 +27544,7 @@
           <a:p>
             <a:fld id="{83C286D2-5717-406C-AD4B-C4A69D5338FB}" type="datetimeFigureOut">
               <a:rPr lang="de-AT" smtClean="0"/>
-              <a:t>20.01.2018</a:t>
+              <a:t>28.11.2017</a:t>
             </a:fld>
             <a:endParaRPr lang="de-AT"/>
           </a:p>
@@ -27829,7 +27829,7 @@
           <a:p>
             <a:fld id="{83C286D2-5717-406C-AD4B-C4A69D5338FB}" type="datetimeFigureOut">
               <a:rPr lang="de-AT" smtClean="0"/>
-              <a:t>20.01.2018</a:t>
+              <a:t>28.11.2017</a:t>
             </a:fld>
             <a:endParaRPr lang="de-AT"/>
           </a:p>
@@ -27999,7 +27999,7 @@
           <a:p>
             <a:fld id="{83C286D2-5717-406C-AD4B-C4A69D5338FB}" type="datetimeFigureOut">
               <a:rPr lang="de-AT" smtClean="0"/>
-              <a:t>20.01.2018</a:t>
+              <a:t>28.11.2017</a:t>
             </a:fld>
             <a:endParaRPr lang="de-AT"/>
           </a:p>
@@ -28257,7 +28257,7 @@
           <a:p>
             <a:fld id="{83C286D2-5717-406C-AD4B-C4A69D5338FB}" type="datetimeFigureOut">
               <a:rPr lang="de-AT" smtClean="0"/>
-              <a:t>20.01.2018</a:t>
+              <a:t>28.11.2017</a:t>
             </a:fld>
             <a:endParaRPr lang="de-AT"/>
           </a:p>
@@ -28545,7 +28545,7 @@
           <a:p>
             <a:fld id="{83C286D2-5717-406C-AD4B-C4A69D5338FB}" type="datetimeFigureOut">
               <a:rPr lang="de-AT" smtClean="0"/>
-              <a:t>20.01.2018</a:t>
+              <a:t>28.11.2017</a:t>
             </a:fld>
             <a:endParaRPr lang="de-AT"/>
           </a:p>
@@ -28987,7 +28987,7 @@
           <a:p>
             <a:fld id="{83C286D2-5717-406C-AD4B-C4A69D5338FB}" type="datetimeFigureOut">
               <a:rPr lang="de-AT" smtClean="0"/>
-              <a:t>20.01.2018</a:t>
+              <a:t>28.11.2017</a:t>
             </a:fld>
             <a:endParaRPr lang="de-AT"/>
           </a:p>
@@ -29105,7 +29105,7 @@
           <a:p>
             <a:fld id="{83C286D2-5717-406C-AD4B-C4A69D5338FB}" type="datetimeFigureOut">
               <a:rPr lang="de-AT" smtClean="0"/>
-              <a:t>20.01.2018</a:t>
+              <a:t>28.11.2017</a:t>
             </a:fld>
             <a:endParaRPr lang="de-AT"/>
           </a:p>
@@ -29200,7 +29200,7 @@
           <a:p>
             <a:fld id="{83C286D2-5717-406C-AD4B-C4A69D5338FB}" type="datetimeFigureOut">
               <a:rPr lang="de-AT" smtClean="0"/>
-              <a:t>20.01.2018</a:t>
+              <a:t>28.11.2017</a:t>
             </a:fld>
             <a:endParaRPr lang="de-AT"/>
           </a:p>
@@ -29451,7 +29451,7 @@
           <a:p>
             <a:fld id="{83C286D2-5717-406C-AD4B-C4A69D5338FB}" type="datetimeFigureOut">
               <a:rPr lang="de-AT" smtClean="0"/>
-              <a:t>20.01.2018</a:t>
+              <a:t>28.11.2017</a:t>
             </a:fld>
             <a:endParaRPr lang="de-AT"/>
           </a:p>
@@ -29739,7 +29739,7 @@
           <a:p>
             <a:fld id="{83C286D2-5717-406C-AD4B-C4A69D5338FB}" type="datetimeFigureOut">
               <a:rPr lang="de-AT" smtClean="0"/>
-              <a:t>20.01.2018</a:t>
+              <a:t>28.11.2017</a:t>
             </a:fld>
             <a:endParaRPr lang="de-AT"/>
           </a:p>
@@ -30012,7 +30012,7 @@
           <a:p>
             <a:fld id="{83C286D2-5717-406C-AD4B-C4A69D5338FB}" type="datetimeFigureOut">
               <a:rPr lang="de-AT" smtClean="0"/>
-              <a:t>20.01.2018</a:t>
+              <a:t>28.11.2017</a:t>
             </a:fld>
             <a:endParaRPr lang="de-AT"/>
           </a:p>
@@ -30187,7 +30187,7 @@
           <a:p>
             <a:fld id="{83C286D2-5717-406C-AD4B-C4A69D5338FB}" type="datetimeFigureOut">
               <a:rPr lang="de-AT" smtClean="0"/>
-              <a:t>20.01.2018</a:t>
+              <a:t>28.11.2017</a:t>
             </a:fld>
             <a:endParaRPr lang="de-AT"/>
           </a:p>
@@ -30367,7 +30367,7 @@
           <a:p>
             <a:fld id="{83C286D2-5717-406C-AD4B-C4A69D5338FB}" type="datetimeFigureOut">
               <a:rPr lang="de-AT" smtClean="0"/>
-              <a:t>20.01.2018</a:t>
+              <a:t>28.11.2017</a:t>
             </a:fld>
             <a:endParaRPr lang="de-AT"/>
           </a:p>
@@ -30599,7 +30599,7 @@
           <a:p>
             <a:fld id="{83C286D2-5717-406C-AD4B-C4A69D5338FB}" type="datetimeFigureOut">
               <a:rPr lang="de-AT" smtClean="0"/>
-              <a:t>20.01.2018</a:t>
+              <a:t>28.11.2017</a:t>
             </a:fld>
             <a:endParaRPr lang="de-AT"/>
           </a:p>
@@ -30946,7 +30946,7 @@
           <a:p>
             <a:fld id="{83C286D2-5717-406C-AD4B-C4A69D5338FB}" type="datetimeFigureOut">
               <a:rPr lang="de-AT" smtClean="0"/>
-              <a:t>20.01.2018</a:t>
+              <a:t>28.11.2017</a:t>
             </a:fld>
             <a:endParaRPr lang="de-AT"/>
           </a:p>
@@ -31064,7 +31064,7 @@
           <a:p>
             <a:fld id="{83C286D2-5717-406C-AD4B-C4A69D5338FB}" type="datetimeFigureOut">
               <a:rPr lang="de-AT" smtClean="0"/>
-              <a:t>20.01.2018</a:t>
+              <a:t>28.11.2017</a:t>
             </a:fld>
             <a:endParaRPr lang="de-AT"/>
           </a:p>
@@ -31182,7 +31182,7 @@
           <a:p>
             <a:fld id="{83C286D2-5717-406C-AD4B-C4A69D5338FB}" type="datetimeFigureOut">
               <a:rPr lang="de-AT" smtClean="0"/>
-              <a:t>20.01.2018</a:t>
+              <a:t>28.11.2017</a:t>
             </a:fld>
             <a:endParaRPr lang="de-AT"/>
           </a:p>
@@ -31466,7 +31466,7 @@
           <a:p>
             <a:fld id="{83C286D2-5717-406C-AD4B-C4A69D5338FB}" type="datetimeFigureOut">
               <a:rPr lang="de-AT" smtClean="0"/>
-              <a:t>20.01.2018</a:t>
+              <a:t>28.11.2017</a:t>
             </a:fld>
             <a:endParaRPr lang="de-AT"/>
           </a:p>
@@ -31730,7 +31730,7 @@
           <a:p>
             <a:fld id="{83C286D2-5717-406C-AD4B-C4A69D5338FB}" type="datetimeFigureOut">
               <a:rPr lang="de-AT" smtClean="0"/>
-              <a:t>20.01.2018</a:t>
+              <a:t>28.11.2017</a:t>
             </a:fld>
             <a:endParaRPr lang="de-AT"/>
           </a:p>
@@ -31944,7 +31944,7 @@
           <a:p>
             <a:fld id="{83C286D2-5717-406C-AD4B-C4A69D5338FB}" type="datetimeFigureOut">
               <a:rPr lang="de-AT" smtClean="0"/>
-              <a:t>20.01.2018</a:t>
+              <a:t>28.11.2017</a:t>
             </a:fld>
             <a:endParaRPr lang="de-AT"/>
           </a:p>
@@ -32479,7 +32479,7 @@
           <a:p>
             <a:fld id="{83C286D2-5717-406C-AD4B-C4A69D5338FB}" type="datetimeFigureOut">
               <a:rPr lang="de-AT" smtClean="0"/>
-              <a:t>20.01.2018</a:t>
+              <a:t>28.11.2017</a:t>
             </a:fld>
             <a:endParaRPr lang="de-AT"/>
           </a:p>
@@ -33092,7 +33092,7 @@
           <a:p>
             <a:fld id="{83C286D2-5717-406C-AD4B-C4A69D5338FB}" type="datetimeFigureOut">
               <a:rPr lang="de-AT" smtClean="0"/>
-              <a:t>20.01.2018</a:t>
+              <a:t>28.11.2017</a:t>
             </a:fld>
             <a:endParaRPr lang="de-AT"/>
           </a:p>
@@ -37196,9 +37196,10 @@
           <a:lstStyle/>
           <a:p>
             <a:r>
-              <a:rPr lang="de-AT" dirty="0"/>
+              <a:rPr lang="de-AT"/>
               <a:t>Rahmeninfos</a:t>
             </a:r>
+            <a:endParaRPr lang="de-AT" dirty="0"/>
           </a:p>
         </p:txBody>
       </p:sp>
@@ -37299,6 +37300,28 @@
             <a:r>
               <a:rPr lang="de-AT" sz="2400" dirty="0"/>
               <a:t>Sebastian Mandl</a:t>
+            </a:r>
+          </a:p>
+          <a:p>
+            <a:pPr marL="0" indent="0">
+              <a:buNone/>
+            </a:pPr>
+            <a:endParaRPr lang="de-AT" sz="2400" b="1" dirty="0"/>
+          </a:p>
+          <a:p>
+            <a:pPr marL="0" indent="0">
+              <a:buNone/>
+            </a:pPr>
+            <a:r>
+              <a:rPr lang="de-AT" sz="2400" b="1" dirty="0"/>
+              <a:t>Betreuungslehrer:</a:t>
+            </a:r>
+            <a:br>
+              <a:rPr lang="de-AT" sz="2400" b="1" dirty="0"/>
+            </a:br>
+            <a:r>
+              <a:rPr lang="de-AT" sz="2400" dirty="0"/>
+              <a:t>DI Josef Doppelbauer</a:t>
             </a:r>
             <a:br>
               <a:rPr lang="de-AT" sz="2400" b="1" dirty="0"/>
